--- a/Data analysis/07. 7일차/수학이론 - 001. 통계와 확률.pptx
+++ b/Data analysis/07. 7일차/수학이론 - 001. 통계와 확률.pptx
@@ -3565,7 +3565,7 @@
           <a:p>
             <a:fld id="{762295EE-25FF-419D-9449-2D52353905B1}" type="datetimeFigureOut">
               <a:rPr lang="ko-KR" altLang="en-US" smtClean="0"/>
-              <a:t>2020-04-08</a:t>
+              <a:t>2020-04-09</a:t>
             </a:fld>
             <a:endParaRPr lang="ko-KR" altLang="en-US"/>
           </a:p>
@@ -5531,6 +5531,322 @@
               </a:rPr>
               <a:t>. </a:t>
             </a:r>
+            <a:endParaRPr lang="en-US" altLang="ko-KR" sz="1200" b="0" i="0" u="none" strike="noStrike" cap="none" baseline="0" dirty="0" smtClean="0">
+              <a:solidFill>
+                <a:schemeClr val="dk1"/>
+              </a:solidFill>
+              <a:latin typeface="Arial"/>
+              <a:ea typeface="Arial"/>
+              <a:cs typeface="Arial"/>
+              <a:sym typeface="Arial"/>
+            </a:endParaRPr>
+          </a:p>
+          <a:p>
+            <a:pPr marL="0" marR="0" lvl="0" indent="0" algn="l" rtl="0">
+              <a:spcBef>
+                <a:spcPts val="0"/>
+              </a:spcBef>
+              <a:spcAft>
+                <a:spcPts val="0"/>
+              </a:spcAft>
+              <a:buNone/>
+            </a:pPr>
+            <a:r>
+              <a:rPr lang="ko-KR" altLang="en-US" sz="1200" b="0" i="0" u="none" strike="noStrike" cap="none" baseline="0" dirty="0" smtClean="0">
+                <a:solidFill>
+                  <a:schemeClr val="dk1"/>
+                </a:solidFill>
+                <a:latin typeface="Arial"/>
+                <a:ea typeface="Arial"/>
+                <a:cs typeface="Arial"/>
+                <a:sym typeface="Arial"/>
+              </a:rPr>
+              <a:t>중심 평균을 기점으로 양쪽이 </a:t>
+            </a:r>
+            <a:r>
+              <a:rPr lang="ko-KR" altLang="en-US" sz="1200" b="0" i="0" u="none" strike="noStrike" cap="none" baseline="0" dirty="0" err="1" smtClean="0">
+                <a:solidFill>
+                  <a:schemeClr val="dk1"/>
+                </a:solidFill>
+                <a:latin typeface="Arial"/>
+                <a:ea typeface="Arial"/>
+                <a:cs typeface="Arial"/>
+                <a:sym typeface="Arial"/>
+              </a:rPr>
+              <a:t>대칭이여서</a:t>
+            </a:r>
+            <a:r>
+              <a:rPr lang="ko-KR" altLang="en-US" sz="1200" b="0" i="0" u="none" strike="noStrike" cap="none" baseline="0" dirty="0" smtClean="0">
+                <a:solidFill>
+                  <a:schemeClr val="dk1"/>
+                </a:solidFill>
+                <a:latin typeface="Arial"/>
+                <a:ea typeface="Arial"/>
+                <a:cs typeface="Arial"/>
+                <a:sym typeface="Arial"/>
+              </a:rPr>
+              <a:t> 각각 확률이 </a:t>
+            </a:r>
+            <a:r>
+              <a:rPr lang="en-US" altLang="ko-KR" sz="1200" b="0" i="0" u="none" strike="noStrike" cap="none" baseline="0" dirty="0" smtClean="0">
+                <a:solidFill>
+                  <a:schemeClr val="dk1"/>
+                </a:solidFill>
+                <a:latin typeface="Arial"/>
+                <a:ea typeface="Arial"/>
+                <a:cs typeface="Arial"/>
+                <a:sym typeface="Arial"/>
+              </a:rPr>
+              <a:t>0.5</a:t>
+            </a:r>
+            <a:r>
+              <a:rPr lang="ko-KR" altLang="en-US" sz="1200" b="0" i="0" u="none" strike="noStrike" cap="none" baseline="0" dirty="0" smtClean="0">
+                <a:solidFill>
+                  <a:schemeClr val="dk1"/>
+                </a:solidFill>
+                <a:latin typeface="Arial"/>
+                <a:ea typeface="Arial"/>
+                <a:cs typeface="Arial"/>
+                <a:sym typeface="Arial"/>
+              </a:rPr>
+              <a:t>입니다</a:t>
+            </a:r>
+            <a:r>
+              <a:rPr lang="en-US" altLang="ko-KR" sz="1200" b="0" i="0" u="none" strike="noStrike" cap="none" baseline="0" smtClean="0">
+                <a:solidFill>
+                  <a:schemeClr val="dk1"/>
+                </a:solidFill>
+                <a:latin typeface="Arial"/>
+                <a:ea typeface="Arial"/>
+                <a:cs typeface="Arial"/>
+                <a:sym typeface="Arial"/>
+              </a:rPr>
+              <a:t>. </a:t>
+            </a:r>
+            <a:endParaRPr lang="en-US" altLang="ko-KR" sz="1200" b="0" i="0" u="none" strike="noStrike" cap="none" baseline="0" dirty="0" smtClean="0">
+              <a:solidFill>
+                <a:schemeClr val="dk1"/>
+              </a:solidFill>
+              <a:latin typeface="Arial"/>
+              <a:ea typeface="Arial"/>
+              <a:cs typeface="Arial"/>
+              <a:sym typeface="Arial"/>
+            </a:endParaRPr>
+          </a:p>
+          <a:p>
+            <a:pPr marL="0" marR="0" lvl="0" indent="0" algn="l" rtl="0">
+              <a:spcBef>
+                <a:spcPts val="0"/>
+              </a:spcBef>
+              <a:spcAft>
+                <a:spcPts val="0"/>
+              </a:spcAft>
+              <a:buNone/>
+            </a:pPr>
+            <a:endParaRPr lang="en-US" sz="1200" b="0" i="0" u="none" strike="noStrike" cap="none" baseline="0" dirty="0" smtClean="0">
+              <a:solidFill>
+                <a:schemeClr val="dk1"/>
+              </a:solidFill>
+              <a:latin typeface="Arial"/>
+              <a:ea typeface="Arial"/>
+              <a:cs typeface="Arial"/>
+              <a:sym typeface="Arial"/>
+            </a:endParaRPr>
+          </a:p>
+          <a:p>
+            <a:pPr marL="0" marR="0" lvl="0" indent="0" algn="l" rtl="0">
+              <a:spcBef>
+                <a:spcPts val="0"/>
+              </a:spcBef>
+              <a:spcAft>
+                <a:spcPts val="0"/>
+              </a:spcAft>
+              <a:buNone/>
+            </a:pPr>
+            <a:r>
+              <a:rPr lang="ko-KR" altLang="en-US" sz="1200" b="0" i="0" u="none" strike="noStrike" cap="none" baseline="0" dirty="0" smtClean="0">
+                <a:solidFill>
+                  <a:schemeClr val="dk1"/>
+                </a:solidFill>
+                <a:latin typeface="Arial"/>
+                <a:ea typeface="Arial"/>
+                <a:cs typeface="Arial"/>
+                <a:sym typeface="Arial"/>
+              </a:rPr>
+              <a:t>정규분포는 확률밀도함수 즉</a:t>
+            </a:r>
+            <a:r>
+              <a:rPr lang="en-US" altLang="ko-KR" sz="1200" b="0" i="0" u="none" strike="noStrike" cap="none" baseline="0" dirty="0" smtClean="0">
+                <a:solidFill>
+                  <a:schemeClr val="dk1"/>
+                </a:solidFill>
+                <a:latin typeface="Arial"/>
+                <a:ea typeface="Arial"/>
+                <a:cs typeface="Arial"/>
+                <a:sym typeface="Arial"/>
+              </a:rPr>
+              <a:t>, (</a:t>
+            </a:r>
+            <a:r>
+              <a:rPr lang="ko-KR" altLang="en-US" sz="1200" b="0" i="0" u="none" strike="noStrike" cap="none" baseline="0" dirty="0" smtClean="0">
+                <a:solidFill>
+                  <a:schemeClr val="dk1"/>
+                </a:solidFill>
+                <a:latin typeface="Arial"/>
+                <a:ea typeface="Arial"/>
+                <a:cs typeface="Arial"/>
+                <a:sym typeface="Arial"/>
+              </a:rPr>
+              <a:t>키나 몸무게와 같은</a:t>
+            </a:r>
+            <a:r>
+              <a:rPr lang="en-US" altLang="ko-KR" sz="1200" b="0" i="0" u="none" strike="noStrike" cap="none" baseline="0" dirty="0" smtClean="0">
+                <a:solidFill>
+                  <a:schemeClr val="dk1"/>
+                </a:solidFill>
+                <a:latin typeface="Arial"/>
+                <a:ea typeface="Arial"/>
+                <a:cs typeface="Arial"/>
+                <a:sym typeface="Arial"/>
+              </a:rPr>
+              <a:t>)</a:t>
+            </a:r>
+            <a:r>
+              <a:rPr lang="ko-KR" altLang="en-US" sz="1200" b="0" i="0" u="none" strike="noStrike" cap="none" baseline="0" dirty="0" smtClean="0">
+                <a:solidFill>
+                  <a:schemeClr val="dk1"/>
+                </a:solidFill>
+                <a:latin typeface="Arial"/>
+                <a:ea typeface="Arial"/>
+                <a:cs typeface="Arial"/>
+                <a:sym typeface="Arial"/>
+              </a:rPr>
+              <a:t>연속적인 변수의 확률분포를 표현한 함수인데 그중 이렇게 종 모양을 가진 것을 정규분포라고 합니다</a:t>
+            </a:r>
+            <a:r>
+              <a:rPr lang="en-US" altLang="ko-KR" sz="1200" b="0" i="0" u="none" strike="noStrike" cap="none" baseline="0" dirty="0" smtClean="0">
+                <a:solidFill>
+                  <a:schemeClr val="dk1"/>
+                </a:solidFill>
+                <a:latin typeface="Arial"/>
+                <a:ea typeface="Arial"/>
+                <a:cs typeface="Arial"/>
+                <a:sym typeface="Arial"/>
+              </a:rPr>
+              <a:t>. </a:t>
+            </a:r>
+          </a:p>
+          <a:p>
+            <a:pPr marL="0" marR="0" lvl="0" indent="0" algn="l" rtl="0">
+              <a:spcBef>
+                <a:spcPts val="0"/>
+              </a:spcBef>
+              <a:spcAft>
+                <a:spcPts val="0"/>
+              </a:spcAft>
+              <a:buNone/>
+            </a:pPr>
+            <a:r>
+              <a:rPr lang="ko-KR" altLang="en-US" sz="1200" b="0" i="0" u="none" strike="noStrike" cap="none" baseline="0" dirty="0" smtClean="0">
+                <a:solidFill>
+                  <a:schemeClr val="dk1"/>
+                </a:solidFill>
+                <a:latin typeface="Arial"/>
+                <a:ea typeface="Arial"/>
+                <a:cs typeface="Arial"/>
+                <a:sym typeface="Arial"/>
+              </a:rPr>
+              <a:t>그렇기 때문에 정규분포 그래프의 전체 넓이는 </a:t>
+            </a:r>
+            <a:r>
+              <a:rPr lang="en-US" altLang="ko-KR" sz="1200" b="0" i="0" u="none" strike="noStrike" cap="none" baseline="0" dirty="0" smtClean="0">
+                <a:solidFill>
+                  <a:schemeClr val="dk1"/>
+                </a:solidFill>
+                <a:latin typeface="Arial"/>
+                <a:ea typeface="Arial"/>
+                <a:cs typeface="Arial"/>
+                <a:sym typeface="Arial"/>
+              </a:rPr>
+              <a:t>1</a:t>
+            </a:r>
+            <a:r>
+              <a:rPr lang="ko-KR" altLang="en-US" sz="1200" b="0" i="0" u="none" strike="noStrike" cap="none" baseline="0" dirty="0" smtClean="0">
+                <a:solidFill>
+                  <a:schemeClr val="dk1"/>
+                </a:solidFill>
+                <a:latin typeface="Arial"/>
+                <a:ea typeface="Arial"/>
+                <a:cs typeface="Arial"/>
+                <a:sym typeface="Arial"/>
+              </a:rPr>
+              <a:t>입니다 </a:t>
+            </a:r>
+            <a:r>
+              <a:rPr lang="en-US" altLang="ko-KR" sz="1200" b="0" i="0" u="none" strike="noStrike" cap="none" baseline="0" dirty="0" smtClean="0">
+                <a:solidFill>
+                  <a:schemeClr val="dk1"/>
+                </a:solidFill>
+                <a:latin typeface="Arial"/>
+                <a:ea typeface="Arial"/>
+                <a:cs typeface="Arial"/>
+                <a:sym typeface="Arial"/>
+              </a:rPr>
+              <a:t>(</a:t>
+            </a:r>
+            <a:r>
+              <a:rPr lang="ko-KR" altLang="en-US" sz="1200" b="0" i="0" u="none" strike="noStrike" cap="none" baseline="0" dirty="0" smtClean="0">
+                <a:solidFill>
+                  <a:schemeClr val="dk1"/>
+                </a:solidFill>
+                <a:latin typeface="Arial"/>
+                <a:ea typeface="Arial"/>
+                <a:cs typeface="Arial"/>
+                <a:sym typeface="Arial"/>
+              </a:rPr>
+              <a:t>확률이기 때문</a:t>
+            </a:r>
+            <a:r>
+              <a:rPr lang="en-US" altLang="ko-KR" sz="1200" b="0" i="0" u="none" strike="noStrike" cap="none" baseline="0" dirty="0" smtClean="0">
+                <a:solidFill>
+                  <a:schemeClr val="dk1"/>
+                </a:solidFill>
+                <a:latin typeface="Arial"/>
+                <a:ea typeface="Arial"/>
+                <a:cs typeface="Arial"/>
+                <a:sym typeface="Arial"/>
+              </a:rPr>
+              <a:t>)</a:t>
+            </a:r>
+            <a:endParaRPr lang="en-US" sz="1200" b="0" i="0" u="none" strike="noStrike" cap="none" baseline="0" dirty="0" smtClean="0">
+              <a:solidFill>
+                <a:schemeClr val="dk1"/>
+              </a:solidFill>
+              <a:latin typeface="Arial"/>
+              <a:ea typeface="Arial"/>
+              <a:cs typeface="Arial"/>
+              <a:sym typeface="Arial"/>
+            </a:endParaRPr>
+          </a:p>
+          <a:p>
+            <a:pPr marL="0" marR="0" lvl="0" indent="0" algn="l" rtl="0">
+              <a:spcBef>
+                <a:spcPts val="0"/>
+              </a:spcBef>
+              <a:spcAft>
+                <a:spcPts val="0"/>
+              </a:spcAft>
+              <a:buNone/>
+            </a:pPr>
+            <a:endParaRPr lang="en-US" sz="1200" b="0" i="0" u="none" strike="noStrike" cap="none" baseline="0" dirty="0" smtClean="0">
+              <a:solidFill>
+                <a:schemeClr val="dk1"/>
+              </a:solidFill>
+              <a:latin typeface="Arial"/>
+              <a:ea typeface="Arial"/>
+              <a:cs typeface="Arial"/>
+              <a:sym typeface="Arial"/>
+            </a:endParaRPr>
           </a:p>
           <a:p>
             <a:pPr marL="0" marR="0" lvl="0" indent="0" algn="l" rtl="0">
@@ -6651,8 +6967,8 @@
           </a:ln>
         </p:spPr>
       </p:sp>
-      <mc:AlternateContent xmlns:mc="http://schemas.openxmlformats.org/markup-compatibility/2006">
-        <mc:Choice xmlns:a14="http://schemas.microsoft.com/office/drawing/2010/main" Requires="a14">
+      <mc:AlternateContent xmlns:mc="http://schemas.openxmlformats.org/markup-compatibility/2006" xmlns:a14="http://schemas.microsoft.com/office/drawing/2010/main">
+        <mc:Choice Requires="a14">
           <p:sp>
             <p:nvSpPr>
               <p:cNvPr id="131" name="Google Shape;131;p7:notes"/>
@@ -7073,7 +7389,7 @@
             </p:txBody>
           </p:sp>
         </mc:Choice>
-        <mc:Fallback>
+        <mc:Fallback xmlns="">
           <p:sp>
             <p:nvSpPr>
               <p:cNvPr id="131" name="Google Shape;131;p7:notes"/>
@@ -7609,8 +7925,8 @@
           </a:ln>
         </p:spPr>
       </p:sp>
-      <mc:AlternateContent xmlns:mc="http://schemas.openxmlformats.org/markup-compatibility/2006">
-        <mc:Choice xmlns:a14="http://schemas.microsoft.com/office/drawing/2010/main" Requires="a14">
+      <mc:AlternateContent xmlns:mc="http://schemas.openxmlformats.org/markup-compatibility/2006" xmlns:a14="http://schemas.microsoft.com/office/drawing/2010/main">
+        <mc:Choice Requires="a14">
           <p:sp>
             <p:nvSpPr>
               <p:cNvPr id="131" name="Google Shape;131;p7:notes"/>
@@ -8419,7 +8735,7 @@
             </p:txBody>
           </p:sp>
         </mc:Choice>
-        <mc:Fallback>
+        <mc:Fallback xmlns="">
           <p:sp>
             <p:nvSpPr>
               <p:cNvPr id="131" name="Google Shape;131;p7:notes"/>
@@ -12927,7 +13243,7 @@
           <a:p>
             <a:fld id="{06AE0B28-11AF-450D-9AFB-A01EA93FBCDE}" type="datetimeFigureOut">
               <a:rPr lang="ko-KR" altLang="en-US" smtClean="0"/>
-              <a:t>2020-04-08</a:t>
+              <a:t>2020-04-09</a:t>
             </a:fld>
             <a:endParaRPr lang="ko-KR" altLang="en-US"/>
           </a:p>
@@ -13097,7 +13413,7 @@
           <a:p>
             <a:fld id="{06AE0B28-11AF-450D-9AFB-A01EA93FBCDE}" type="datetimeFigureOut">
               <a:rPr lang="ko-KR" altLang="en-US" smtClean="0"/>
-              <a:t>2020-04-08</a:t>
+              <a:t>2020-04-09</a:t>
             </a:fld>
             <a:endParaRPr lang="ko-KR" altLang="en-US"/>
           </a:p>
@@ -13277,7 +13593,7 @@
           <a:p>
             <a:fld id="{06AE0B28-11AF-450D-9AFB-A01EA93FBCDE}" type="datetimeFigureOut">
               <a:rPr lang="ko-KR" altLang="en-US" smtClean="0"/>
-              <a:t>2020-04-08</a:t>
+              <a:t>2020-04-09</a:t>
             </a:fld>
             <a:endParaRPr lang="ko-KR" altLang="en-US"/>
           </a:p>
@@ -13447,7 +13763,7 @@
           <a:p>
             <a:fld id="{06AE0B28-11AF-450D-9AFB-A01EA93FBCDE}" type="datetimeFigureOut">
               <a:rPr lang="ko-KR" altLang="en-US" smtClean="0"/>
-              <a:t>2020-04-08</a:t>
+              <a:t>2020-04-09</a:t>
             </a:fld>
             <a:endParaRPr lang="ko-KR" altLang="en-US"/>
           </a:p>
@@ -13693,7 +14009,7 @@
           <a:p>
             <a:fld id="{06AE0B28-11AF-450D-9AFB-A01EA93FBCDE}" type="datetimeFigureOut">
               <a:rPr lang="ko-KR" altLang="en-US" smtClean="0"/>
-              <a:t>2020-04-08</a:t>
+              <a:t>2020-04-09</a:t>
             </a:fld>
             <a:endParaRPr lang="ko-KR" altLang="en-US"/>
           </a:p>
@@ -13925,7 +14241,7 @@
           <a:p>
             <a:fld id="{06AE0B28-11AF-450D-9AFB-A01EA93FBCDE}" type="datetimeFigureOut">
               <a:rPr lang="ko-KR" altLang="en-US" smtClean="0"/>
-              <a:t>2020-04-08</a:t>
+              <a:t>2020-04-09</a:t>
             </a:fld>
             <a:endParaRPr lang="ko-KR" altLang="en-US"/>
           </a:p>
@@ -14292,7 +14608,7 @@
           <a:p>
             <a:fld id="{06AE0B28-11AF-450D-9AFB-A01EA93FBCDE}" type="datetimeFigureOut">
               <a:rPr lang="ko-KR" altLang="en-US" smtClean="0"/>
-              <a:t>2020-04-08</a:t>
+              <a:t>2020-04-09</a:t>
             </a:fld>
             <a:endParaRPr lang="ko-KR" altLang="en-US"/>
           </a:p>
@@ -14410,7 +14726,7 @@
           <a:p>
             <a:fld id="{06AE0B28-11AF-450D-9AFB-A01EA93FBCDE}" type="datetimeFigureOut">
               <a:rPr lang="ko-KR" altLang="en-US" smtClean="0"/>
-              <a:t>2020-04-08</a:t>
+              <a:t>2020-04-09</a:t>
             </a:fld>
             <a:endParaRPr lang="ko-KR" altLang="en-US"/>
           </a:p>
@@ -14505,7 +14821,7 @@
           <a:p>
             <a:fld id="{06AE0B28-11AF-450D-9AFB-A01EA93FBCDE}" type="datetimeFigureOut">
               <a:rPr lang="ko-KR" altLang="en-US" smtClean="0"/>
-              <a:t>2020-04-08</a:t>
+              <a:t>2020-04-09</a:t>
             </a:fld>
             <a:endParaRPr lang="ko-KR" altLang="en-US"/>
           </a:p>
@@ -14782,7 +15098,7 @@
           <a:p>
             <a:fld id="{06AE0B28-11AF-450D-9AFB-A01EA93FBCDE}" type="datetimeFigureOut">
               <a:rPr lang="ko-KR" altLang="en-US" smtClean="0"/>
-              <a:t>2020-04-08</a:t>
+              <a:t>2020-04-09</a:t>
             </a:fld>
             <a:endParaRPr lang="ko-KR" altLang="en-US"/>
           </a:p>
@@ -15035,7 +15351,7 @@
           <a:p>
             <a:fld id="{06AE0B28-11AF-450D-9AFB-A01EA93FBCDE}" type="datetimeFigureOut">
               <a:rPr lang="ko-KR" altLang="en-US" smtClean="0"/>
-              <a:t>2020-04-08</a:t>
+              <a:t>2020-04-09</a:t>
             </a:fld>
             <a:endParaRPr lang="ko-KR" altLang="en-US"/>
           </a:p>
@@ -15248,7 +15564,7 @@
           <a:p>
             <a:fld id="{06AE0B28-11AF-450D-9AFB-A01EA93FBCDE}" type="datetimeFigureOut">
               <a:rPr lang="ko-KR" altLang="en-US" smtClean="0"/>
-              <a:t>2020-04-08</a:t>
+              <a:t>2020-04-09</a:t>
             </a:fld>
             <a:endParaRPr lang="ko-KR" altLang="en-US"/>
           </a:p>
@@ -16207,19 +16523,7 @@
                 <a:cs typeface="Arial"/>
                 <a:sym typeface="Arial"/>
               </a:rPr>
-              <a:t>수식</a:t>
-            </a:r>
-            <a:r>
-              <a:rPr lang="ko-KR" altLang="en-US" sz="2800" b="1" dirty="0" smtClean="0">
-                <a:solidFill>
-                  <a:schemeClr val="dk1"/>
-                </a:solidFill>
-                <a:latin typeface="Tmon몬소리OTF Black" panose="02000A03000000000000" pitchFamily="50" charset="-127"/>
-                <a:ea typeface="Tmon몬소리OTF Black" panose="02000A03000000000000" pitchFamily="50" charset="-127"/>
-                <a:cs typeface="Arial"/>
-                <a:sym typeface="Arial"/>
-              </a:rPr>
-              <a:t> </a:t>
+              <a:t>수식 </a:t>
             </a:r>
             <a:r>
               <a:rPr lang="en-US" altLang="ko-KR" sz="2800" b="1" dirty="0" smtClean="0">
@@ -16452,13 +16756,7 @@
               <a:rPr lang="en-US" altLang="ko-KR" dirty="0">
                 <a:latin typeface="Sylfaen" panose="010A0502050306030303" pitchFamily="18" charset="0"/>
               </a:rPr>
-              <a:t>P(</a:t>
-            </a:r>
-            <a:r>
-              <a:rPr lang="en-US" altLang="ko-KR" dirty="0">
-                <a:latin typeface="Sylfaen" panose="010A0502050306030303" pitchFamily="18" charset="0"/>
-              </a:rPr>
-              <a:t>A</a:t>
+              <a:t>P(A</a:t>
             </a:r>
             <a:r>
               <a:rPr lang="en-US" altLang="ko-KR" i="1" baseline="30000" dirty="0">
@@ -17528,8 +17826,8 @@
             <a:chExt cx="8087832" cy="5137736"/>
           </a:xfrm>
         </p:grpSpPr>
-        <mc:AlternateContent xmlns:mc="http://schemas.openxmlformats.org/markup-compatibility/2006">
-          <mc:Choice xmlns:a14="http://schemas.microsoft.com/office/drawing/2010/main" Requires="a14">
+        <mc:AlternateContent xmlns:mc="http://schemas.openxmlformats.org/markup-compatibility/2006" xmlns:a14="http://schemas.microsoft.com/office/drawing/2010/main">
+          <mc:Choice Requires="a14">
             <p:sp>
               <p:nvSpPr>
                 <p:cNvPr id="3" name="TextBox 2"/>
@@ -17837,7 +18135,7 @@
               </p:txBody>
             </p:sp>
           </mc:Choice>
-          <mc:Fallback>
+          <mc:Fallback xmlns="">
             <p:sp>
               <p:nvSpPr>
                 <p:cNvPr id="3" name="TextBox 2"/>
@@ -18226,31 +18524,7 @@
                 <a:cs typeface="Arial"/>
                 <a:sym typeface="Arial"/>
               </a:rPr>
-              <a:t>확률</a:t>
-            </a:r>
-            <a:r>
-              <a:rPr lang="ko-KR" altLang="en-US" sz="2800" b="1" dirty="0" smtClean="0">
-                <a:solidFill>
-                  <a:schemeClr val="dk1"/>
-                </a:solidFill>
-                <a:latin typeface="Tmon몬소리OTF Black" panose="02000A03000000000000" pitchFamily="50" charset="-127"/>
-                <a:ea typeface="Tmon몬소리OTF Black" panose="02000A03000000000000" pitchFamily="50" charset="-127"/>
-                <a:cs typeface="Arial"/>
-                <a:sym typeface="Arial"/>
-              </a:rPr>
-              <a:t> </a:t>
-            </a:r>
-            <a:r>
-              <a:rPr lang="ko-KR" altLang="en-US" sz="2800" b="1" dirty="0" smtClean="0">
-                <a:solidFill>
-                  <a:schemeClr val="dk1"/>
-                </a:solidFill>
-                <a:latin typeface="Tmon몬소리OTF Black" panose="02000A03000000000000" pitchFamily="50" charset="-127"/>
-                <a:ea typeface="Tmon몬소리OTF Black" panose="02000A03000000000000" pitchFamily="50" charset="-127"/>
-                <a:cs typeface="Arial"/>
-                <a:sym typeface="Arial"/>
-              </a:rPr>
-              <a:t>이론 </a:t>
+              <a:t>확률 이론 </a:t>
             </a:r>
             <a:endParaRPr sz="2800" b="1" dirty="0">
               <a:solidFill>
@@ -18400,35 +18674,15 @@
             </a:r>
             <a:r>
               <a:rPr lang="ko-KR" altLang="en-US" sz="1700" dirty="0" smtClean="0"/>
-              <a:t>의 </a:t>
+              <a:t>의 어떤 관계를 가지고 변화하는 측도를 나타낸다</a:t>
+            </a:r>
+            <a:r>
+              <a:rPr lang="en-US" altLang="ko-KR" sz="1700" dirty="0" smtClean="0"/>
+              <a:t>. (</a:t>
             </a:r>
             <a:r>
               <a:rPr lang="ko-KR" altLang="en-US" sz="1700" dirty="0" smtClean="0"/>
-              <a:t>어떤 관계를 </a:t>
-            </a:r>
-            <a:r>
-              <a:rPr lang="ko-KR" altLang="en-US" sz="1700" dirty="0" smtClean="0"/>
-              <a:t>가지고 변화하는 측도를 </a:t>
-            </a:r>
-            <a:r>
-              <a:rPr lang="ko-KR" altLang="en-US" sz="1700" dirty="0" smtClean="0"/>
-              <a:t>나타낸다</a:t>
-            </a:r>
-            <a:r>
-              <a:rPr lang="en-US" altLang="ko-KR" sz="1700" dirty="0" smtClean="0"/>
-              <a:t>. </a:t>
-            </a:r>
-            <a:r>
-              <a:rPr lang="en-US" altLang="ko-KR" sz="1700" dirty="0" smtClean="0"/>
-              <a:t>(</a:t>
-            </a:r>
-            <a:r>
-              <a:rPr lang="ko-KR" altLang="en-US" sz="1700" dirty="0" smtClean="0"/>
-              <a:t>두 변수의 </a:t>
-            </a:r>
-            <a:r>
-              <a:rPr lang="ko-KR" altLang="en-US" sz="1700" dirty="0" smtClean="0"/>
-              <a:t>선형 </a:t>
+              <a:t>두 변수의 선형 </a:t>
             </a:r>
             <a:r>
               <a:rPr lang="ko-KR" altLang="en-US" sz="1700" dirty="0"/>
@@ -18454,17 +18708,12 @@
             </a:pPr>
             <a:r>
               <a:rPr lang="ko-KR" altLang="en-US" sz="1700" dirty="0" smtClean="0"/>
-              <a:t>공분산이 </a:t>
-            </a:r>
-            <a:r>
-              <a:rPr lang="ko-KR" altLang="en-US" sz="1700" dirty="0" smtClean="0"/>
-              <a:t>양수이면 두 변수가 같은 방향이고 음수일 경우 서로 다른 방향임을 뜻한다</a:t>
+              <a:t>공분산이 양수이면 두 변수가 같은 방향이고 음수일 경우 서로 다른 방향임을 뜻한다</a:t>
             </a:r>
             <a:r>
               <a:rPr lang="en-US" altLang="ko-KR" sz="1700" dirty="0" smtClean="0"/>
               <a:t>. </a:t>
             </a:r>
-            <a:endParaRPr lang="en-US" altLang="ko-KR" sz="1700" dirty="0" smtClean="0"/>
           </a:p>
           <a:p>
             <a:pPr marL="742950" lvl="1" indent="-285750">
@@ -18506,7 +18755,6 @@
               <a:rPr lang="en-US" altLang="ko-KR" sz="1700" dirty="0" smtClean="0"/>
               <a:t>. </a:t>
             </a:r>
-            <a:endParaRPr lang="en-US" altLang="ko-KR" sz="1700" dirty="0" smtClean="0"/>
           </a:p>
           <a:p>
             <a:pPr marL="742950" lvl="1" indent="-285750">
@@ -18556,11 +18804,7 @@
             </a:pPr>
             <a:r>
               <a:rPr lang="ko-KR" altLang="en-US" sz="1700" dirty="0" smtClean="0"/>
-              <a:t>공분산의 </a:t>
-            </a:r>
-            <a:r>
-              <a:rPr lang="ko-KR" altLang="en-US" sz="1700" dirty="0" smtClean="0"/>
-              <a:t>단위 크기</a:t>
+              <a:t>공분산의 단위 크기</a:t>
             </a:r>
             <a:r>
               <a:rPr lang="en-US" altLang="ko-KR" sz="1700" dirty="0" smtClean="0"/>
@@ -18593,7 +18837,11 @@
             </a:pPr>
             <a:r>
               <a:rPr lang="en-US" altLang="ko-KR" sz="1700" dirty="0" smtClean="0"/>
-              <a:t>-</a:t>
+              <a:t>-1</a:t>
+            </a:r>
+            <a:r>
+              <a:rPr lang="ko-KR" altLang="en-US" sz="1700" dirty="0" smtClean="0"/>
+              <a:t>과 </a:t>
             </a:r>
             <a:r>
               <a:rPr lang="en-US" altLang="ko-KR" sz="1700" dirty="0" smtClean="0"/>
@@ -18601,19 +18849,7 @@
             </a:r>
             <a:r>
               <a:rPr lang="ko-KR" altLang="en-US" sz="1700" dirty="0" smtClean="0"/>
-              <a:t>과 </a:t>
-            </a:r>
-            <a:r>
-              <a:rPr lang="en-US" altLang="ko-KR" sz="1700" dirty="0" smtClean="0"/>
-              <a:t>1</a:t>
-            </a:r>
-            <a:r>
-              <a:rPr lang="ko-KR" altLang="en-US" sz="1700" dirty="0" smtClean="0"/>
-              <a:t>에 가까워 질 수 록 서로 같은 방향으로 같이 움직이는 것을 </a:t>
-            </a:r>
-            <a:r>
-              <a:rPr lang="ko-KR" altLang="en-US" sz="1700" dirty="0" smtClean="0"/>
-              <a:t>뜻하고</a:t>
+              <a:t>에 가까워 질 수 록 서로 같은 방향으로 같이 움직이는 것을 뜻하고</a:t>
             </a:r>
             <a:r>
               <a:rPr lang="en-US" altLang="ko-KR" sz="1700" dirty="0" smtClean="0"/>
@@ -18642,11 +18878,7 @@
             </a:r>
             <a:r>
               <a:rPr lang="ko-KR" altLang="en-US" sz="1700" dirty="0" smtClean="0"/>
-              <a:t>에 가까울 수 록 두 변수의 </a:t>
-            </a:r>
-            <a:r>
-              <a:rPr lang="ko-KR" altLang="en-US" sz="1700" dirty="0" smtClean="0"/>
-              <a:t>관계가 작다 라는 것을 의미한다</a:t>
+              <a:t>에 가까울 수 록 두 변수의 관계가 작다 라는 것을 의미한다</a:t>
             </a:r>
             <a:r>
               <a:rPr lang="en-US" altLang="ko-KR" sz="1700" dirty="0" smtClean="0"/>
@@ -18668,7 +18900,6 @@
               <a:rPr lang="en-US" altLang="ko-KR" sz="1700" dirty="0" smtClean="0"/>
               <a:t>)</a:t>
             </a:r>
-            <a:endParaRPr lang="en-US" altLang="ko-KR" sz="1700" dirty="0" smtClean="0"/>
           </a:p>
           <a:p>
             <a:pPr marL="742950" lvl="1" indent="-285750">
@@ -18682,7 +18913,6 @@
               <a:rPr lang="en-US" altLang="ko-KR" sz="1700" dirty="0" smtClean="0"/>
               <a:t> </a:t>
             </a:r>
-            <a:endParaRPr lang="en-US" altLang="ko-KR" sz="1700" dirty="0" smtClean="0"/>
           </a:p>
         </p:txBody>
       </p:sp>
@@ -19002,19 +19232,7 @@
                 <a:cs typeface="Arial"/>
                 <a:sym typeface="Arial"/>
               </a:rPr>
-              <a:t>확률</a:t>
-            </a:r>
-            <a:r>
-              <a:rPr lang="ko-KR" altLang="en-US" sz="2800" b="1" dirty="0" smtClean="0">
-                <a:solidFill>
-                  <a:schemeClr val="dk1"/>
-                </a:solidFill>
-                <a:latin typeface="Tmon몬소리OTF Black" panose="02000A03000000000000" pitchFamily="50" charset="-127"/>
-                <a:ea typeface="Tmon몬소리OTF Black" panose="02000A03000000000000" pitchFamily="50" charset="-127"/>
-                <a:cs typeface="Arial"/>
-                <a:sym typeface="Arial"/>
-              </a:rPr>
-              <a:t> 이론 </a:t>
+              <a:t>확률 이론 </a:t>
             </a:r>
             <a:r>
               <a:rPr lang="en-US" altLang="ko-KR" sz="2800" b="1" dirty="0" smtClean="0">
@@ -19637,19 +19855,7 @@
                 <a:cs typeface="Arial"/>
                 <a:sym typeface="Arial"/>
               </a:rPr>
-              <a:t>확률</a:t>
-            </a:r>
-            <a:r>
-              <a:rPr lang="ko-KR" altLang="en-US" sz="2800" b="1" dirty="0" smtClean="0">
-                <a:solidFill>
-                  <a:schemeClr val="dk1"/>
-                </a:solidFill>
-                <a:latin typeface="Tmon몬소리OTF Black" panose="02000A03000000000000" pitchFamily="50" charset="-127"/>
-                <a:ea typeface="Tmon몬소리OTF Black" panose="02000A03000000000000" pitchFamily="50" charset="-127"/>
-                <a:cs typeface="Arial"/>
-                <a:sym typeface="Arial"/>
-              </a:rPr>
-              <a:t> 이론 </a:t>
+              <a:t>확률 이론 </a:t>
             </a:r>
             <a:r>
               <a:rPr lang="en-US" altLang="ko-KR" sz="2800" b="1" dirty="0" smtClean="0">
@@ -20708,8 +20914,8 @@
           </a:prstGeom>
         </p:spPr>
       </p:pic>
-      <mc:AlternateContent xmlns:mc="http://schemas.openxmlformats.org/markup-compatibility/2006">
-        <mc:Choice xmlns:a14="http://schemas.microsoft.com/office/drawing/2010/main" Requires="a14">
+      <mc:AlternateContent xmlns:mc="http://schemas.openxmlformats.org/markup-compatibility/2006" xmlns:a14="http://schemas.microsoft.com/office/drawing/2010/main">
+        <mc:Choice Requires="a14">
           <p:graphicFrame>
             <p:nvGraphicFramePr>
               <p:cNvPr id="8" name="표 7"/>
@@ -20995,7 +21201,7 @@
             </a:graphic>
           </p:graphicFrame>
         </mc:Choice>
-        <mc:Fallback>
+        <mc:Fallback xmlns="">
           <p:graphicFrame>
             <p:nvGraphicFramePr>
               <p:cNvPr id="8" name="표 7"/>
@@ -25806,19 +26012,7 @@
                 <a:cs typeface="Arial"/>
                 <a:sym typeface="Arial"/>
               </a:rPr>
-              <a:t>확률 </a:t>
-            </a:r>
-            <a:r>
-              <a:rPr lang="ko-KR" altLang="en-US" sz="2800" dirty="0" smtClean="0">
-                <a:solidFill>
-                  <a:schemeClr val="dk1"/>
-                </a:solidFill>
-                <a:latin typeface="Tmon몬소리OTF Black" panose="02000A03000000000000" pitchFamily="50" charset="-127"/>
-                <a:ea typeface="Tmon몬소리OTF Black" panose="02000A03000000000000" pitchFamily="50" charset="-127"/>
-                <a:cs typeface="Arial"/>
-                <a:sym typeface="Arial"/>
-              </a:rPr>
-              <a:t>이론</a:t>
+              <a:t>확률 이론</a:t>
             </a:r>
             <a:endParaRPr sz="2800" dirty="0">
               <a:solidFill>
@@ -26392,11 +26586,7 @@
             </a:r>
             <a:r>
               <a:rPr lang="ko-KR" altLang="en-US" sz="2100" dirty="0" smtClean="0"/>
-              <a:t>이론적으로 동일한 조건에서 여러 번 반복할 수 </a:t>
-            </a:r>
-            <a:r>
-              <a:rPr lang="ko-KR" altLang="en-US" sz="2100" dirty="0" smtClean="0"/>
-              <a:t>있고</a:t>
+              <a:t>이론적으로 동일한 조건에서 여러 번 반복할 수 있고</a:t>
             </a:r>
             <a:r>
               <a:rPr lang="en-US" altLang="ko-KR" sz="2100" dirty="0" smtClean="0"/>
@@ -26404,11 +26594,7 @@
             </a:r>
             <a:r>
               <a:rPr lang="ko-KR" altLang="en-US" sz="2100" dirty="0" smtClean="0"/>
-              <a:t> </a:t>
-            </a:r>
-            <a:r>
-              <a:rPr lang="ko-KR" altLang="en-US" sz="2100" dirty="0" smtClean="0"/>
-              <a:t>그 결과는 우연에 의해서 결정되는 실험</a:t>
+              <a:t> 그 결과는 우연에 의해서 결정되는 실험</a:t>
             </a:r>
             <a:endParaRPr lang="en-US" altLang="ko-KR" sz="2100" dirty="0" smtClean="0"/>
           </a:p>
@@ -26438,11 +26624,7 @@
             </a:r>
             <a:r>
               <a:rPr lang="ko-KR" altLang="en-US" sz="2100" dirty="0" smtClean="0"/>
-              <a:t>시행의 </a:t>
-            </a:r>
-            <a:r>
-              <a:rPr lang="ko-KR" altLang="en-US" sz="2100" dirty="0" smtClean="0"/>
-              <a:t>결과들의 집합</a:t>
+              <a:t>시행의 결과들의 집합</a:t>
             </a:r>
             <a:endParaRPr lang="en-US" altLang="ko-KR" sz="2100" dirty="0" smtClean="0"/>
           </a:p>

--- a/Data analysis/07. 7일차/수학이론 - 001. 통계와 확률.pptx
+++ b/Data analysis/07. 7일차/수학이론 - 001. 통계와 확률.pptx
@@ -1239,7 +1239,7 @@
         <a:p>
           <a:pPr latinLnBrk="1"/>
           <a:r>
-            <a:rPr lang="en-US" altLang="ko-KR" dirty="0" smtClean="0">
+            <a:rPr lang="en-US" altLang="ko-KR" dirty="0">
               <a:solidFill>
                 <a:schemeClr val="bg1">
                   <a:lumMod val="65000"/>
@@ -1291,7 +1291,7 @@
         <a:p>
           <a:pPr latinLnBrk="1"/>
           <a:r>
-            <a:rPr lang="en-US" altLang="ko-KR" dirty="0" smtClean="0">
+            <a:rPr lang="en-US" altLang="ko-KR" dirty="0">
               <a:solidFill>
                 <a:schemeClr val="accent2"/>
               </a:solidFill>
@@ -1339,11 +1339,11 @@
         <a:p>
           <a:pPr latinLnBrk="1"/>
           <a:r>
-            <a:rPr lang="ko-KR" altLang="en-US" dirty="0" smtClean="0"/>
+            <a:rPr lang="ko-KR" altLang="en-US" dirty="0"/>
             <a:t>표본 </a:t>
           </a:r>
           <a:r>
-            <a:rPr lang="en-US" altLang="ko-KR" dirty="0" smtClean="0"/>
+            <a:rPr lang="en-US" altLang="ko-KR" dirty="0"/>
             <a:t>(sample)</a:t>
           </a:r>
           <a:endParaRPr lang="ko-KR" altLang="en-US" dirty="0"/>
@@ -1383,7 +1383,7 @@
         <a:p>
           <a:pPr latinLnBrk="1"/>
           <a:r>
-            <a:rPr lang="en-US" altLang="ko-KR" dirty="0" smtClean="0">
+            <a:rPr lang="en-US" altLang="ko-KR" dirty="0">
               <a:solidFill>
                 <a:schemeClr val="accent4"/>
               </a:solidFill>
@@ -1430,14 +1430,6 @@
         </dgm:presLayoutVars>
       </dgm:prSet>
       <dgm:spPr/>
-      <dgm:t>
-        <a:bodyPr/>
-        <a:lstStyle/>
-        <a:p>
-          <a:pPr latinLnBrk="1"/>
-          <a:endParaRPr lang="ko-KR" altLang="en-US"/>
-        </a:p>
-      </dgm:t>
     </dgm:pt>
     <dgm:pt modelId="{7911EC44-66E0-418C-A24D-510931FB7198}" type="pres">
       <dgm:prSet presAssocID="{08E51B5C-50E2-4F6B-87D5-4E3305451086}" presName="ellipse" presStyleLbl="trBgShp" presStyleIdx="0" presStyleCnt="1"/>
@@ -1454,14 +1446,6 @@
         </dgm:presLayoutVars>
       </dgm:prSet>
       <dgm:spPr/>
-      <dgm:t>
-        <a:bodyPr/>
-        <a:lstStyle/>
-        <a:p>
-          <a:pPr latinLnBrk="1"/>
-          <a:endParaRPr lang="ko-KR" altLang="en-US"/>
-        </a:p>
-      </dgm:t>
     </dgm:pt>
     <dgm:pt modelId="{157B66C3-9FE6-4948-A2AE-BE89523B458C}" type="pres">
       <dgm:prSet presAssocID="{9DB02CE4-8025-4373-8B5D-28BD03406B1D}" presName="item1" presStyleLbl="node1" presStyleIdx="0" presStyleCnt="3">
@@ -1470,14 +1454,6 @@
         </dgm:presLayoutVars>
       </dgm:prSet>
       <dgm:spPr/>
-      <dgm:t>
-        <a:bodyPr/>
-        <a:lstStyle/>
-        <a:p>
-          <a:pPr latinLnBrk="1"/>
-          <a:endParaRPr lang="ko-KR" altLang="en-US"/>
-        </a:p>
-      </dgm:t>
     </dgm:pt>
     <dgm:pt modelId="{103783B1-398D-446D-861E-F957BCDE33F0}" type="pres">
       <dgm:prSet presAssocID="{CA51EC87-3501-4859-BB4F-689593F87348}" presName="item2" presStyleLbl="node1" presStyleIdx="1" presStyleCnt="3">
@@ -1486,14 +1462,6 @@
         </dgm:presLayoutVars>
       </dgm:prSet>
       <dgm:spPr/>
-      <dgm:t>
-        <a:bodyPr/>
-        <a:lstStyle/>
-        <a:p>
-          <a:pPr latinLnBrk="1"/>
-          <a:endParaRPr lang="ko-KR" altLang="en-US"/>
-        </a:p>
-      </dgm:t>
     </dgm:pt>
     <dgm:pt modelId="{6D94A3EB-6C8D-4320-AA5F-4C33C7BFD494}" type="pres">
       <dgm:prSet presAssocID="{A3EDD4B5-8951-450F-80DE-46AABED72B97}" presName="item3" presStyleLbl="node1" presStyleIdx="2" presStyleCnt="3">
@@ -1502,14 +1470,6 @@
         </dgm:presLayoutVars>
       </dgm:prSet>
       <dgm:spPr/>
-      <dgm:t>
-        <a:bodyPr/>
-        <a:lstStyle/>
-        <a:p>
-          <a:pPr latinLnBrk="1"/>
-          <a:endParaRPr lang="ko-KR" altLang="en-US"/>
-        </a:p>
-      </dgm:t>
     </dgm:pt>
     <dgm:pt modelId="{F9F89EA7-AA05-4B8C-A5AE-A553D0356B4C}" type="pres">
       <dgm:prSet presAssocID="{08E51B5C-50E2-4F6B-87D5-4E3305451086}" presName="funnel" presStyleLbl="trAlignAcc1" presStyleIdx="0" presStyleCnt="1" custLinFactNeighborY="-420"/>
@@ -1517,15 +1477,15 @@
     </dgm:pt>
   </dgm:ptLst>
   <dgm:cxnLst>
+    <dgm:cxn modelId="{6A15C800-394D-40BF-A5E9-A91792757DBF}" type="presOf" srcId="{9DB02CE4-8025-4373-8B5D-28BD03406B1D}" destId="{103783B1-398D-446D-861E-F957BCDE33F0}" srcOrd="0" destOrd="0" presId="urn:microsoft.com/office/officeart/2005/8/layout/funnel1"/>
+    <dgm:cxn modelId="{93948003-FDBC-4F02-BC0F-090C7E1505C2}" type="presOf" srcId="{A3EDD4B5-8951-450F-80DE-46AABED72B97}" destId="{36F20091-05AF-4765-8911-0EEA7D0151D8}" srcOrd="0" destOrd="0" presId="urn:microsoft.com/office/officeart/2005/8/layout/funnel1"/>
+    <dgm:cxn modelId="{08DAE807-F2F1-418A-9BC7-D9F5666A583F}" srcId="{08E51B5C-50E2-4F6B-87D5-4E3305451086}" destId="{9DB02CE4-8025-4373-8B5D-28BD03406B1D}" srcOrd="1" destOrd="0" parTransId="{56EC6F85-6AFB-47FF-9605-13870A0FD21E}" sibTransId="{62E36EA5-414D-4E2F-B798-3BAECC6D5362}"/>
+    <dgm:cxn modelId="{27E8B213-1D08-4FDD-A4EE-6E3852CAF663}" srcId="{08E51B5C-50E2-4F6B-87D5-4E3305451086}" destId="{CA51EC87-3501-4859-BB4F-689593F87348}" srcOrd="2" destOrd="0" parTransId="{205FF301-F761-40DA-9FDE-1465C780BE71}" sibTransId="{2B07AE20-6623-44F1-93C1-C4403D183E66}"/>
     <dgm:cxn modelId="{14E0E83D-6B4F-440C-9E07-841DFF1FE090}" srcId="{08E51B5C-50E2-4F6B-87D5-4E3305451086}" destId="{B57AAD09-5959-476D-A225-C2760D90773C}" srcOrd="0" destOrd="0" parTransId="{91AEBE92-1D94-4CC6-85FE-872948CBEC04}" sibTransId="{47ECFE03-432B-4B4E-81D9-14A0F85A0DED}"/>
-    <dgm:cxn modelId="{93948003-FDBC-4F02-BC0F-090C7E1505C2}" type="presOf" srcId="{A3EDD4B5-8951-450F-80DE-46AABED72B97}" destId="{36F20091-05AF-4765-8911-0EEA7D0151D8}" srcOrd="0" destOrd="0" presId="urn:microsoft.com/office/officeart/2005/8/layout/funnel1"/>
-    <dgm:cxn modelId="{746D029C-6A8F-4001-9DD1-CD0D6C84DBB3}" srcId="{08E51B5C-50E2-4F6B-87D5-4E3305451086}" destId="{A3EDD4B5-8951-450F-80DE-46AABED72B97}" srcOrd="3" destOrd="0" parTransId="{E7DB3F01-047C-4CBB-98B8-E8871F502922}" sibTransId="{DABD9EBF-E603-41BF-853B-F7928550E5C3}"/>
     <dgm:cxn modelId="{A751FB46-6489-4A57-A76E-AAF569B1AAC9}" type="presOf" srcId="{B57AAD09-5959-476D-A225-C2760D90773C}" destId="{6D94A3EB-6C8D-4320-AA5F-4C33C7BFD494}" srcOrd="0" destOrd="0" presId="urn:microsoft.com/office/officeart/2005/8/layout/funnel1"/>
     <dgm:cxn modelId="{A04E3A87-AFF8-4322-A054-AC7CD4F2EAEA}" type="presOf" srcId="{08E51B5C-50E2-4F6B-87D5-4E3305451086}" destId="{37979D79-E3CE-42FF-8554-0AD8DA737123}" srcOrd="0" destOrd="0" presId="urn:microsoft.com/office/officeart/2005/8/layout/funnel1"/>
+    <dgm:cxn modelId="{746D029C-6A8F-4001-9DD1-CD0D6C84DBB3}" srcId="{08E51B5C-50E2-4F6B-87D5-4E3305451086}" destId="{A3EDD4B5-8951-450F-80DE-46AABED72B97}" srcOrd="3" destOrd="0" parTransId="{E7DB3F01-047C-4CBB-98B8-E8871F502922}" sibTransId="{DABD9EBF-E603-41BF-853B-F7928550E5C3}"/>
     <dgm:cxn modelId="{DCF65EAF-56CA-46EC-AF62-221C598F7656}" type="presOf" srcId="{CA51EC87-3501-4859-BB4F-689593F87348}" destId="{157B66C3-9FE6-4948-A2AE-BE89523B458C}" srcOrd="0" destOrd="0" presId="urn:microsoft.com/office/officeart/2005/8/layout/funnel1"/>
-    <dgm:cxn modelId="{08DAE807-F2F1-418A-9BC7-D9F5666A583F}" srcId="{08E51B5C-50E2-4F6B-87D5-4E3305451086}" destId="{9DB02CE4-8025-4373-8B5D-28BD03406B1D}" srcOrd="1" destOrd="0" parTransId="{56EC6F85-6AFB-47FF-9605-13870A0FD21E}" sibTransId="{62E36EA5-414D-4E2F-B798-3BAECC6D5362}"/>
-    <dgm:cxn modelId="{6A15C800-394D-40BF-A5E9-A91792757DBF}" type="presOf" srcId="{9DB02CE4-8025-4373-8B5D-28BD03406B1D}" destId="{103783B1-398D-446D-861E-F957BCDE33F0}" srcOrd="0" destOrd="0" presId="urn:microsoft.com/office/officeart/2005/8/layout/funnel1"/>
-    <dgm:cxn modelId="{27E8B213-1D08-4FDD-A4EE-6E3852CAF663}" srcId="{08E51B5C-50E2-4F6B-87D5-4E3305451086}" destId="{CA51EC87-3501-4859-BB4F-689593F87348}" srcOrd="2" destOrd="0" parTransId="{205FF301-F761-40DA-9FDE-1465C780BE71}" sibTransId="{2B07AE20-6623-44F1-93C1-C4403D183E66}"/>
     <dgm:cxn modelId="{8C8937F7-0324-48C3-A54C-D2B6A573CF48}" type="presParOf" srcId="{37979D79-E3CE-42FF-8554-0AD8DA737123}" destId="{7911EC44-66E0-418C-A24D-510931FB7198}" srcOrd="0" destOrd="0" presId="urn:microsoft.com/office/officeart/2005/8/layout/funnel1"/>
     <dgm:cxn modelId="{507462F5-AF38-4200-BC7C-738B3DFD6E3A}" type="presParOf" srcId="{37979D79-E3CE-42FF-8554-0AD8DA737123}" destId="{81636B59-12E9-4E4A-A0DD-D00E1F404A41}" srcOrd="1" destOrd="0" presId="urn:microsoft.com/office/officeart/2005/8/layout/funnel1"/>
     <dgm:cxn modelId="{18998DC8-53D1-4087-8E0A-3F507EEE89A5}" type="presParOf" srcId="{37979D79-E3CE-42FF-8554-0AD8DA737123}" destId="{36F20091-05AF-4765-8911-0EEA7D0151D8}" srcOrd="2" destOrd="0" presId="urn:microsoft.com/office/officeart/2005/8/layout/funnel1"/>
@@ -1708,7 +1668,7 @@
         </a:bodyPr>
         <a:lstStyle/>
         <a:p>
-          <a:pPr lvl="0" algn="ctr" defTabSz="1111250" latinLnBrk="1">
+          <a:pPr marL="0" lvl="0" indent="0" algn="ctr" defTabSz="1111250" latinLnBrk="1">
             <a:lnSpc>
               <a:spcPct val="90000"/>
             </a:lnSpc>
@@ -1718,13 +1678,14 @@
             <a:spcAft>
               <a:spcPct val="35000"/>
             </a:spcAft>
+            <a:buNone/>
           </a:pPr>
           <a:r>
-            <a:rPr lang="ko-KR" altLang="en-US" sz="2500" kern="1200" dirty="0" smtClean="0"/>
+            <a:rPr lang="ko-KR" altLang="en-US" sz="2500" kern="1200" dirty="0"/>
             <a:t>표본 </a:t>
           </a:r>
           <a:r>
-            <a:rPr lang="en-US" altLang="ko-KR" sz="2500" kern="1200" dirty="0" smtClean="0"/>
+            <a:rPr lang="en-US" altLang="ko-KR" sz="2500" kern="1200" dirty="0"/>
             <a:t>(sample)</a:t>
           </a:r>
           <a:endParaRPr lang="ko-KR" altLang="en-US" sz="2500" kern="1200" dirty="0"/>
@@ -1817,7 +1778,7 @@
         </a:bodyPr>
         <a:lstStyle/>
         <a:p>
-          <a:pPr lvl="0" algn="ctr" defTabSz="1822450" latinLnBrk="1">
+          <a:pPr marL="0" lvl="0" indent="0" algn="ctr" defTabSz="1822450" latinLnBrk="1">
             <a:lnSpc>
               <a:spcPct val="90000"/>
             </a:lnSpc>
@@ -1827,9 +1788,10 @@
             <a:spcAft>
               <a:spcPct val="35000"/>
             </a:spcAft>
+            <a:buNone/>
           </a:pPr>
           <a:r>
-            <a:rPr lang="en-US" altLang="ko-KR" sz="4100" kern="1200" dirty="0" smtClean="0">
+            <a:rPr lang="en-US" altLang="ko-KR" sz="4100" kern="1200" dirty="0">
               <a:solidFill>
                 <a:schemeClr val="accent2"/>
               </a:solidFill>
@@ -1930,7 +1892,7 @@
         </a:bodyPr>
         <a:lstStyle/>
         <a:p>
-          <a:pPr lvl="0" algn="ctr" defTabSz="1822450" latinLnBrk="1">
+          <a:pPr marL="0" lvl="0" indent="0" algn="ctr" defTabSz="1822450" latinLnBrk="1">
             <a:lnSpc>
               <a:spcPct val="90000"/>
             </a:lnSpc>
@@ -1940,9 +1902,10 @@
             <a:spcAft>
               <a:spcPct val="35000"/>
             </a:spcAft>
+            <a:buNone/>
           </a:pPr>
           <a:r>
-            <a:rPr lang="en-US" altLang="ko-KR" sz="4100" kern="1200" dirty="0" smtClean="0">
+            <a:rPr lang="en-US" altLang="ko-KR" sz="4100" kern="1200" dirty="0">
               <a:solidFill>
                 <a:schemeClr val="bg1">
                   <a:lumMod val="65000"/>
@@ -2047,7 +2010,7 @@
         </a:bodyPr>
         <a:lstStyle/>
         <a:p>
-          <a:pPr lvl="0" algn="ctr" defTabSz="1822450" latinLnBrk="1">
+          <a:pPr marL="0" lvl="0" indent="0" algn="ctr" defTabSz="1822450" latinLnBrk="1">
             <a:lnSpc>
               <a:spcPct val="90000"/>
             </a:lnSpc>
@@ -2057,9 +2020,10 @@
             <a:spcAft>
               <a:spcPct val="35000"/>
             </a:spcAft>
+            <a:buNone/>
           </a:pPr>
           <a:r>
-            <a:rPr lang="en-US" altLang="ko-KR" sz="4100" kern="1200" dirty="0" smtClean="0">
+            <a:rPr lang="en-US" altLang="ko-KR" sz="4100" kern="1200" dirty="0">
               <a:solidFill>
                 <a:schemeClr val="accent4"/>
               </a:solidFill>
@@ -3629,38 +3593,37 @@
           <a:p>
             <a:pPr lvl="0"/>
             <a:r>
-              <a:rPr lang="ko-KR" altLang="en-US" smtClean="0"/>
+              <a:rPr lang="ko-KR" altLang="en-US"/>
               <a:t>마스터 텍스트 스타일 편집</a:t>
             </a:r>
           </a:p>
           <a:p>
             <a:pPr lvl="1"/>
             <a:r>
-              <a:rPr lang="ko-KR" altLang="en-US" smtClean="0"/>
+              <a:rPr lang="ko-KR" altLang="en-US"/>
               <a:t>둘째 수준</a:t>
             </a:r>
           </a:p>
           <a:p>
             <a:pPr lvl="2"/>
             <a:r>
-              <a:rPr lang="ko-KR" altLang="en-US" smtClean="0"/>
+              <a:rPr lang="ko-KR" altLang="en-US"/>
               <a:t>셋째 수준</a:t>
             </a:r>
           </a:p>
           <a:p>
             <a:pPr lvl="3"/>
             <a:r>
-              <a:rPr lang="ko-KR" altLang="en-US" smtClean="0"/>
+              <a:rPr lang="ko-KR" altLang="en-US"/>
               <a:t>넷째 수준</a:t>
             </a:r>
           </a:p>
           <a:p>
             <a:pPr lvl="4"/>
             <a:r>
-              <a:rPr lang="ko-KR" altLang="en-US" smtClean="0"/>
+              <a:rPr lang="ko-KR" altLang="en-US"/>
               <a:t>다섯째 수준</a:t>
             </a:r>
-            <a:endParaRPr lang="ko-KR" altLang="en-US"/>
           </a:p>
         </p:txBody>
       </p:sp>
@@ -4049,7 +4012,7 @@
               <a:buNone/>
             </a:pPr>
             <a:r>
-              <a:rPr lang="ko-KR" altLang="en-US" sz="1200" b="0" i="0" u="none" strike="noStrike" cap="none" dirty="0" smtClean="0">
+              <a:rPr lang="ko-KR" altLang="en-US" sz="1200" b="0" i="0" u="none" strike="noStrike" cap="none" dirty="0">
                 <a:solidFill>
                   <a:schemeClr val="dk1"/>
                 </a:solidFill>
@@ -4061,7 +4024,7 @@
               <a:t>조건부 확률에서 </a:t>
             </a:r>
             <a:r>
-              <a:rPr lang="en-US" altLang="ko-KR" sz="1200" b="0" i="0" u="none" strike="noStrike" cap="none" dirty="0" smtClean="0">
+              <a:rPr lang="en-US" altLang="ko-KR" sz="1200" b="0" i="0" u="none" strike="noStrike" cap="none" dirty="0">
                 <a:solidFill>
                   <a:schemeClr val="dk1"/>
                 </a:solidFill>
@@ -4073,7 +4036,7 @@
               <a:t>A,B</a:t>
             </a:r>
             <a:r>
-              <a:rPr lang="ko-KR" altLang="en-US" sz="1200" b="0" i="0" u="none" strike="noStrike" cap="none" dirty="0" smtClean="0">
+              <a:rPr lang="ko-KR" altLang="en-US" sz="1200" b="0" i="0" u="none" strike="noStrike" cap="none" dirty="0">
                 <a:solidFill>
                   <a:schemeClr val="dk1"/>
                 </a:solidFill>
@@ -4278,67 +4241,67 @@
               <a:buNone/>
             </a:pPr>
             <a:r>
-              <a:rPr lang="en-US" altLang="ko-KR" dirty="0" smtClean="0">
+              <a:rPr lang="en-US" altLang="ko-KR" dirty="0">
                 <a:latin typeface="Sylfaen" panose="010A0502050306030303" pitchFamily="18" charset="0"/>
               </a:rPr>
               <a:t>f(1) = P(X = 1) = P({(H,T),(T,H)})</a:t>
             </a:r>
             <a:r>
-              <a:rPr lang="en-US" altLang="ko-KR" baseline="0" dirty="0" smtClean="0">
+              <a:rPr lang="en-US" altLang="ko-KR" baseline="0" dirty="0">
                 <a:latin typeface="Sylfaen" panose="010A0502050306030303" pitchFamily="18" charset="0"/>
               </a:rPr>
               <a:t> </a:t>
             </a:r>
             <a:r>
-              <a:rPr lang="ko-KR" altLang="en-US" baseline="0" dirty="0" smtClean="0">
+              <a:rPr lang="ko-KR" altLang="en-US" baseline="0" dirty="0">
                 <a:latin typeface="Sylfaen" panose="010A0502050306030303" pitchFamily="18" charset="0"/>
               </a:rPr>
               <a:t>에서 </a:t>
             </a:r>
             <a:r>
-              <a:rPr lang="en-US" altLang="ko-KR" baseline="0" dirty="0" smtClean="0">
+              <a:rPr lang="en-US" altLang="ko-KR" baseline="0" dirty="0">
                 <a:latin typeface="Sylfaen" panose="010A0502050306030303" pitchFamily="18" charset="0"/>
               </a:rPr>
               <a:t>X</a:t>
             </a:r>
             <a:r>
-              <a:rPr lang="ko-KR" altLang="en-US" baseline="0" dirty="0" smtClean="0">
+              <a:rPr lang="ko-KR" altLang="en-US" baseline="0" dirty="0">
                 <a:latin typeface="Sylfaen" panose="010A0502050306030303" pitchFamily="18" charset="0"/>
               </a:rPr>
               <a:t>가 각각 앞뒤</a:t>
             </a:r>
             <a:r>
-              <a:rPr lang="en-US" altLang="ko-KR" baseline="0" dirty="0" smtClean="0">
+              <a:rPr lang="en-US" altLang="ko-KR" baseline="0" dirty="0">
                 <a:latin typeface="Sylfaen" panose="010A0502050306030303" pitchFamily="18" charset="0"/>
               </a:rPr>
               <a:t>, </a:t>
             </a:r>
             <a:r>
-              <a:rPr lang="ko-KR" altLang="en-US" baseline="0" dirty="0" err="1" smtClean="0">
+              <a:rPr lang="ko-KR" altLang="en-US" baseline="0" dirty="0" err="1">
                 <a:latin typeface="Sylfaen" panose="010A0502050306030303" pitchFamily="18" charset="0"/>
               </a:rPr>
               <a:t>뒤앞이</a:t>
             </a:r>
             <a:r>
-              <a:rPr lang="ko-KR" altLang="en-US" baseline="0" dirty="0" smtClean="0">
+              <a:rPr lang="ko-KR" altLang="en-US" baseline="0" dirty="0">
                 <a:latin typeface="Sylfaen" panose="010A0502050306030303" pitchFamily="18" charset="0"/>
               </a:rPr>
               <a:t> 나올 확률로 </a:t>
             </a:r>
             <a:r>
-              <a:rPr lang="en-US" altLang="ko-KR" baseline="0" dirty="0" smtClean="0">
+              <a:rPr lang="en-US" altLang="ko-KR" baseline="0" dirty="0">
                 <a:latin typeface="Sylfaen" panose="010A0502050306030303" pitchFamily="18" charset="0"/>
               </a:rPr>
               <a:t>X=1</a:t>
             </a:r>
             <a:r>
-              <a:rPr lang="ko-KR" altLang="en-US" baseline="0" dirty="0" smtClean="0">
+              <a:rPr lang="ko-KR" altLang="en-US" baseline="0" dirty="0">
                 <a:latin typeface="Sylfaen" panose="010A0502050306030303" pitchFamily="18" charset="0"/>
               </a:rPr>
               <a:t>인 확률이 되는 것</a:t>
             </a:r>
             <a:r>
-              <a:rPr lang="en-US" altLang="ko-KR" baseline="0" dirty="0" smtClean="0">
+              <a:rPr lang="en-US" altLang="ko-KR" baseline="0" dirty="0">
                 <a:latin typeface="Sylfaen" panose="010A0502050306030303" pitchFamily="18" charset="0"/>
               </a:rPr>
               <a:t>. </a:t>
@@ -4354,7 +4317,7 @@
               </a:spcAft>
               <a:buNone/>
             </a:pPr>
-            <a:endParaRPr lang="en-US" altLang="ko-KR" baseline="0" dirty="0" smtClean="0">
+            <a:endParaRPr lang="en-US" altLang="ko-KR" baseline="0" dirty="0">
               <a:latin typeface="Sylfaen" panose="010A0502050306030303" pitchFamily="18" charset="0"/>
             </a:endParaRPr>
           </a:p>
@@ -4369,30 +4332,30 @@
               <a:buNone/>
             </a:pPr>
             <a:r>
-              <a:rPr lang="ko-KR" altLang="en-US" baseline="0" dirty="0" smtClean="0">
+              <a:rPr lang="ko-KR" altLang="en-US" baseline="0" dirty="0">
                 <a:latin typeface="Sylfaen" panose="010A0502050306030303" pitchFamily="18" charset="0"/>
               </a:rPr>
               <a:t>확률기대값은 중심이 어디에 위치해 있는가 </a:t>
             </a:r>
             <a:r>
-              <a:rPr lang="ko-KR" altLang="en-US" baseline="0" dirty="0" err="1" smtClean="0">
+              <a:rPr lang="ko-KR" altLang="en-US" baseline="0" dirty="0" err="1">
                 <a:latin typeface="Sylfaen" panose="010A0502050306030303" pitchFamily="18" charset="0"/>
               </a:rPr>
               <a:t>를</a:t>
             </a:r>
             <a:r>
-              <a:rPr lang="ko-KR" altLang="en-US" baseline="0" dirty="0" smtClean="0">
+              <a:rPr lang="ko-KR" altLang="en-US" baseline="0" dirty="0">
                 <a:latin typeface="Sylfaen" panose="010A0502050306030303" pitchFamily="18" charset="0"/>
               </a:rPr>
               <a:t> 알아본다</a:t>
             </a:r>
             <a:r>
-              <a:rPr lang="en-US" altLang="ko-KR" baseline="0" dirty="0" smtClean="0">
+              <a:rPr lang="en-US" altLang="ko-KR" baseline="0" dirty="0">
                 <a:latin typeface="Sylfaen" panose="010A0502050306030303" pitchFamily="18" charset="0"/>
               </a:rPr>
               <a:t>.</a:t>
             </a:r>
-            <a:endParaRPr lang="en-US" sz="1200" b="0" i="0" u="none" strike="noStrike" cap="none" baseline="0" dirty="0" smtClean="0">
+            <a:endParaRPr lang="en-US" sz="1200" b="0" i="0" u="none" strike="noStrike" cap="none" baseline="0" dirty="0">
               <a:solidFill>
                 <a:schemeClr val="dk1"/>
               </a:solidFill>
@@ -4413,7 +4376,7 @@
               <a:buNone/>
             </a:pPr>
             <a:r>
-              <a:rPr lang="ko-KR" altLang="en-US" sz="1200" b="0" i="0" u="none" strike="noStrike" cap="none" baseline="0" dirty="0" smtClean="0">
+              <a:rPr lang="ko-KR" altLang="en-US" sz="1200" b="0" i="0" u="none" strike="noStrike" cap="none" baseline="0" dirty="0">
                 <a:solidFill>
                   <a:schemeClr val="dk1"/>
                 </a:solidFill>
@@ -4425,7 +4388,7 @@
               <a:t>확률변수의 </a:t>
             </a:r>
             <a:r>
-              <a:rPr lang="ko-KR" altLang="en-US" sz="1200" b="0" i="0" u="none" strike="noStrike" cap="none" baseline="0" dirty="0" err="1" smtClean="0">
+              <a:rPr lang="ko-KR" altLang="en-US" sz="1200" b="0" i="0" u="none" strike="noStrike" cap="none" baseline="0" dirty="0" err="1">
                 <a:solidFill>
                   <a:schemeClr val="dk1"/>
                 </a:solidFill>
@@ -4437,7 +4400,7 @@
               <a:t>기대값</a:t>
             </a:r>
             <a:r>
-              <a:rPr lang="ko-KR" altLang="en-US" sz="1200" b="0" i="0" u="none" strike="noStrike" cap="none" baseline="0" dirty="0" smtClean="0">
+              <a:rPr lang="ko-KR" altLang="en-US" sz="1200" b="0" i="0" u="none" strike="noStrike" cap="none" baseline="0" dirty="0">
                 <a:solidFill>
                   <a:schemeClr val="dk1"/>
                 </a:solidFill>
@@ -4449,7 +4412,7 @@
               <a:t> 공식에서 </a:t>
             </a:r>
             <a:r>
-              <a:rPr lang="en-US" altLang="ko-KR" sz="1200" b="0" i="0" u="none" strike="noStrike" cap="none" baseline="0" dirty="0" smtClean="0">
+              <a:rPr lang="en-US" altLang="ko-KR" sz="1200" b="0" i="0" u="none" strike="noStrike" cap="none" baseline="0" dirty="0">
                 <a:solidFill>
                   <a:schemeClr val="dk1"/>
                 </a:solidFill>
@@ -4461,7 +4424,7 @@
               <a:t>xi*f(xi) </a:t>
             </a:r>
             <a:r>
-              <a:rPr lang="ko-KR" altLang="en-US" sz="1200" b="0" i="0" u="none" strike="noStrike" cap="none" baseline="0" dirty="0" smtClean="0">
+              <a:rPr lang="ko-KR" altLang="en-US" sz="1200" b="0" i="0" u="none" strike="noStrike" cap="none" baseline="0" dirty="0">
                 <a:solidFill>
                   <a:schemeClr val="dk1"/>
                 </a:solidFill>
@@ -4473,7 +4436,7 @@
               <a:t>는 확률 분포와 확률변수를 곱한 것</a:t>
             </a:r>
             <a:r>
-              <a:rPr lang="en-US" altLang="ko-KR" sz="1200" b="0" i="0" u="none" strike="noStrike" cap="none" baseline="0" dirty="0" smtClean="0">
+              <a:rPr lang="en-US" altLang="ko-KR" sz="1200" b="0" i="0" u="none" strike="noStrike" cap="none" baseline="0" dirty="0">
                 <a:solidFill>
                   <a:schemeClr val="dk1"/>
                 </a:solidFill>
@@ -4485,7 +4448,7 @@
               <a:t>. (</a:t>
             </a:r>
             <a:r>
-              <a:rPr lang="ko-KR" altLang="en-US" sz="1200" b="0" i="0" u="none" strike="noStrike" cap="none" baseline="0" dirty="0" smtClean="0">
+              <a:rPr lang="ko-KR" altLang="en-US" sz="1200" b="0" i="0" u="none" strike="noStrike" cap="none" baseline="0" dirty="0">
                 <a:solidFill>
                   <a:schemeClr val="dk1"/>
                 </a:solidFill>
@@ -4497,7 +4460,7 @@
               <a:t>예를 들어 주사위 </a:t>
             </a:r>
             <a:r>
-              <a:rPr lang="en-US" altLang="ko-KR" sz="1200" b="0" i="0" u="none" strike="noStrike" cap="none" baseline="0" dirty="0" smtClean="0">
+              <a:rPr lang="en-US" altLang="ko-KR" sz="1200" b="0" i="0" u="none" strike="noStrike" cap="none" baseline="0" dirty="0">
                 <a:solidFill>
                   <a:schemeClr val="dk1"/>
                 </a:solidFill>
@@ -4509,7 +4472,7 @@
               <a:t>1</a:t>
             </a:r>
             <a:r>
-              <a:rPr lang="ko-KR" altLang="en-US" sz="1200" b="0" i="0" u="none" strike="noStrike" cap="none" baseline="0" dirty="0" smtClean="0">
+              <a:rPr lang="ko-KR" altLang="en-US" sz="1200" b="0" i="0" u="none" strike="noStrike" cap="none" baseline="0" dirty="0">
                 <a:solidFill>
                   <a:schemeClr val="dk1"/>
                 </a:solidFill>
@@ -4521,7 +4484,7 @@
               <a:t>이 나온 확률분포 </a:t>
             </a:r>
             <a:r>
-              <a:rPr lang="en-US" altLang="ko-KR" sz="1200" b="0" i="0" u="none" strike="noStrike" cap="none" baseline="0" dirty="0" smtClean="0">
+              <a:rPr lang="en-US" altLang="ko-KR" sz="1200" b="0" i="0" u="none" strike="noStrike" cap="none" baseline="0" dirty="0">
                 <a:solidFill>
                   <a:schemeClr val="dk1"/>
                 </a:solidFill>
@@ -4533,7 +4496,7 @@
               <a:t>x</a:t>
             </a:r>
             <a:r>
-              <a:rPr lang="ko-KR" altLang="en-US" sz="1200" b="0" i="0" u="none" strike="noStrike" cap="none" baseline="0" dirty="0" smtClean="0">
+              <a:rPr lang="ko-KR" altLang="en-US" sz="1200" b="0" i="0" u="none" strike="noStrike" cap="none" baseline="0" dirty="0">
                 <a:solidFill>
                   <a:schemeClr val="dk1"/>
                 </a:solidFill>
@@ -4545,7 +4508,7 @@
               <a:t>와 그에 확률 </a:t>
             </a:r>
             <a:r>
-              <a:rPr lang="en-US" altLang="ko-KR" sz="1200" b="0" i="0" u="none" strike="noStrike" cap="none" baseline="0" dirty="0" smtClean="0">
+              <a:rPr lang="en-US" altLang="ko-KR" sz="1200" b="0" i="0" u="none" strike="noStrike" cap="none" baseline="0" dirty="0">
                 <a:solidFill>
                   <a:schemeClr val="dk1"/>
                 </a:solidFill>
@@ -4557,7 +4520,7 @@
               <a:t>1/6</a:t>
             </a:r>
             <a:r>
-              <a:rPr lang="ko-KR" altLang="en-US" sz="1200" b="0" i="0" u="none" strike="noStrike" cap="none" baseline="0" dirty="0" smtClean="0">
+              <a:rPr lang="ko-KR" altLang="en-US" sz="1200" b="0" i="0" u="none" strike="noStrike" cap="none" baseline="0" dirty="0">
                 <a:solidFill>
                   <a:schemeClr val="dk1"/>
                 </a:solidFill>
@@ -4569,7 +4532,7 @@
               <a:t>을 곱한 것</a:t>
             </a:r>
             <a:r>
-              <a:rPr lang="en-US" altLang="ko-KR" sz="1200" b="0" i="0" u="none" strike="noStrike" cap="none" baseline="0" dirty="0" smtClean="0">
+              <a:rPr lang="en-US" altLang="ko-KR" sz="1200" b="0" i="0" u="none" strike="noStrike" cap="none" baseline="0" dirty="0">
                 <a:solidFill>
                   <a:schemeClr val="dk1"/>
                 </a:solidFill>
@@ -4581,7 +4544,7 @@
               <a:t>. </a:t>
             </a:r>
             <a:r>
-              <a:rPr lang="ko-KR" altLang="en-US" sz="1200" b="0" i="0" u="none" strike="noStrike" cap="none" baseline="0" dirty="0" smtClean="0">
+              <a:rPr lang="ko-KR" altLang="en-US" sz="1200" b="0" i="0" u="none" strike="noStrike" cap="none" baseline="0" dirty="0">
                 <a:solidFill>
                   <a:schemeClr val="dk1"/>
                 </a:solidFill>
@@ -4593,7 +4556,7 @@
               <a:t>그리고 나서 모든 확률 변수를 더한 것</a:t>
             </a:r>
             <a:r>
-              <a:rPr lang="en-US" altLang="ko-KR" sz="1200" b="0" i="0" u="none" strike="noStrike" cap="none" baseline="0" dirty="0" smtClean="0">
+              <a:rPr lang="en-US" altLang="ko-KR" sz="1200" b="0" i="0" u="none" strike="noStrike" cap="none" baseline="0" dirty="0">
                 <a:solidFill>
                   <a:schemeClr val="dk1"/>
                 </a:solidFill>
@@ -4615,7 +4578,7 @@
               </a:spcAft>
               <a:buNone/>
             </a:pPr>
-            <a:endParaRPr lang="en-US" altLang="ko-KR" sz="1200" b="0" i="0" u="none" strike="noStrike" cap="none" baseline="0" dirty="0" smtClean="0">
+            <a:endParaRPr lang="en-US" altLang="ko-KR" sz="1200" b="0" i="0" u="none" strike="noStrike" cap="none" baseline="0" dirty="0">
               <a:solidFill>
                 <a:schemeClr val="dk1"/>
               </a:solidFill>
@@ -4636,7 +4599,7 @@
               <a:buNone/>
             </a:pPr>
             <a:r>
-              <a:rPr lang="ko-KR" altLang="en-US" sz="1200" b="0" i="0" u="none" strike="noStrike" cap="none" baseline="0" dirty="0" smtClean="0">
+              <a:rPr lang="ko-KR" altLang="en-US" sz="1200" b="0" i="0" u="none" strike="noStrike" cap="none" baseline="0" dirty="0">
                 <a:solidFill>
                   <a:schemeClr val="dk1"/>
                 </a:solidFill>
@@ -4648,7 +4611,7 @@
               <a:t>확률 분산은 얼마나 다양한 값을 가지고 있는가</a:t>
             </a:r>
             <a:r>
-              <a:rPr lang="en-US" altLang="ko-KR" sz="1200" b="0" i="0" u="none" strike="noStrike" cap="none" baseline="0" dirty="0" smtClean="0">
+              <a:rPr lang="en-US" altLang="ko-KR" sz="1200" b="0" i="0" u="none" strike="noStrike" cap="none" baseline="0" dirty="0">
                 <a:solidFill>
                   <a:schemeClr val="dk1"/>
                 </a:solidFill>
@@ -4660,7 +4623,7 @@
               <a:t>, </a:t>
             </a:r>
             <a:r>
-              <a:rPr lang="ko-KR" altLang="en-US" sz="1200" b="0" i="0" u="none" strike="noStrike" cap="none" baseline="0" dirty="0" smtClean="0">
+              <a:rPr lang="ko-KR" altLang="en-US" sz="1200" b="0" i="0" u="none" strike="noStrike" cap="none" baseline="0" dirty="0">
                 <a:solidFill>
                   <a:schemeClr val="dk1"/>
                 </a:solidFill>
@@ -4672,7 +4635,7 @@
               <a:t>얼마나 퍼져 있는가를 알아본다</a:t>
             </a:r>
             <a:r>
-              <a:rPr lang="en-US" altLang="ko-KR" sz="1200" b="0" i="0" u="none" strike="noStrike" cap="none" baseline="0" dirty="0" smtClean="0">
+              <a:rPr lang="en-US" altLang="ko-KR" sz="1200" b="0" i="0" u="none" strike="noStrike" cap="none" baseline="0" dirty="0">
                 <a:solidFill>
                   <a:schemeClr val="dk1"/>
                 </a:solidFill>
@@ -4695,7 +4658,7 @@
               <a:buNone/>
             </a:pPr>
             <a:r>
-              <a:rPr lang="ko-KR" altLang="en-US" sz="1200" b="0" i="0" u="none" strike="noStrike" cap="none" baseline="0" dirty="0" smtClean="0">
+              <a:rPr lang="ko-KR" altLang="en-US" sz="1200" b="0" i="0" u="none" strike="noStrike" cap="none" baseline="0" dirty="0">
                 <a:solidFill>
                   <a:schemeClr val="dk1"/>
                 </a:solidFill>
@@ -4707,7 +4670,7 @@
               <a:t>분산은 확률변수에서 </a:t>
             </a:r>
             <a:r>
-              <a:rPr lang="ko-KR" altLang="en-US" sz="1200" b="0" i="0" u="none" strike="noStrike" cap="none" baseline="0" dirty="0" err="1" smtClean="0">
+              <a:rPr lang="ko-KR" altLang="en-US" sz="1200" b="0" i="0" u="none" strike="noStrike" cap="none" baseline="0" dirty="0" err="1">
                 <a:solidFill>
                   <a:schemeClr val="dk1"/>
                 </a:solidFill>
@@ -4719,7 +4682,7 @@
               <a:t>기대값을</a:t>
             </a:r>
             <a:r>
-              <a:rPr lang="ko-KR" altLang="en-US" sz="1200" b="0" i="0" u="none" strike="noStrike" cap="none" baseline="0" dirty="0" smtClean="0">
+              <a:rPr lang="ko-KR" altLang="en-US" sz="1200" b="0" i="0" u="none" strike="noStrike" cap="none" baseline="0" dirty="0">
                 <a:solidFill>
                   <a:schemeClr val="dk1"/>
                 </a:solidFill>
@@ -4731,7 +4694,7 @@
               <a:t> 뺀 것의 제곱의 기대 값</a:t>
             </a:r>
             <a:r>
-              <a:rPr lang="en-US" altLang="ko-KR" sz="1200" b="0" i="0" u="none" strike="noStrike" cap="none" baseline="0" dirty="0" smtClean="0">
+              <a:rPr lang="en-US" altLang="ko-KR" sz="1200" b="0" i="0" u="none" strike="noStrike" cap="none" baseline="0" dirty="0">
                 <a:solidFill>
                   <a:schemeClr val="dk1"/>
                 </a:solidFill>
@@ -4936,7 +4899,7 @@
               <a:buNone/>
             </a:pPr>
             <a:r>
-              <a:rPr lang="ko-KR" altLang="en-US" sz="1200" b="0" i="0" u="none" strike="noStrike" cap="none" dirty="0" smtClean="0">
+              <a:rPr lang="ko-KR" altLang="en-US" sz="1200" b="0" i="0" u="none" strike="noStrike" cap="none" dirty="0">
                 <a:solidFill>
                   <a:schemeClr val="dk1"/>
                 </a:solidFill>
@@ -4947,7 +4910,7 @@
               </a:rPr>
               <a:t>공분산</a:t>
             </a:r>
-            <a:endParaRPr lang="en-US" altLang="ko-KR" sz="1200" b="0" i="0" u="none" strike="noStrike" cap="none" dirty="0" smtClean="0">
+            <a:endParaRPr lang="en-US" altLang="ko-KR" sz="1200" b="0" i="0" u="none" strike="noStrike" cap="none" dirty="0">
               <a:solidFill>
                 <a:schemeClr val="dk1"/>
               </a:solidFill>
@@ -4968,7 +4931,7 @@
               <a:buNone/>
             </a:pPr>
             <a:r>
-              <a:rPr lang="ko-KR" altLang="en-US" sz="1200" b="0" i="0" u="none" strike="noStrike" cap="none" dirty="0" smtClean="0">
+              <a:rPr lang="ko-KR" altLang="en-US" sz="1200" b="0" i="0" u="none" strike="noStrike" cap="none" dirty="0">
                 <a:solidFill>
                   <a:schemeClr val="dk1"/>
                 </a:solidFill>
@@ -4979,7 +4942,7 @@
               </a:rPr>
               <a:t>각각의 변수의 기대 값을 빼고 곱하고 확률 함수와 곱하고 모두 더한다</a:t>
             </a:r>
-            <a:endParaRPr lang="en-US" altLang="ko-KR" sz="1200" b="0" i="0" u="none" strike="noStrike" cap="none" dirty="0" smtClean="0">
+            <a:endParaRPr lang="en-US" altLang="ko-KR" sz="1200" b="0" i="0" u="none" strike="noStrike" cap="none" dirty="0">
               <a:solidFill>
                 <a:schemeClr val="dk1"/>
               </a:solidFill>
@@ -4999,7 +4962,7 @@
               </a:spcAft>
               <a:buNone/>
             </a:pPr>
-            <a:endParaRPr lang="en-US" sz="1200" b="0" i="0" u="none" strike="noStrike" cap="none" dirty="0" smtClean="0">
+            <a:endParaRPr lang="en-US" sz="1200" b="0" i="0" u="none" strike="noStrike" cap="none" dirty="0">
               <a:solidFill>
                 <a:schemeClr val="dk1"/>
               </a:solidFill>
@@ -5020,7 +4983,7 @@
               <a:buNone/>
             </a:pPr>
             <a:r>
-              <a:rPr lang="ko-KR" altLang="en-US" sz="1200" b="0" i="0" u="none" strike="noStrike" cap="none" dirty="0" smtClean="0">
+              <a:rPr lang="ko-KR" altLang="en-US" sz="1200" b="0" i="0" u="none" strike="noStrike" cap="none" dirty="0">
                 <a:solidFill>
                   <a:schemeClr val="dk1"/>
                 </a:solidFill>
@@ -5031,7 +4994,7 @@
               </a:rPr>
               <a:t>상관계수</a:t>
             </a:r>
-            <a:endParaRPr lang="en-US" altLang="ko-KR" sz="1200" b="0" i="0" u="none" strike="noStrike" cap="none" dirty="0" smtClean="0">
+            <a:endParaRPr lang="en-US" altLang="ko-KR" sz="1200" b="0" i="0" u="none" strike="noStrike" cap="none" dirty="0">
               <a:solidFill>
                 <a:schemeClr val="dk1"/>
               </a:solidFill>
@@ -5052,7 +5015,7 @@
               <a:buNone/>
             </a:pPr>
             <a:r>
-              <a:rPr lang="ko-KR" altLang="en-US" sz="1200" b="0" i="0" u="none" strike="noStrike" cap="none" dirty="0" smtClean="0">
+              <a:rPr lang="ko-KR" altLang="en-US" sz="1200" b="0" i="0" u="none" strike="noStrike" cap="none" dirty="0">
                 <a:solidFill>
                   <a:schemeClr val="dk1"/>
                 </a:solidFill>
@@ -5064,7 +5027,7 @@
               <a:t>공분산의 단점인 </a:t>
             </a:r>
             <a:r>
-              <a:rPr lang="en-US" altLang="ko-KR" sz="1200" b="0" i="0" u="none" strike="noStrike" cap="none" dirty="0" smtClean="0">
+              <a:rPr lang="en-US" altLang="ko-KR" sz="1200" b="0" i="0" u="none" strike="noStrike" cap="none" dirty="0">
                 <a:solidFill>
                   <a:schemeClr val="dk1"/>
                 </a:solidFill>
@@ -5076,7 +5039,7 @@
               <a:t>‘</a:t>
             </a:r>
             <a:r>
-              <a:rPr lang="ko-KR" altLang="en-US" sz="1200" b="0" i="0" u="none" strike="noStrike" cap="none" dirty="0" smtClean="0">
+              <a:rPr lang="ko-KR" altLang="en-US" sz="1200" b="0" i="0" u="none" strike="noStrike" cap="none" dirty="0">
                 <a:solidFill>
                   <a:schemeClr val="dk1"/>
                 </a:solidFill>
@@ -5088,7 +5051,7 @@
               <a:t>크기를 설명하지 못하는 단점</a:t>
             </a:r>
             <a:r>
-              <a:rPr lang="en-US" altLang="ko-KR" sz="1200" b="0" i="0" u="none" strike="noStrike" cap="none" dirty="0" smtClean="0">
+              <a:rPr lang="en-US" altLang="ko-KR" sz="1200" b="0" i="0" u="none" strike="noStrike" cap="none" dirty="0">
                 <a:solidFill>
                   <a:schemeClr val="dk1"/>
                 </a:solidFill>
@@ -5100,7 +5063,7 @@
               <a:t>’ </a:t>
             </a:r>
             <a:r>
-              <a:rPr lang="ko-KR" altLang="en-US" sz="1200" b="0" i="0" u="none" strike="noStrike" cap="none" dirty="0" smtClean="0">
+              <a:rPr lang="ko-KR" altLang="en-US" sz="1200" b="0" i="0" u="none" strike="noStrike" cap="none" dirty="0">
                 <a:solidFill>
                   <a:schemeClr val="dk1"/>
                 </a:solidFill>
@@ -5112,7 +5075,7 @@
               <a:t>을 보완한다</a:t>
             </a:r>
             <a:r>
-              <a:rPr lang="en-US" altLang="ko-KR" sz="1200" b="0" i="0" u="none" strike="noStrike" cap="none" dirty="0" smtClean="0">
+              <a:rPr lang="en-US" altLang="ko-KR" sz="1200" b="0" i="0" u="none" strike="noStrike" cap="none" dirty="0">
                 <a:solidFill>
                   <a:schemeClr val="dk1"/>
                 </a:solidFill>
@@ -5317,7 +5280,7 @@
               <a:buNone/>
             </a:pPr>
             <a:r>
-              <a:rPr lang="ko-KR" altLang="en-US" sz="1200" b="0" i="0" u="none" strike="noStrike" cap="none" dirty="0" smtClean="0">
+              <a:rPr lang="ko-KR" altLang="en-US" sz="1200" b="0" i="0" u="none" strike="noStrike" cap="none" dirty="0">
                 <a:solidFill>
                   <a:schemeClr val="dk1"/>
                 </a:solidFill>
@@ -5329,7 +5292,7 @@
               <a:t>정규분포를 잘 알아둬야 합니다</a:t>
             </a:r>
             <a:r>
-              <a:rPr lang="en-US" altLang="ko-KR" sz="1200" b="0" i="0" u="none" strike="noStrike" cap="none" dirty="0" smtClean="0">
+              <a:rPr lang="en-US" altLang="ko-KR" sz="1200" b="0" i="0" u="none" strike="noStrike" cap="none" dirty="0">
                 <a:solidFill>
                   <a:schemeClr val="dk1"/>
                 </a:solidFill>
@@ -5341,7 +5304,7 @@
               <a:t>. </a:t>
             </a:r>
             <a:r>
-              <a:rPr lang="ko-KR" altLang="en-US" sz="1200" b="0" i="0" u="none" strike="noStrike" cap="none" dirty="0" smtClean="0">
+              <a:rPr lang="ko-KR" altLang="en-US" sz="1200" b="0" i="0" u="none" strike="noStrike" cap="none" dirty="0">
                 <a:solidFill>
                   <a:schemeClr val="dk1"/>
                 </a:solidFill>
@@ -5353,7 +5316,7 @@
               <a:t>뒤에서 배울 회귀분석이 정규분포를 가정하고 모델이 만들어 진 것입니다</a:t>
             </a:r>
             <a:r>
-              <a:rPr lang="en-US" altLang="ko-KR" sz="1200" b="0" i="0" u="none" strike="noStrike" cap="none" dirty="0" smtClean="0">
+              <a:rPr lang="en-US" altLang="ko-KR" sz="1200" b="0" i="0" u="none" strike="noStrike" cap="none" dirty="0">
                 <a:solidFill>
                   <a:schemeClr val="dk1"/>
                 </a:solidFill>
@@ -5376,7 +5339,7 @@
               <a:buNone/>
             </a:pPr>
             <a:r>
-              <a:rPr lang="ko-KR" altLang="en-US" sz="1200" b="0" i="0" u="none" strike="noStrike" cap="none" dirty="0" smtClean="0">
+              <a:rPr lang="ko-KR" altLang="en-US" sz="1200" b="0" i="0" u="none" strike="noStrike" cap="none" dirty="0">
                 <a:solidFill>
                   <a:schemeClr val="dk1"/>
                 </a:solidFill>
@@ -5388,7 +5351,7 @@
               <a:t>정규분포의 가질 수 있는 범위는 </a:t>
             </a:r>
             <a:r>
-              <a:rPr lang="en-US" altLang="ko-KR" sz="1200" b="0" i="0" u="none" strike="noStrike" cap="none" dirty="0" smtClean="0">
+              <a:rPr lang="en-US" altLang="ko-KR" sz="1200" b="0" i="0" u="none" strike="noStrike" cap="none" dirty="0">
                 <a:solidFill>
                   <a:schemeClr val="dk1"/>
                 </a:solidFill>
@@ -5400,7 +5363,7 @@
               <a:t>– </a:t>
             </a:r>
             <a:r>
-              <a:rPr lang="ko-KR" altLang="en-US" sz="1200" b="0" i="0" u="none" strike="noStrike" cap="none" dirty="0" smtClean="0">
+              <a:rPr lang="ko-KR" altLang="en-US" sz="1200" b="0" i="0" u="none" strike="noStrike" cap="none" dirty="0">
                 <a:solidFill>
                   <a:schemeClr val="dk1"/>
                 </a:solidFill>
@@ -5412,7 +5375,7 @@
               <a:t>무한대부터 </a:t>
             </a:r>
             <a:r>
-              <a:rPr lang="en-US" altLang="ko-KR" sz="1200" b="0" i="0" u="none" strike="noStrike" cap="none" dirty="0" smtClean="0">
+              <a:rPr lang="en-US" altLang="ko-KR" sz="1200" b="0" i="0" u="none" strike="noStrike" cap="none" dirty="0">
                 <a:solidFill>
                   <a:schemeClr val="dk1"/>
                 </a:solidFill>
@@ -5424,7 +5387,7 @@
               <a:t>+</a:t>
             </a:r>
             <a:r>
-              <a:rPr lang="ko-KR" altLang="en-US" sz="1200" b="0" i="0" u="none" strike="noStrike" cap="none" dirty="0" smtClean="0">
+              <a:rPr lang="ko-KR" altLang="en-US" sz="1200" b="0" i="0" u="none" strike="noStrike" cap="none" dirty="0">
                 <a:solidFill>
                   <a:schemeClr val="dk1"/>
                 </a:solidFill>
@@ -5436,7 +5399,7 @@
               <a:t>무한대까지 무한하고</a:t>
             </a:r>
             <a:r>
-              <a:rPr lang="en-US" altLang="ko-KR" sz="1200" b="0" i="0" u="none" strike="noStrike" cap="none" dirty="0" smtClean="0">
+              <a:rPr lang="en-US" altLang="ko-KR" sz="1200" b="0" i="0" u="none" strike="noStrike" cap="none" dirty="0">
                 <a:solidFill>
                   <a:schemeClr val="dk1"/>
                 </a:solidFill>
@@ -5448,7 +5411,7 @@
               <a:t>,</a:t>
             </a:r>
             <a:r>
-              <a:rPr lang="en-US" altLang="ko-KR" sz="1200" b="0" i="0" u="none" strike="noStrike" cap="none" baseline="0" dirty="0" smtClean="0">
+              <a:rPr lang="en-US" altLang="ko-KR" sz="1200" b="0" i="0" u="none" strike="noStrike" cap="none" baseline="0" dirty="0">
                 <a:solidFill>
                   <a:schemeClr val="dk1"/>
                 </a:solidFill>
@@ -5460,7 +5423,7 @@
               <a:t> </a:t>
             </a:r>
             <a:r>
-              <a:rPr lang="ko-KR" altLang="en-US" sz="1200" b="0" i="0" u="none" strike="noStrike" cap="none" baseline="0" dirty="0" smtClean="0">
+              <a:rPr lang="ko-KR" altLang="en-US" sz="1200" b="0" i="0" u="none" strike="noStrike" cap="none" baseline="0" dirty="0">
                 <a:solidFill>
                   <a:schemeClr val="dk1"/>
                 </a:solidFill>
@@ -5472,7 +5435,7 @@
               <a:t>중심점</a:t>
             </a:r>
             <a:r>
-              <a:rPr lang="en-US" altLang="ko-KR" sz="1200" b="0" i="0" u="none" strike="noStrike" cap="none" baseline="0" dirty="0" smtClean="0">
+              <a:rPr lang="en-US" altLang="ko-KR" sz="1200" b="0" i="0" u="none" strike="noStrike" cap="none" baseline="0" dirty="0">
                 <a:solidFill>
                   <a:schemeClr val="dk1"/>
                 </a:solidFill>
@@ -5484,7 +5447,7 @@
               <a:t>, </a:t>
             </a:r>
             <a:r>
-              <a:rPr lang="ko-KR" altLang="en-US" sz="1200" b="0" i="0" u="none" strike="noStrike" cap="none" baseline="0" dirty="0" smtClean="0">
+              <a:rPr lang="ko-KR" altLang="en-US" sz="1200" b="0" i="0" u="none" strike="noStrike" cap="none" baseline="0" dirty="0">
                 <a:solidFill>
                   <a:schemeClr val="dk1"/>
                 </a:solidFill>
@@ -5496,7 +5459,7 @@
               <a:t>평균 근처에서 나올 수 있는 확률이 높고</a:t>
             </a:r>
             <a:r>
-              <a:rPr lang="en-US" altLang="ko-KR" sz="1200" b="0" i="0" u="none" strike="noStrike" cap="none" baseline="0" dirty="0" smtClean="0">
+              <a:rPr lang="en-US" altLang="ko-KR" sz="1200" b="0" i="0" u="none" strike="noStrike" cap="none" baseline="0" dirty="0">
                 <a:solidFill>
                   <a:schemeClr val="dk1"/>
                 </a:solidFill>
@@ -5508,7 +5471,7 @@
               <a:t>, </a:t>
             </a:r>
             <a:r>
-              <a:rPr lang="ko-KR" altLang="en-US" sz="1200" b="0" i="0" u="none" strike="noStrike" cap="none" baseline="0" dirty="0" smtClean="0">
+              <a:rPr lang="ko-KR" altLang="en-US" sz="1200" b="0" i="0" u="none" strike="noStrike" cap="none" baseline="0" dirty="0">
                 <a:solidFill>
                   <a:schemeClr val="dk1"/>
                 </a:solidFill>
@@ -5520,7 +5483,7 @@
               <a:t>중심점에서 멀어질 수 록 확률이 낮아지는 모습을 보여주는 이런 종모양의 그래프를 가진다</a:t>
             </a:r>
             <a:r>
-              <a:rPr lang="en-US" altLang="ko-KR" sz="1200" b="0" i="0" u="none" strike="noStrike" cap="none" baseline="0" dirty="0" smtClean="0">
+              <a:rPr lang="en-US" altLang="ko-KR" sz="1200" b="0" i="0" u="none" strike="noStrike" cap="none" baseline="0" dirty="0">
                 <a:solidFill>
                   <a:schemeClr val="dk1"/>
                 </a:solidFill>
@@ -5531,15 +5494,6 @@
               </a:rPr>
               <a:t>. </a:t>
             </a:r>
-            <a:endParaRPr lang="en-US" altLang="ko-KR" sz="1200" b="0" i="0" u="none" strike="noStrike" cap="none" baseline="0" dirty="0" smtClean="0">
-              <a:solidFill>
-                <a:schemeClr val="dk1"/>
-              </a:solidFill>
-              <a:latin typeface="Arial"/>
-              <a:ea typeface="Arial"/>
-              <a:cs typeface="Arial"/>
-              <a:sym typeface="Arial"/>
-            </a:endParaRPr>
           </a:p>
           <a:p>
             <a:pPr marL="0" marR="0" lvl="0" indent="0" algn="l" rtl="0">
@@ -5552,7 +5506,7 @@
               <a:buNone/>
             </a:pPr>
             <a:r>
-              <a:rPr lang="ko-KR" altLang="en-US" sz="1200" b="0" i="0" u="none" strike="noStrike" cap="none" baseline="0" dirty="0" smtClean="0">
+              <a:rPr lang="ko-KR" altLang="en-US" sz="1200" b="0" i="0" u="none" strike="noStrike" cap="none" baseline="0" dirty="0">
                 <a:solidFill>
                   <a:schemeClr val="dk1"/>
                 </a:solidFill>
@@ -5564,7 +5518,7 @@
               <a:t>중심 평균을 기점으로 양쪽이 </a:t>
             </a:r>
             <a:r>
-              <a:rPr lang="ko-KR" altLang="en-US" sz="1200" b="0" i="0" u="none" strike="noStrike" cap="none" baseline="0" dirty="0" err="1" smtClean="0">
+              <a:rPr lang="ko-KR" altLang="en-US" sz="1200" b="0" i="0" u="none" strike="noStrike" cap="none" baseline="0" dirty="0" err="1">
                 <a:solidFill>
                   <a:schemeClr val="dk1"/>
                 </a:solidFill>
@@ -5576,7 +5530,7 @@
               <a:t>대칭이여서</a:t>
             </a:r>
             <a:r>
-              <a:rPr lang="ko-KR" altLang="en-US" sz="1200" b="0" i="0" u="none" strike="noStrike" cap="none" baseline="0" dirty="0" smtClean="0">
+              <a:rPr lang="ko-KR" altLang="en-US" sz="1200" b="0" i="0" u="none" strike="noStrike" cap="none" baseline="0" dirty="0">
                 <a:solidFill>
                   <a:schemeClr val="dk1"/>
                 </a:solidFill>
@@ -5588,7 +5542,7 @@
               <a:t> 각각 확률이 </a:t>
             </a:r>
             <a:r>
-              <a:rPr lang="en-US" altLang="ko-KR" sz="1200" b="0" i="0" u="none" strike="noStrike" cap="none" baseline="0" dirty="0" smtClean="0">
+              <a:rPr lang="en-US" altLang="ko-KR" sz="1200" b="0" i="0" u="none" strike="noStrike" cap="none" baseline="0" dirty="0">
                 <a:solidFill>
                   <a:schemeClr val="dk1"/>
                 </a:solidFill>
@@ -5600,7 +5554,7 @@
               <a:t>0.5</a:t>
             </a:r>
             <a:r>
-              <a:rPr lang="ko-KR" altLang="en-US" sz="1200" b="0" i="0" u="none" strike="noStrike" cap="none" baseline="0" dirty="0" smtClean="0">
+              <a:rPr lang="ko-KR" altLang="en-US" sz="1200" b="0" i="0" u="none" strike="noStrike" cap="none" baseline="0" dirty="0">
                 <a:solidFill>
                   <a:schemeClr val="dk1"/>
                 </a:solidFill>
@@ -5612,7 +5566,7 @@
               <a:t>입니다</a:t>
             </a:r>
             <a:r>
-              <a:rPr lang="en-US" altLang="ko-KR" sz="1200" b="0" i="0" u="none" strike="noStrike" cap="none" baseline="0" smtClean="0">
+              <a:rPr lang="en-US" altLang="ko-KR" sz="1200" b="0" i="0" u="none" strike="noStrike" cap="none" baseline="0">
                 <a:solidFill>
                   <a:schemeClr val="dk1"/>
                 </a:solidFill>
@@ -5623,7 +5577,7 @@
               </a:rPr>
               <a:t>. </a:t>
             </a:r>
-            <a:endParaRPr lang="en-US" altLang="ko-KR" sz="1200" b="0" i="0" u="none" strike="noStrike" cap="none" baseline="0" dirty="0" smtClean="0">
+            <a:endParaRPr lang="en-US" altLang="ko-KR" sz="1200" b="0" i="0" u="none" strike="noStrike" cap="none" baseline="0" dirty="0">
               <a:solidFill>
                 <a:schemeClr val="dk1"/>
               </a:solidFill>
@@ -5643,7 +5597,7 @@
               </a:spcAft>
               <a:buNone/>
             </a:pPr>
-            <a:endParaRPr lang="en-US" sz="1200" b="0" i="0" u="none" strike="noStrike" cap="none" baseline="0" dirty="0" smtClean="0">
+            <a:endParaRPr lang="en-US" sz="1200" b="0" i="0" u="none" strike="noStrike" cap="none" baseline="0" dirty="0">
               <a:solidFill>
                 <a:schemeClr val="dk1"/>
               </a:solidFill>
@@ -5664,7 +5618,7 @@
               <a:buNone/>
             </a:pPr>
             <a:r>
-              <a:rPr lang="ko-KR" altLang="en-US" sz="1200" b="0" i="0" u="none" strike="noStrike" cap="none" baseline="0" dirty="0" smtClean="0">
+              <a:rPr lang="ko-KR" altLang="en-US" sz="1200" b="0" i="0" u="none" strike="noStrike" cap="none" baseline="0" dirty="0">
                 <a:solidFill>
                   <a:schemeClr val="dk1"/>
                 </a:solidFill>
@@ -5676,7 +5630,7 @@
               <a:t>정규분포는 확률밀도함수 즉</a:t>
             </a:r>
             <a:r>
-              <a:rPr lang="en-US" altLang="ko-KR" sz="1200" b="0" i="0" u="none" strike="noStrike" cap="none" baseline="0" dirty="0" smtClean="0">
+              <a:rPr lang="en-US" altLang="ko-KR" sz="1200" b="0" i="0" u="none" strike="noStrike" cap="none" baseline="0" dirty="0">
                 <a:solidFill>
                   <a:schemeClr val="dk1"/>
                 </a:solidFill>
@@ -5688,7 +5642,7 @@
               <a:t>, (</a:t>
             </a:r>
             <a:r>
-              <a:rPr lang="ko-KR" altLang="en-US" sz="1200" b="0" i="0" u="none" strike="noStrike" cap="none" baseline="0" dirty="0" smtClean="0">
+              <a:rPr lang="ko-KR" altLang="en-US" sz="1200" b="0" i="0" u="none" strike="noStrike" cap="none" baseline="0" dirty="0">
                 <a:solidFill>
                   <a:schemeClr val="dk1"/>
                 </a:solidFill>
@@ -5700,7 +5654,7 @@
               <a:t>키나 몸무게와 같은</a:t>
             </a:r>
             <a:r>
-              <a:rPr lang="en-US" altLang="ko-KR" sz="1200" b="0" i="0" u="none" strike="noStrike" cap="none" baseline="0" dirty="0" smtClean="0">
+              <a:rPr lang="en-US" altLang="ko-KR" sz="1200" b="0" i="0" u="none" strike="noStrike" cap="none" baseline="0" dirty="0">
                 <a:solidFill>
                   <a:schemeClr val="dk1"/>
                 </a:solidFill>
@@ -5712,7 +5666,7 @@
               <a:t>)</a:t>
             </a:r>
             <a:r>
-              <a:rPr lang="ko-KR" altLang="en-US" sz="1200" b="0" i="0" u="none" strike="noStrike" cap="none" baseline="0" dirty="0" smtClean="0">
+              <a:rPr lang="ko-KR" altLang="en-US" sz="1200" b="0" i="0" u="none" strike="noStrike" cap="none" baseline="0" dirty="0">
                 <a:solidFill>
                   <a:schemeClr val="dk1"/>
                 </a:solidFill>
@@ -5724,7 +5678,7 @@
               <a:t>연속적인 변수의 확률분포를 표현한 함수인데 그중 이렇게 종 모양을 가진 것을 정규분포라고 합니다</a:t>
             </a:r>
             <a:r>
-              <a:rPr lang="en-US" altLang="ko-KR" sz="1200" b="0" i="0" u="none" strike="noStrike" cap="none" baseline="0" dirty="0" smtClean="0">
+              <a:rPr lang="en-US" altLang="ko-KR" sz="1200" b="0" i="0" u="none" strike="noStrike" cap="none" baseline="0" dirty="0">
                 <a:solidFill>
                   <a:schemeClr val="dk1"/>
                 </a:solidFill>
@@ -5747,7 +5701,7 @@
               <a:buNone/>
             </a:pPr>
             <a:r>
-              <a:rPr lang="ko-KR" altLang="en-US" sz="1200" b="0" i="0" u="none" strike="noStrike" cap="none" baseline="0" dirty="0" smtClean="0">
+              <a:rPr lang="ko-KR" altLang="en-US" sz="1200" b="0" i="0" u="none" strike="noStrike" cap="none" baseline="0" dirty="0">
                 <a:solidFill>
                   <a:schemeClr val="dk1"/>
                 </a:solidFill>
@@ -5759,7 +5713,7 @@
               <a:t>그렇기 때문에 정규분포 그래프의 전체 넓이는 </a:t>
             </a:r>
             <a:r>
-              <a:rPr lang="en-US" altLang="ko-KR" sz="1200" b="0" i="0" u="none" strike="noStrike" cap="none" baseline="0" dirty="0" smtClean="0">
+              <a:rPr lang="en-US" altLang="ko-KR" sz="1200" b="0" i="0" u="none" strike="noStrike" cap="none" baseline="0" dirty="0">
                 <a:solidFill>
                   <a:schemeClr val="dk1"/>
                 </a:solidFill>
@@ -5771,7 +5725,7 @@
               <a:t>1</a:t>
             </a:r>
             <a:r>
-              <a:rPr lang="ko-KR" altLang="en-US" sz="1200" b="0" i="0" u="none" strike="noStrike" cap="none" baseline="0" dirty="0" smtClean="0">
+              <a:rPr lang="ko-KR" altLang="en-US" sz="1200" b="0" i="0" u="none" strike="noStrike" cap="none" baseline="0" dirty="0">
                 <a:solidFill>
                   <a:schemeClr val="dk1"/>
                 </a:solidFill>
@@ -5783,7 +5737,7 @@
               <a:t>입니다 </a:t>
             </a:r>
             <a:r>
-              <a:rPr lang="en-US" altLang="ko-KR" sz="1200" b="0" i="0" u="none" strike="noStrike" cap="none" baseline="0" dirty="0" smtClean="0">
+              <a:rPr lang="en-US" altLang="ko-KR" sz="1200" b="0" i="0" u="none" strike="noStrike" cap="none" baseline="0" dirty="0">
                 <a:solidFill>
                   <a:schemeClr val="dk1"/>
                 </a:solidFill>
@@ -5795,7 +5749,7 @@
               <a:t>(</a:t>
             </a:r>
             <a:r>
-              <a:rPr lang="ko-KR" altLang="en-US" sz="1200" b="0" i="0" u="none" strike="noStrike" cap="none" baseline="0" dirty="0" smtClean="0">
+              <a:rPr lang="ko-KR" altLang="en-US" sz="1200" b="0" i="0" u="none" strike="noStrike" cap="none" baseline="0" dirty="0">
                 <a:solidFill>
                   <a:schemeClr val="dk1"/>
                 </a:solidFill>
@@ -5807,7 +5761,7 @@
               <a:t>확률이기 때문</a:t>
             </a:r>
             <a:r>
-              <a:rPr lang="en-US" altLang="ko-KR" sz="1200" b="0" i="0" u="none" strike="noStrike" cap="none" baseline="0" dirty="0" smtClean="0">
+              <a:rPr lang="en-US" altLang="ko-KR" sz="1200" b="0" i="0" u="none" strike="noStrike" cap="none" baseline="0" dirty="0">
                 <a:solidFill>
                   <a:schemeClr val="dk1"/>
                 </a:solidFill>
@@ -5818,7 +5772,7 @@
               </a:rPr>
               <a:t>)</a:t>
             </a:r>
-            <a:endParaRPr lang="en-US" sz="1200" b="0" i="0" u="none" strike="noStrike" cap="none" baseline="0" dirty="0" smtClean="0">
+            <a:endParaRPr lang="en-US" sz="1200" b="0" i="0" u="none" strike="noStrike" cap="none" baseline="0" dirty="0">
               <a:solidFill>
                 <a:schemeClr val="dk1"/>
               </a:solidFill>
@@ -5838,7 +5792,7 @@
               </a:spcAft>
               <a:buNone/>
             </a:pPr>
-            <a:endParaRPr lang="en-US" sz="1200" b="0" i="0" u="none" strike="noStrike" cap="none" baseline="0" dirty="0" smtClean="0">
+            <a:endParaRPr lang="en-US" sz="1200" b="0" i="0" u="none" strike="noStrike" cap="none" baseline="0" dirty="0">
               <a:solidFill>
                 <a:schemeClr val="dk1"/>
               </a:solidFill>
@@ -5858,7 +5812,7 @@
               </a:spcAft>
               <a:buNone/>
             </a:pPr>
-            <a:endParaRPr lang="en-US" sz="1200" b="0" i="0" u="none" strike="noStrike" cap="none" baseline="0" dirty="0" smtClean="0">
+            <a:endParaRPr lang="en-US" sz="1200" b="0" i="0" u="none" strike="noStrike" cap="none" baseline="0" dirty="0">
               <a:solidFill>
                 <a:schemeClr val="dk1"/>
               </a:solidFill>
@@ -5879,7 +5833,7 @@
               <a:buNone/>
             </a:pPr>
             <a:r>
-              <a:rPr lang="ko-KR" altLang="en-US" sz="1200" b="0" i="0" u="none" strike="noStrike" cap="none" baseline="0" dirty="0" smtClean="0">
+              <a:rPr lang="ko-KR" altLang="en-US" sz="1200" b="0" i="0" u="none" strike="noStrike" cap="none" baseline="0" dirty="0">
                 <a:solidFill>
                   <a:schemeClr val="dk1"/>
                 </a:solidFill>
@@ -5891,7 +5845,7 @@
               <a:t>표준 정규분포는 평균</a:t>
             </a:r>
             <a:r>
-              <a:rPr lang="en-US" altLang="ko-KR" sz="1200" b="0" i="0" u="none" strike="noStrike" cap="none" baseline="0" dirty="0" smtClean="0">
+              <a:rPr lang="en-US" altLang="ko-KR" sz="1200" b="0" i="0" u="none" strike="noStrike" cap="none" baseline="0" dirty="0">
                 <a:solidFill>
                   <a:schemeClr val="dk1"/>
                 </a:solidFill>
@@ -5903,7 +5857,7 @@
               <a:t>(</a:t>
             </a:r>
             <a:r>
-              <a:rPr lang="ko-KR" altLang="en-US" sz="1200" b="0" i="0" u="none" strike="noStrike" cap="none" baseline="0" dirty="0" smtClean="0">
+              <a:rPr lang="ko-KR" altLang="en-US" sz="1200" b="0" i="0" u="none" strike="noStrike" cap="none" baseline="0" dirty="0">
                 <a:solidFill>
                   <a:schemeClr val="dk1"/>
                 </a:solidFill>
@@ -5915,7 +5869,7 @@
               <a:t>뮤</a:t>
             </a:r>
             <a:r>
-              <a:rPr lang="en-US" altLang="ko-KR" sz="1200" b="0" i="0" u="none" strike="noStrike" cap="none" baseline="0" dirty="0" smtClean="0">
+              <a:rPr lang="en-US" altLang="ko-KR" sz="1200" b="0" i="0" u="none" strike="noStrike" cap="none" baseline="0" dirty="0">
                 <a:solidFill>
                   <a:schemeClr val="dk1"/>
                 </a:solidFill>
@@ -5927,7 +5881,7 @@
               <a:t>)</a:t>
             </a:r>
             <a:r>
-              <a:rPr lang="ko-KR" altLang="en-US" sz="1200" b="0" i="0" u="none" strike="noStrike" cap="none" baseline="0" dirty="0" smtClean="0">
+              <a:rPr lang="ko-KR" altLang="en-US" sz="1200" b="0" i="0" u="none" strike="noStrike" cap="none" baseline="0" dirty="0">
                 <a:solidFill>
                   <a:schemeClr val="dk1"/>
                 </a:solidFill>
@@ -5939,7 +5893,7 @@
               <a:t>와 분산</a:t>
             </a:r>
             <a:r>
-              <a:rPr lang="en-US" altLang="ko-KR" sz="1200" b="0" i="0" u="none" strike="noStrike" cap="none" baseline="0" dirty="0" smtClean="0">
+              <a:rPr lang="en-US" altLang="ko-KR" sz="1200" b="0" i="0" u="none" strike="noStrike" cap="none" baseline="0" dirty="0">
                 <a:solidFill>
                   <a:schemeClr val="dk1"/>
                 </a:solidFill>
@@ -5951,7 +5905,7 @@
               <a:t>(</a:t>
             </a:r>
             <a:r>
-              <a:rPr lang="ko-KR" altLang="en-US" sz="1200" b="0" i="0" u="none" strike="noStrike" cap="none" baseline="0" dirty="0" smtClean="0">
+              <a:rPr lang="ko-KR" altLang="en-US" sz="1200" b="0" i="0" u="none" strike="noStrike" cap="none" baseline="0" dirty="0">
                 <a:solidFill>
                   <a:schemeClr val="dk1"/>
                 </a:solidFill>
@@ -5963,7 +5917,7 @@
               <a:t>시그마</a:t>
             </a:r>
             <a:r>
-              <a:rPr lang="en-US" altLang="ko-KR" sz="1200" b="0" i="0" u="none" strike="noStrike" cap="none" baseline="0" dirty="0" smtClean="0">
+              <a:rPr lang="en-US" altLang="ko-KR" sz="1200" b="0" i="0" u="none" strike="noStrike" cap="none" baseline="0" dirty="0">
                 <a:solidFill>
                   <a:schemeClr val="dk1"/>
                 </a:solidFill>
@@ -5975,7 +5929,7 @@
               <a:t>)</a:t>
             </a:r>
             <a:r>
-              <a:rPr lang="ko-KR" altLang="en-US" sz="1200" b="0" i="0" u="none" strike="noStrike" cap="none" baseline="0" dirty="0" smtClean="0">
+              <a:rPr lang="ko-KR" altLang="en-US" sz="1200" b="0" i="0" u="none" strike="noStrike" cap="none" baseline="0" dirty="0">
                 <a:solidFill>
                   <a:schemeClr val="dk1"/>
                 </a:solidFill>
@@ -5987,7 +5941,7 @@
               <a:t>의 값이 각각 </a:t>
             </a:r>
             <a:r>
-              <a:rPr lang="en-US" altLang="ko-KR" sz="1200" b="0" i="0" u="none" strike="noStrike" cap="none" baseline="0" dirty="0" smtClean="0">
+              <a:rPr lang="en-US" altLang="ko-KR" sz="1200" b="0" i="0" u="none" strike="noStrike" cap="none" baseline="0" dirty="0">
                 <a:solidFill>
                   <a:schemeClr val="dk1"/>
                 </a:solidFill>
@@ -5999,7 +5953,7 @@
               <a:t>0</a:t>
             </a:r>
             <a:r>
-              <a:rPr lang="ko-KR" altLang="en-US" sz="1200" b="0" i="0" u="none" strike="noStrike" cap="none" baseline="0" dirty="0" smtClean="0">
+              <a:rPr lang="ko-KR" altLang="en-US" sz="1200" b="0" i="0" u="none" strike="noStrike" cap="none" baseline="0" dirty="0">
                 <a:solidFill>
                   <a:schemeClr val="dk1"/>
                 </a:solidFill>
@@ -6011,7 +5965,7 @@
               <a:t>이고 </a:t>
             </a:r>
             <a:r>
-              <a:rPr lang="en-US" altLang="ko-KR" sz="1200" b="0" i="0" u="none" strike="noStrike" cap="none" baseline="0" dirty="0" smtClean="0">
+              <a:rPr lang="en-US" altLang="ko-KR" sz="1200" b="0" i="0" u="none" strike="noStrike" cap="none" baseline="0" dirty="0">
                 <a:solidFill>
                   <a:schemeClr val="dk1"/>
                 </a:solidFill>
@@ -6023,7 +5977,7 @@
               <a:t>1</a:t>
             </a:r>
             <a:r>
-              <a:rPr lang="ko-KR" altLang="en-US" sz="1200" b="0" i="0" u="none" strike="noStrike" cap="none" baseline="0" dirty="0" smtClean="0">
+              <a:rPr lang="ko-KR" altLang="en-US" sz="1200" b="0" i="0" u="none" strike="noStrike" cap="none" baseline="0" dirty="0">
                 <a:solidFill>
                   <a:schemeClr val="dk1"/>
                 </a:solidFill>
@@ -6034,7 +5988,7 @@
               </a:rPr>
               <a:t>인 분포를 말한다</a:t>
             </a:r>
-            <a:endParaRPr lang="en-US" altLang="ko-KR" sz="1200" b="0" i="0" u="none" strike="noStrike" cap="none" baseline="0" dirty="0" smtClean="0">
+            <a:endParaRPr lang="en-US" altLang="ko-KR" sz="1200" b="0" i="0" u="none" strike="noStrike" cap="none" baseline="0" dirty="0">
               <a:solidFill>
                 <a:schemeClr val="dk1"/>
               </a:solidFill>
@@ -6055,7 +6009,7 @@
               <a:buNone/>
             </a:pPr>
             <a:r>
-              <a:rPr lang="ko-KR" altLang="en-US" sz="1200" b="0" i="0" u="none" strike="noStrike" cap="none" baseline="0" dirty="0" smtClean="0">
+              <a:rPr lang="ko-KR" altLang="en-US" sz="1200" b="0" i="0" u="none" strike="noStrike" cap="none" baseline="0" dirty="0">
                 <a:solidFill>
                   <a:schemeClr val="dk1"/>
                 </a:solidFill>
@@ -6067,7 +6021,7 @@
               <a:t>표준정규분포는 정규분포의 하나의 케이스인 것</a:t>
             </a:r>
             <a:r>
-              <a:rPr lang="en-US" altLang="ko-KR" sz="1200" b="0" i="0" u="none" strike="noStrike" cap="none" baseline="0" dirty="0" smtClean="0">
+              <a:rPr lang="en-US" altLang="ko-KR" sz="1200" b="0" i="0" u="none" strike="noStrike" cap="none" baseline="0" dirty="0">
                 <a:solidFill>
                   <a:schemeClr val="dk1"/>
                 </a:solidFill>
@@ -6089,7 +6043,7 @@
               </a:spcAft>
               <a:buNone/>
             </a:pPr>
-            <a:endParaRPr lang="en-US" sz="1200" b="0" i="0" u="none" strike="noStrike" cap="none" baseline="0" dirty="0" smtClean="0">
+            <a:endParaRPr lang="en-US" sz="1200" b="0" i="0" u="none" strike="noStrike" cap="none" baseline="0" dirty="0">
               <a:solidFill>
                 <a:schemeClr val="dk1"/>
               </a:solidFill>
@@ -6110,7 +6064,7 @@
               <a:buNone/>
             </a:pPr>
             <a:r>
-              <a:rPr lang="ko-KR" altLang="en-US" sz="1200" b="0" i="0" u="none" strike="noStrike" cap="none" baseline="0" dirty="0" smtClean="0">
+              <a:rPr lang="ko-KR" altLang="en-US" sz="1200" b="0" i="0" u="none" strike="noStrike" cap="none" baseline="0" dirty="0">
                 <a:solidFill>
                   <a:schemeClr val="dk1"/>
                 </a:solidFill>
@@ -6122,7 +6076,7 @@
               <a:t>정규분포의 특성은 구간 확률이 정의가 되어있다</a:t>
             </a:r>
             <a:r>
-              <a:rPr lang="en-US" altLang="ko-KR" sz="1200" b="0" i="0" u="none" strike="noStrike" cap="none" baseline="0" dirty="0" smtClean="0">
+              <a:rPr lang="en-US" altLang="ko-KR" sz="1200" b="0" i="0" u="none" strike="noStrike" cap="none" baseline="0" dirty="0">
                 <a:solidFill>
                   <a:schemeClr val="dk1"/>
                 </a:solidFill>
@@ -6134,7 +6088,7 @@
               <a:t>. </a:t>
             </a:r>
             <a:r>
-              <a:rPr lang="ko-KR" altLang="en-US" sz="1200" b="0" i="0" u="none" strike="noStrike" cap="none" baseline="0" dirty="0" smtClean="0">
+              <a:rPr lang="ko-KR" altLang="en-US" sz="1200" b="0" i="0" u="none" strike="noStrike" cap="none" baseline="0" dirty="0">
                 <a:solidFill>
                   <a:schemeClr val="dk1"/>
                 </a:solidFill>
@@ -6146,7 +6100,7 @@
               <a:t>이 값은 모든 정규분포에 적용되는 중요한 특성이다</a:t>
             </a:r>
             <a:r>
-              <a:rPr lang="en-US" altLang="ko-KR" sz="1200" b="0" i="0" u="none" strike="noStrike" cap="none" baseline="0" dirty="0" smtClean="0">
+              <a:rPr lang="en-US" altLang="ko-KR" sz="1200" b="0" i="0" u="none" strike="noStrike" cap="none" baseline="0" dirty="0">
                 <a:solidFill>
                   <a:schemeClr val="dk1"/>
                 </a:solidFill>
@@ -6351,7 +6305,7 @@
               <a:buNone/>
             </a:pPr>
             <a:r>
-              <a:rPr lang="ko-KR" altLang="en-US" sz="1200" b="0" i="0" u="none" strike="noStrike" cap="none" dirty="0" smtClean="0">
+              <a:rPr lang="ko-KR" altLang="en-US" sz="1200" b="0" i="0" u="none" strike="noStrike" cap="none" dirty="0">
                 <a:solidFill>
                   <a:schemeClr val="dk1"/>
                 </a:solidFill>
@@ -6363,7 +6317,7 @@
               <a:t>표본 평균은 </a:t>
             </a:r>
             <a:r>
-              <a:rPr lang="ko-KR" altLang="en-US" sz="1200" b="0" i="0" u="none" strike="noStrike" cap="none" dirty="0" err="1" smtClean="0">
+              <a:rPr lang="ko-KR" altLang="en-US" sz="1200" b="0" i="0" u="none" strike="noStrike" cap="none" dirty="0" err="1">
                 <a:solidFill>
                   <a:schemeClr val="dk1"/>
                 </a:solidFill>
@@ -6375,7 +6329,7 @@
               <a:t>모수</a:t>
             </a:r>
             <a:r>
-              <a:rPr lang="ko-KR" altLang="en-US" sz="1200" b="0" i="0" u="none" strike="noStrike" cap="none" dirty="0" smtClean="0">
+              <a:rPr lang="ko-KR" altLang="en-US" sz="1200" b="0" i="0" u="none" strike="noStrike" cap="none" dirty="0">
                 <a:solidFill>
                   <a:schemeClr val="dk1"/>
                 </a:solidFill>
@@ -6387,7 +6341,7 @@
               <a:t> 평균의 </a:t>
             </a:r>
             <a:r>
-              <a:rPr lang="ko-KR" altLang="en-US" sz="1200" b="0" i="0" u="none" strike="noStrike" cap="none" dirty="0" err="1" smtClean="0">
+              <a:rPr lang="ko-KR" altLang="en-US" sz="1200" b="0" i="0" u="none" strike="noStrike" cap="none" dirty="0" err="1">
                 <a:solidFill>
                   <a:schemeClr val="dk1"/>
                 </a:solidFill>
@@ -6399,7 +6353,7 @@
               <a:t>점추정이</a:t>
             </a:r>
             <a:r>
-              <a:rPr lang="ko-KR" altLang="en-US" sz="1200" b="0" i="0" u="none" strike="noStrike" cap="none" dirty="0" smtClean="0">
+              <a:rPr lang="ko-KR" altLang="en-US" sz="1200" b="0" i="0" u="none" strike="noStrike" cap="none" dirty="0">
                 <a:solidFill>
                   <a:schemeClr val="dk1"/>
                 </a:solidFill>
@@ -6411,7 +6365,7 @@
               <a:t> 되는 것이고 표본 분산은 분산의 </a:t>
             </a:r>
             <a:r>
-              <a:rPr lang="ko-KR" altLang="en-US" sz="1200" b="0" i="0" u="none" strike="noStrike" cap="none" dirty="0" err="1" smtClean="0">
+              <a:rPr lang="ko-KR" altLang="en-US" sz="1200" b="0" i="0" u="none" strike="noStrike" cap="none" dirty="0" err="1">
                 <a:solidFill>
                   <a:schemeClr val="dk1"/>
                 </a:solidFill>
@@ -6423,7 +6377,7 @@
               <a:t>점추정</a:t>
             </a:r>
             <a:r>
-              <a:rPr lang="ko-KR" altLang="en-US" sz="1200" b="0" i="0" u="none" strike="noStrike" cap="none" dirty="0" smtClean="0">
+              <a:rPr lang="ko-KR" altLang="en-US" sz="1200" b="0" i="0" u="none" strike="noStrike" cap="none" dirty="0">
                 <a:solidFill>
                   <a:schemeClr val="dk1"/>
                 </a:solidFill>
@@ -6435,7 +6389,7 @@
               <a:t> 값이 되는 것이다</a:t>
             </a:r>
             <a:r>
-              <a:rPr lang="en-US" altLang="ko-KR" sz="1200" b="0" i="0" u="none" strike="noStrike" cap="none" dirty="0" smtClean="0">
+              <a:rPr lang="en-US" altLang="ko-KR" sz="1200" b="0" i="0" u="none" strike="noStrike" cap="none" dirty="0">
                 <a:solidFill>
                   <a:schemeClr val="dk1"/>
                 </a:solidFill>
@@ -6457,7 +6411,7 @@
               </a:spcAft>
               <a:buNone/>
             </a:pPr>
-            <a:endParaRPr lang="en-US" altLang="ko-KR" sz="1200" b="0" i="0" u="none" strike="noStrike" cap="none" dirty="0" smtClean="0">
+            <a:endParaRPr lang="en-US" altLang="ko-KR" sz="1200" b="0" i="0" u="none" strike="noStrike" cap="none" dirty="0">
               <a:solidFill>
                 <a:schemeClr val="dk1"/>
               </a:solidFill>
@@ -6478,7 +6432,7 @@
               <a:buNone/>
             </a:pPr>
             <a:r>
-              <a:rPr lang="ko-KR" altLang="en-US" sz="1200" b="0" i="0" u="none" strike="noStrike" cap="none" dirty="0" err="1" smtClean="0">
+              <a:rPr lang="ko-KR" altLang="en-US" sz="1200" b="0" i="0" u="none" strike="noStrike" cap="none" dirty="0" err="1">
                 <a:solidFill>
                   <a:schemeClr val="dk1"/>
                 </a:solidFill>
@@ -6490,7 +6444,7 @@
               <a:t>점추정은</a:t>
             </a:r>
             <a:r>
-              <a:rPr lang="ko-KR" altLang="en-US" sz="1200" b="0" i="0" u="none" strike="noStrike" cap="none" dirty="0" smtClean="0">
+              <a:rPr lang="ko-KR" altLang="en-US" sz="1200" b="0" i="0" u="none" strike="noStrike" cap="none" dirty="0">
                 <a:solidFill>
                   <a:schemeClr val="dk1"/>
                 </a:solidFill>
@@ -6502,7 +6456,7 @@
               <a:t> 표본이 모집단의 특성을 잘 반영하지 못하는 경우에 오차가 커져서</a:t>
             </a:r>
             <a:r>
-              <a:rPr lang="en-US" altLang="ko-KR" sz="1200" b="0" i="0" u="none" strike="noStrike" cap="none" dirty="0" smtClean="0">
+              <a:rPr lang="en-US" altLang="ko-KR" sz="1200" b="0" i="0" u="none" strike="noStrike" cap="none" dirty="0">
                 <a:solidFill>
                   <a:schemeClr val="dk1"/>
                 </a:solidFill>
@@ -6514,7 +6468,7 @@
               <a:t>,</a:t>
             </a:r>
             <a:r>
-              <a:rPr lang="en-US" altLang="ko-KR" sz="1200" b="0" i="0" u="none" strike="noStrike" cap="none" baseline="0" dirty="0" smtClean="0">
+              <a:rPr lang="en-US" altLang="ko-KR" sz="1200" b="0" i="0" u="none" strike="noStrike" cap="none" baseline="0" dirty="0">
                 <a:solidFill>
                   <a:schemeClr val="dk1"/>
                 </a:solidFill>
@@ -6526,7 +6480,7 @@
               <a:t> </a:t>
             </a:r>
             <a:r>
-              <a:rPr lang="ko-KR" altLang="en-US" sz="1200" b="0" i="0" u="none" strike="noStrike" cap="none" baseline="0" dirty="0" smtClean="0">
+              <a:rPr lang="ko-KR" altLang="en-US" sz="1200" b="0" i="0" u="none" strike="noStrike" cap="none" baseline="0" dirty="0">
                 <a:solidFill>
                   <a:schemeClr val="dk1"/>
                 </a:solidFill>
@@ -6538,7 +6492,7 @@
               <a:t>표본이 많지 않을 경우 점 </a:t>
             </a:r>
             <a:r>
-              <a:rPr lang="ko-KR" altLang="en-US" sz="1200" b="0" i="0" u="none" strike="noStrike" cap="none" baseline="0" dirty="0" err="1" smtClean="0">
+              <a:rPr lang="ko-KR" altLang="en-US" sz="1200" b="0" i="0" u="none" strike="noStrike" cap="none" baseline="0" dirty="0" err="1">
                 <a:solidFill>
                   <a:schemeClr val="dk1"/>
                 </a:solidFill>
@@ -6550,7 +6504,7 @@
               <a:t>추정량이</a:t>
             </a:r>
             <a:r>
-              <a:rPr lang="ko-KR" altLang="en-US" sz="1200" b="0" i="0" u="none" strike="noStrike" cap="none" baseline="0" dirty="0" smtClean="0">
+              <a:rPr lang="ko-KR" altLang="en-US" sz="1200" b="0" i="0" u="none" strike="noStrike" cap="none" baseline="0" dirty="0">
                 <a:solidFill>
                   <a:schemeClr val="dk1"/>
                 </a:solidFill>
@@ -6562,7 +6516,7 @@
               <a:t> 실제 </a:t>
             </a:r>
             <a:r>
-              <a:rPr lang="ko-KR" altLang="en-US" sz="1200" b="0" i="0" u="none" strike="noStrike" cap="none" baseline="0" dirty="0" err="1" smtClean="0">
+              <a:rPr lang="ko-KR" altLang="en-US" sz="1200" b="0" i="0" u="none" strike="noStrike" cap="none" baseline="0" dirty="0" err="1">
                 <a:solidFill>
                   <a:schemeClr val="dk1"/>
                 </a:solidFill>
@@ -6574,7 +6528,7 @@
               <a:t>모수와</a:t>
             </a:r>
             <a:r>
-              <a:rPr lang="ko-KR" altLang="en-US" sz="1200" b="0" i="0" u="none" strike="noStrike" cap="none" baseline="0" dirty="0" smtClean="0">
+              <a:rPr lang="ko-KR" altLang="en-US" sz="1200" b="0" i="0" u="none" strike="noStrike" cap="none" baseline="0" dirty="0">
                 <a:solidFill>
                   <a:schemeClr val="dk1"/>
                 </a:solidFill>
@@ -6586,7 +6540,7 @@
               <a:t> 얼마나 </a:t>
             </a:r>
             <a:r>
-              <a:rPr lang="ko-KR" altLang="en-US" sz="1200" b="0" i="0" u="none" strike="noStrike" cap="none" baseline="0" dirty="0" err="1" smtClean="0">
+              <a:rPr lang="ko-KR" altLang="en-US" sz="1200" b="0" i="0" u="none" strike="noStrike" cap="none" baseline="0" dirty="0" err="1">
                 <a:solidFill>
                   <a:schemeClr val="dk1"/>
                 </a:solidFill>
@@ -6598,7 +6552,7 @@
               <a:t>유사한지</a:t>
             </a:r>
             <a:r>
-              <a:rPr lang="ko-KR" altLang="en-US" sz="1200" b="0" i="0" u="none" strike="noStrike" cap="none" baseline="0" dirty="0" smtClean="0">
+              <a:rPr lang="ko-KR" altLang="en-US" sz="1200" b="0" i="0" u="none" strike="noStrike" cap="none" baseline="0" dirty="0">
                 <a:solidFill>
                   <a:schemeClr val="dk1"/>
                 </a:solidFill>
@@ -6609,7 +6563,7 @@
               </a:rPr>
               <a:t> 알기 어렵다는 단점이 있다</a:t>
             </a:r>
-            <a:endParaRPr lang="en-US" altLang="ko-KR" sz="1200" b="0" i="0" u="none" strike="noStrike" cap="none" baseline="0" dirty="0" smtClean="0">
+            <a:endParaRPr lang="en-US" altLang="ko-KR" sz="1200" b="0" i="0" u="none" strike="noStrike" cap="none" baseline="0" dirty="0">
               <a:solidFill>
                 <a:schemeClr val="dk1"/>
               </a:solidFill>
@@ -6630,7 +6584,7 @@
               <a:buNone/>
             </a:pPr>
             <a:r>
-              <a:rPr lang="ko-KR" altLang="en-US" sz="1200" b="0" i="0" u="none" strike="noStrike" cap="none" baseline="0" dirty="0" smtClean="0">
+              <a:rPr lang="ko-KR" altLang="en-US" sz="1200" b="0" i="0" u="none" strike="noStrike" cap="none" baseline="0" dirty="0">
                 <a:solidFill>
                   <a:schemeClr val="dk1"/>
                 </a:solidFill>
@@ -6642,7 +6596,7 @@
               <a:t>그러한 </a:t>
             </a:r>
             <a:r>
-              <a:rPr lang="ko-KR" altLang="en-US" sz="1200" b="0" i="0" u="none" strike="noStrike" cap="none" baseline="0" dirty="0" err="1" smtClean="0">
+              <a:rPr lang="ko-KR" altLang="en-US" sz="1200" b="0" i="0" u="none" strike="noStrike" cap="none" baseline="0" dirty="0" err="1">
                 <a:solidFill>
                   <a:schemeClr val="dk1"/>
                 </a:solidFill>
@@ -6654,7 +6608,7 @@
               <a:t>점추정의</a:t>
             </a:r>
             <a:r>
-              <a:rPr lang="ko-KR" altLang="en-US" sz="1200" b="0" i="0" u="none" strike="noStrike" cap="none" baseline="0" dirty="0" smtClean="0">
+              <a:rPr lang="ko-KR" altLang="en-US" sz="1200" b="0" i="0" u="none" strike="noStrike" cap="none" baseline="0" dirty="0">
                 <a:solidFill>
                   <a:schemeClr val="dk1"/>
                 </a:solidFill>
@@ -6666,7 +6620,7 @@
               <a:t> 단점을 보완한 것이 구간추정이다</a:t>
             </a:r>
             <a:r>
-              <a:rPr lang="en-US" altLang="ko-KR" sz="1200" b="0" i="0" u="none" strike="noStrike" cap="none" baseline="0" dirty="0" smtClean="0">
+              <a:rPr lang="en-US" altLang="ko-KR" sz="1200" b="0" i="0" u="none" strike="noStrike" cap="none" baseline="0" dirty="0">
                 <a:solidFill>
                   <a:schemeClr val="dk1"/>
                 </a:solidFill>
@@ -6677,7 +6631,7 @@
               </a:rPr>
               <a:t>. </a:t>
             </a:r>
-            <a:endParaRPr lang="en-US" altLang="ko-KR" sz="1200" b="0" i="0" u="none" strike="noStrike" cap="none" dirty="0" smtClean="0">
+            <a:endParaRPr lang="en-US" altLang="ko-KR" sz="1200" b="0" i="0" u="none" strike="noStrike" cap="none" dirty="0">
               <a:solidFill>
                 <a:schemeClr val="dk1"/>
               </a:solidFill>
@@ -6697,7 +6651,7 @@
               </a:spcAft>
               <a:buNone/>
             </a:pPr>
-            <a:endParaRPr lang="en-US" altLang="ko-KR" sz="1200" b="0" i="0" u="none" strike="noStrike" cap="none" dirty="0" smtClean="0">
+            <a:endParaRPr lang="en-US" altLang="ko-KR" sz="1200" b="0" i="0" u="none" strike="noStrike" cap="none" dirty="0">
               <a:solidFill>
                 <a:schemeClr val="dk1"/>
               </a:solidFill>
@@ -6718,7 +6672,7 @@
               <a:buNone/>
             </a:pPr>
             <a:r>
-              <a:rPr lang="ko-KR" altLang="en-US" sz="1200" b="0" i="0" u="none" strike="noStrike" cap="none" dirty="0" smtClean="0">
+              <a:rPr lang="ko-KR" altLang="en-US" sz="1200" b="0" i="0" u="none" strike="noStrike" cap="none" dirty="0">
                 <a:solidFill>
                   <a:schemeClr val="dk1"/>
                 </a:solidFill>
@@ -6730,7 +6684,7 @@
               <a:t>신뢰수준이 예를 들어 </a:t>
             </a:r>
             <a:r>
-              <a:rPr lang="en-US" altLang="ko-KR" sz="1200" b="0" i="0" u="none" strike="noStrike" cap="none" dirty="0" smtClean="0">
+              <a:rPr lang="en-US" altLang="ko-KR" sz="1200" b="0" i="0" u="none" strike="noStrike" cap="none" dirty="0">
                 <a:solidFill>
                   <a:schemeClr val="dk1"/>
                 </a:solidFill>
@@ -6742,7 +6696,7 @@
               <a:t>95%</a:t>
             </a:r>
             <a:r>
-              <a:rPr lang="ko-KR" altLang="en-US" sz="1200" b="0" i="0" u="none" strike="noStrike" cap="none" dirty="0" smtClean="0">
+              <a:rPr lang="ko-KR" altLang="en-US" sz="1200" b="0" i="0" u="none" strike="noStrike" cap="none" dirty="0">
                 <a:solidFill>
                   <a:schemeClr val="dk1"/>
                 </a:solidFill>
@@ -6754,7 +6708,7 @@
               <a:t>이고 알파가 그럼 </a:t>
             </a:r>
             <a:r>
-              <a:rPr lang="en-US" altLang="ko-KR" sz="1200" b="0" i="0" u="none" strike="noStrike" cap="none" dirty="0" smtClean="0">
+              <a:rPr lang="en-US" altLang="ko-KR" sz="1200" b="0" i="0" u="none" strike="noStrike" cap="none" dirty="0">
                 <a:solidFill>
                   <a:schemeClr val="dk1"/>
                 </a:solidFill>
@@ -6766,7 +6720,7 @@
               <a:t>5%</a:t>
             </a:r>
             <a:r>
-              <a:rPr lang="ko-KR" altLang="en-US" sz="1200" b="0" i="0" u="none" strike="noStrike" cap="none" dirty="0" smtClean="0">
+              <a:rPr lang="ko-KR" altLang="en-US" sz="1200" b="0" i="0" u="none" strike="noStrike" cap="none" dirty="0">
                 <a:solidFill>
                   <a:schemeClr val="dk1"/>
                 </a:solidFill>
@@ -6778,7 +6732,7 @@
               <a:t>이고 그럼 우리에게 주어진 구간은 위에 그럼과 같은 크기의 구간이 주어진다</a:t>
             </a:r>
             <a:r>
-              <a:rPr lang="en-US" altLang="ko-KR" sz="1200" b="0" i="0" u="none" strike="noStrike" cap="none" dirty="0" smtClean="0">
+              <a:rPr lang="en-US" altLang="ko-KR" sz="1200" b="0" i="0" u="none" strike="noStrike" cap="none" dirty="0">
                 <a:solidFill>
                   <a:schemeClr val="dk1"/>
                 </a:solidFill>
@@ -6801,7 +6755,7 @@
               <a:buNone/>
             </a:pPr>
             <a:r>
-              <a:rPr lang="ko-KR" altLang="en-US" sz="1200" b="0" i="0" u="none" strike="noStrike" cap="none" dirty="0" smtClean="0">
+              <a:rPr lang="ko-KR" altLang="en-US" sz="1200" b="0" i="0" u="none" strike="noStrike" cap="none" dirty="0">
                 <a:solidFill>
                   <a:schemeClr val="dk1"/>
                 </a:solidFill>
@@ -7008,7 +6962,7 @@
                   <a:buNone/>
                 </a:pPr>
                 <a:r>
-                  <a:rPr lang="en-US" sz="1200" b="0" i="0" u="none" strike="noStrike" cap="none" dirty="0" smtClean="0">
+                  <a:rPr lang="en-US" sz="1200" b="0" i="0" u="none" strike="noStrike" cap="none" dirty="0">
                     <a:solidFill>
                       <a:schemeClr val="dk1"/>
                     </a:solidFill>
@@ -7020,7 +6974,7 @@
                   <a:t>1/7 + 2/7 +a = 1 </a:t>
                 </a:r>
                 <a:r>
-                  <a:rPr lang="ko-KR" altLang="en-US" sz="1200" b="0" i="0" u="none" strike="noStrike" cap="none" dirty="0" smtClean="0">
+                  <a:rPr lang="ko-KR" altLang="en-US" sz="1200" b="0" i="0" u="none" strike="noStrike" cap="none" dirty="0">
                     <a:solidFill>
                       <a:schemeClr val="dk1"/>
                     </a:solidFill>
@@ -7031,7 +6985,7 @@
                   </a:rPr>
                   <a:t>에서</a:t>
                 </a:r>
-                <a:endParaRPr lang="en-US" altLang="ko-KR" sz="1200" b="0" i="0" u="none" strike="noStrike" cap="none" dirty="0" smtClean="0">
+                <a:endParaRPr lang="en-US" altLang="ko-KR" sz="1200" b="0" i="0" u="none" strike="noStrike" cap="none" dirty="0">
                   <a:solidFill>
                     <a:schemeClr val="dk1"/>
                   </a:solidFill>
@@ -7051,7 +7005,7 @@
                   </a:spcAft>
                   <a:buNone/>
                 </a:pPr>
-                <a:endParaRPr lang="en-US" altLang="ko-KR" sz="1200" b="0" i="0" u="none" strike="noStrike" cap="none" dirty="0" smtClean="0">
+                <a:endParaRPr lang="en-US" altLang="ko-KR" sz="1200" b="0" i="0" u="none" strike="noStrike" cap="none" dirty="0">
                   <a:solidFill>
                     <a:schemeClr val="dk1"/>
                   </a:solidFill>
@@ -7072,7 +7026,7 @@
                   <a:buNone/>
                 </a:pPr>
                 <a:r>
-                  <a:rPr lang="en-US" altLang="ko-KR" sz="1200" b="0" i="0" u="none" strike="noStrike" cap="none" dirty="0" smtClean="0">
+                  <a:rPr lang="en-US" altLang="ko-KR" sz="1200" b="0" i="0" u="none" strike="noStrike" cap="none" dirty="0">
                     <a:solidFill>
                       <a:schemeClr val="dk1"/>
                     </a:solidFill>
@@ -7084,7 +7038,7 @@
                   <a:t>a = 4/7 </a:t>
                 </a:r>
                 <a:r>
-                  <a:rPr lang="ko-KR" altLang="en-US" sz="1200" b="0" i="0" u="none" strike="noStrike" cap="none" dirty="0" smtClean="0">
+                  <a:rPr lang="ko-KR" altLang="en-US" sz="1200" b="0" i="0" u="none" strike="noStrike" cap="none" dirty="0">
                     <a:solidFill>
                       <a:schemeClr val="dk1"/>
                     </a:solidFill>
@@ -7095,7 +7049,7 @@
                   </a:rPr>
                   <a:t>임을 알 수 있다</a:t>
                 </a:r>
-                <a:endParaRPr lang="en-US" altLang="ko-KR" sz="1200" b="0" i="0" u="none" strike="noStrike" cap="none" dirty="0" smtClean="0">
+                <a:endParaRPr lang="en-US" altLang="ko-KR" sz="1200" b="0" i="0" u="none" strike="noStrike" cap="none" dirty="0">
                   <a:solidFill>
                     <a:schemeClr val="dk1"/>
                   </a:solidFill>
@@ -7115,7 +7069,7 @@
                   </a:spcAft>
                   <a:buNone/>
                 </a:pPr>
-                <a:endParaRPr lang="en-US" altLang="ko-KR" sz="1200" b="0" i="0" u="none" strike="noStrike" cap="none" dirty="0" smtClean="0">
+                <a:endParaRPr lang="en-US" altLang="ko-KR" sz="1200" b="0" i="0" u="none" strike="noStrike" cap="none" dirty="0">
                   <a:solidFill>
                     <a:schemeClr val="dk1"/>
                   </a:solidFill>
@@ -7136,7 +7090,7 @@
                   <a:buNone/>
                 </a:pPr>
                 <a:r>
-                  <a:rPr lang="ko-KR" altLang="en-US" sz="1200" b="0" i="0" u="none" strike="noStrike" cap="none" dirty="0" smtClean="0">
+                  <a:rPr lang="ko-KR" altLang="en-US" sz="1200" b="0" i="0" u="none" strike="noStrike" cap="none" dirty="0">
                     <a:solidFill>
                       <a:schemeClr val="dk1"/>
                     </a:solidFill>
@@ -7148,7 +7102,7 @@
                   <a:t>평균은 </a:t>
                 </a:r>
                 <a:r>
-                  <a:rPr lang="en-US" altLang="ko-KR" sz="1200" b="0" i="0" u="none" strike="noStrike" cap="none" dirty="0" smtClean="0">
+                  <a:rPr lang="en-US" altLang="ko-KR" sz="1200" b="0" i="0" u="none" strike="noStrike" cap="none" dirty="0">
                     <a:solidFill>
                       <a:schemeClr val="dk1"/>
                     </a:solidFill>
@@ -7170,7 +7124,7 @@
                   </a:spcAft>
                   <a:buNone/>
                 </a:pPr>
-                <a:endParaRPr lang="en-US" altLang="ko-KR" sz="1200" b="0" i="0" u="none" strike="noStrike" cap="none" dirty="0" smtClean="0">
+                <a:endParaRPr lang="en-US" altLang="ko-KR" sz="1200" b="0" i="0" u="none" strike="noStrike" cap="none" dirty="0">
                   <a:solidFill>
                     <a:schemeClr val="dk1"/>
                   </a:solidFill>
@@ -7191,7 +7145,7 @@
                   <a:buNone/>
                 </a:pPr>
                 <a:r>
-                  <a:rPr lang="ko-KR" altLang="en-US" sz="1200" b="0" i="0" u="none" strike="noStrike" cap="none" dirty="0" smtClean="0">
+                  <a:rPr lang="ko-KR" altLang="en-US" sz="1200" b="0" i="0" u="none" strike="noStrike" cap="none" dirty="0">
                     <a:solidFill>
                       <a:schemeClr val="dk1"/>
                     </a:solidFill>
@@ -7203,7 +7157,7 @@
                   <a:t>표준편차는 </a:t>
                 </a:r>
                 <a:r>
-                  <a:rPr lang="en-US" altLang="ko-KR" sz="1200" b="0" i="0" u="none" strike="noStrike" cap="none" dirty="0" smtClean="0">
+                  <a:rPr lang="en-US" altLang="ko-KR" sz="1200" b="0" i="0" u="none" strike="noStrike" cap="none" dirty="0">
                     <a:solidFill>
                       <a:schemeClr val="dk1"/>
                     </a:solidFill>
@@ -7215,7 +7169,7 @@
                   <a:t>= </a:t>
                 </a:r>
                 <a:r>
-                  <a:rPr lang="ko-KR" altLang="en-US" sz="1200" b="0" i="0" u="none" strike="noStrike" cap="none" dirty="0" smtClean="0">
+                  <a:rPr lang="ko-KR" altLang="en-US" sz="1200" b="0" i="0" u="none" strike="noStrike" cap="none" dirty="0">
                     <a:solidFill>
                       <a:schemeClr val="dk1"/>
                     </a:solidFill>
@@ -7226,7 +7180,7 @@
                   </a:rPr>
                   <a:t>분산의 제곱근을 씌운 시그마 이므로</a:t>
                 </a:r>
-                <a:endParaRPr lang="en-US" altLang="ko-KR" sz="1200" b="0" i="0" u="none" strike="noStrike" cap="none" dirty="0" smtClean="0">
+                <a:endParaRPr lang="en-US" altLang="ko-KR" sz="1200" b="0" i="0" u="none" strike="noStrike" cap="none" dirty="0">
                   <a:solidFill>
                     <a:schemeClr val="dk1"/>
                   </a:solidFill>
@@ -7247,7 +7201,7 @@
                   <a:buNone/>
                 </a:pPr>
                 <a:r>
-                  <a:rPr lang="en-US" sz="1200" b="0" i="0" u="none" strike="noStrike" cap="none" dirty="0" smtClean="0">
+                  <a:rPr lang="en-US" sz="1200" b="0" i="0" u="none" strike="noStrike" cap="none" dirty="0">
                     <a:solidFill>
                       <a:schemeClr val="dk1"/>
                     </a:solidFill>
@@ -7259,7 +7213,7 @@
                   <a:t>                =  (1^2 * 1/7 ) + (2^2 * 2/7) + (3^2 * 4/7) – (17/7)^2</a:t>
                 </a:r>
                 <a:r>
-                  <a:rPr lang="en-US" sz="1200" b="0" i="0" u="none" strike="noStrike" cap="none" baseline="0" dirty="0" smtClean="0">
+                  <a:rPr lang="en-US" sz="1200" b="0" i="0" u="none" strike="noStrike" cap="none" baseline="0" dirty="0">
                     <a:solidFill>
                       <a:schemeClr val="dk1"/>
                     </a:solidFill>
@@ -7271,7 +7225,7 @@
                   <a:t>     = 1736/49  &lt;- </a:t>
                 </a:r>
                 <a:r>
-                  <a:rPr lang="ko-KR" altLang="en-US" sz="1200" b="0" i="0" u="none" strike="noStrike" cap="none" baseline="0" dirty="0" smtClean="0">
+                  <a:rPr lang="ko-KR" altLang="en-US" sz="1200" b="0" i="0" u="none" strike="noStrike" cap="none" baseline="0" dirty="0">
                     <a:solidFill>
                       <a:schemeClr val="dk1"/>
                     </a:solidFill>
@@ -7282,7 +7236,7 @@
                   </a:rPr>
                   <a:t>여기에 루트를 씌우면</a:t>
                 </a:r>
-                <a:endParaRPr lang="en-US" altLang="ko-KR" sz="1200" b="0" i="0" u="none" strike="noStrike" cap="none" baseline="0" dirty="0" smtClean="0">
+                <a:endParaRPr lang="en-US" altLang="ko-KR" sz="1200" b="0" i="0" u="none" strike="noStrike" cap="none" baseline="0" dirty="0">
                   <a:solidFill>
                     <a:schemeClr val="dk1"/>
                   </a:solidFill>
@@ -7303,7 +7257,7 @@
                   <a:buNone/>
                 </a:pPr>
                 <a:r>
-                  <a:rPr lang="en-US" sz="1200" b="0" i="0" u="none" strike="noStrike" cap="none" baseline="0" dirty="0" smtClean="0">
+                  <a:rPr lang="en-US" sz="1200" b="0" i="0" u="none" strike="noStrike" cap="none" baseline="0" dirty="0">
                     <a:solidFill>
                       <a:schemeClr val="dk1"/>
                     </a:solidFill>
@@ -7376,7 +7330,7 @@
                     </m:f>
                   </m:oMath>
                 </a14:m>
-                <a:endParaRPr lang="en-US" sz="1200" b="0" i="0" u="none" strike="noStrike" cap="none" dirty="0" smtClean="0">
+                <a:endParaRPr lang="en-US" sz="1200" b="0" i="0" u="none" strike="noStrike" cap="none" dirty="0">
                   <a:solidFill>
                     <a:schemeClr val="dk1"/>
                   </a:solidFill>
@@ -7957,7 +7911,7 @@
               <a:lstStyle/>
               <a:p>
                 <a:pPr fontAlgn="base" latinLnBrk="1"/>
-                <a:endParaRPr lang="ko-KR" altLang="en-US" sz="1200" kern="1200" dirty="0" smtClean="0">
+                <a:endParaRPr lang="ko-KR" altLang="en-US" sz="1200" kern="1200" dirty="0">
                   <a:solidFill>
                     <a:schemeClr val="tx1"/>
                   </a:solidFill>
@@ -7970,7 +7924,7 @@
               <a:p>
                 <a:pPr fontAlgn="base" latinLnBrk="1"/>
                 <a:r>
-                  <a:rPr lang="en-US" altLang="ko-KR" sz="1200" kern="1200" dirty="0" smtClean="0">
+                  <a:rPr lang="en-US" altLang="ko-KR" sz="1200" kern="1200" dirty="0">
                     <a:solidFill>
                       <a:schemeClr val="tx1"/>
                     </a:solidFill>
@@ -7982,7 +7936,7 @@
                   <a:t>X     :  0       1      2</a:t>
                 </a:r>
                 <a:r>
-                  <a:rPr lang="en-US" altLang="ko-KR" sz="1200" kern="1200" baseline="0" dirty="0" smtClean="0">
+                  <a:rPr lang="en-US" altLang="ko-KR" sz="1200" kern="1200" baseline="0" dirty="0">
                     <a:solidFill>
                       <a:schemeClr val="tx1"/>
                     </a:solidFill>
@@ -7994,7 +7948,7 @@
                   <a:t>     3      </a:t>
                 </a:r>
                 <a:r>
-                  <a:rPr lang="ko-KR" altLang="en-US" sz="1200" kern="1200" baseline="0" dirty="0" smtClean="0">
+                  <a:rPr lang="ko-KR" altLang="en-US" sz="1200" kern="1200" baseline="0" dirty="0">
                     <a:solidFill>
                       <a:schemeClr val="tx1"/>
                     </a:solidFill>
@@ -8005,7 +7959,7 @@
                   </a:rPr>
                   <a:t>계</a:t>
                 </a:r>
-                <a:endParaRPr lang="en-US" altLang="ko-KR" sz="1200" kern="1200" baseline="0" dirty="0" smtClean="0">
+                <a:endParaRPr lang="en-US" altLang="ko-KR" sz="1200" kern="1200" baseline="0" dirty="0">
                   <a:solidFill>
                     <a:schemeClr val="tx1"/>
                   </a:solidFill>
@@ -8018,7 +7972,7 @@
               <a:p>
                 <a:pPr fontAlgn="base" latinLnBrk="1"/>
                 <a:r>
-                  <a:rPr lang="en-US" altLang="ko-KR" sz="1200" kern="1200" baseline="0" dirty="0" smtClean="0">
+                  <a:rPr lang="en-US" altLang="ko-KR" sz="1200" kern="1200" baseline="0" dirty="0">
                     <a:solidFill>
                       <a:schemeClr val="tx1"/>
                     </a:solidFill>
@@ -8032,7 +7986,7 @@
               </a:p>
               <a:p>
                 <a:pPr fontAlgn="base" latinLnBrk="1"/>
-                <a:endParaRPr lang="en-US" altLang="ko-KR" sz="1200" kern="1200" baseline="0" dirty="0" smtClean="0">
+                <a:endParaRPr lang="en-US" altLang="ko-KR" sz="1200" kern="1200" baseline="0" dirty="0">
                   <a:solidFill>
                     <a:schemeClr val="tx1"/>
                   </a:solidFill>
@@ -8044,7 +7998,7 @@
               </a:p>
               <a:p>
                 <a:pPr fontAlgn="base" latinLnBrk="1"/>
-                <a:endParaRPr lang="en-US" altLang="ko-KR" sz="1200" kern="1200" baseline="0" dirty="0" smtClean="0">
+                <a:endParaRPr lang="en-US" altLang="ko-KR" sz="1200" kern="1200" baseline="0" dirty="0">
                   <a:solidFill>
                     <a:schemeClr val="tx1"/>
                   </a:solidFill>
@@ -8057,7 +8011,7 @@
               <a:p>
                 <a:pPr fontAlgn="base" latinLnBrk="1"/>
                 <a:r>
-                  <a:rPr lang="ko-KR" altLang="en-US" sz="1200" kern="1200" baseline="0" dirty="0" smtClean="0">
+                  <a:rPr lang="ko-KR" altLang="en-US" sz="1200" kern="1200" baseline="0" dirty="0">
                     <a:solidFill>
                       <a:schemeClr val="tx1"/>
                     </a:solidFill>
@@ -8069,7 +8023,7 @@
                   <a:t>확률변수 </a:t>
                 </a:r>
                 <a:r>
-                  <a:rPr lang="en-US" altLang="ko-KR" sz="1200" kern="1200" baseline="0" dirty="0" smtClean="0">
+                  <a:rPr lang="en-US" altLang="ko-KR" sz="1200" kern="1200" baseline="0" dirty="0">
                     <a:solidFill>
                       <a:schemeClr val="tx1"/>
                     </a:solidFill>
@@ -8081,7 +8035,7 @@
                   <a:t>X</a:t>
                 </a:r>
                 <a:r>
-                  <a:rPr lang="ko-KR" altLang="en-US" sz="1200" kern="1200" baseline="0" dirty="0" smtClean="0">
+                  <a:rPr lang="ko-KR" altLang="en-US" sz="1200" kern="1200" baseline="0" dirty="0">
                     <a:solidFill>
                       <a:schemeClr val="tx1"/>
                     </a:solidFill>
@@ -8093,7 +8047,7 @@
                   <a:t>의 평균을 </a:t>
                 </a:r>
                 <a:r>
-                  <a:rPr lang="en-US" altLang="ko-KR" sz="1200" kern="1200" baseline="0" dirty="0" smtClean="0">
+                  <a:rPr lang="en-US" altLang="ko-KR" sz="1200" kern="1200" baseline="0" dirty="0">
                     <a:solidFill>
                       <a:schemeClr val="tx1"/>
                     </a:solidFill>
@@ -8105,7 +8059,7 @@
                   <a:t>E(X), </a:t>
                 </a:r>
                 <a:r>
-                  <a:rPr lang="ko-KR" altLang="en-US" sz="1200" kern="1200" baseline="0" dirty="0" smtClean="0">
+                  <a:rPr lang="ko-KR" altLang="en-US" sz="1200" kern="1200" baseline="0" dirty="0">
                     <a:solidFill>
                       <a:schemeClr val="tx1"/>
                     </a:solidFill>
@@ -8117,7 +8071,7 @@
                   <a:t>표준편차를 </a:t>
                 </a:r>
                 <a:r>
-                  <a:rPr lang="el-GR" altLang="ko-KR" sz="1200" kern="1200" baseline="0" dirty="0" smtClean="0">
+                  <a:rPr lang="el-GR" altLang="ko-KR" sz="1200" kern="1200" baseline="0" dirty="0">
                     <a:solidFill>
                       <a:schemeClr val="tx1"/>
                     </a:solidFill>
@@ -8129,7 +8083,7 @@
                   <a:t>σ</a:t>
                 </a:r>
                 <a:r>
-                  <a:rPr lang="en-US" altLang="ko-KR" sz="1200" kern="1200" baseline="0" dirty="0" smtClean="0">
+                  <a:rPr lang="en-US" altLang="ko-KR" sz="1200" kern="1200" baseline="0" dirty="0">
                     <a:solidFill>
                       <a:schemeClr val="tx1"/>
                     </a:solidFill>
@@ -8141,7 +8095,7 @@
                   <a:t>(X) </a:t>
                 </a:r>
                 <a:r>
-                  <a:rPr lang="ko-KR" altLang="en-US" sz="1200" kern="1200" baseline="0" dirty="0" smtClean="0">
+                  <a:rPr lang="ko-KR" altLang="en-US" sz="1200" kern="1200" baseline="0" dirty="0">
                     <a:solidFill>
                       <a:schemeClr val="tx1"/>
                     </a:solidFill>
@@ -8152,7 +8106,7 @@
                   </a:rPr>
                   <a:t>라고 하면</a:t>
                 </a:r>
-                <a:endParaRPr lang="en-US" altLang="ko-KR" sz="1200" kern="1200" baseline="0" dirty="0" smtClean="0">
+                <a:endParaRPr lang="en-US" altLang="ko-KR" sz="1200" kern="1200" baseline="0" dirty="0">
                   <a:solidFill>
                     <a:schemeClr val="tx1"/>
                   </a:solidFill>
@@ -8175,7 +8129,7 @@
                   </a:spcAft>
                 </a:pPr>
                 <a:r>
-                  <a:rPr lang="en-US" altLang="ko-KR" sz="1200" kern="1200" baseline="0" dirty="0" smtClean="0">
+                  <a:rPr lang="en-US" altLang="ko-KR" sz="1200" kern="1200" baseline="0" dirty="0">
                     <a:solidFill>
                       <a:schemeClr val="tx1"/>
                     </a:solidFill>
@@ -8199,7 +8153,7 @@
                     <a:spcPts val="0"/>
                   </a:spcAft>
                 </a:pPr>
-                <a:endParaRPr lang="en-US" altLang="ko-KR" sz="1200" kern="1200" spc="0" baseline="0" dirty="0" smtClean="0">
+                <a:endParaRPr lang="en-US" altLang="ko-KR" sz="1200" kern="1200" spc="0" baseline="0" dirty="0">
                   <a:solidFill>
                     <a:schemeClr val="tx1"/>
                   </a:solidFill>
@@ -8222,7 +8176,7 @@
                   </a:spcAft>
                 </a:pPr>
                 <a:r>
-                  <a:rPr lang="el-GR" altLang="ko-KR" sz="1200" kern="1200" baseline="0" dirty="0" smtClean="0">
+                  <a:rPr lang="el-GR" altLang="ko-KR" sz="1200" kern="1200" baseline="0" dirty="0">
                     <a:solidFill>
                       <a:schemeClr val="tx1"/>
                     </a:solidFill>
@@ -8234,7 +8188,7 @@
                   <a:t>σ</a:t>
                 </a:r>
                 <a:r>
-                  <a:rPr lang="en-US" altLang="ko-KR" sz="1200" kern="1200" baseline="0" dirty="0" smtClean="0">
+                  <a:rPr lang="en-US" altLang="ko-KR" sz="1200" kern="1200" baseline="0" dirty="0">
                     <a:solidFill>
                       <a:schemeClr val="tx1"/>
                     </a:solidFill>
@@ -8258,7 +8212,7 @@
                     <a:spcPts val="0"/>
                   </a:spcAft>
                 </a:pPr>
-                <a:endParaRPr lang="en-US" altLang="ko-KR" sz="1200" kern="1200" spc="0" baseline="0" dirty="0" smtClean="0">
+                <a:endParaRPr lang="en-US" altLang="ko-KR" sz="1200" kern="1200" spc="0" baseline="0" dirty="0">
                   <a:solidFill>
                     <a:schemeClr val="tx1"/>
                   </a:solidFill>
@@ -8281,7 +8235,7 @@
                   </a:spcAft>
                 </a:pPr>
                 <a:r>
-                  <a:rPr lang="ko-KR" altLang="en-US" sz="1200" kern="1200" spc="0" baseline="0" dirty="0" smtClean="0">
+                  <a:rPr lang="ko-KR" altLang="en-US" sz="1200" kern="1200" spc="0" baseline="0" dirty="0">
                     <a:solidFill>
                       <a:schemeClr val="tx1"/>
                     </a:solidFill>
@@ -8292,7 +8246,7 @@
                   </a:rPr>
                   <a:t>따라서 </a:t>
                 </a:r>
-                <a:endParaRPr lang="en-US" altLang="ko-KR" sz="1200" kern="1200" spc="0" baseline="0" dirty="0" smtClean="0">
+                <a:endParaRPr lang="en-US" altLang="ko-KR" sz="1200" kern="1200" spc="0" baseline="0" dirty="0">
                   <a:solidFill>
                     <a:schemeClr val="tx1"/>
                   </a:solidFill>
@@ -8315,7 +8269,7 @@
                   </a:spcAft>
                 </a:pPr>
                 <a:r>
-                  <a:rPr lang="en-US" altLang="ko-KR" sz="1200" kern="1200" spc="0" baseline="0" dirty="0" smtClean="0">
+                  <a:rPr lang="en-US" altLang="ko-KR" sz="1200" kern="1200" spc="0" baseline="0" dirty="0">
                     <a:solidFill>
                       <a:schemeClr val="tx1"/>
                     </a:solidFill>
@@ -8340,7 +8294,7 @@
                   </a:spcAft>
                 </a:pPr>
                 <a:r>
-                  <a:rPr lang="el-GR" altLang="ko-KR" sz="1200" kern="1200" baseline="0" dirty="0" smtClean="0">
+                  <a:rPr lang="el-GR" altLang="ko-KR" sz="1200" kern="1200" baseline="0" dirty="0">
                     <a:solidFill>
                       <a:schemeClr val="tx1"/>
                     </a:solidFill>
@@ -8352,7 +8306,7 @@
                   <a:t>σ</a:t>
                 </a:r>
                 <a:r>
-                  <a:rPr lang="en-US" altLang="ko-KR" sz="1200" kern="1200" baseline="0" dirty="0" smtClean="0">
+                  <a:rPr lang="en-US" altLang="ko-KR" sz="1200" kern="1200" baseline="0" dirty="0">
                     <a:solidFill>
                       <a:schemeClr val="tx1"/>
                     </a:solidFill>
@@ -8364,7 +8318,7 @@
                   <a:t>(</a:t>
                 </a:r>
                 <a:r>
-                  <a:rPr lang="en-US" altLang="ko-KR" sz="1200" kern="1200" spc="0" baseline="0" dirty="0" smtClean="0">
+                  <a:rPr lang="en-US" altLang="ko-KR" sz="1200" kern="1200" spc="0" baseline="0" dirty="0">
                     <a:solidFill>
                       <a:schemeClr val="tx1"/>
                     </a:solidFill>
@@ -8376,7 +8330,7 @@
                   <a:t>3X+5) = 3</a:t>
                 </a:r>
                 <a:r>
-                  <a:rPr lang="el-GR" altLang="ko-KR" sz="1200" kern="1200" baseline="0" dirty="0" smtClean="0">
+                  <a:rPr lang="el-GR" altLang="ko-KR" sz="1200" kern="1200" baseline="0" dirty="0">
                     <a:solidFill>
                       <a:schemeClr val="tx1"/>
                     </a:solidFill>
@@ -8388,7 +8342,7 @@
                   <a:t>σ</a:t>
                 </a:r>
                 <a:r>
-                  <a:rPr lang="en-US" altLang="ko-KR" sz="1200" kern="1200" baseline="0" dirty="0" smtClean="0">
+                  <a:rPr lang="en-US" altLang="ko-KR" sz="1200" kern="1200" baseline="0" dirty="0">
                     <a:solidFill>
                       <a:schemeClr val="tx1"/>
                     </a:solidFill>
@@ -8551,7 +8505,7 @@
                     </m:f>
                   </m:oMath>
                 </a14:m>
-                <a:endParaRPr lang="en-US" altLang="ko-KR" sz="1200" kern="0" spc="0" dirty="0" smtClean="0">
+                <a:endParaRPr lang="en-US" altLang="ko-KR" sz="1200" kern="0" spc="0" dirty="0">
                   <a:solidFill>
                     <a:srgbClr val="000000"/>
                   </a:solidFill>
@@ -8570,7 +8524,7 @@
                     <a:spcPts val="0"/>
                   </a:spcAft>
                 </a:pPr>
-                <a:endParaRPr lang="en-US" altLang="ko-KR" sz="1200" kern="0" spc="0" dirty="0" smtClean="0">
+                <a:endParaRPr lang="en-US" altLang="ko-KR" sz="1200" kern="0" spc="0" dirty="0">
                   <a:solidFill>
                     <a:srgbClr val="000000"/>
                   </a:solidFill>
@@ -8596,7 +8550,7 @@
                   <a:defRPr/>
                 </a:pPr>
                 <a:r>
-                  <a:rPr lang="ko-KR" altLang="en-US" sz="1200" kern="0" spc="0" dirty="0" smtClean="0">
+                  <a:rPr lang="ko-KR" altLang="en-US" sz="1200" kern="0" spc="0" dirty="0">
                     <a:solidFill>
                       <a:srgbClr val="000000"/>
                     </a:solidFill>
@@ -8605,7 +8559,7 @@
                   <a:t>답 </a:t>
                 </a:r>
                 <a:r>
-                  <a:rPr lang="en-US" altLang="ko-KR" sz="1200" kern="0" spc="0" dirty="0" smtClean="0">
+                  <a:rPr lang="en-US" altLang="ko-KR" sz="1200" kern="0" spc="0" dirty="0">
                     <a:solidFill>
                       <a:srgbClr val="000000"/>
                     </a:solidFill>
@@ -8614,7 +8568,7 @@
                   <a:t>: </a:t>
                 </a:r>
                 <a:r>
-                  <a:rPr lang="en-US" altLang="ko-KR" sz="1200" kern="1200" spc="0" baseline="0" dirty="0" smtClean="0">
+                  <a:rPr lang="en-US" altLang="ko-KR" sz="1200" kern="1200" spc="0" baseline="0" dirty="0">
                     <a:solidFill>
                       <a:schemeClr val="tx1"/>
                     </a:solidFill>
@@ -8703,7 +8657,7 @@
                     </m:f>
                   </m:oMath>
                 </a14:m>
-                <a:endParaRPr lang="en-US" altLang="ko-KR" sz="1200" kern="1200" spc="0" baseline="0" dirty="0" smtClean="0">
+                <a:endParaRPr lang="en-US" altLang="ko-KR" sz="1200" kern="1200" spc="0" baseline="0" dirty="0">
                   <a:solidFill>
                     <a:schemeClr val="tx1"/>
                   </a:solidFill>
@@ -8725,7 +8679,7 @@
                     <a:spcPts val="0"/>
                   </a:spcAft>
                 </a:pPr>
-                <a:endParaRPr lang="ko-KR" altLang="en-US" sz="1200" kern="0" spc="0" dirty="0" smtClean="0">
+                <a:endParaRPr lang="ko-KR" altLang="en-US" sz="1200" kern="0" spc="0" dirty="0">
                   <a:solidFill>
                     <a:srgbClr val="000000"/>
                   </a:solidFill>
@@ -9823,7 +9777,7 @@
               <a:buNone/>
             </a:pPr>
             <a:r>
-              <a:rPr lang="ko-KR" altLang="en-US" sz="1200" b="0" i="0" u="none" strike="noStrike" cap="none" dirty="0" smtClean="0">
+              <a:rPr lang="ko-KR" altLang="en-US" sz="1200" b="0" i="0" u="none" strike="noStrike" cap="none" dirty="0">
                 <a:solidFill>
                   <a:schemeClr val="dk1"/>
                 </a:solidFill>
@@ -9835,7 +9789,7 @@
               <a:t>우리가 데이터 분석을 할 때 모든 데이터를 다 가지고 올 수 가 없다</a:t>
             </a:r>
             <a:r>
-              <a:rPr lang="en-US" altLang="ko-KR" sz="1200" b="0" i="0" u="none" strike="noStrike" cap="none" baseline="0" dirty="0" smtClean="0">
+              <a:rPr lang="en-US" altLang="ko-KR" sz="1200" b="0" i="0" u="none" strike="noStrike" cap="none" baseline="0" dirty="0">
                 <a:solidFill>
                   <a:schemeClr val="dk1"/>
                 </a:solidFill>
@@ -9847,7 +9801,7 @@
               <a:t> ( </a:t>
             </a:r>
             <a:r>
-              <a:rPr lang="ko-KR" altLang="en-US" sz="1200" b="0" i="0" u="none" strike="noStrike" cap="none" baseline="0" dirty="0" smtClean="0">
+              <a:rPr lang="ko-KR" altLang="en-US" sz="1200" b="0" i="0" u="none" strike="noStrike" cap="none" baseline="0" dirty="0">
                 <a:solidFill>
                   <a:schemeClr val="dk1"/>
                 </a:solidFill>
@@ -9859,7 +9813,7 @@
               <a:t>예를 들어 남미의 작은 부족들의 정보</a:t>
             </a:r>
             <a:r>
-              <a:rPr lang="en-US" altLang="ko-KR" sz="1200" b="0" i="0" u="none" strike="noStrike" cap="none" baseline="0" dirty="0" smtClean="0">
+              <a:rPr lang="en-US" altLang="ko-KR" sz="1200" b="0" i="0" u="none" strike="noStrike" cap="none" baseline="0" dirty="0">
                 <a:solidFill>
                   <a:schemeClr val="dk1"/>
                 </a:solidFill>
@@ -9871,7 +9825,7 @@
               <a:t>? </a:t>
             </a:r>
             <a:r>
-              <a:rPr lang="ko-KR" altLang="en-US" sz="1200" b="0" i="0" u="none" strike="noStrike" cap="none" baseline="0" dirty="0" smtClean="0">
+              <a:rPr lang="ko-KR" altLang="en-US" sz="1200" b="0" i="0" u="none" strike="noStrike" cap="none" baseline="0" dirty="0">
                 <a:solidFill>
                   <a:schemeClr val="dk1"/>
                 </a:solidFill>
@@ -9883,7 +9837,7 @@
               <a:t>같이 정말 모</a:t>
             </a:r>
             <a:r>
-              <a:rPr lang="en-US" altLang="ko-KR" sz="1200" b="0" i="0" u="none" strike="noStrike" cap="none" baseline="0" dirty="0" smtClean="0">
+              <a:rPr lang="en-US" altLang="ko-KR" sz="1200" b="0" i="0" u="none" strike="noStrike" cap="none" baseline="0" dirty="0">
                 <a:solidFill>
                   <a:schemeClr val="dk1"/>
                 </a:solidFill>
@@ -9895,7 +9849,7 @@
               <a:t>.</a:t>
             </a:r>
             <a:r>
-              <a:rPr lang="ko-KR" altLang="en-US" sz="1200" b="0" i="0" u="none" strike="noStrike" cap="none" baseline="0" dirty="0" smtClean="0">
+              <a:rPr lang="ko-KR" altLang="en-US" sz="1200" b="0" i="0" u="none" strike="noStrike" cap="none" baseline="0" dirty="0">
                 <a:solidFill>
                   <a:schemeClr val="dk1"/>
                 </a:solidFill>
@@ -9907,7 +9861,7 @@
               <a:t>든</a:t>
             </a:r>
             <a:r>
-              <a:rPr lang="en-US" altLang="ko-KR" sz="1200" b="0" i="0" u="none" strike="noStrike" cap="none" baseline="0" dirty="0" smtClean="0">
+              <a:rPr lang="en-US" altLang="ko-KR" sz="1200" b="0" i="0" u="none" strike="noStrike" cap="none" baseline="0" dirty="0">
                 <a:solidFill>
                   <a:schemeClr val="dk1"/>
                 </a:solidFill>
@@ -9919,7 +9873,7 @@
               <a:t>. </a:t>
             </a:r>
             <a:r>
-              <a:rPr lang="ko-KR" altLang="en-US" sz="1200" b="0" i="0" u="none" strike="noStrike" cap="none" baseline="0" dirty="0" smtClean="0">
+              <a:rPr lang="ko-KR" altLang="en-US" sz="1200" b="0" i="0" u="none" strike="noStrike" cap="none" baseline="0" dirty="0">
                 <a:solidFill>
                   <a:schemeClr val="dk1"/>
                 </a:solidFill>
@@ -9931,7 +9885,7 @@
               <a:t>데이터</a:t>
             </a:r>
             <a:r>
-              <a:rPr lang="en-US" altLang="ko-KR" sz="1200" b="0" i="0" u="none" strike="noStrike" cap="none" baseline="0" dirty="0" smtClean="0">
+              <a:rPr lang="en-US" altLang="ko-KR" sz="1200" b="0" i="0" u="none" strike="noStrike" cap="none" baseline="0" dirty="0">
                 <a:solidFill>
                   <a:schemeClr val="dk1"/>
                 </a:solidFill>
@@ -9943,7 +9897,7 @@
               <a:t>) </a:t>
             </a:r>
             <a:r>
-              <a:rPr lang="ko-KR" altLang="en-US" sz="1200" b="0" i="0" u="none" strike="noStrike" cap="none" baseline="0" dirty="0" smtClean="0">
+              <a:rPr lang="ko-KR" altLang="en-US" sz="1200" b="0" i="0" u="none" strike="noStrike" cap="none" baseline="0" dirty="0">
                 <a:solidFill>
                   <a:schemeClr val="dk1"/>
                 </a:solidFill>
@@ -9955,7 +9909,7 @@
               <a:t>그래서 우리는 전체에서 대표성을 띄는 것을 </a:t>
             </a:r>
             <a:r>
-              <a:rPr lang="ko-KR" altLang="en-US" sz="1200" b="0" i="0" u="none" strike="noStrike" cap="none" baseline="0" dirty="0" err="1" smtClean="0">
+              <a:rPr lang="ko-KR" altLang="en-US" sz="1200" b="0" i="0" u="none" strike="noStrike" cap="none" baseline="0" dirty="0" err="1">
                 <a:solidFill>
                   <a:schemeClr val="dk1"/>
                 </a:solidFill>
@@ -9967,7 +9921,7 @@
               <a:t>랜덤하게</a:t>
             </a:r>
             <a:r>
-              <a:rPr lang="ko-KR" altLang="en-US" sz="1200" b="0" i="0" u="none" strike="noStrike" cap="none" baseline="0" dirty="0" smtClean="0">
+              <a:rPr lang="ko-KR" altLang="en-US" sz="1200" b="0" i="0" u="none" strike="noStrike" cap="none" baseline="0" dirty="0">
                 <a:solidFill>
                   <a:schemeClr val="dk1"/>
                 </a:solidFill>
@@ -9979,7 +9933,7 @@
               <a:t> 추출 한 </a:t>
             </a:r>
             <a:r>
-              <a:rPr lang="en-US" altLang="ko-KR" sz="1200" b="0" i="0" u="none" strike="noStrike" cap="none" baseline="0" dirty="0" smtClean="0">
+              <a:rPr lang="en-US" altLang="ko-KR" sz="1200" b="0" i="0" u="none" strike="noStrike" cap="none" baseline="0" dirty="0">
                 <a:solidFill>
                   <a:schemeClr val="dk1"/>
                 </a:solidFill>
@@ -9991,7 +9945,7 @@
               <a:t>‘</a:t>
             </a:r>
             <a:r>
-              <a:rPr lang="ko-KR" altLang="en-US" sz="1200" b="0" i="0" u="none" strike="noStrike" cap="none" baseline="0" dirty="0" smtClean="0">
+              <a:rPr lang="ko-KR" altLang="en-US" sz="1200" b="0" i="0" u="none" strike="noStrike" cap="none" baseline="0" dirty="0">
                 <a:solidFill>
                   <a:schemeClr val="dk1"/>
                 </a:solidFill>
@@ -10003,7 +9957,7 @@
               <a:t>표본</a:t>
             </a:r>
             <a:r>
-              <a:rPr lang="en-US" altLang="ko-KR" sz="1200" b="0" i="0" u="none" strike="noStrike" cap="none" baseline="0" dirty="0" smtClean="0">
+              <a:rPr lang="en-US" altLang="ko-KR" sz="1200" b="0" i="0" u="none" strike="noStrike" cap="none" baseline="0" dirty="0">
                 <a:solidFill>
                   <a:schemeClr val="dk1"/>
                 </a:solidFill>
@@ -10015,7 +9969,7 @@
               <a:t>‘</a:t>
             </a:r>
             <a:r>
-              <a:rPr lang="ko-KR" altLang="en-US" sz="1200" b="0" i="0" u="none" strike="noStrike" cap="none" baseline="0" dirty="0" smtClean="0">
+              <a:rPr lang="ko-KR" altLang="en-US" sz="1200" b="0" i="0" u="none" strike="noStrike" cap="none" baseline="0" dirty="0">
                 <a:solidFill>
                   <a:schemeClr val="dk1"/>
                 </a:solidFill>
@@ -10027,7 +9981,7 @@
               <a:t>울 사용해서 통계를 내서 특징</a:t>
             </a:r>
             <a:r>
-              <a:rPr lang="en-US" altLang="ko-KR" sz="1200" b="0" i="0" u="none" strike="noStrike" cap="none" baseline="0" dirty="0" smtClean="0">
+              <a:rPr lang="en-US" altLang="ko-KR" sz="1200" b="0" i="0" u="none" strike="noStrike" cap="none" baseline="0" dirty="0">
                 <a:solidFill>
                   <a:schemeClr val="dk1"/>
                 </a:solidFill>
@@ -10039,7 +9993,7 @@
               <a:t>, </a:t>
             </a:r>
             <a:r>
-              <a:rPr lang="ko-KR" altLang="en-US" sz="1200" b="0" i="0" u="none" strike="noStrike" cap="none" baseline="0" dirty="0" smtClean="0">
+              <a:rPr lang="ko-KR" altLang="en-US" sz="1200" b="0" i="0" u="none" strike="noStrike" cap="none" baseline="0" dirty="0">
                 <a:solidFill>
                   <a:schemeClr val="dk1"/>
                 </a:solidFill>
@@ -10051,7 +10005,7 @@
               <a:t>즉 </a:t>
             </a:r>
             <a:r>
-              <a:rPr lang="ko-KR" altLang="en-US" sz="1200" b="0" i="0" u="none" strike="noStrike" cap="none" baseline="0" dirty="0" err="1" smtClean="0">
+              <a:rPr lang="ko-KR" altLang="en-US" sz="1200" b="0" i="0" u="none" strike="noStrike" cap="none" baseline="0" dirty="0" err="1">
                 <a:solidFill>
                   <a:schemeClr val="dk1"/>
                 </a:solidFill>
@@ -10063,7 +10017,7 @@
               <a:t>모수를</a:t>
             </a:r>
             <a:r>
-              <a:rPr lang="ko-KR" altLang="en-US" sz="1200" b="0" i="0" u="none" strike="noStrike" cap="none" baseline="0" dirty="0" smtClean="0">
+              <a:rPr lang="ko-KR" altLang="en-US" sz="1200" b="0" i="0" u="none" strike="noStrike" cap="none" baseline="0" dirty="0">
                 <a:solidFill>
                   <a:schemeClr val="dk1"/>
                 </a:solidFill>
@@ -10075,7 +10029,7 @@
               <a:t> 찾아내고 그 </a:t>
             </a:r>
             <a:r>
-              <a:rPr lang="ko-KR" altLang="en-US" sz="1200" b="0" i="0" u="none" strike="noStrike" cap="none" baseline="0" dirty="0" err="1" smtClean="0">
+              <a:rPr lang="ko-KR" altLang="en-US" sz="1200" b="0" i="0" u="none" strike="noStrike" cap="none" baseline="0" dirty="0" err="1">
                 <a:solidFill>
                   <a:schemeClr val="dk1"/>
                 </a:solidFill>
@@ -10087,7 +10041,7 @@
               <a:t>모수가</a:t>
             </a:r>
             <a:r>
-              <a:rPr lang="ko-KR" altLang="en-US" sz="1200" b="0" i="0" u="none" strike="noStrike" cap="none" baseline="0" dirty="0" smtClean="0">
+              <a:rPr lang="ko-KR" altLang="en-US" sz="1200" b="0" i="0" u="none" strike="noStrike" cap="none" baseline="0" dirty="0">
                 <a:solidFill>
                   <a:schemeClr val="dk1"/>
                 </a:solidFill>
@@ -10099,7 +10053,7 @@
               <a:t> 모집단의 특징이라고 추정한다</a:t>
             </a:r>
             <a:r>
-              <a:rPr lang="en-US" altLang="ko-KR" sz="1200" b="0" i="0" u="none" strike="noStrike" cap="none" baseline="0" dirty="0" smtClean="0">
+              <a:rPr lang="en-US" altLang="ko-KR" sz="1200" b="0" i="0" u="none" strike="noStrike" cap="none" baseline="0" dirty="0">
                 <a:solidFill>
                   <a:schemeClr val="dk1"/>
                 </a:solidFill>
@@ -10121,7 +10075,7 @@
               </a:spcAft>
               <a:buNone/>
             </a:pPr>
-            <a:endParaRPr lang="en-US" sz="1200" b="0" i="0" u="none" strike="noStrike" cap="none" dirty="0" smtClean="0">
+            <a:endParaRPr lang="en-US" sz="1200" b="0" i="0" u="none" strike="noStrike" cap="none" dirty="0">
               <a:solidFill>
                 <a:schemeClr val="dk1"/>
               </a:solidFill>
@@ -10150,7 +10104,7 @@
               <a:defRPr/>
             </a:pPr>
             <a:r>
-              <a:rPr lang="ko-KR" altLang="en-US" sz="1200" b="0" i="0" u="none" strike="noStrike" cap="none" dirty="0" err="1" smtClean="0">
+              <a:rPr lang="ko-KR" altLang="en-US" sz="1200" b="0" i="0" u="none" strike="noStrike" cap="none" dirty="0" err="1">
                 <a:solidFill>
                   <a:schemeClr val="dk1"/>
                 </a:solidFill>
@@ -10162,7 +10116,7 @@
               <a:t>추정량</a:t>
             </a:r>
             <a:r>
-              <a:rPr lang="ko-KR" altLang="en-US" sz="1200" b="0" i="0" u="none" strike="noStrike" cap="none" dirty="0" smtClean="0">
+              <a:rPr lang="ko-KR" altLang="en-US" sz="1200" b="0" i="0" u="none" strike="noStrike" cap="none" dirty="0">
                 <a:solidFill>
                   <a:schemeClr val="dk1"/>
                 </a:solidFill>
@@ -10174,7 +10128,7 @@
               <a:t> </a:t>
             </a:r>
             <a:r>
-              <a:rPr lang="en-US" altLang="ko-KR" sz="1200" b="0" i="0" u="none" strike="noStrike" cap="none" dirty="0" smtClean="0">
+              <a:rPr lang="en-US" altLang="ko-KR" sz="1200" b="0" i="0" u="none" strike="noStrike" cap="none" dirty="0">
                 <a:solidFill>
                   <a:schemeClr val="dk1"/>
                 </a:solidFill>
@@ -10186,14 +10140,14 @@
               <a:t>: </a:t>
             </a:r>
             <a:r>
-              <a:rPr lang="ko-KR" altLang="en-US" sz="1200" dirty="0" err="1" smtClean="0"/>
+              <a:rPr lang="ko-KR" altLang="en-US" sz="1200" dirty="0" err="1"/>
               <a:t>모수를</a:t>
             </a:r>
             <a:r>
-              <a:rPr lang="ko-KR" altLang="en-US" sz="1200" dirty="0" smtClean="0"/>
+              <a:rPr lang="ko-KR" altLang="en-US" sz="1200" dirty="0"/>
               <a:t> 추정하기 위한 목적을 가진 표본의 통계량을 말한다</a:t>
             </a:r>
-            <a:endParaRPr lang="en-US" altLang="ko-KR" sz="1200" dirty="0" smtClean="0"/>
+            <a:endParaRPr lang="en-US" altLang="ko-KR" sz="1200" dirty="0"/>
           </a:p>
           <a:p>
             <a:pPr marL="0" marR="0" lvl="0" indent="0" algn="l" rtl="0">
@@ -10407,7 +10361,7 @@
               <a:defRPr/>
             </a:pPr>
             <a:r>
-              <a:rPr lang="ko-KR" altLang="en-US" sz="1200" b="0" i="0" u="none" strike="noStrike" cap="none" baseline="0" dirty="0" smtClean="0">
+              <a:rPr lang="ko-KR" altLang="en-US" sz="1200" b="0" i="0" u="none" strike="noStrike" cap="none" baseline="0" dirty="0">
                 <a:solidFill>
                   <a:schemeClr val="dk1"/>
                 </a:solidFill>
@@ -10419,7 +10373,7 @@
               <a:t>여기서는 모집단</a:t>
             </a:r>
             <a:r>
-              <a:rPr lang="en-US" altLang="ko-KR" sz="1200" b="0" i="0" u="none" strike="noStrike" cap="none" baseline="0" dirty="0" smtClean="0">
+              <a:rPr lang="en-US" altLang="ko-KR" sz="1200" b="0" i="0" u="none" strike="noStrike" cap="none" baseline="0" dirty="0">
                 <a:solidFill>
                   <a:schemeClr val="dk1"/>
                 </a:solidFill>
@@ -10431,7 +10385,7 @@
               <a:t>(N)</a:t>
             </a:r>
             <a:r>
-              <a:rPr lang="ko-KR" altLang="en-US" sz="1200" b="0" i="0" u="none" strike="noStrike" cap="none" baseline="0" dirty="0" smtClean="0">
+              <a:rPr lang="ko-KR" altLang="en-US" sz="1200" b="0" i="0" u="none" strike="noStrike" cap="none" baseline="0" dirty="0">
                 <a:solidFill>
                   <a:schemeClr val="dk1"/>
                 </a:solidFill>
@@ -10443,7 +10397,7 @@
               <a:t>을 기준으로 합니다 </a:t>
             </a:r>
             <a:r>
-              <a:rPr lang="en-US" altLang="ko-KR" sz="1200" b="0" i="0" u="none" strike="noStrike" cap="none" baseline="0" dirty="0" smtClean="0">
+              <a:rPr lang="en-US" altLang="ko-KR" sz="1200" b="0" i="0" u="none" strike="noStrike" cap="none" baseline="0" dirty="0">
                 <a:solidFill>
                   <a:schemeClr val="dk1"/>
                 </a:solidFill>
@@ -10455,7 +10409,7 @@
               <a:t>(</a:t>
             </a:r>
             <a:r>
-              <a:rPr lang="ko-KR" altLang="en-US" sz="1200" b="0" i="0" u="none" strike="noStrike" cap="none" baseline="0" dirty="0" smtClean="0">
+              <a:rPr lang="ko-KR" altLang="en-US" sz="1200" b="0" i="0" u="none" strike="noStrike" cap="none" baseline="0" dirty="0">
                 <a:solidFill>
                   <a:schemeClr val="dk1"/>
                 </a:solidFill>
@@ -10467,7 +10421,7 @@
               <a:t>다음 슬라이드에서는 표본 기준</a:t>
             </a:r>
             <a:r>
-              <a:rPr lang="en-US" altLang="ko-KR" sz="1200" b="0" i="0" u="none" strike="noStrike" cap="none" baseline="0" dirty="0" smtClean="0">
+              <a:rPr lang="en-US" altLang="ko-KR" sz="1200" b="0" i="0" u="none" strike="noStrike" cap="none" baseline="0" dirty="0">
                 <a:solidFill>
                   <a:schemeClr val="dk1"/>
                 </a:solidFill>
@@ -10479,7 +10433,7 @@
               <a:t>(n)</a:t>
             </a:r>
             <a:r>
-              <a:rPr lang="ko-KR" altLang="en-US" sz="1200" b="0" i="0" u="none" strike="noStrike" cap="none" baseline="0" dirty="0" smtClean="0">
+              <a:rPr lang="ko-KR" altLang="en-US" sz="1200" b="0" i="0" u="none" strike="noStrike" cap="none" baseline="0" dirty="0">
                 <a:solidFill>
                   <a:schemeClr val="dk1"/>
                 </a:solidFill>
@@ -10491,7 +10445,7 @@
               <a:t>을 사용합니다 </a:t>
             </a:r>
             <a:r>
-              <a:rPr lang="en-US" altLang="ko-KR" sz="1200" b="0" i="0" u="none" strike="noStrike" cap="none" baseline="0" dirty="0" smtClean="0">
+              <a:rPr lang="en-US" altLang="ko-KR" sz="1200" b="0" i="0" u="none" strike="noStrike" cap="none" baseline="0" dirty="0">
                 <a:solidFill>
                   <a:schemeClr val="dk1"/>
                 </a:solidFill>
@@ -10503,7 +10457,7 @@
               <a:t>&lt;- </a:t>
             </a:r>
             <a:r>
-              <a:rPr lang="ko-KR" altLang="en-US" sz="1200" b="0" i="0" u="none" strike="noStrike" cap="none" baseline="0" dirty="0" smtClean="0">
+              <a:rPr lang="ko-KR" altLang="en-US" sz="1200" b="0" i="0" u="none" strike="noStrike" cap="none" baseline="0" dirty="0">
                 <a:solidFill>
                   <a:schemeClr val="dk1"/>
                 </a:solidFill>
@@ -10515,7 +10469,7 @@
               <a:t>모집단과 표본의 차이</a:t>
             </a:r>
             <a:r>
-              <a:rPr lang="en-US" altLang="ko-KR" sz="1200" b="0" i="0" u="none" strike="noStrike" cap="none" baseline="0" dirty="0" smtClean="0">
+              <a:rPr lang="en-US" altLang="ko-KR" sz="1200" b="0" i="0" u="none" strike="noStrike" cap="none" baseline="0" dirty="0">
                 <a:solidFill>
                   <a:schemeClr val="dk1"/>
                 </a:solidFill>
@@ -10545,7 +10499,7 @@
               <a:tabLst/>
               <a:defRPr/>
             </a:pPr>
-            <a:endParaRPr lang="en-US" altLang="ko-KR" sz="1200" b="0" i="0" u="none" strike="noStrike" cap="none" baseline="0" dirty="0" smtClean="0">
+            <a:endParaRPr lang="en-US" altLang="ko-KR" sz="1200" b="0" i="0" u="none" strike="noStrike" cap="none" baseline="0" dirty="0">
               <a:solidFill>
                 <a:schemeClr val="dk1"/>
               </a:solidFill>
@@ -10574,7 +10528,7 @@
               <a:defRPr/>
             </a:pPr>
             <a:r>
-              <a:rPr lang="ko-KR" altLang="en-US" sz="1200" b="0" i="0" u="none" strike="noStrike" cap="none" baseline="0" dirty="0" smtClean="0">
+              <a:rPr lang="ko-KR" altLang="en-US" sz="1200" b="0" i="0" u="none" strike="noStrike" cap="none" baseline="0" dirty="0">
                 <a:solidFill>
                   <a:schemeClr val="dk1"/>
                 </a:solidFill>
@@ -10586,7 +10540,7 @@
               <a:t>분산은 시그마 제곱이고 표준편차는 그냥 시그마로 분산의 제곱근을 씌운 값과 같습니다</a:t>
             </a:r>
             <a:r>
-              <a:rPr lang="en-US" altLang="ko-KR" sz="1200" b="0" i="0" u="none" strike="noStrike" cap="none" baseline="0" dirty="0" smtClean="0">
+              <a:rPr lang="en-US" altLang="ko-KR" sz="1200" b="0" i="0" u="none" strike="noStrike" cap="none" baseline="0" dirty="0">
                 <a:solidFill>
                   <a:schemeClr val="dk1"/>
                 </a:solidFill>
@@ -10617,7 +10571,7 @@
               <a:defRPr/>
             </a:pPr>
             <a:r>
-              <a:rPr lang="ko-KR" altLang="en-US" sz="1200" b="0" i="0" u="none" strike="noStrike" cap="none" dirty="0" smtClean="0">
+              <a:rPr lang="ko-KR" altLang="en-US" sz="1200" b="0" i="0" u="none" strike="noStrike" cap="none" dirty="0">
                 <a:solidFill>
                   <a:schemeClr val="dk1"/>
                 </a:solidFill>
@@ -10629,7 +10583,7 @@
               <a:t>평균으로부터 거리를 계산하는 방법 중 </a:t>
             </a:r>
             <a:r>
-              <a:rPr lang="en-US" altLang="ko-KR" sz="1200" b="0" i="0" u="none" strike="noStrike" cap="none" dirty="0" smtClean="0">
+              <a:rPr lang="en-US" altLang="ko-KR" sz="1200" b="0" i="0" u="none" strike="noStrike" cap="none" dirty="0">
                 <a:solidFill>
                   <a:schemeClr val="dk1"/>
                 </a:solidFill>
@@ -10641,7 +10595,7 @@
               <a:t>(1)</a:t>
             </a:r>
             <a:r>
-              <a:rPr lang="ko-KR" altLang="en-US" sz="1200" b="0" i="0" u="none" strike="noStrike" cap="none" dirty="0" smtClean="0">
+              <a:rPr lang="ko-KR" altLang="en-US" sz="1200" b="0" i="0" u="none" strike="noStrike" cap="none" dirty="0">
                 <a:solidFill>
                   <a:schemeClr val="dk1"/>
                 </a:solidFill>
@@ -10653,7 +10607,7 @@
               <a:t>범위를 구하는 것과 </a:t>
             </a:r>
             <a:r>
-              <a:rPr lang="en-US" altLang="ko-KR" sz="1200" b="0" i="0" u="none" strike="noStrike" cap="none" dirty="0" smtClean="0">
+              <a:rPr lang="en-US" altLang="ko-KR" sz="1200" b="0" i="0" u="none" strike="noStrike" cap="none" dirty="0">
                 <a:solidFill>
                   <a:schemeClr val="dk1"/>
                 </a:solidFill>
@@ -10665,7 +10619,7 @@
               <a:t>(2)</a:t>
             </a:r>
             <a:r>
-              <a:rPr lang="ko-KR" altLang="en-US" sz="1200" b="0" i="0" u="none" strike="noStrike" cap="none" dirty="0" smtClean="0">
+              <a:rPr lang="ko-KR" altLang="en-US" sz="1200" b="0" i="0" u="none" strike="noStrike" cap="none" dirty="0">
                 <a:solidFill>
                   <a:schemeClr val="dk1"/>
                 </a:solidFill>
@@ -10677,7 +10631,7 @@
               <a:t>분산을 구하는 것이 있는데</a:t>
             </a:r>
             <a:r>
-              <a:rPr lang="ko-KR" altLang="en-US" sz="1200" b="0" i="0" u="none" strike="noStrike" cap="none" baseline="0" dirty="0" smtClean="0">
+              <a:rPr lang="ko-KR" altLang="en-US" sz="1200" b="0" i="0" u="none" strike="noStrike" cap="none" baseline="0" dirty="0">
                 <a:solidFill>
                   <a:schemeClr val="dk1"/>
                 </a:solidFill>
@@ -10689,7 +10643,7 @@
               <a:t> 범위 계산은 간단한 형식이고 보통 분산을 많이 사용합니다</a:t>
             </a:r>
             <a:r>
-              <a:rPr lang="en-US" altLang="ko-KR" sz="1200" b="0" i="0" u="none" strike="noStrike" cap="none" baseline="0" dirty="0" smtClean="0">
+              <a:rPr lang="en-US" altLang="ko-KR" sz="1200" b="0" i="0" u="none" strike="noStrike" cap="none" baseline="0" dirty="0">
                 <a:solidFill>
                   <a:schemeClr val="dk1"/>
                 </a:solidFill>
@@ -10885,7 +10839,7 @@
               <a:buNone/>
             </a:pPr>
             <a:r>
-              <a:rPr lang="ko-KR" altLang="en-US" sz="1200" b="0" i="0" u="none" strike="noStrike" cap="none" dirty="0" smtClean="0">
+              <a:rPr lang="ko-KR" altLang="en-US" sz="1200" b="0" i="0" u="none" strike="noStrike" cap="none" dirty="0">
                 <a:solidFill>
                   <a:schemeClr val="dk1"/>
                 </a:solidFill>
@@ -10897,7 +10851,7 @@
               <a:t>이전 슬라이드에서는 모집단</a:t>
             </a:r>
             <a:r>
-              <a:rPr lang="en-US" altLang="ko-KR" sz="1200" b="0" i="0" u="none" strike="noStrike" cap="none" dirty="0" smtClean="0">
+              <a:rPr lang="en-US" altLang="ko-KR" sz="1200" b="0" i="0" u="none" strike="noStrike" cap="none" dirty="0">
                 <a:solidFill>
                   <a:schemeClr val="dk1"/>
                 </a:solidFill>
@@ -10909,7 +10863,7 @@
               <a:t>(population)</a:t>
             </a:r>
             <a:r>
-              <a:rPr lang="ko-KR" altLang="en-US" sz="1200" b="0" i="0" u="none" strike="noStrike" cap="none" dirty="0" smtClean="0">
+              <a:rPr lang="ko-KR" altLang="en-US" sz="1200" b="0" i="0" u="none" strike="noStrike" cap="none" dirty="0">
                 <a:solidFill>
                   <a:schemeClr val="dk1"/>
                 </a:solidFill>
@@ -10921,7 +10875,7 @@
               <a:t>을 사용해서 나타내는 통계이고 여기서는 표본</a:t>
             </a:r>
             <a:r>
-              <a:rPr lang="en-US" altLang="ko-KR" sz="1200" b="0" i="0" u="none" strike="noStrike" cap="none" dirty="0" smtClean="0">
+              <a:rPr lang="en-US" altLang="ko-KR" sz="1200" b="0" i="0" u="none" strike="noStrike" cap="none" dirty="0">
                 <a:solidFill>
                   <a:schemeClr val="dk1"/>
                 </a:solidFill>
@@ -10933,7 +10887,7 @@
               <a:t>(sample)</a:t>
             </a:r>
             <a:r>
-              <a:rPr lang="ko-KR" altLang="en-US" sz="1200" b="0" i="0" u="none" strike="noStrike" cap="none" dirty="0" smtClean="0">
+              <a:rPr lang="ko-KR" altLang="en-US" sz="1200" b="0" i="0" u="none" strike="noStrike" cap="none" dirty="0">
                 <a:solidFill>
                   <a:schemeClr val="dk1"/>
                 </a:solidFill>
@@ -10945,7 +10899,7 @@
               <a:t>을 사용해서 계산한 분산과 평균이다</a:t>
             </a:r>
             <a:r>
-              <a:rPr lang="en-US" altLang="ko-KR" sz="1200" b="0" i="0" u="none" strike="noStrike" cap="none" dirty="0" smtClean="0">
+              <a:rPr lang="en-US" altLang="ko-KR" sz="1200" b="0" i="0" u="none" strike="noStrike" cap="none" dirty="0">
                 <a:solidFill>
                   <a:schemeClr val="dk1"/>
                 </a:solidFill>
@@ -10957,7 +10911,7 @@
               <a:t>. </a:t>
             </a:r>
             <a:r>
-              <a:rPr lang="ko-KR" altLang="en-US" sz="1200" b="0" i="0" u="none" strike="noStrike" cap="none" dirty="0" smtClean="0">
+              <a:rPr lang="ko-KR" altLang="en-US" sz="1200" b="0" i="0" u="none" strike="noStrike" cap="none" dirty="0">
                 <a:solidFill>
                   <a:schemeClr val="dk1"/>
                 </a:solidFill>
@@ -10969,7 +10923,7 @@
               <a:t>그냥 분산과 다르다 </a:t>
             </a:r>
             <a:r>
-              <a:rPr lang="en-US" altLang="ko-KR" sz="1200" b="0" i="0" u="none" strike="noStrike" cap="none" dirty="0" smtClean="0">
+              <a:rPr lang="en-US" altLang="ko-KR" sz="1200" b="0" i="0" u="none" strike="noStrike" cap="none" dirty="0">
                 <a:solidFill>
                   <a:schemeClr val="dk1"/>
                 </a:solidFill>
@@ -10981,7 +10935,7 @@
               <a:t>(N </a:t>
             </a:r>
             <a:r>
-              <a:rPr lang="ko-KR" altLang="en-US" sz="1200" b="0" i="0" kern="1200" dirty="0" smtClean="0">
+              <a:rPr lang="ko-KR" altLang="en-US" sz="1200" b="0" i="0" kern="1200" dirty="0">
                 <a:solidFill>
                   <a:schemeClr val="tx1"/>
                 </a:solidFill>
@@ -10993,7 +10947,7 @@
               <a:t>≠ </a:t>
             </a:r>
             <a:r>
-              <a:rPr lang="en-US" altLang="ko-KR" sz="1200" b="0" i="0" kern="1200" dirty="0" smtClean="0">
+              <a:rPr lang="en-US" altLang="ko-KR" sz="1200" b="0" i="0" kern="1200" dirty="0">
                 <a:solidFill>
                   <a:schemeClr val="tx1"/>
                 </a:solidFill>
@@ -11015,7 +10969,7 @@
               </a:spcAft>
               <a:buNone/>
             </a:pPr>
-            <a:endParaRPr lang="en-US" sz="1200" b="0" i="0" u="none" strike="noStrike" kern="1200" cap="none" dirty="0" smtClean="0">
+            <a:endParaRPr lang="en-US" sz="1200" b="0" i="0" u="none" strike="noStrike" kern="1200" cap="none" dirty="0">
               <a:solidFill>
                 <a:schemeClr val="tx1"/>
               </a:solidFill>
@@ -11037,7 +10991,7 @@
               <a:buNone/>
             </a:pPr>
             <a:r>
-              <a:rPr lang="ko-KR" altLang="en-US" sz="1200" b="0" i="0" u="none" strike="noStrike" cap="none" dirty="0" err="1" smtClean="0">
+              <a:rPr lang="ko-KR" altLang="en-US" sz="1200" b="0" i="0" u="none" strike="noStrike" cap="none" dirty="0" err="1">
                 <a:solidFill>
                   <a:schemeClr val="dk1"/>
                 </a:solidFill>
@@ -11049,7 +11003,7 @@
               <a:t>추정량</a:t>
             </a:r>
             <a:r>
-              <a:rPr lang="en-US" altLang="ko-KR" sz="1200" b="0" i="0" u="none" strike="noStrike" cap="none" dirty="0" smtClean="0">
+              <a:rPr lang="en-US" altLang="ko-KR" sz="1200" b="0" i="0" u="none" strike="noStrike" cap="none" dirty="0">
                 <a:solidFill>
                   <a:schemeClr val="dk1"/>
                 </a:solidFill>
@@ -11061,7 +11015,7 @@
               <a:t>(</a:t>
             </a:r>
             <a:r>
-              <a:rPr lang="ko-KR" altLang="en-US" sz="1200" b="0" i="0" u="none" strike="noStrike" cap="none" dirty="0" smtClean="0">
+              <a:rPr lang="ko-KR" altLang="en-US" sz="1200" b="0" i="0" u="none" strike="noStrike" cap="none" dirty="0">
                 <a:solidFill>
                   <a:schemeClr val="dk1"/>
                 </a:solidFill>
@@ -11073,7 +11027,7 @@
               <a:t>통계량</a:t>
             </a:r>
             <a:r>
-              <a:rPr lang="en-US" altLang="ko-KR" sz="1200" b="0" i="0" u="none" strike="noStrike" cap="none" dirty="0" smtClean="0">
+              <a:rPr lang="en-US" altLang="ko-KR" sz="1200" b="0" i="0" u="none" strike="noStrike" cap="none" dirty="0">
                 <a:solidFill>
                   <a:schemeClr val="dk1"/>
                 </a:solidFill>
@@ -11085,7 +11039,7 @@
               <a:t>)</a:t>
             </a:r>
             <a:r>
-              <a:rPr lang="ko-KR" altLang="en-US" sz="1200" b="0" i="0" u="none" strike="noStrike" cap="none" dirty="0" smtClean="0">
+              <a:rPr lang="ko-KR" altLang="en-US" sz="1200" b="0" i="0" u="none" strike="noStrike" cap="none" dirty="0">
                 <a:solidFill>
                   <a:schemeClr val="dk1"/>
                 </a:solidFill>
@@ -11097,7 +11051,7 @@
               <a:t>은 </a:t>
             </a:r>
             <a:r>
-              <a:rPr lang="ko-KR" altLang="en-US" sz="1200" b="0" i="0" u="none" strike="noStrike" cap="none" dirty="0" err="1" smtClean="0">
+              <a:rPr lang="ko-KR" altLang="en-US" sz="1200" b="0" i="0" u="none" strike="noStrike" cap="none" dirty="0" err="1">
                 <a:solidFill>
                   <a:schemeClr val="dk1"/>
                 </a:solidFill>
@@ -11109,7 +11063,7 @@
               <a:t>모수를</a:t>
             </a:r>
             <a:r>
-              <a:rPr lang="ko-KR" altLang="en-US" sz="1200" b="0" i="0" u="none" strike="noStrike" cap="none" dirty="0" smtClean="0">
+              <a:rPr lang="ko-KR" altLang="en-US" sz="1200" b="0" i="0" u="none" strike="noStrike" cap="none" dirty="0">
                 <a:solidFill>
                   <a:schemeClr val="dk1"/>
                 </a:solidFill>
@@ -11121,7 +11075,7 @@
               <a:t> 추정하기 위한 목적을 가졌다</a:t>
             </a:r>
             <a:r>
-              <a:rPr lang="en-US" altLang="ko-KR" sz="1200" b="0" i="0" u="none" strike="noStrike" cap="none" dirty="0" smtClean="0">
+              <a:rPr lang="en-US" altLang="ko-KR" sz="1200" b="0" i="0" u="none" strike="noStrike" cap="none" dirty="0">
                 <a:solidFill>
                   <a:schemeClr val="dk1"/>
                 </a:solidFill>
@@ -11144,7 +11098,7 @@
               <a:buNone/>
             </a:pPr>
             <a:r>
-              <a:rPr lang="ko-KR" altLang="en-US" sz="1200" b="0" i="0" u="none" strike="noStrike" cap="none" dirty="0" smtClean="0">
+              <a:rPr lang="ko-KR" altLang="en-US" sz="1200" b="0" i="0" u="none" strike="noStrike" cap="none" dirty="0">
                 <a:solidFill>
                   <a:schemeClr val="dk1"/>
                 </a:solidFill>
@@ -11156,7 +11110,7 @@
               <a:t>표본 평균은 </a:t>
             </a:r>
             <a:r>
-              <a:rPr lang="ko-KR" altLang="en-US" sz="1200" b="0" i="0" u="none" strike="noStrike" cap="none" dirty="0" err="1" smtClean="0">
+              <a:rPr lang="ko-KR" altLang="en-US" sz="1200" b="0" i="0" u="none" strike="noStrike" cap="none" dirty="0" err="1">
                 <a:solidFill>
                   <a:schemeClr val="dk1"/>
                 </a:solidFill>
@@ -11168,7 +11122,7 @@
               <a:t>평균모수</a:t>
             </a:r>
             <a:r>
-              <a:rPr lang="ko-KR" altLang="en-US" sz="1200" b="0" i="0" u="none" strike="noStrike" cap="none" dirty="0" smtClean="0">
+              <a:rPr lang="ko-KR" altLang="en-US" sz="1200" b="0" i="0" u="none" strike="noStrike" cap="none" dirty="0">
                 <a:solidFill>
                   <a:schemeClr val="dk1"/>
                 </a:solidFill>
@@ -11180,7 +11134,7 @@
               <a:t> </a:t>
             </a:r>
             <a:r>
-              <a:rPr lang="en-US" altLang="ko-KR" sz="1200" b="0" i="0" u="none" strike="noStrike" cap="none" dirty="0" smtClean="0">
+              <a:rPr lang="en-US" altLang="ko-KR" sz="1200" b="0" i="0" u="none" strike="noStrike" cap="none" dirty="0">
                 <a:solidFill>
                   <a:schemeClr val="dk1"/>
                 </a:solidFill>
@@ -11192,7 +11146,7 @@
               <a:t>u(</a:t>
             </a:r>
             <a:r>
-              <a:rPr lang="ko-KR" altLang="en-US" sz="1200" b="0" i="0" u="none" strike="noStrike" cap="none" dirty="0" smtClean="0">
+              <a:rPr lang="ko-KR" altLang="en-US" sz="1200" b="0" i="0" u="none" strike="noStrike" cap="none" dirty="0">
                 <a:solidFill>
                   <a:schemeClr val="dk1"/>
                 </a:solidFill>
@@ -11204,7 +11158,7 @@
               <a:t>뮤</a:t>
             </a:r>
             <a:r>
-              <a:rPr lang="en-US" altLang="ko-KR" sz="1200" b="0" i="0" u="none" strike="noStrike" cap="none" dirty="0" smtClean="0">
+              <a:rPr lang="en-US" altLang="ko-KR" sz="1200" b="0" i="0" u="none" strike="noStrike" cap="none" dirty="0">
                 <a:solidFill>
                   <a:schemeClr val="dk1"/>
                 </a:solidFill>
@@ -11216,7 +11170,7 @@
               <a:t>)</a:t>
             </a:r>
             <a:r>
-              <a:rPr lang="ko-KR" altLang="en-US" sz="1200" b="0" i="0" u="none" strike="noStrike" cap="none" dirty="0" smtClean="0">
+              <a:rPr lang="ko-KR" altLang="en-US" sz="1200" b="0" i="0" u="none" strike="noStrike" cap="none" dirty="0">
                 <a:solidFill>
                   <a:schemeClr val="dk1"/>
                 </a:solidFill>
@@ -11227,7 +11181,7 @@
               </a:rPr>
               <a:t>를 추정하기 위한 목적을 가진 통계량이다 </a:t>
             </a:r>
-            <a:endParaRPr lang="en-US" altLang="ko-KR" sz="1200" b="0" i="0" u="none" strike="noStrike" cap="none" dirty="0" smtClean="0">
+            <a:endParaRPr lang="en-US" altLang="ko-KR" sz="1200" b="0" i="0" u="none" strike="noStrike" cap="none" dirty="0">
               <a:solidFill>
                 <a:schemeClr val="dk1"/>
               </a:solidFill>
@@ -11248,7 +11202,7 @@
               <a:buNone/>
             </a:pPr>
             <a:r>
-              <a:rPr lang="ko-KR" altLang="en-US" sz="1200" b="0" i="0" u="none" strike="noStrike" cap="none" dirty="0" err="1" smtClean="0">
+              <a:rPr lang="ko-KR" altLang="en-US" sz="1200" b="0" i="0" u="none" strike="noStrike" cap="none" dirty="0" err="1">
                 <a:solidFill>
                   <a:schemeClr val="dk1"/>
                 </a:solidFill>
@@ -11260,7 +11214,7 @@
               <a:t>표본평균은</a:t>
             </a:r>
             <a:r>
-              <a:rPr lang="ko-KR" altLang="en-US" sz="1200" b="0" i="0" u="none" strike="noStrike" cap="none" dirty="0" smtClean="0">
+              <a:rPr lang="ko-KR" altLang="en-US" sz="1200" b="0" i="0" u="none" strike="noStrike" cap="none" dirty="0">
                 <a:solidFill>
                   <a:schemeClr val="dk1"/>
                 </a:solidFill>
@@ -11272,7 +11226,7 @@
               <a:t> 일반 평균을 구하는 수식과 같다</a:t>
             </a:r>
             <a:r>
-              <a:rPr lang="en-US" altLang="ko-KR" sz="1200" b="0" i="0" u="none" strike="noStrike" cap="none" dirty="0" smtClean="0">
+              <a:rPr lang="en-US" altLang="ko-KR" sz="1200" b="0" i="0" u="none" strike="noStrike" cap="none" dirty="0">
                 <a:solidFill>
                   <a:schemeClr val="dk1"/>
                 </a:solidFill>
@@ -11284,7 +11238,7 @@
               <a:t>.  (</a:t>
             </a:r>
             <a:r>
-              <a:rPr lang="ko-KR" altLang="en-US" sz="1200" b="0" i="0" u="none" strike="noStrike" cap="none" dirty="0" smtClean="0">
+              <a:rPr lang="ko-KR" altLang="en-US" sz="1200" b="0" i="0" u="none" strike="noStrike" cap="none" dirty="0">
                 <a:solidFill>
                   <a:schemeClr val="dk1"/>
                 </a:solidFill>
@@ -11296,7 +11250,7 @@
               <a:t>모든 관측치를 더하고 개수만큼 나눈다</a:t>
             </a:r>
             <a:r>
-              <a:rPr lang="en-US" altLang="ko-KR" sz="1200" b="0" i="0" u="none" strike="noStrike" cap="none" dirty="0" smtClean="0">
+              <a:rPr lang="en-US" altLang="ko-KR" sz="1200" b="0" i="0" u="none" strike="noStrike" cap="none" dirty="0">
                 <a:solidFill>
                   <a:schemeClr val="dk1"/>
                 </a:solidFill>
@@ -11318,7 +11272,7 @@
               </a:spcAft>
               <a:buNone/>
             </a:pPr>
-            <a:endParaRPr lang="en-US" sz="1200" b="0" i="0" u="none" strike="noStrike" cap="none" dirty="0" smtClean="0">
+            <a:endParaRPr lang="en-US" sz="1200" b="0" i="0" u="none" strike="noStrike" cap="none" dirty="0">
               <a:solidFill>
                 <a:schemeClr val="dk1"/>
               </a:solidFill>
@@ -11339,7 +11293,7 @@
               <a:buNone/>
             </a:pPr>
             <a:r>
-              <a:rPr lang="ko-KR" altLang="en-US" sz="1200" b="0" i="0" u="none" strike="noStrike" cap="none" dirty="0" err="1" smtClean="0">
+              <a:rPr lang="ko-KR" altLang="en-US" sz="1200" b="0" i="0" u="none" strike="noStrike" cap="none" dirty="0" err="1">
                 <a:solidFill>
                   <a:schemeClr val="dk1"/>
                 </a:solidFill>
@@ -11351,7 +11305,7 @@
               <a:t>표본분산과</a:t>
             </a:r>
             <a:r>
-              <a:rPr lang="ko-KR" altLang="en-US" sz="1200" b="0" i="0" u="none" strike="noStrike" cap="none" dirty="0" smtClean="0">
+              <a:rPr lang="ko-KR" altLang="en-US" sz="1200" b="0" i="0" u="none" strike="noStrike" cap="none" dirty="0">
                 <a:solidFill>
                   <a:schemeClr val="dk1"/>
                 </a:solidFill>
@@ -11362,7 +11316,7 @@
               </a:rPr>
               <a:t> 분산의 차이점</a:t>
             </a:r>
-            <a:endParaRPr lang="en-US" altLang="ko-KR" sz="1200" b="0" i="0" u="none" strike="noStrike" cap="none" dirty="0" smtClean="0">
+            <a:endParaRPr lang="en-US" altLang="ko-KR" sz="1200" b="0" i="0" u="none" strike="noStrike" cap="none" dirty="0">
               <a:solidFill>
                 <a:schemeClr val="dk1"/>
               </a:solidFill>
@@ -11383,7 +11337,7 @@
               <a:buAutoNum type="arabicPeriod"/>
             </a:pPr>
             <a:r>
-              <a:rPr lang="ko-KR" altLang="en-US" sz="1200" b="0" i="0" u="none" strike="noStrike" cap="none" dirty="0" smtClean="0">
+              <a:rPr lang="ko-KR" altLang="en-US" sz="1200" b="0" i="0" u="none" strike="noStrike" cap="none" dirty="0">
                 <a:solidFill>
                   <a:schemeClr val="dk1"/>
                 </a:solidFill>
@@ -11395,7 +11349,7 @@
               <a:t>분자에 평균이 표본평균이다 </a:t>
             </a:r>
             <a:r>
-              <a:rPr lang="en-US" altLang="ko-KR" sz="1200" b="0" i="0" u="none" strike="noStrike" cap="none" dirty="0" smtClean="0">
+              <a:rPr lang="en-US" altLang="ko-KR" sz="1200" b="0" i="0" u="none" strike="noStrike" cap="none" dirty="0">
                 <a:solidFill>
                   <a:schemeClr val="dk1"/>
                 </a:solidFill>
@@ -11407,7 +11361,7 @@
               <a:t>( u(</a:t>
             </a:r>
             <a:r>
-              <a:rPr lang="ko-KR" altLang="en-US" sz="1200" b="0" i="0" u="none" strike="noStrike" cap="none" dirty="0" smtClean="0">
+              <a:rPr lang="ko-KR" altLang="en-US" sz="1200" b="0" i="0" u="none" strike="noStrike" cap="none" dirty="0">
                 <a:solidFill>
                   <a:schemeClr val="dk1"/>
                 </a:solidFill>
@@ -11419,7 +11373,7 @@
               <a:t>뮤</a:t>
             </a:r>
             <a:r>
-              <a:rPr lang="en-US" altLang="ko-KR" sz="1200" b="0" i="0" u="none" strike="noStrike" cap="none" dirty="0" smtClean="0">
+              <a:rPr lang="en-US" altLang="ko-KR" sz="1200" b="0" i="0" u="none" strike="noStrike" cap="none" dirty="0">
                 <a:solidFill>
                   <a:schemeClr val="dk1"/>
                 </a:solidFill>
@@ -11431,7 +11385,7 @@
               <a:t>)</a:t>
             </a:r>
             <a:r>
-              <a:rPr lang="ko-KR" altLang="en-US" sz="1200" b="0" i="0" u="none" strike="noStrike" cap="none" dirty="0" smtClean="0">
+              <a:rPr lang="ko-KR" altLang="en-US" sz="1200" b="0" i="0" u="none" strike="noStrike" cap="none" dirty="0">
                 <a:solidFill>
                   <a:schemeClr val="dk1"/>
                 </a:solidFill>
@@ -11443,7 +11397,7 @@
               <a:t>가 아니다 </a:t>
             </a:r>
             <a:r>
-              <a:rPr lang="en-US" altLang="ko-KR" sz="1200" b="0" i="0" u="none" strike="noStrike" cap="none" dirty="0" smtClean="0">
+              <a:rPr lang="en-US" altLang="ko-KR" sz="1200" b="0" i="0" u="none" strike="noStrike" cap="none" dirty="0">
                 <a:solidFill>
                   <a:schemeClr val="dk1"/>
                 </a:solidFill>
@@ -11455,7 +11409,7 @@
               <a:t>x </a:t>
             </a:r>
             <a:r>
-              <a:rPr lang="ko-KR" altLang="en-US" sz="1200" b="0" i="0" u="none" strike="noStrike" cap="none" dirty="0" smtClean="0">
+              <a:rPr lang="ko-KR" altLang="en-US" sz="1200" b="0" i="0" u="none" strike="noStrike" cap="none" dirty="0">
                 <a:solidFill>
                   <a:schemeClr val="dk1"/>
                 </a:solidFill>
@@ -11467,7 +11421,7 @@
               <a:t>바 이다 </a:t>
             </a:r>
             <a:r>
-              <a:rPr lang="en-US" altLang="ko-KR" sz="1200" b="0" i="0" u="none" strike="noStrike" cap="none" dirty="0" smtClean="0">
+              <a:rPr lang="en-US" altLang="ko-KR" sz="1200" b="0" i="0" u="none" strike="noStrike" cap="none" dirty="0">
                 <a:solidFill>
                   <a:schemeClr val="dk1"/>
                 </a:solidFill>
@@ -11490,7 +11444,7 @@
               <a:buAutoNum type="arabicPeriod"/>
             </a:pPr>
             <a:r>
-              <a:rPr lang="ko-KR" altLang="en-US" sz="1200" b="0" i="0" u="none" strike="noStrike" cap="none" dirty="0" smtClean="0">
+              <a:rPr lang="ko-KR" altLang="en-US" sz="1200" b="0" i="0" u="none" strike="noStrike" cap="none" dirty="0">
                 <a:solidFill>
                   <a:schemeClr val="dk1"/>
                 </a:solidFill>
@@ -11502,7 +11456,7 @@
               <a:t>분모에 보면 </a:t>
             </a:r>
             <a:r>
-              <a:rPr lang="en-US" altLang="ko-KR" sz="1200" b="0" i="0" u="none" strike="noStrike" cap="none" dirty="0" smtClean="0">
+              <a:rPr lang="en-US" altLang="ko-KR" sz="1200" b="0" i="0" u="none" strike="noStrike" cap="none" dirty="0">
                 <a:solidFill>
                   <a:schemeClr val="dk1"/>
                 </a:solidFill>
@@ -11514,7 +11468,7 @@
               <a:t>n-1</a:t>
             </a:r>
             <a:r>
-              <a:rPr lang="ko-KR" altLang="en-US" sz="1200" b="0" i="0" u="none" strike="noStrike" cap="none" dirty="0" smtClean="0">
+              <a:rPr lang="ko-KR" altLang="en-US" sz="1200" b="0" i="0" u="none" strike="noStrike" cap="none" dirty="0">
                 <a:solidFill>
                   <a:schemeClr val="dk1"/>
                 </a:solidFill>
@@ -11526,7 +11480,7 @@
               <a:t>이다</a:t>
             </a:r>
             <a:r>
-              <a:rPr lang="en-US" altLang="ko-KR" sz="1200" b="0" i="0" u="none" strike="noStrike" cap="none" dirty="0" smtClean="0">
+              <a:rPr lang="en-US" altLang="ko-KR" sz="1200" b="0" i="0" u="none" strike="noStrike" cap="none" dirty="0">
                 <a:solidFill>
                   <a:schemeClr val="dk1"/>
                 </a:solidFill>
@@ -11548,7 +11502,7 @@
               </a:spcAft>
               <a:buNone/>
             </a:pPr>
-            <a:endParaRPr lang="en-US" sz="1200" b="0" i="0" u="none" strike="noStrike" cap="none" dirty="0" smtClean="0">
+            <a:endParaRPr lang="en-US" sz="1200" b="0" i="0" u="none" strike="noStrike" cap="none" dirty="0">
               <a:solidFill>
                 <a:schemeClr val="dk1"/>
               </a:solidFill>
@@ -11569,7 +11523,7 @@
               <a:buNone/>
             </a:pPr>
             <a:r>
-              <a:rPr lang="ko-KR" altLang="en-US" sz="1200" b="0" i="0" u="none" strike="noStrike" cap="none" dirty="0" err="1" smtClean="0">
+              <a:rPr lang="ko-KR" altLang="en-US" sz="1200" b="0" i="0" u="none" strike="noStrike" cap="none" dirty="0" err="1">
                 <a:solidFill>
                   <a:schemeClr val="dk1"/>
                 </a:solidFill>
@@ -11581,7 +11535,7 @@
               <a:t>표본분산의</a:t>
             </a:r>
             <a:r>
-              <a:rPr lang="ko-KR" altLang="en-US" sz="1200" b="0" i="0" u="none" strike="noStrike" cap="none" dirty="0" smtClean="0">
+              <a:rPr lang="ko-KR" altLang="en-US" sz="1200" b="0" i="0" u="none" strike="noStrike" cap="none" dirty="0">
                 <a:solidFill>
                   <a:schemeClr val="dk1"/>
                 </a:solidFill>
@@ -11593,7 +11547,7 @@
               <a:t> 분모가 </a:t>
             </a:r>
             <a:r>
-              <a:rPr lang="en-US" altLang="ko-KR" sz="1200" b="0" i="0" u="none" strike="noStrike" cap="none" dirty="0" smtClean="0">
+              <a:rPr lang="en-US" altLang="ko-KR" sz="1200" b="0" i="0" u="none" strike="noStrike" cap="none" dirty="0">
                 <a:solidFill>
                   <a:schemeClr val="dk1"/>
                 </a:solidFill>
@@ -11605,7 +11559,7 @@
               <a:t>n-1</a:t>
             </a:r>
             <a:r>
-              <a:rPr lang="ko-KR" altLang="en-US" sz="1200" b="0" i="0" u="none" strike="noStrike" cap="none" dirty="0" smtClean="0">
+              <a:rPr lang="ko-KR" altLang="en-US" sz="1200" b="0" i="0" u="none" strike="noStrike" cap="none" dirty="0">
                 <a:solidFill>
                   <a:schemeClr val="dk1"/>
                 </a:solidFill>
@@ -11616,7 +11570,7 @@
               </a:rPr>
               <a:t>인 이유는</a:t>
             </a:r>
-            <a:endParaRPr lang="en-US" sz="1200" b="0" i="0" u="none" strike="noStrike" cap="none" dirty="0" smtClean="0">
+            <a:endParaRPr lang="en-US" sz="1200" b="0" i="0" u="none" strike="noStrike" cap="none" dirty="0">
               <a:solidFill>
                 <a:schemeClr val="dk1"/>
               </a:solidFill>
@@ -11637,7 +11591,7 @@
               <a:buNone/>
             </a:pPr>
             <a:r>
-              <a:rPr lang="ko-KR" altLang="en-US" sz="1200" b="0" i="0" u="none" strike="noStrike" cap="none" dirty="0" err="1" smtClean="0">
+              <a:rPr lang="ko-KR" altLang="en-US" sz="1200" b="0" i="0" u="none" strike="noStrike" cap="none" dirty="0" err="1">
                 <a:solidFill>
                   <a:schemeClr val="dk1"/>
                 </a:solidFill>
@@ -11649,7 +11603,7 @@
               <a:t>표본평균의</a:t>
             </a:r>
             <a:r>
-              <a:rPr lang="ko-KR" altLang="en-US" sz="1200" b="0" i="0" u="none" strike="noStrike" cap="none" dirty="0" smtClean="0">
+              <a:rPr lang="ko-KR" altLang="en-US" sz="1200" b="0" i="0" u="none" strike="noStrike" cap="none" dirty="0">
                 <a:solidFill>
                   <a:schemeClr val="dk1"/>
                 </a:solidFill>
@@ -11661,7 +11615,7 @@
               <a:t> 값은 자료의 값에 따라서 값이 달라진다</a:t>
             </a:r>
             <a:r>
-              <a:rPr lang="en-US" altLang="ko-KR" sz="1200" b="0" i="0" u="none" strike="noStrike" cap="none" dirty="0" smtClean="0">
+              <a:rPr lang="en-US" altLang="ko-KR" sz="1200" b="0" i="0" u="none" strike="noStrike" cap="none" dirty="0">
                 <a:solidFill>
                   <a:schemeClr val="dk1"/>
                 </a:solidFill>
@@ -11673,7 +11627,7 @@
               <a:t>.</a:t>
             </a:r>
             <a:r>
-              <a:rPr lang="en-US" altLang="ko-KR" sz="1200" b="0" i="0" u="none" strike="noStrike" cap="none" baseline="0" dirty="0" smtClean="0">
+              <a:rPr lang="en-US" altLang="ko-KR" sz="1200" b="0" i="0" u="none" strike="noStrike" cap="none" baseline="0" dirty="0">
                 <a:solidFill>
                   <a:schemeClr val="dk1"/>
                 </a:solidFill>
@@ -11685,7 +11639,7 @@
               <a:t> (</a:t>
             </a:r>
             <a:r>
-              <a:rPr lang="ko-KR" altLang="en-US" sz="1200" b="0" i="0" u="none" strike="noStrike" cap="none" baseline="0" dirty="0" smtClean="0">
+              <a:rPr lang="ko-KR" altLang="en-US" sz="1200" b="0" i="0" u="none" strike="noStrike" cap="none" baseline="0" dirty="0">
                 <a:solidFill>
                   <a:schemeClr val="dk1"/>
                 </a:solidFill>
@@ -11697,7 +11651,7 @@
               <a:t>어떤 값을 표본으로 추출 했는지에 따라서 표본의 값의 범위가 달라지기 때문</a:t>
             </a:r>
             <a:r>
-              <a:rPr lang="en-US" altLang="ko-KR" sz="1200" b="0" i="0" u="none" strike="noStrike" cap="none" baseline="0" dirty="0" smtClean="0">
+              <a:rPr lang="en-US" altLang="ko-KR" sz="1200" b="0" i="0" u="none" strike="noStrike" cap="none" baseline="0" dirty="0">
                 <a:solidFill>
                   <a:schemeClr val="dk1"/>
                 </a:solidFill>
@@ -11709,7 +11663,7 @@
               <a:t>) </a:t>
             </a:r>
             <a:r>
-              <a:rPr lang="ko-KR" altLang="en-US" sz="1200" b="0" i="0" u="none" strike="noStrike" cap="none" baseline="0" dirty="0" smtClean="0">
+              <a:rPr lang="ko-KR" altLang="en-US" sz="1200" b="0" i="0" u="none" strike="noStrike" cap="none" baseline="0" dirty="0">
                 <a:solidFill>
                   <a:schemeClr val="dk1"/>
                 </a:solidFill>
@@ -11721,7 +11675,7 @@
               <a:t>그럼 우리가 추정하려고 했던 산포를 정확히 알지 못한다</a:t>
             </a:r>
             <a:r>
-              <a:rPr lang="en-US" altLang="ko-KR" sz="1200" b="0" i="0" u="none" strike="noStrike" cap="none" baseline="0" dirty="0" smtClean="0">
+              <a:rPr lang="en-US" altLang="ko-KR" sz="1200" b="0" i="0" u="none" strike="noStrike" cap="none" baseline="0" dirty="0">
                 <a:solidFill>
                   <a:schemeClr val="dk1"/>
                 </a:solidFill>
@@ -11733,7 +11687,7 @@
               <a:t>. (</a:t>
             </a:r>
             <a:r>
-              <a:rPr lang="ko-KR" altLang="en-US" sz="1200" b="0" i="0" u="none" strike="noStrike" cap="none" baseline="0" dirty="0" smtClean="0">
+              <a:rPr lang="ko-KR" altLang="en-US" sz="1200" b="0" i="0" u="none" strike="noStrike" cap="none" baseline="0" dirty="0">
                 <a:solidFill>
                   <a:schemeClr val="dk1"/>
                 </a:solidFill>
@@ -11745,7 +11699,7 @@
               <a:t>중심점의 값에 따라서 계속 달라지기 때문</a:t>
             </a:r>
             <a:r>
-              <a:rPr lang="en-US" altLang="ko-KR" sz="1200" b="0" i="0" u="none" strike="noStrike" cap="none" baseline="0" dirty="0" smtClean="0">
+              <a:rPr lang="en-US" altLang="ko-KR" sz="1200" b="0" i="0" u="none" strike="noStrike" cap="none" baseline="0" dirty="0">
                 <a:solidFill>
                   <a:schemeClr val="dk1"/>
                 </a:solidFill>
@@ -11768,7 +11722,7 @@
               <a:buNone/>
             </a:pPr>
             <a:r>
-              <a:rPr lang="ko-KR" altLang="en-US" sz="1200" b="0" i="0" u="none" strike="noStrike" cap="none" baseline="0" dirty="0" smtClean="0">
+              <a:rPr lang="ko-KR" altLang="en-US" sz="1200" b="0" i="0" u="none" strike="noStrike" cap="none" baseline="0" dirty="0">
                 <a:solidFill>
                   <a:schemeClr val="dk1"/>
                 </a:solidFill>
@@ -11780,7 +11734,7 @@
               <a:t>그렇기 때문에 전체 자료의 개수 </a:t>
             </a:r>
             <a:r>
-              <a:rPr lang="en-US" altLang="ko-KR" sz="1200" b="0" i="0" u="none" strike="noStrike" cap="none" baseline="0" dirty="0" smtClean="0">
+              <a:rPr lang="en-US" altLang="ko-KR" sz="1200" b="0" i="0" u="none" strike="noStrike" cap="none" baseline="0" dirty="0">
                 <a:solidFill>
                   <a:schemeClr val="dk1"/>
                 </a:solidFill>
@@ -11792,7 +11746,7 @@
               <a:t>n</a:t>
             </a:r>
             <a:r>
-              <a:rPr lang="ko-KR" altLang="en-US" sz="1200" b="0" i="0" u="none" strike="noStrike" cap="none" baseline="0" dirty="0" smtClean="0">
+              <a:rPr lang="ko-KR" altLang="en-US" sz="1200" b="0" i="0" u="none" strike="noStrike" cap="none" baseline="0" dirty="0">
                 <a:solidFill>
                   <a:schemeClr val="dk1"/>
                 </a:solidFill>
@@ -11804,7 +11758,7 @@
               <a:t>개를 나눠주는 게 아니라 줄어든 양의 값을 나타내는 </a:t>
             </a:r>
             <a:r>
-              <a:rPr lang="en-US" altLang="ko-KR" sz="1200" b="0" i="0" u="none" strike="noStrike" cap="none" baseline="0" dirty="0" smtClean="0">
+              <a:rPr lang="en-US" altLang="ko-KR" sz="1200" b="0" i="0" u="none" strike="noStrike" cap="none" baseline="0" dirty="0">
                 <a:solidFill>
                   <a:schemeClr val="dk1"/>
                 </a:solidFill>
@@ -11816,7 +11770,7 @@
               <a:t>‘1’</a:t>
             </a:r>
             <a:r>
-              <a:rPr lang="ko-KR" altLang="en-US" sz="1200" b="0" i="0" u="none" strike="noStrike" cap="none" baseline="0" dirty="0" smtClean="0">
+              <a:rPr lang="ko-KR" altLang="en-US" sz="1200" b="0" i="0" u="none" strike="noStrike" cap="none" baseline="0" dirty="0">
                 <a:solidFill>
                   <a:schemeClr val="dk1"/>
                 </a:solidFill>
@@ -11828,7 +11782,7 @@
               <a:t>을</a:t>
             </a:r>
             <a:r>
-              <a:rPr lang="en-US" altLang="ko-KR" sz="1200" b="0" i="0" u="none" strike="noStrike" cap="none" baseline="0" dirty="0" smtClean="0">
+              <a:rPr lang="en-US" altLang="ko-KR" sz="1200" b="0" i="0" u="none" strike="noStrike" cap="none" baseline="0" dirty="0">
                 <a:solidFill>
                   <a:schemeClr val="dk1"/>
                 </a:solidFill>
@@ -11840,7 +11794,7 @@
               <a:t> </a:t>
             </a:r>
             <a:r>
-              <a:rPr lang="ko-KR" altLang="en-US" sz="1200" b="0" i="0" u="none" strike="noStrike" cap="none" baseline="0" dirty="0" smtClean="0">
+              <a:rPr lang="ko-KR" altLang="en-US" sz="1200" b="0" i="0" u="none" strike="noStrike" cap="none" baseline="0" dirty="0">
                 <a:solidFill>
                   <a:schemeClr val="dk1"/>
                 </a:solidFill>
@@ -11852,7 +11806,7 @@
               <a:t>뺀 </a:t>
             </a:r>
             <a:r>
-              <a:rPr lang="en-US" altLang="ko-KR" sz="1200" b="0" i="0" u="none" strike="noStrike" cap="none" baseline="0" dirty="0" smtClean="0">
+              <a:rPr lang="en-US" altLang="ko-KR" sz="1200" b="0" i="0" u="none" strike="noStrike" cap="none" baseline="0" dirty="0">
                 <a:solidFill>
                   <a:schemeClr val="dk1"/>
                 </a:solidFill>
@@ -11864,7 +11818,7 @@
               <a:t>n-1</a:t>
             </a:r>
             <a:r>
-              <a:rPr lang="ko-KR" altLang="en-US" sz="1200" b="0" i="0" u="none" strike="noStrike" cap="none" baseline="0" dirty="0" smtClean="0">
+              <a:rPr lang="ko-KR" altLang="en-US" sz="1200" b="0" i="0" u="none" strike="noStrike" cap="none" baseline="0" dirty="0">
                 <a:solidFill>
                   <a:schemeClr val="dk1"/>
                 </a:solidFill>
@@ -11876,7 +11830,7 @@
               <a:t>로 나눠주는 것이다</a:t>
             </a:r>
             <a:r>
-              <a:rPr lang="en-US" altLang="ko-KR" sz="1200" b="0" i="0" u="none" strike="noStrike" cap="none" baseline="0" dirty="0" smtClean="0">
+              <a:rPr lang="en-US" altLang="ko-KR" sz="1200" b="0" i="0" u="none" strike="noStrike" cap="none" baseline="0" dirty="0">
                 <a:solidFill>
                   <a:schemeClr val="dk1"/>
                 </a:solidFill>
@@ -11898,7 +11852,7 @@
               </a:spcAft>
               <a:buNone/>
             </a:pPr>
-            <a:endParaRPr lang="en-US" altLang="ko-KR" sz="1200" b="0" i="0" u="none" strike="noStrike" cap="none" baseline="0" dirty="0" smtClean="0">
+            <a:endParaRPr lang="en-US" altLang="ko-KR" sz="1200" b="0" i="0" u="none" strike="noStrike" cap="none" baseline="0" dirty="0">
               <a:solidFill>
                 <a:schemeClr val="dk1"/>
               </a:solidFill>
@@ -11919,7 +11873,7 @@
               <a:buNone/>
             </a:pPr>
             <a:r>
-              <a:rPr lang="ko-KR" altLang="en-US" sz="1200" b="0" i="0" u="none" strike="noStrike" cap="none" baseline="0" dirty="0" smtClean="0">
+              <a:rPr lang="ko-KR" altLang="en-US" sz="1200" b="0" i="0" u="none" strike="noStrike" cap="none" baseline="0" dirty="0">
                 <a:solidFill>
                   <a:schemeClr val="dk1"/>
                 </a:solidFill>
@@ -11931,7 +11885,7 @@
               <a:t>왜 그러면 </a:t>
             </a:r>
             <a:r>
-              <a:rPr lang="en-US" altLang="ko-KR" sz="1200" b="0" i="0" u="none" strike="noStrike" cap="none" baseline="0" dirty="0" smtClean="0">
+              <a:rPr lang="en-US" altLang="ko-KR" sz="1200" b="0" i="0" u="none" strike="noStrike" cap="none" baseline="0" dirty="0">
                 <a:solidFill>
                   <a:schemeClr val="dk1"/>
                 </a:solidFill>
@@ -11943,7 +11897,7 @@
               <a:t>-1 </a:t>
             </a:r>
             <a:r>
-              <a:rPr lang="ko-KR" altLang="en-US" sz="1200" b="0" i="0" u="none" strike="noStrike" cap="none" baseline="0" dirty="0" smtClean="0">
+              <a:rPr lang="ko-KR" altLang="en-US" sz="1200" b="0" i="0" u="none" strike="noStrike" cap="none" baseline="0" dirty="0">
                 <a:solidFill>
                   <a:schemeClr val="dk1"/>
                 </a:solidFill>
@@ -11955,7 +11909,7 @@
               <a:t>인가</a:t>
             </a:r>
             <a:r>
-              <a:rPr lang="en-US" altLang="ko-KR" sz="1200" b="0" i="0" u="none" strike="noStrike" cap="none" baseline="0" dirty="0" smtClean="0">
+              <a:rPr lang="en-US" altLang="ko-KR" sz="1200" b="0" i="0" u="none" strike="noStrike" cap="none" baseline="0" dirty="0">
                 <a:solidFill>
                   <a:schemeClr val="dk1"/>
                 </a:solidFill>
@@ -11978,7 +11932,7 @@
               <a:buNone/>
             </a:pPr>
             <a:r>
-              <a:rPr lang="en-US" altLang="ko-KR" sz="1200" b="0" i="0" u="none" strike="noStrike" cap="none" baseline="0" dirty="0" smtClean="0">
+              <a:rPr lang="en-US" altLang="ko-KR" sz="1200" b="0" i="0" u="none" strike="noStrike" cap="none" baseline="0" dirty="0">
                 <a:solidFill>
                   <a:schemeClr val="dk1"/>
                 </a:solidFill>
@@ -11990,7 +11944,7 @@
               <a:t>n-1</a:t>
             </a:r>
             <a:r>
-              <a:rPr lang="ko-KR" altLang="en-US" sz="1200" b="0" i="0" u="none" strike="noStrike" cap="none" baseline="0" dirty="0" smtClean="0">
+              <a:rPr lang="ko-KR" altLang="en-US" sz="1200" b="0" i="0" u="none" strike="noStrike" cap="none" baseline="0" dirty="0">
                 <a:solidFill>
                   <a:schemeClr val="dk1"/>
                 </a:solidFill>
@@ -12002,7 +11956,7 @@
               <a:t>은</a:t>
             </a:r>
             <a:r>
-              <a:rPr lang="en-US" altLang="ko-KR" sz="1200" b="0" i="0" u="none" strike="noStrike" cap="none" baseline="0" dirty="0" smtClean="0">
+              <a:rPr lang="en-US" altLang="ko-KR" sz="1200" b="0" i="0" u="none" strike="noStrike" cap="none" baseline="0" dirty="0">
                 <a:solidFill>
                   <a:schemeClr val="dk1"/>
                 </a:solidFill>
@@ -12014,7 +11968,7 @@
               <a:t> </a:t>
             </a:r>
             <a:r>
-              <a:rPr lang="ko-KR" altLang="en-US" sz="1200" b="0" i="0" u="none" strike="noStrike" cap="none" baseline="0" dirty="0" smtClean="0">
+              <a:rPr lang="ko-KR" altLang="en-US" sz="1200" b="0" i="0" u="none" strike="noStrike" cap="none" baseline="0" dirty="0">
                 <a:solidFill>
                   <a:schemeClr val="dk1"/>
                 </a:solidFill>
@@ -12026,7 +11980,7 @@
               <a:t>모집단의 평균이 아닌 표본 평균을 넣었다는 </a:t>
             </a:r>
             <a:r>
-              <a:rPr lang="en-US" altLang="ko-KR" sz="1200" b="0" i="0" u="none" strike="noStrike" cap="none" baseline="0" dirty="0" smtClean="0">
+              <a:rPr lang="en-US" altLang="ko-KR" sz="1200" b="0" i="0" u="none" strike="noStrike" cap="none" baseline="0" dirty="0">
                 <a:solidFill>
                   <a:schemeClr val="dk1"/>
                 </a:solidFill>
@@ -12038,7 +11992,7 @@
               <a:t>‘</a:t>
             </a:r>
             <a:r>
-              <a:rPr lang="ko-KR" altLang="en-US" sz="1200" b="0" i="0" u="none" strike="noStrike" cap="none" baseline="0" dirty="0" smtClean="0">
+              <a:rPr lang="ko-KR" altLang="en-US" sz="1200" b="0" i="0" u="none" strike="noStrike" cap="none" baseline="0" dirty="0">
                 <a:solidFill>
                   <a:schemeClr val="dk1"/>
                 </a:solidFill>
@@ -12050,7 +12004,7 @@
               <a:t>자유도</a:t>
             </a:r>
             <a:r>
-              <a:rPr lang="en-US" altLang="ko-KR" sz="1200" b="0" i="0" u="none" strike="noStrike" cap="none" baseline="0" dirty="0" smtClean="0">
+              <a:rPr lang="en-US" altLang="ko-KR" sz="1200" b="0" i="0" u="none" strike="noStrike" cap="none" baseline="0" dirty="0">
                 <a:solidFill>
                   <a:schemeClr val="dk1"/>
                 </a:solidFill>
@@ -12062,7 +12016,7 @@
               <a:t>’ </a:t>
             </a:r>
             <a:r>
-              <a:rPr lang="ko-KR" altLang="en-US" sz="1200" b="0" i="0" u="none" strike="noStrike" cap="none" baseline="0" dirty="0" smtClean="0">
+              <a:rPr lang="ko-KR" altLang="en-US" sz="1200" b="0" i="0" u="none" strike="noStrike" cap="none" baseline="0" dirty="0">
                 <a:solidFill>
                   <a:schemeClr val="dk1"/>
                 </a:solidFill>
@@ -12074,7 +12028,7 @@
               <a:t>의 개념에서 나온 것</a:t>
             </a:r>
             <a:r>
-              <a:rPr lang="en-US" altLang="ko-KR" sz="1200" b="0" i="0" u="none" strike="noStrike" cap="none" baseline="0" dirty="0" smtClean="0">
+              <a:rPr lang="en-US" altLang="ko-KR" sz="1200" b="0" i="0" u="none" strike="noStrike" cap="none" baseline="0" dirty="0">
                 <a:solidFill>
                   <a:schemeClr val="dk1"/>
                 </a:solidFill>
@@ -12097,7 +12051,7 @@
               <a:buNone/>
             </a:pPr>
             <a:r>
-              <a:rPr lang="en-US" altLang="ko-KR" sz="1200" b="0" i="0" u="none" strike="noStrike" cap="none" baseline="0" dirty="0" smtClean="0">
+              <a:rPr lang="en-US" altLang="ko-KR" sz="1200" b="0" i="0" u="none" strike="noStrike" cap="none" baseline="0" dirty="0">
                 <a:solidFill>
                   <a:schemeClr val="dk1"/>
                 </a:solidFill>
@@ -12109,7 +12063,7 @@
               <a:t>(</a:t>
             </a:r>
             <a:r>
-              <a:rPr lang="ko-KR" altLang="en-US" sz="1200" b="0" i="0" u="none" strike="noStrike" cap="none" baseline="0" dirty="0" smtClean="0">
+              <a:rPr lang="ko-KR" altLang="en-US" sz="1200" b="0" i="0" u="none" strike="noStrike" cap="none" baseline="0" dirty="0">
                 <a:solidFill>
                   <a:schemeClr val="dk1"/>
                 </a:solidFill>
@@ -12121,7 +12075,7 @@
               <a:t>이 부분을 정확히 증명하는 것은 우리가 배우는 범위 </a:t>
             </a:r>
             <a:r>
-              <a:rPr lang="ko-KR" altLang="en-US" sz="1200" b="0" i="0" u="none" strike="noStrike" cap="none" baseline="0" dirty="0" err="1" smtClean="0">
+              <a:rPr lang="ko-KR" altLang="en-US" sz="1200" b="0" i="0" u="none" strike="noStrike" cap="none" baseline="0" dirty="0" err="1">
                 <a:solidFill>
                   <a:schemeClr val="dk1"/>
                 </a:solidFill>
@@ -12133,7 +12087,7 @@
               <a:t>밖이라서</a:t>
             </a:r>
             <a:r>
-              <a:rPr lang="ko-KR" altLang="en-US" sz="1200" b="0" i="0" u="none" strike="noStrike" cap="none" baseline="0" dirty="0" smtClean="0">
+              <a:rPr lang="ko-KR" altLang="en-US" sz="1200" b="0" i="0" u="none" strike="noStrike" cap="none" baseline="0" dirty="0">
                 <a:solidFill>
                   <a:schemeClr val="dk1"/>
                 </a:solidFill>
@@ -12145,7 +12099,7 @@
               <a:t> 이정도만 설명해주시면 될 것 같습니다</a:t>
             </a:r>
             <a:r>
-              <a:rPr lang="en-US" altLang="ko-KR" sz="1200" b="0" i="0" u="none" strike="noStrike" cap="none" baseline="0" dirty="0" smtClean="0">
+              <a:rPr lang="en-US" altLang="ko-KR" sz="1200" b="0" i="0" u="none" strike="noStrike" cap="none" baseline="0" dirty="0">
                 <a:solidFill>
                   <a:schemeClr val="dk1"/>
                 </a:solidFill>
@@ -12167,7 +12121,7 @@
               </a:spcAft>
               <a:buNone/>
             </a:pPr>
-            <a:endParaRPr lang="en-US" sz="1200" b="0" i="0" u="none" strike="noStrike" cap="none" baseline="0" dirty="0" smtClean="0">
+            <a:endParaRPr lang="en-US" sz="1200" b="0" i="0" u="none" strike="noStrike" cap="none" baseline="0" dirty="0">
               <a:solidFill>
                 <a:schemeClr val="dk1"/>
               </a:solidFill>
@@ -12188,7 +12142,7 @@
               <a:buNone/>
             </a:pPr>
             <a:r>
-              <a:rPr lang="ko-KR" altLang="en-US" sz="1200" b="0" i="0" u="none" strike="noStrike" cap="none" baseline="0" dirty="0" smtClean="0">
+              <a:rPr lang="ko-KR" altLang="en-US" sz="1200" b="0" i="0" u="none" strike="noStrike" cap="none" baseline="0" dirty="0">
                 <a:solidFill>
                   <a:schemeClr val="dk1"/>
                 </a:solidFill>
@@ -12200,7 +12154,7 @@
               <a:t>아래 표와 같이 모집단과 </a:t>
             </a:r>
             <a:r>
-              <a:rPr lang="ko-KR" altLang="en-US" sz="1200" b="0" i="0" u="none" strike="noStrike" cap="none" baseline="0" dirty="0" err="1" smtClean="0">
+              <a:rPr lang="ko-KR" altLang="en-US" sz="1200" b="0" i="0" u="none" strike="noStrike" cap="none" baseline="0" dirty="0" err="1">
                 <a:solidFill>
                   <a:schemeClr val="dk1"/>
                 </a:solidFill>
@@ -12212,7 +12166,7 @@
               <a:t>추정량의</a:t>
             </a:r>
             <a:r>
-              <a:rPr lang="ko-KR" altLang="en-US" sz="1200" b="0" i="0" u="none" strike="noStrike" cap="none" baseline="0" dirty="0" smtClean="0">
+              <a:rPr lang="ko-KR" altLang="en-US" sz="1200" b="0" i="0" u="none" strike="noStrike" cap="none" baseline="0" dirty="0">
                 <a:solidFill>
                   <a:schemeClr val="dk1"/>
                 </a:solidFill>
@@ -12224,7 +12178,7 @@
               <a:t> 통계를 나타내는 수식어가 다르다는 것을 언급해 주세요</a:t>
             </a:r>
             <a:r>
-              <a:rPr lang="en-US" altLang="ko-KR" sz="1200" b="0" i="0" u="none" strike="noStrike" cap="none" baseline="0" dirty="0" smtClean="0">
+              <a:rPr lang="en-US" altLang="ko-KR" sz="1200" b="0" i="0" u="none" strike="noStrike" cap="none" baseline="0" dirty="0">
                 <a:solidFill>
                   <a:schemeClr val="dk1"/>
                 </a:solidFill>
@@ -12236,7 +12190,7 @@
               <a:t>! </a:t>
             </a:r>
             <a:r>
-              <a:rPr lang="ko-KR" altLang="en-US" sz="1200" b="0" i="0" u="none" strike="noStrike" cap="none" baseline="0" dirty="0" smtClean="0">
+              <a:rPr lang="ko-KR" altLang="en-US" sz="1200" b="0" i="0" u="none" strike="noStrike" cap="none" baseline="0" dirty="0">
                 <a:solidFill>
                   <a:schemeClr val="dk1"/>
                 </a:solidFill>
@@ -12550,7 +12504,7 @@
               <a:buNone/>
             </a:pPr>
             <a:r>
-              <a:rPr lang="ko-KR" altLang="en-US" sz="1200" b="0" i="0" u="none" strike="noStrike" cap="none" dirty="0" smtClean="0">
+              <a:rPr lang="ko-KR" altLang="en-US" sz="1200" b="0" i="0" u="none" strike="noStrike" cap="none" dirty="0">
                 <a:solidFill>
                   <a:schemeClr val="dk1"/>
                 </a:solidFill>
@@ -12562,7 +12516,7 @@
               <a:t>근원 사건 </a:t>
             </a:r>
             <a:r>
-              <a:rPr lang="en-US" altLang="ko-KR" sz="1200" b="0" i="0" u="none" strike="noStrike" cap="none" dirty="0" smtClean="0">
+              <a:rPr lang="en-US" altLang="ko-KR" sz="1200" b="0" i="0" u="none" strike="noStrike" cap="none" dirty="0">
                 <a:solidFill>
                   <a:schemeClr val="dk1"/>
                 </a:solidFill>
@@ -12574,7 +12528,7 @@
               <a:t>: </a:t>
             </a:r>
             <a:r>
-              <a:rPr lang="ko-KR" altLang="en-US" sz="1200" b="0" i="0" u="none" strike="noStrike" cap="none" dirty="0" smtClean="0">
+              <a:rPr lang="ko-KR" altLang="en-US" sz="1200" b="0" i="0" u="none" strike="noStrike" cap="none" dirty="0">
                 <a:solidFill>
                   <a:schemeClr val="dk1"/>
                 </a:solidFill>
@@ -12586,7 +12540,7 @@
               <a:t>표본 공간이 한 원소로 이루어진 집합</a:t>
             </a:r>
             <a:r>
-              <a:rPr lang="en-US" altLang="ko-KR" sz="1200" b="0" i="0" u="none" strike="noStrike" cap="none" dirty="0" smtClean="0">
+              <a:rPr lang="en-US" altLang="ko-KR" sz="1200" b="0" i="0" u="none" strike="noStrike" cap="none" dirty="0">
                 <a:solidFill>
                   <a:schemeClr val="dk1"/>
                 </a:solidFill>
@@ -12791,7 +12745,7 @@
               <a:buNone/>
             </a:pPr>
             <a:r>
-              <a:rPr lang="ko-KR" altLang="en-US" sz="1200" b="0" i="0" u="none" strike="noStrike" cap="none" dirty="0" smtClean="0">
+              <a:rPr lang="ko-KR" altLang="en-US" sz="1200" b="0" i="0" u="none" strike="noStrike" cap="none" dirty="0">
                 <a:solidFill>
                   <a:schemeClr val="dk1"/>
                 </a:solidFill>
@@ -12803,7 +12757,7 @@
               <a:t>사건 </a:t>
             </a:r>
             <a:r>
-              <a:rPr lang="en-US" altLang="ko-KR" sz="1200" b="0" i="0" u="none" strike="noStrike" cap="none" dirty="0" smtClean="0">
+              <a:rPr lang="en-US" altLang="ko-KR" sz="1200" b="0" i="0" u="none" strike="noStrike" cap="none" dirty="0">
                 <a:solidFill>
                   <a:schemeClr val="dk1"/>
                 </a:solidFill>
@@ -12815,7 +12769,7 @@
               <a:t>A</a:t>
             </a:r>
             <a:r>
-              <a:rPr lang="ko-KR" altLang="en-US" sz="1200" b="0" i="0" u="none" strike="noStrike" cap="none" dirty="0" smtClean="0">
+              <a:rPr lang="ko-KR" altLang="en-US" sz="1200" b="0" i="0" u="none" strike="noStrike" cap="none" dirty="0">
                 <a:solidFill>
                   <a:schemeClr val="dk1"/>
                 </a:solidFill>
@@ -12827,7 +12781,7 @@
               <a:t>의 확률은 </a:t>
             </a:r>
             <a:r>
-              <a:rPr lang="en-US" altLang="ko-KR" sz="1200" b="0" i="0" u="none" strike="noStrike" cap="none" dirty="0" smtClean="0">
+              <a:rPr lang="en-US" altLang="ko-KR" sz="1200" b="0" i="0" u="none" strike="noStrike" cap="none" dirty="0">
                 <a:solidFill>
                   <a:schemeClr val="dk1"/>
                 </a:solidFill>
@@ -12839,7 +12793,7 @@
               <a:t>= P(A) = n(A)/n(S)</a:t>
             </a:r>
             <a:r>
-              <a:rPr lang="en-US" altLang="ko-KR" sz="1200" b="0" i="0" u="none" strike="noStrike" cap="none" baseline="0" dirty="0" smtClean="0">
+              <a:rPr lang="en-US" altLang="ko-KR" sz="1200" b="0" i="0" u="none" strike="noStrike" cap="none" baseline="0" dirty="0">
                 <a:solidFill>
                   <a:schemeClr val="dk1"/>
                 </a:solidFill>
@@ -12851,7 +12805,7 @@
               <a:t> = 2/6 = 1/3 </a:t>
             </a:r>
             <a:r>
-              <a:rPr lang="ko-KR" altLang="en-US" sz="1200" b="0" i="0" u="none" strike="noStrike" cap="none" baseline="0" dirty="0" smtClean="0">
+              <a:rPr lang="ko-KR" altLang="en-US" sz="1200" b="0" i="0" u="none" strike="noStrike" cap="none" baseline="0" dirty="0">
                 <a:solidFill>
                   <a:schemeClr val="dk1"/>
                 </a:solidFill>
@@ -12863,7 +12817,7 @@
               <a:t>확률이다</a:t>
             </a:r>
             <a:r>
-              <a:rPr lang="en-US" altLang="ko-KR" sz="1200" b="0" i="0" u="none" strike="noStrike" cap="none" baseline="0" dirty="0" smtClean="0">
+              <a:rPr lang="en-US" altLang="ko-KR" sz="1200" b="0" i="0" u="none" strike="noStrike" cap="none" baseline="0" dirty="0">
                 <a:solidFill>
                   <a:schemeClr val="dk1"/>
                 </a:solidFill>
@@ -12885,7 +12839,7 @@
               </a:spcAft>
               <a:buNone/>
             </a:pPr>
-            <a:endParaRPr lang="en-US" altLang="ko-KR" sz="1200" b="0" i="0" u="none" strike="noStrike" cap="none" baseline="0" dirty="0" smtClean="0">
+            <a:endParaRPr lang="en-US" altLang="ko-KR" sz="1200" b="0" i="0" u="none" strike="noStrike" cap="none" baseline="0" dirty="0">
               <a:solidFill>
                 <a:schemeClr val="dk1"/>
               </a:solidFill>
@@ -12906,7 +12860,7 @@
               <a:buNone/>
             </a:pPr>
             <a:r>
-              <a:rPr lang="ko-KR" altLang="en-US" sz="1200" b="0" i="0" u="none" strike="noStrike" cap="none" baseline="0" dirty="0" smtClean="0">
+              <a:rPr lang="ko-KR" altLang="en-US" sz="1200" b="0" i="0" u="none" strike="noStrike" cap="none" baseline="0" dirty="0">
                 <a:solidFill>
                   <a:schemeClr val="dk1"/>
                 </a:solidFill>
@@ -12918,7 +12872,7 @@
               <a:t>여기서 </a:t>
             </a:r>
             <a:r>
-              <a:rPr lang="en-US" altLang="ko-KR" sz="1200" b="0" i="0" u="none" strike="noStrike" cap="none" baseline="0" dirty="0" smtClean="0">
+              <a:rPr lang="en-US" altLang="ko-KR" sz="1200" b="0" i="0" u="none" strike="noStrike" cap="none" baseline="0" dirty="0">
                 <a:solidFill>
                   <a:schemeClr val="dk1"/>
                 </a:solidFill>
@@ -12930,7 +12884,7 @@
               <a:t>n(A) </a:t>
             </a:r>
             <a:r>
-              <a:rPr lang="ko-KR" altLang="en-US" sz="1200" b="0" i="0" u="none" strike="noStrike" cap="none" baseline="0" dirty="0" smtClean="0">
+              <a:rPr lang="ko-KR" altLang="en-US" sz="1200" b="0" i="0" u="none" strike="noStrike" cap="none" baseline="0" dirty="0">
                 <a:solidFill>
                   <a:schemeClr val="dk1"/>
                 </a:solidFill>
@@ -12942,7 +12896,7 @@
               <a:t>와 </a:t>
             </a:r>
             <a:r>
-              <a:rPr lang="en-US" altLang="ko-KR" sz="1200" b="0" i="0" u="none" strike="noStrike" cap="none" baseline="0" dirty="0" smtClean="0">
+              <a:rPr lang="en-US" altLang="ko-KR" sz="1200" b="0" i="0" u="none" strike="noStrike" cap="none" baseline="0" dirty="0">
                 <a:solidFill>
                   <a:schemeClr val="dk1"/>
                 </a:solidFill>
@@ -12954,7 +12908,7 @@
               <a:t>n(S) </a:t>
             </a:r>
             <a:r>
-              <a:rPr lang="ko-KR" altLang="en-US" sz="1200" b="0" i="0" u="none" strike="noStrike" cap="none" baseline="0" dirty="0" smtClean="0">
+              <a:rPr lang="ko-KR" altLang="en-US" sz="1200" b="0" i="0" u="none" strike="noStrike" cap="none" baseline="0" dirty="0">
                 <a:solidFill>
                   <a:schemeClr val="dk1"/>
                 </a:solidFill>
@@ -12966,7 +12920,7 @@
               <a:t>에는 원소의 개수 가 들어가는 것</a:t>
             </a:r>
             <a:r>
-              <a:rPr lang="en-US" altLang="ko-KR" sz="1200" b="0" i="0" u="none" strike="noStrike" cap="none" baseline="0" dirty="0" smtClean="0">
+              <a:rPr lang="en-US" altLang="ko-KR" sz="1200" b="0" i="0" u="none" strike="noStrike" cap="none" baseline="0" dirty="0">
                 <a:solidFill>
                   <a:schemeClr val="dk1"/>
                 </a:solidFill>
@@ -12978,7 +12932,7 @@
               <a:t>! (</a:t>
             </a:r>
             <a:r>
-              <a:rPr lang="ko-KR" altLang="en-US" sz="1200" b="0" i="0" u="none" strike="noStrike" cap="none" baseline="0" dirty="0" smtClean="0">
+              <a:rPr lang="ko-KR" altLang="en-US" sz="1200" b="0" i="0" u="none" strike="noStrike" cap="none" baseline="0" dirty="0">
                 <a:solidFill>
                   <a:schemeClr val="dk1"/>
                 </a:solidFill>
@@ -12990,7 +12944,7 @@
               <a:t>주의</a:t>
             </a:r>
             <a:r>
-              <a:rPr lang="en-US" altLang="ko-KR" sz="1200" b="0" i="0" u="none" strike="noStrike" cap="none" baseline="0" dirty="0" smtClean="0">
+              <a:rPr lang="en-US" altLang="ko-KR" sz="1200" b="0" i="0" u="none" strike="noStrike" cap="none" baseline="0" dirty="0">
                 <a:solidFill>
                   <a:schemeClr val="dk1"/>
                 </a:solidFill>
@@ -13002,7 +12956,7 @@
               <a:t>, </a:t>
             </a:r>
             <a:r>
-              <a:rPr lang="ko-KR" altLang="en-US" sz="1200" b="0" i="0" u="none" strike="noStrike" cap="none" baseline="0" dirty="0" smtClean="0">
+              <a:rPr lang="ko-KR" altLang="en-US" sz="1200" b="0" i="0" u="none" strike="noStrike" cap="none" baseline="0" dirty="0">
                 <a:solidFill>
                   <a:schemeClr val="dk1"/>
                 </a:solidFill>
@@ -13014,7 +12968,7 @@
               <a:t>값이 아님</a:t>
             </a:r>
             <a:r>
-              <a:rPr lang="en-US" altLang="ko-KR" sz="1200" b="0" i="0" u="none" strike="noStrike" cap="none" baseline="0" dirty="0" smtClean="0">
+              <a:rPr lang="en-US" altLang="ko-KR" sz="1200" b="0" i="0" u="none" strike="noStrike" cap="none" baseline="0" dirty="0">
                 <a:solidFill>
                   <a:schemeClr val="dk1"/>
                 </a:solidFill>
@@ -13154,10 +13108,9 @@
           </a:lstStyle>
           <a:p>
             <a:r>
-              <a:rPr lang="ko-KR" altLang="en-US" smtClean="0"/>
+              <a:rPr lang="ko-KR" altLang="en-US"/>
               <a:t>마스터 제목 스타일 편집</a:t>
             </a:r>
-            <a:endParaRPr lang="ko-KR" altLang="en-US"/>
           </a:p>
         </p:txBody>
       </p:sp>
@@ -13219,10 +13172,9 @@
           </a:lstStyle>
           <a:p>
             <a:r>
-              <a:rPr lang="ko-KR" altLang="en-US" smtClean="0"/>
+              <a:rPr lang="ko-KR" altLang="en-US"/>
               <a:t>클릭하여 마스터 부제목 스타일 편집</a:t>
             </a:r>
-            <a:endParaRPr lang="ko-KR" altLang="en-US"/>
           </a:p>
         </p:txBody>
       </p:sp>
@@ -13337,10 +13289,9 @@
           <a:lstStyle/>
           <a:p>
             <a:r>
-              <a:rPr lang="ko-KR" altLang="en-US" smtClean="0"/>
+              <a:rPr lang="ko-KR" altLang="en-US"/>
               <a:t>마스터 제목 스타일 편집</a:t>
             </a:r>
-            <a:endParaRPr lang="ko-KR" altLang="en-US"/>
           </a:p>
         </p:txBody>
       </p:sp>
@@ -13361,38 +13312,37 @@
           <a:p>
             <a:pPr lvl="0"/>
             <a:r>
-              <a:rPr lang="ko-KR" altLang="en-US" smtClean="0"/>
+              <a:rPr lang="ko-KR" altLang="en-US"/>
               <a:t>마스터 텍스트 스타일 편집</a:t>
             </a:r>
           </a:p>
           <a:p>
             <a:pPr lvl="1"/>
             <a:r>
-              <a:rPr lang="ko-KR" altLang="en-US" smtClean="0"/>
+              <a:rPr lang="ko-KR" altLang="en-US"/>
               <a:t>둘째 수준</a:t>
             </a:r>
           </a:p>
           <a:p>
             <a:pPr lvl="2"/>
             <a:r>
-              <a:rPr lang="ko-KR" altLang="en-US" smtClean="0"/>
+              <a:rPr lang="ko-KR" altLang="en-US"/>
               <a:t>셋째 수준</a:t>
             </a:r>
           </a:p>
           <a:p>
             <a:pPr lvl="3"/>
             <a:r>
-              <a:rPr lang="ko-KR" altLang="en-US" smtClean="0"/>
+              <a:rPr lang="ko-KR" altLang="en-US"/>
               <a:t>넷째 수준</a:t>
             </a:r>
           </a:p>
           <a:p>
             <a:pPr lvl="4"/>
             <a:r>
-              <a:rPr lang="ko-KR" altLang="en-US" smtClean="0"/>
+              <a:rPr lang="ko-KR" altLang="en-US"/>
               <a:t>다섯째 수준</a:t>
             </a:r>
-            <a:endParaRPr lang="ko-KR" altLang="en-US"/>
           </a:p>
         </p:txBody>
       </p:sp>
@@ -13512,10 +13462,9 @@
           <a:lstStyle/>
           <a:p>
             <a:r>
-              <a:rPr lang="ko-KR" altLang="en-US" smtClean="0"/>
+              <a:rPr lang="ko-KR" altLang="en-US"/>
               <a:t>마스터 제목 스타일 편집</a:t>
             </a:r>
-            <a:endParaRPr lang="ko-KR" altLang="en-US"/>
           </a:p>
         </p:txBody>
       </p:sp>
@@ -13541,38 +13490,37 @@
           <a:p>
             <a:pPr lvl="0"/>
             <a:r>
-              <a:rPr lang="ko-KR" altLang="en-US" smtClean="0"/>
+              <a:rPr lang="ko-KR" altLang="en-US"/>
               <a:t>마스터 텍스트 스타일 편집</a:t>
             </a:r>
           </a:p>
           <a:p>
             <a:pPr lvl="1"/>
             <a:r>
-              <a:rPr lang="ko-KR" altLang="en-US" smtClean="0"/>
+              <a:rPr lang="ko-KR" altLang="en-US"/>
               <a:t>둘째 수준</a:t>
             </a:r>
           </a:p>
           <a:p>
             <a:pPr lvl="2"/>
             <a:r>
-              <a:rPr lang="ko-KR" altLang="en-US" smtClean="0"/>
+              <a:rPr lang="ko-KR" altLang="en-US"/>
               <a:t>셋째 수준</a:t>
             </a:r>
           </a:p>
           <a:p>
             <a:pPr lvl="3"/>
             <a:r>
-              <a:rPr lang="ko-KR" altLang="en-US" smtClean="0"/>
+              <a:rPr lang="ko-KR" altLang="en-US"/>
               <a:t>넷째 수준</a:t>
             </a:r>
           </a:p>
           <a:p>
             <a:pPr lvl="4"/>
             <a:r>
-              <a:rPr lang="ko-KR" altLang="en-US" smtClean="0"/>
+              <a:rPr lang="ko-KR" altLang="en-US"/>
               <a:t>다섯째 수준</a:t>
             </a:r>
-            <a:endParaRPr lang="ko-KR" altLang="en-US"/>
           </a:p>
         </p:txBody>
       </p:sp>
@@ -13687,10 +13635,9 @@
           <a:lstStyle/>
           <a:p>
             <a:r>
-              <a:rPr lang="ko-KR" altLang="en-US" smtClean="0"/>
+              <a:rPr lang="ko-KR" altLang="en-US"/>
               <a:t>마스터 제목 스타일 편집</a:t>
             </a:r>
-            <a:endParaRPr lang="ko-KR" altLang="en-US"/>
           </a:p>
         </p:txBody>
       </p:sp>
@@ -13711,38 +13658,37 @@
           <a:p>
             <a:pPr lvl="0"/>
             <a:r>
-              <a:rPr lang="ko-KR" altLang="en-US" smtClean="0"/>
+              <a:rPr lang="ko-KR" altLang="en-US"/>
               <a:t>마스터 텍스트 스타일 편집</a:t>
             </a:r>
           </a:p>
           <a:p>
             <a:pPr lvl="1"/>
             <a:r>
-              <a:rPr lang="ko-KR" altLang="en-US" smtClean="0"/>
+              <a:rPr lang="ko-KR" altLang="en-US"/>
               <a:t>둘째 수준</a:t>
             </a:r>
           </a:p>
           <a:p>
             <a:pPr lvl="2"/>
             <a:r>
-              <a:rPr lang="ko-KR" altLang="en-US" smtClean="0"/>
+              <a:rPr lang="ko-KR" altLang="en-US"/>
               <a:t>셋째 수준</a:t>
             </a:r>
           </a:p>
           <a:p>
             <a:pPr lvl="3"/>
             <a:r>
-              <a:rPr lang="ko-KR" altLang="en-US" smtClean="0"/>
+              <a:rPr lang="ko-KR" altLang="en-US"/>
               <a:t>넷째 수준</a:t>
             </a:r>
           </a:p>
           <a:p>
             <a:pPr lvl="4"/>
             <a:r>
-              <a:rPr lang="ko-KR" altLang="en-US" smtClean="0"/>
+              <a:rPr lang="ko-KR" altLang="en-US"/>
               <a:t>다섯째 수준</a:t>
             </a:r>
-            <a:endParaRPr lang="ko-KR" altLang="en-US"/>
           </a:p>
         </p:txBody>
       </p:sp>
@@ -13866,10 +13812,9 @@
           </a:lstStyle>
           <a:p>
             <a:r>
-              <a:rPr lang="ko-KR" altLang="en-US" smtClean="0"/>
+              <a:rPr lang="ko-KR" altLang="en-US"/>
               <a:t>마스터 제목 스타일 편집</a:t>
             </a:r>
-            <a:endParaRPr lang="ko-KR" altLang="en-US"/>
           </a:p>
         </p:txBody>
       </p:sp>
@@ -13986,7 +13931,7 @@
           <a:p>
             <a:pPr lvl="0"/>
             <a:r>
-              <a:rPr lang="ko-KR" altLang="en-US" smtClean="0"/>
+              <a:rPr lang="ko-KR" altLang="en-US"/>
               <a:t>마스터 텍스트 스타일 편집</a:t>
             </a:r>
           </a:p>
@@ -14103,10 +14048,9 @@
           <a:lstStyle/>
           <a:p>
             <a:r>
-              <a:rPr lang="ko-KR" altLang="en-US" smtClean="0"/>
+              <a:rPr lang="ko-KR" altLang="en-US"/>
               <a:t>마스터 제목 스타일 편집</a:t>
             </a:r>
-            <a:endParaRPr lang="ko-KR" altLang="en-US"/>
           </a:p>
         </p:txBody>
       </p:sp>
@@ -14132,38 +14076,37 @@
           <a:p>
             <a:pPr lvl="0"/>
             <a:r>
-              <a:rPr lang="ko-KR" altLang="en-US" smtClean="0"/>
+              <a:rPr lang="ko-KR" altLang="en-US"/>
               <a:t>마스터 텍스트 스타일 편집</a:t>
             </a:r>
           </a:p>
           <a:p>
             <a:pPr lvl="1"/>
             <a:r>
-              <a:rPr lang="ko-KR" altLang="en-US" smtClean="0"/>
+              <a:rPr lang="ko-KR" altLang="en-US"/>
               <a:t>둘째 수준</a:t>
             </a:r>
           </a:p>
           <a:p>
             <a:pPr lvl="2"/>
             <a:r>
-              <a:rPr lang="ko-KR" altLang="en-US" smtClean="0"/>
+              <a:rPr lang="ko-KR" altLang="en-US"/>
               <a:t>셋째 수준</a:t>
             </a:r>
           </a:p>
           <a:p>
             <a:pPr lvl="3"/>
             <a:r>
-              <a:rPr lang="ko-KR" altLang="en-US" smtClean="0"/>
+              <a:rPr lang="ko-KR" altLang="en-US"/>
               <a:t>넷째 수준</a:t>
             </a:r>
           </a:p>
           <a:p>
             <a:pPr lvl="4"/>
             <a:r>
-              <a:rPr lang="ko-KR" altLang="en-US" smtClean="0"/>
+              <a:rPr lang="ko-KR" altLang="en-US"/>
               <a:t>다섯째 수준</a:t>
             </a:r>
-            <a:endParaRPr lang="ko-KR" altLang="en-US"/>
           </a:p>
         </p:txBody>
       </p:sp>
@@ -14189,38 +14132,37 @@
           <a:p>
             <a:pPr lvl="0"/>
             <a:r>
-              <a:rPr lang="ko-KR" altLang="en-US" smtClean="0"/>
+              <a:rPr lang="ko-KR" altLang="en-US"/>
               <a:t>마스터 텍스트 스타일 편집</a:t>
             </a:r>
           </a:p>
           <a:p>
             <a:pPr lvl="1"/>
             <a:r>
-              <a:rPr lang="ko-KR" altLang="en-US" smtClean="0"/>
+              <a:rPr lang="ko-KR" altLang="en-US"/>
               <a:t>둘째 수준</a:t>
             </a:r>
           </a:p>
           <a:p>
             <a:pPr lvl="2"/>
             <a:r>
-              <a:rPr lang="ko-KR" altLang="en-US" smtClean="0"/>
+              <a:rPr lang="ko-KR" altLang="en-US"/>
               <a:t>셋째 수준</a:t>
             </a:r>
           </a:p>
           <a:p>
             <a:pPr lvl="3"/>
             <a:r>
-              <a:rPr lang="ko-KR" altLang="en-US" smtClean="0"/>
+              <a:rPr lang="ko-KR" altLang="en-US"/>
               <a:t>넷째 수준</a:t>
             </a:r>
           </a:p>
           <a:p>
             <a:pPr lvl="4"/>
             <a:r>
-              <a:rPr lang="ko-KR" altLang="en-US" smtClean="0"/>
+              <a:rPr lang="ko-KR" altLang="en-US"/>
               <a:t>다섯째 수준</a:t>
             </a:r>
-            <a:endParaRPr lang="ko-KR" altLang="en-US"/>
           </a:p>
         </p:txBody>
       </p:sp>
@@ -14340,10 +14282,9 @@
           <a:lstStyle/>
           <a:p>
             <a:r>
-              <a:rPr lang="ko-KR" altLang="en-US" smtClean="0"/>
+              <a:rPr lang="ko-KR" altLang="en-US"/>
               <a:t>마스터 제목 스타일 편집</a:t>
             </a:r>
-            <a:endParaRPr lang="ko-KR" altLang="en-US"/>
           </a:p>
         </p:txBody>
       </p:sp>
@@ -14406,7 +14347,7 @@
           <a:p>
             <a:pPr lvl="0"/>
             <a:r>
-              <a:rPr lang="ko-KR" altLang="en-US" smtClean="0"/>
+              <a:rPr lang="ko-KR" altLang="en-US"/>
               <a:t>마스터 텍스트 스타일 편집</a:t>
             </a:r>
           </a:p>
@@ -14434,38 +14375,37 @@
           <a:p>
             <a:pPr lvl="0"/>
             <a:r>
-              <a:rPr lang="ko-KR" altLang="en-US" smtClean="0"/>
+              <a:rPr lang="ko-KR" altLang="en-US"/>
               <a:t>마스터 텍스트 스타일 편집</a:t>
             </a:r>
           </a:p>
           <a:p>
             <a:pPr lvl="1"/>
             <a:r>
-              <a:rPr lang="ko-KR" altLang="en-US" smtClean="0"/>
+              <a:rPr lang="ko-KR" altLang="en-US"/>
               <a:t>둘째 수준</a:t>
             </a:r>
           </a:p>
           <a:p>
             <a:pPr lvl="2"/>
             <a:r>
-              <a:rPr lang="ko-KR" altLang="en-US" smtClean="0"/>
+              <a:rPr lang="ko-KR" altLang="en-US"/>
               <a:t>셋째 수준</a:t>
             </a:r>
           </a:p>
           <a:p>
             <a:pPr lvl="3"/>
             <a:r>
-              <a:rPr lang="ko-KR" altLang="en-US" smtClean="0"/>
+              <a:rPr lang="ko-KR" altLang="en-US"/>
               <a:t>넷째 수준</a:t>
             </a:r>
           </a:p>
           <a:p>
             <a:pPr lvl="4"/>
             <a:r>
-              <a:rPr lang="ko-KR" altLang="en-US" smtClean="0"/>
+              <a:rPr lang="ko-KR" altLang="en-US"/>
               <a:t>다섯째 수준</a:t>
             </a:r>
-            <a:endParaRPr lang="ko-KR" altLang="en-US"/>
           </a:p>
         </p:txBody>
       </p:sp>
@@ -14528,7 +14468,7 @@
           <a:p>
             <a:pPr lvl="0"/>
             <a:r>
-              <a:rPr lang="ko-KR" altLang="en-US" smtClean="0"/>
+              <a:rPr lang="ko-KR" altLang="en-US"/>
               <a:t>마스터 텍스트 스타일 편집</a:t>
             </a:r>
           </a:p>
@@ -14556,38 +14496,37 @@
           <a:p>
             <a:pPr lvl="0"/>
             <a:r>
-              <a:rPr lang="ko-KR" altLang="en-US" smtClean="0"/>
+              <a:rPr lang="ko-KR" altLang="en-US"/>
               <a:t>마스터 텍스트 스타일 편집</a:t>
             </a:r>
           </a:p>
           <a:p>
             <a:pPr lvl="1"/>
             <a:r>
-              <a:rPr lang="ko-KR" altLang="en-US" smtClean="0"/>
+              <a:rPr lang="ko-KR" altLang="en-US"/>
               <a:t>둘째 수준</a:t>
             </a:r>
           </a:p>
           <a:p>
             <a:pPr lvl="2"/>
             <a:r>
-              <a:rPr lang="ko-KR" altLang="en-US" smtClean="0"/>
+              <a:rPr lang="ko-KR" altLang="en-US"/>
               <a:t>셋째 수준</a:t>
             </a:r>
           </a:p>
           <a:p>
             <a:pPr lvl="3"/>
             <a:r>
-              <a:rPr lang="ko-KR" altLang="en-US" smtClean="0"/>
+              <a:rPr lang="ko-KR" altLang="en-US"/>
               <a:t>넷째 수준</a:t>
             </a:r>
           </a:p>
           <a:p>
             <a:pPr lvl="4"/>
             <a:r>
-              <a:rPr lang="ko-KR" altLang="en-US" smtClean="0"/>
+              <a:rPr lang="ko-KR" altLang="en-US"/>
               <a:t>다섯째 수준</a:t>
             </a:r>
-            <a:endParaRPr lang="ko-KR" altLang="en-US"/>
           </a:p>
         </p:txBody>
       </p:sp>
@@ -14702,10 +14641,9 @@
           <a:lstStyle/>
           <a:p>
             <a:r>
-              <a:rPr lang="ko-KR" altLang="en-US" smtClean="0"/>
+              <a:rPr lang="ko-KR" altLang="en-US"/>
               <a:t>마스터 제목 스타일 편집</a:t>
             </a:r>
-            <a:endParaRPr lang="ko-KR" altLang="en-US"/>
           </a:p>
         </p:txBody>
       </p:sp>
@@ -14924,10 +14862,9 @@
           </a:lstStyle>
           <a:p>
             <a:r>
-              <a:rPr lang="ko-KR" altLang="en-US" smtClean="0"/>
+              <a:rPr lang="ko-KR" altLang="en-US"/>
               <a:t>마스터 제목 스타일 편집</a:t>
             </a:r>
-            <a:endParaRPr lang="ko-KR" altLang="en-US"/>
           </a:p>
         </p:txBody>
       </p:sp>
@@ -14981,38 +14918,37 @@
           <a:p>
             <a:pPr lvl="0"/>
             <a:r>
-              <a:rPr lang="ko-KR" altLang="en-US" smtClean="0"/>
+              <a:rPr lang="ko-KR" altLang="en-US"/>
               <a:t>마스터 텍스트 스타일 편집</a:t>
             </a:r>
           </a:p>
           <a:p>
             <a:pPr lvl="1"/>
             <a:r>
-              <a:rPr lang="ko-KR" altLang="en-US" smtClean="0"/>
+              <a:rPr lang="ko-KR" altLang="en-US"/>
               <a:t>둘째 수준</a:t>
             </a:r>
           </a:p>
           <a:p>
             <a:pPr lvl="2"/>
             <a:r>
-              <a:rPr lang="ko-KR" altLang="en-US" smtClean="0"/>
+              <a:rPr lang="ko-KR" altLang="en-US"/>
               <a:t>셋째 수준</a:t>
             </a:r>
           </a:p>
           <a:p>
             <a:pPr lvl="3"/>
             <a:r>
-              <a:rPr lang="ko-KR" altLang="en-US" smtClean="0"/>
+              <a:rPr lang="ko-KR" altLang="en-US"/>
               <a:t>넷째 수준</a:t>
             </a:r>
           </a:p>
           <a:p>
             <a:pPr lvl="4"/>
             <a:r>
-              <a:rPr lang="ko-KR" altLang="en-US" smtClean="0"/>
+              <a:rPr lang="ko-KR" altLang="en-US"/>
               <a:t>다섯째 수준</a:t>
             </a:r>
-            <a:endParaRPr lang="ko-KR" altLang="en-US"/>
           </a:p>
         </p:txBody>
       </p:sp>
@@ -15075,7 +15011,7 @@
           <a:p>
             <a:pPr lvl="0"/>
             <a:r>
-              <a:rPr lang="ko-KR" altLang="en-US" smtClean="0"/>
+              <a:rPr lang="ko-KR" altLang="en-US"/>
               <a:t>마스터 텍스트 스타일 편집</a:t>
             </a:r>
           </a:p>
@@ -15201,10 +15137,9 @@
           </a:lstStyle>
           <a:p>
             <a:r>
-              <a:rPr lang="ko-KR" altLang="en-US" smtClean="0"/>
+              <a:rPr lang="ko-KR" altLang="en-US"/>
               <a:t>마스터 제목 스타일 편집</a:t>
             </a:r>
-            <a:endParaRPr lang="ko-KR" altLang="en-US"/>
           </a:p>
         </p:txBody>
       </p:sp>
@@ -15328,7 +15263,7 @@
           <a:p>
             <a:pPr lvl="0"/>
             <a:r>
-              <a:rPr lang="ko-KR" altLang="en-US" smtClean="0"/>
+              <a:rPr lang="ko-KR" altLang="en-US"/>
               <a:t>마스터 텍스트 스타일 편집</a:t>
             </a:r>
           </a:p>
@@ -15460,10 +15395,9 @@
           <a:lstStyle/>
           <a:p>
             <a:r>
-              <a:rPr lang="ko-KR" altLang="en-US" smtClean="0"/>
+              <a:rPr lang="ko-KR" altLang="en-US"/>
               <a:t>마스터 제목 스타일 편집</a:t>
             </a:r>
-            <a:endParaRPr lang="ko-KR" altLang="en-US"/>
           </a:p>
         </p:txBody>
       </p:sp>
@@ -15494,38 +15428,37 @@
           <a:p>
             <a:pPr lvl="0"/>
             <a:r>
-              <a:rPr lang="ko-KR" altLang="en-US" smtClean="0"/>
+              <a:rPr lang="ko-KR" altLang="en-US"/>
               <a:t>마스터 텍스트 스타일 편집</a:t>
             </a:r>
           </a:p>
           <a:p>
             <a:pPr lvl="1"/>
             <a:r>
-              <a:rPr lang="ko-KR" altLang="en-US" smtClean="0"/>
+              <a:rPr lang="ko-KR" altLang="en-US"/>
               <a:t>둘째 수준</a:t>
             </a:r>
           </a:p>
           <a:p>
             <a:pPr lvl="2"/>
             <a:r>
-              <a:rPr lang="ko-KR" altLang="en-US" smtClean="0"/>
+              <a:rPr lang="ko-KR" altLang="en-US"/>
               <a:t>셋째 수준</a:t>
             </a:r>
           </a:p>
           <a:p>
             <a:pPr lvl="3"/>
             <a:r>
-              <a:rPr lang="ko-KR" altLang="en-US" smtClean="0"/>
+              <a:rPr lang="ko-KR" altLang="en-US"/>
               <a:t>넷째 수준</a:t>
             </a:r>
           </a:p>
           <a:p>
             <a:pPr lvl="4"/>
             <a:r>
-              <a:rPr lang="ko-KR" altLang="en-US" smtClean="0"/>
+              <a:rPr lang="ko-KR" altLang="en-US"/>
               <a:t>다섯째 수준</a:t>
             </a:r>
-            <a:endParaRPr lang="ko-KR" altLang="en-US"/>
           </a:p>
         </p:txBody>
       </p:sp>
@@ -16190,7 +16123,7 @@
           <a:p>
             <a:pPr algn="ctr"/>
             <a:r>
-              <a:rPr lang="ko-KR" altLang="en-US" sz="5400" b="1" dirty="0" smtClean="0">
+              <a:rPr lang="ko-KR" altLang="en-US" sz="5400" b="1" dirty="0">
                 <a:solidFill>
                   <a:schemeClr val="dk1"/>
                 </a:solidFill>
@@ -16256,13 +16189,6 @@
   <p:transition spd="med">
     <p:fade thruBlk="1"/>
   </p:transition>
-  <p:timing>
-    <p:tnLst>
-      <p:par>
-        <p:cTn id="1" dur="indefinite" restart="never" nodeType="tmRoot"/>
-      </p:par>
-    </p:tnLst>
-  </p:timing>
 </p:sld>
 </file>
 
@@ -16490,7 +16416,7 @@
           <a:lstStyle/>
           <a:p>
             <a:r>
-              <a:rPr lang="ko-KR" altLang="en-US" sz="2800" b="1" dirty="0" smtClean="0">
+              <a:rPr lang="ko-KR" altLang="en-US" sz="2800" b="1" dirty="0">
                 <a:solidFill>
                   <a:schemeClr val="dk1"/>
                 </a:solidFill>
@@ -16502,7 +16428,7 @@
               <a:t>확률 이론 </a:t>
             </a:r>
             <a:r>
-              <a:rPr lang="en-US" altLang="ko-KR" sz="2800" b="1" dirty="0" smtClean="0">
+              <a:rPr lang="en-US" altLang="ko-KR" sz="2800" b="1" dirty="0">
                 <a:solidFill>
                   <a:schemeClr val="dk1"/>
                 </a:solidFill>
@@ -16514,7 +16440,7 @@
               <a:t>- </a:t>
             </a:r>
             <a:r>
-              <a:rPr lang="ko-KR" altLang="en-US" sz="2800" b="1" dirty="0" smtClean="0">
+              <a:rPr lang="ko-KR" altLang="en-US" sz="2800" b="1" dirty="0">
                 <a:solidFill>
                   <a:schemeClr val="dk1"/>
                 </a:solidFill>
@@ -16526,7 +16452,7 @@
               <a:t>수식 </a:t>
             </a:r>
             <a:r>
-              <a:rPr lang="en-US" altLang="ko-KR" sz="2800" b="1" dirty="0" smtClean="0">
+              <a:rPr lang="en-US" altLang="ko-KR" sz="2800" b="1" dirty="0">
                 <a:solidFill>
                   <a:schemeClr val="dk1"/>
                 </a:solidFill>
@@ -16575,7 +16501,7 @@
           <a:lstStyle/>
           <a:p>
             <a:r>
-              <a:rPr lang="en-US" sz="2400" b="1" dirty="0" smtClean="0">
+              <a:rPr lang="en-US" sz="2400" b="1" dirty="0">
                 <a:solidFill>
                   <a:schemeClr val="lt1"/>
                 </a:solidFill>
@@ -16658,10 +16584,10 @@
               <a:buChar char="ü"/>
             </a:pPr>
             <a:r>
-              <a:rPr lang="ko-KR" altLang="en-US" b="1" dirty="0" smtClean="0"/>
+              <a:rPr lang="ko-KR" altLang="en-US" b="1" dirty="0"/>
               <a:t>확률의 덧셈</a:t>
             </a:r>
-            <a:endParaRPr lang="en-US" altLang="ko-KR" b="1" dirty="0" smtClean="0"/>
+            <a:endParaRPr lang="en-US" altLang="ko-KR" b="1" dirty="0"/>
           </a:p>
           <a:p>
             <a:pPr marL="742950" lvl="1" indent="-285750">
@@ -16675,25 +16601,7 @@
               <a:rPr lang="en-US" altLang="ko-KR" dirty="0">
                 <a:latin typeface="Sylfaen" panose="010A0502050306030303" pitchFamily="18" charset="0"/>
               </a:rPr>
-              <a:t>P(A∪B</a:t>
-            </a:r>
-            <a:r>
-              <a:rPr lang="en-US" altLang="ko-KR" dirty="0" smtClean="0">
-                <a:latin typeface="Sylfaen" panose="010A0502050306030303" pitchFamily="18" charset="0"/>
-              </a:rPr>
-              <a:t>) = P(A) + P(B) − P(A</a:t>
-            </a:r>
-            <a:r>
-              <a:rPr lang="en-US" altLang="ko-KR" dirty="0">
-                <a:latin typeface="Sylfaen" panose="010A0502050306030303" pitchFamily="18" charset="0"/>
-              </a:rPr>
-              <a:t>∩B</a:t>
-            </a:r>
-            <a:r>
-              <a:rPr lang="en-US" altLang="ko-KR" dirty="0" smtClean="0">
-                <a:latin typeface="Sylfaen" panose="010A0502050306030303" pitchFamily="18" charset="0"/>
-              </a:rPr>
-              <a:t>)</a:t>
+              <a:t>P(A∪B) = P(A) + P(B) − P(A∩B)</a:t>
             </a:r>
           </a:p>
           <a:p>
@@ -16702,7 +16610,7 @@
                 <a:spcPct val="150000"/>
               </a:lnSpc>
             </a:pPr>
-            <a:endParaRPr lang="en-US" altLang="ko-KR" dirty="0" smtClean="0"/>
+            <a:endParaRPr lang="en-US" altLang="ko-KR" dirty="0"/>
           </a:p>
           <a:p>
             <a:pPr marL="285750" indent="-285750">
@@ -16713,14 +16621,14 @@
               <a:buChar char="ü"/>
             </a:pPr>
             <a:r>
-              <a:rPr lang="ko-KR" altLang="en-US" b="1" dirty="0" err="1" smtClean="0"/>
+              <a:rPr lang="ko-KR" altLang="en-US" b="1" dirty="0" err="1"/>
               <a:t>여사건</a:t>
             </a:r>
             <a:r>
-              <a:rPr lang="ko-KR" altLang="en-US" b="1" dirty="0" smtClean="0"/>
+              <a:rPr lang="ko-KR" altLang="en-US" b="1" dirty="0"/>
               <a:t> 확률</a:t>
             </a:r>
-            <a:endParaRPr lang="en-US" altLang="ko-KR" b="1" dirty="0" smtClean="0"/>
+            <a:endParaRPr lang="en-US" altLang="ko-KR" b="1" dirty="0"/>
           </a:p>
           <a:p>
             <a:pPr marL="742950" lvl="1" indent="-285750">
@@ -16731,18 +16639,18 @@
               <a:buChar char="•"/>
             </a:pPr>
             <a:r>
-              <a:rPr lang="ko-KR" altLang="en-US" dirty="0" smtClean="0"/>
+              <a:rPr lang="ko-KR" altLang="en-US" dirty="0"/>
               <a:t>사건 </a:t>
             </a:r>
             <a:r>
-              <a:rPr lang="en-US" altLang="ko-KR" dirty="0" smtClean="0"/>
+              <a:rPr lang="en-US" altLang="ko-KR" dirty="0"/>
               <a:t>A</a:t>
             </a:r>
             <a:r>
-              <a:rPr lang="ko-KR" altLang="en-US" dirty="0" smtClean="0"/>
+              <a:rPr lang="ko-KR" altLang="en-US" dirty="0"/>
               <a:t>를 제외한 나머지</a:t>
             </a:r>
-            <a:endParaRPr lang="en-US" altLang="ko-KR" dirty="0" smtClean="0"/>
+            <a:endParaRPr lang="en-US" altLang="ko-KR" dirty="0"/>
           </a:p>
           <a:p>
             <a:pPr marL="742950" lvl="1" indent="-285750">
@@ -16774,7 +16682,7 @@
               <a:t>) =</a:t>
             </a:r>
             <a:r>
-              <a:rPr lang="en-US" altLang="ko-KR" dirty="0" smtClean="0"/>
+              <a:rPr lang="en-US" altLang="ko-KR" dirty="0"/>
               <a:t> </a:t>
             </a:r>
             <a:r>
@@ -16790,7 +16698,7 @@
                 <a:spcPct val="150000"/>
               </a:lnSpc>
             </a:pPr>
-            <a:endParaRPr lang="en-US" altLang="ko-KR" dirty="0" smtClean="0"/>
+            <a:endParaRPr lang="en-US" altLang="ko-KR" dirty="0"/>
           </a:p>
           <a:p>
             <a:pPr marL="285750" indent="-285750">
@@ -16801,10 +16709,10 @@
               <a:buChar char="ü"/>
             </a:pPr>
             <a:r>
-              <a:rPr lang="ko-KR" altLang="en-US" b="1" dirty="0" smtClean="0"/>
+              <a:rPr lang="ko-KR" altLang="en-US" b="1" dirty="0"/>
               <a:t>조건부 확률</a:t>
             </a:r>
-            <a:endParaRPr lang="en-US" altLang="ko-KR" b="1" dirty="0" smtClean="0"/>
+            <a:endParaRPr lang="en-US" altLang="ko-KR" b="1" dirty="0"/>
           </a:p>
           <a:p>
             <a:pPr marL="742950" lvl="1" indent="-285750">
@@ -16830,7 +16738,7 @@
               <a:buChar char="•"/>
             </a:pPr>
             <a:r>
-              <a:rPr lang="ko-KR" altLang="en-US" dirty="0" smtClean="0"/>
+              <a:rPr lang="ko-KR" altLang="en-US" dirty="0"/>
               <a:t>사건 </a:t>
             </a:r>
             <a:r>
@@ -16838,26 +16746,26 @@
               <a:t>A</a:t>
             </a:r>
             <a:r>
-              <a:rPr lang="ko-KR" altLang="en-US" dirty="0" smtClean="0"/>
+              <a:rPr lang="ko-KR" altLang="en-US" dirty="0"/>
               <a:t>가 발생했을  때</a:t>
             </a:r>
             <a:r>
-              <a:rPr lang="en-US" altLang="ko-KR" dirty="0" smtClean="0"/>
+              <a:rPr lang="en-US" altLang="ko-KR" dirty="0"/>
               <a:t>, </a:t>
             </a:r>
             <a:r>
-              <a:rPr lang="ko-KR" altLang="en-US" dirty="0" smtClean="0"/>
+              <a:rPr lang="ko-KR" altLang="en-US" dirty="0"/>
               <a:t>사건</a:t>
             </a:r>
             <a:r>
-              <a:rPr lang="en-US" altLang="ko-KR" dirty="0" smtClean="0"/>
+              <a:rPr lang="en-US" altLang="ko-KR" dirty="0"/>
               <a:t> B</a:t>
             </a:r>
             <a:r>
-              <a:rPr lang="ko-KR" altLang="en-US" dirty="0" smtClean="0"/>
+              <a:rPr lang="ko-KR" altLang="en-US" dirty="0"/>
               <a:t>가 발생할 확률</a:t>
             </a:r>
-            <a:endParaRPr lang="en-US" altLang="ko-KR" dirty="0" smtClean="0"/>
+            <a:endParaRPr lang="en-US" altLang="ko-KR" dirty="0"/>
           </a:p>
           <a:p>
             <a:pPr marL="742950" lvl="1" indent="-285750">
@@ -16881,7 +16789,6 @@
               <a:rPr lang="en-US" altLang="ko-KR" dirty="0"/>
               <a:t> </a:t>
             </a:r>
-            <a:endParaRPr lang="en-US" altLang="ko-KR" dirty="0" smtClean="0"/>
           </a:p>
         </p:txBody>
       </p:sp>
@@ -17091,7 +16998,7 @@
                   <a:lstStyle/>
                   <a:p>
                     <a:r>
-                      <a:rPr lang="en-US" altLang="ko-KR" sz="3000" b="1" dirty="0" smtClean="0">
+                      <a:rPr lang="en-US" altLang="ko-KR" sz="3000" b="1" dirty="0">
                         <a:solidFill>
                           <a:schemeClr val="accent6">
                             <a:lumMod val="50000"/>
@@ -17194,7 +17101,7 @@
                   <a:lstStyle/>
                   <a:p>
                     <a:r>
-                      <a:rPr lang="en-US" altLang="ko-KR" sz="3000" b="1" dirty="0" smtClean="0">
+                      <a:rPr lang="en-US" altLang="ko-KR" sz="3000" b="1" dirty="0">
                         <a:solidFill>
                           <a:schemeClr val="accent5"/>
                         </a:solidFill>
@@ -17378,34 +17285,13 @@
                 </a:lnSpc>
               </a:pPr>
               <a:r>
-                <a:rPr lang="en-US" altLang="ko-KR" sz="2000" b="1" dirty="0" smtClean="0">
-                  <a:solidFill>
-                    <a:prstClr val="black"/>
-                  </a:solidFill>
-                </a:rPr>
-                <a:t>A</a:t>
-              </a:r>
-              <a:r>
                 <a:rPr lang="en-US" altLang="ko-KR" sz="2000" b="1" dirty="0">
                   <a:solidFill>
                     <a:prstClr val="black"/>
                   </a:solidFill>
                 </a:rPr>
-                <a:t>∩</a:t>
+                <a:t>A∩B</a:t>
               </a:r>
-              <a:r>
-                <a:rPr lang="en-US" altLang="ko-KR" sz="2000" b="1" dirty="0" smtClean="0">
-                  <a:solidFill>
-                    <a:prstClr val="black"/>
-                  </a:solidFill>
-                </a:rPr>
-                <a:t>B</a:t>
-              </a:r>
-              <a:endParaRPr lang="en-US" altLang="ko-KR" sz="2000" b="1" dirty="0">
-                <a:solidFill>
-                  <a:prstClr val="black"/>
-                </a:solidFill>
-              </a:endParaRPr>
             </a:p>
           </p:txBody>
         </p:sp>
@@ -17452,13 +17338,6 @@
   <p:transition spd="med">
     <p:fade thruBlk="1"/>
   </p:transition>
-  <p:timing>
-    <p:tnLst>
-      <p:par>
-        <p:cTn id="1" dur="indefinite" restart="never" nodeType="tmRoot"/>
-      </p:par>
-    </p:tnLst>
-  </p:timing>
 </p:sld>
 </file>
 
@@ -17686,7 +17565,7 @@
           <a:lstStyle/>
           <a:p>
             <a:r>
-              <a:rPr lang="ko-KR" altLang="en-US" sz="2800" b="1" dirty="0" smtClean="0">
+              <a:rPr lang="ko-KR" altLang="en-US" sz="2800" b="1" dirty="0">
                 <a:solidFill>
                   <a:schemeClr val="dk1"/>
                 </a:solidFill>
@@ -17698,7 +17577,7 @@
               <a:t>확률 이론 </a:t>
             </a:r>
             <a:r>
-              <a:rPr lang="en-US" altLang="ko-KR" sz="2800" b="1" dirty="0" smtClean="0">
+              <a:rPr lang="en-US" altLang="ko-KR" sz="2800" b="1" dirty="0">
                 <a:solidFill>
                   <a:schemeClr val="dk1"/>
                 </a:solidFill>
@@ -17710,7 +17589,7 @@
               <a:t>-</a:t>
             </a:r>
             <a:r>
-              <a:rPr lang="ko-KR" altLang="en-US" sz="2800" b="1" dirty="0" smtClean="0">
+              <a:rPr lang="ko-KR" altLang="en-US" sz="2800" b="1" dirty="0">
                 <a:solidFill>
                   <a:schemeClr val="dk1"/>
                 </a:solidFill>
@@ -17759,7 +17638,7 @@
           <a:lstStyle/>
           <a:p>
             <a:r>
-              <a:rPr lang="en-US" sz="2400" b="1" dirty="0" smtClean="0">
+              <a:rPr lang="en-US" sz="2400" b="1" dirty="0">
                 <a:solidFill>
                   <a:schemeClr val="lt1"/>
                 </a:solidFill>
@@ -17858,10 +17737,10 @@
                     <a:buChar char="ü"/>
                   </a:pPr>
                   <a:r>
-                    <a:rPr lang="ko-KR" altLang="en-US" b="1" dirty="0" smtClean="0"/>
+                    <a:rPr lang="ko-KR" altLang="en-US" b="1" dirty="0"/>
                     <a:t>확률변수</a:t>
                   </a:r>
-                  <a:endParaRPr lang="en-US" altLang="ko-KR" b="1" dirty="0" smtClean="0"/>
+                  <a:endParaRPr lang="en-US" altLang="ko-KR" b="1" dirty="0"/>
                 </a:p>
                 <a:p>
                   <a:pPr marL="742950" lvl="1" indent="-285750">
@@ -17965,13 +17844,7 @@
                     <a:rPr lang="en-US" altLang="ko-KR" dirty="0">
                       <a:latin typeface="Sylfaen" panose="010A0502050306030303" pitchFamily="18" charset="0"/>
                     </a:rPr>
-                    <a:t>f(1) = P(X = 1) = P({(H,T),(T,H)}) = </a:t>
-                  </a:r>
-                  <a:r>
-                    <a:rPr lang="en-US" altLang="ko-KR" dirty="0" smtClean="0">
-                      <a:latin typeface="Sylfaen" panose="010A0502050306030303" pitchFamily="18" charset="0"/>
-                    </a:rPr>
-                    <a:t> </a:t>
+                    <a:t>f(1) = P(X = 1) = P({(H,T),(T,H)}) =  </a:t>
                   </a:r>
                   <a14:m>
                     <m:oMath xmlns:m="http://schemas.openxmlformats.org/officeDocument/2006/math">
@@ -18003,7 +17876,7 @@
                     </m:oMath>
                   </a14:m>
                   <a:r>
-                    <a:rPr lang="en-US" altLang="ko-KR" dirty="0" smtClean="0">
+                    <a:rPr lang="en-US" altLang="ko-KR" dirty="0">
                       <a:latin typeface="Cambria Math" panose="02040503050406030204" pitchFamily="18" charset="0"/>
                     </a:rPr>
                     <a:t>  = </a:t>
@@ -18037,7 +17910,7 @@
                       </m:f>
                     </m:oMath>
                   </a14:m>
-                  <a:endParaRPr lang="en-US" altLang="ko-KR" b="1" dirty="0" smtClean="0"/>
+                  <a:endParaRPr lang="en-US" altLang="ko-KR" b="1" dirty="0"/>
                 </a:p>
                 <a:p>
                   <a:pPr marL="285750" indent="-285750">
@@ -18048,14 +17921,14 @@
                     <a:buChar char="ü"/>
                   </a:pPr>
                   <a:r>
-                    <a:rPr lang="ko-KR" altLang="en-US" b="1" dirty="0" smtClean="0"/>
+                    <a:rPr lang="ko-KR" altLang="en-US" b="1" dirty="0"/>
                     <a:t>확률변수의 </a:t>
                   </a:r>
                   <a:r>
-                    <a:rPr lang="ko-KR" altLang="en-US" b="1" dirty="0" err="1" smtClean="0"/>
+                    <a:rPr lang="ko-KR" altLang="en-US" b="1" dirty="0" err="1"/>
                     <a:t>기대값</a:t>
                   </a:r>
-                  <a:endParaRPr lang="en-US" altLang="ko-KR" b="1" dirty="0" smtClean="0"/>
+                  <a:endParaRPr lang="en-US" altLang="ko-KR" b="1" dirty="0"/>
                 </a:p>
                 <a:p>
                   <a:pPr marL="742950" lvl="1" indent="-285750">
@@ -18066,19 +17939,19 @@
                     <a:buChar char="•"/>
                   </a:pPr>
                   <a:r>
-                    <a:rPr lang="ko-KR" altLang="en-US" dirty="0" smtClean="0"/>
+                    <a:rPr lang="ko-KR" altLang="en-US" dirty="0"/>
                     <a:t>확률변수의 평균 </a:t>
                   </a:r>
                   <a:r>
-                    <a:rPr lang="en-US" altLang="ko-KR" dirty="0" smtClean="0"/>
+                    <a:rPr lang="en-US" altLang="ko-KR" dirty="0"/>
                     <a:t>(</a:t>
                   </a:r>
                   <a:r>
-                    <a:rPr lang="ko-KR" altLang="en-US" dirty="0" smtClean="0"/>
+                    <a:rPr lang="ko-KR" altLang="en-US" dirty="0"/>
                     <a:t>중심 경향 값</a:t>
                   </a:r>
                   <a:r>
-                    <a:rPr lang="en-US" altLang="ko-KR" dirty="0" smtClean="0"/>
+                    <a:rPr lang="en-US" altLang="ko-KR" dirty="0"/>
                     <a:t>)</a:t>
                   </a:r>
                 </a:p>
@@ -18094,7 +17967,6 @@
                     <a:rPr lang="en-US" altLang="ko-KR" dirty="0"/>
                     <a:t> </a:t>
                   </a:r>
-                  <a:endParaRPr lang="en-US" altLang="ko-KR" dirty="0" smtClean="0"/>
                 </a:p>
                 <a:p>
                   <a:pPr lvl="1">
@@ -18102,7 +17974,7 @@
                       <a:spcPct val="150000"/>
                     </a:lnSpc>
                   </a:pPr>
-                  <a:endParaRPr lang="en-US" altLang="ko-KR" dirty="0" smtClean="0"/>
+                  <a:endParaRPr lang="en-US" altLang="ko-KR" dirty="0"/>
                 </a:p>
                 <a:p>
                   <a:pPr marL="285750" indent="-285750">
@@ -18113,10 +17985,10 @@
                     <a:buChar char="ü"/>
                   </a:pPr>
                   <a:r>
-                    <a:rPr lang="ko-KR" altLang="en-US" b="1" dirty="0" smtClean="0"/>
+                    <a:rPr lang="ko-KR" altLang="en-US" b="1" dirty="0"/>
                     <a:t>확률변수의 분산</a:t>
                   </a:r>
-                  <a:endParaRPr lang="en-US" altLang="ko-KR" b="1" dirty="0" smtClean="0"/>
+                  <a:endParaRPr lang="en-US" altLang="ko-KR" b="1" dirty="0"/>
                 </a:p>
                 <a:p>
                   <a:pPr marL="742950" lvl="1" indent="-285750">
@@ -18130,7 +18002,6 @@
                     <a:rPr lang="en-US" altLang="ko-KR" b="1" dirty="0"/>
                     <a:t> </a:t>
                   </a:r>
-                  <a:endParaRPr lang="en-US" altLang="ko-KR" b="1" dirty="0" smtClean="0"/>
                 </a:p>
               </p:txBody>
             </p:sp>
@@ -18281,13 +18152,6 @@
   <p:transition spd="med">
     <p:fade thruBlk="1"/>
   </p:transition>
-  <p:timing>
-    <p:tnLst>
-      <p:par>
-        <p:cTn id="1" dur="indefinite" restart="never" nodeType="tmRoot"/>
-      </p:par>
-    </p:tnLst>
-  </p:timing>
 </p:sld>
 </file>
 
@@ -18515,7 +18379,7 @@
           <a:lstStyle/>
           <a:p>
             <a:r>
-              <a:rPr lang="ko-KR" altLang="en-US" sz="2800" b="1" dirty="0" smtClean="0">
+              <a:rPr lang="ko-KR" altLang="en-US" sz="2800" b="1" dirty="0">
                 <a:solidFill>
                   <a:schemeClr val="dk1"/>
                 </a:solidFill>
@@ -18564,7 +18428,7 @@
           <a:lstStyle/>
           <a:p>
             <a:r>
-              <a:rPr lang="en-US" sz="2400" b="1" dirty="0" smtClean="0">
+              <a:rPr lang="en-US" sz="2400" b="1" dirty="0">
                 <a:solidFill>
                   <a:schemeClr val="lt1"/>
                 </a:solidFill>
@@ -18647,10 +18511,10 @@
               <a:buChar char="ü"/>
             </a:pPr>
             <a:r>
-              <a:rPr lang="ko-KR" altLang="en-US" sz="1700" b="1" dirty="0" smtClean="0"/>
+              <a:rPr lang="ko-KR" altLang="en-US" sz="1700" b="1" dirty="0"/>
               <a:t>공분산</a:t>
             </a:r>
-            <a:endParaRPr lang="en-US" altLang="ko-KR" sz="1700" b="1" dirty="0" smtClean="0"/>
+            <a:endParaRPr lang="en-US" altLang="ko-KR" sz="1700" b="1" dirty="0"/>
           </a:p>
           <a:p>
             <a:pPr marL="742950" lvl="1" indent="-285750">
@@ -18661,42 +18525,29 @@
               <a:buChar char="•"/>
             </a:pPr>
             <a:r>
-              <a:rPr lang="ko-KR" altLang="en-US" sz="1700" dirty="0" smtClean="0"/>
+              <a:rPr lang="ko-KR" altLang="en-US" sz="1700" dirty="0"/>
               <a:t>두 변수</a:t>
             </a:r>
             <a:r>
               <a:rPr lang="en-US" altLang="ko-KR" sz="1700" dirty="0"/>
-              <a:t>(x, y</a:t>
-            </a:r>
-            <a:r>
-              <a:rPr lang="en-US" altLang="ko-KR" sz="1700" dirty="0" smtClean="0"/>
-              <a:t>)</a:t>
-            </a:r>
-            <a:r>
-              <a:rPr lang="ko-KR" altLang="en-US" sz="1700" dirty="0" smtClean="0"/>
+              <a:t>(x, y)</a:t>
+            </a:r>
+            <a:r>
+              <a:rPr lang="ko-KR" altLang="en-US" sz="1700" dirty="0"/>
               <a:t>의 어떤 관계를 가지고 변화하는 측도를 나타낸다</a:t>
             </a:r>
             <a:r>
-              <a:rPr lang="en-US" altLang="ko-KR" sz="1700" dirty="0" smtClean="0"/>
+              <a:rPr lang="en-US" altLang="ko-KR" sz="1700" dirty="0"/>
               <a:t>. (</a:t>
             </a:r>
             <a:r>
-              <a:rPr lang="ko-KR" altLang="en-US" sz="1700" dirty="0" smtClean="0"/>
-              <a:t>두 변수의 선형 </a:t>
-            </a:r>
-            <a:r>
               <a:rPr lang="ko-KR" altLang="en-US" sz="1700" dirty="0"/>
-              <a:t>관계를 </a:t>
-            </a:r>
-            <a:r>
-              <a:rPr lang="ko-KR" altLang="en-US" sz="1700" dirty="0" smtClean="0"/>
-              <a:t>나타낸다</a:t>
+              <a:t>두 변수의 선형 관계를 나타낸다</a:t>
             </a:r>
             <a:r>
               <a:rPr lang="en-US" altLang="ko-KR" sz="1700" dirty="0"/>
               <a:t>)</a:t>
             </a:r>
-            <a:endParaRPr lang="en-US" altLang="ko-KR" sz="1700" dirty="0" smtClean="0"/>
           </a:p>
           <a:p>
             <a:pPr marL="742950" lvl="1" indent="-285750">
@@ -18707,11 +18558,11 @@
               <a:buChar char="•"/>
             </a:pPr>
             <a:r>
-              <a:rPr lang="ko-KR" altLang="en-US" sz="1700" dirty="0" smtClean="0"/>
+              <a:rPr lang="ko-KR" altLang="en-US" sz="1700" dirty="0"/>
               <a:t>공분산이 양수이면 두 변수가 같은 방향이고 음수일 경우 서로 다른 방향임을 뜻한다</a:t>
             </a:r>
             <a:r>
-              <a:rPr lang="en-US" altLang="ko-KR" sz="1700" dirty="0" smtClean="0"/>
+              <a:rPr lang="en-US" altLang="ko-KR" sz="1700" dirty="0"/>
               <a:t>. </a:t>
             </a:r>
           </a:p>
@@ -18724,35 +18575,35 @@
               <a:buChar char="•"/>
             </a:pPr>
             <a:r>
-              <a:rPr lang="ko-KR" altLang="en-US" sz="1700" dirty="0" smtClean="0"/>
+              <a:rPr lang="ko-KR" altLang="en-US" sz="1700" dirty="0"/>
               <a:t>공분산이 </a:t>
             </a:r>
             <a:r>
-              <a:rPr lang="en-US" altLang="ko-KR" sz="1700" dirty="0" smtClean="0"/>
+              <a:rPr lang="en-US" altLang="ko-KR" sz="1700" dirty="0"/>
               <a:t>0</a:t>
             </a:r>
             <a:r>
-              <a:rPr lang="ko-KR" altLang="en-US" sz="1700" dirty="0" smtClean="0"/>
+              <a:rPr lang="ko-KR" altLang="en-US" sz="1700" dirty="0"/>
               <a:t>이면 서로가 독립</a:t>
             </a:r>
             <a:r>
-              <a:rPr lang="en-US" altLang="ko-KR" sz="1700" dirty="0" smtClean="0"/>
+              <a:rPr lang="en-US" altLang="ko-KR" sz="1700" dirty="0"/>
               <a:t>(</a:t>
             </a:r>
             <a:r>
-              <a:rPr lang="ko-KR" altLang="en-US" sz="1700" dirty="0" smtClean="0"/>
+              <a:rPr lang="ko-KR" altLang="en-US" sz="1700" dirty="0"/>
               <a:t>관계가 없음</a:t>
             </a:r>
             <a:r>
-              <a:rPr lang="en-US" altLang="ko-KR" sz="1700" dirty="0" smtClean="0"/>
+              <a:rPr lang="en-US" altLang="ko-KR" sz="1700" dirty="0"/>
               <a:t>)</a:t>
             </a:r>
             <a:r>
-              <a:rPr lang="ko-KR" altLang="en-US" sz="1700" dirty="0" smtClean="0"/>
+              <a:rPr lang="ko-KR" altLang="en-US" sz="1700" dirty="0"/>
               <a:t>을 의미한다</a:t>
             </a:r>
             <a:r>
-              <a:rPr lang="en-US" altLang="ko-KR" sz="1700" dirty="0" smtClean="0"/>
+              <a:rPr lang="en-US" altLang="ko-KR" sz="1700" dirty="0"/>
               <a:t>. </a:t>
             </a:r>
           </a:p>
@@ -18768,7 +18619,6 @@
               <a:rPr lang="en-US" altLang="ko-KR" sz="1700" dirty="0"/>
               <a:t> </a:t>
             </a:r>
-            <a:endParaRPr lang="en-US" altLang="ko-KR" sz="1700" dirty="0" smtClean="0"/>
           </a:p>
           <a:p>
             <a:pPr marL="742950" lvl="1" indent="-285750">
@@ -18789,10 +18639,10 @@
               <a:buChar char="ü"/>
             </a:pPr>
             <a:r>
-              <a:rPr lang="ko-KR" altLang="en-US" sz="1700" b="1" dirty="0" smtClean="0"/>
+              <a:rPr lang="ko-KR" altLang="en-US" sz="1700" b="1" dirty="0"/>
               <a:t>상관계수</a:t>
             </a:r>
-            <a:endParaRPr lang="en-US" altLang="ko-KR" sz="1700" b="1" dirty="0" smtClean="0"/>
+            <a:endParaRPr lang="en-US" altLang="ko-KR" sz="1700" b="1" dirty="0"/>
           </a:p>
           <a:p>
             <a:pPr marL="742950" lvl="1" indent="-285750">
@@ -18803,27 +18653,27 @@
               <a:buChar char="•"/>
             </a:pPr>
             <a:r>
-              <a:rPr lang="ko-KR" altLang="en-US" sz="1700" dirty="0" smtClean="0"/>
+              <a:rPr lang="ko-KR" altLang="en-US" sz="1700" dirty="0"/>
               <a:t>공분산의 단위 크기</a:t>
             </a:r>
             <a:r>
-              <a:rPr lang="en-US" altLang="ko-KR" sz="1700" dirty="0" smtClean="0"/>
+              <a:rPr lang="en-US" altLang="ko-KR" sz="1700" dirty="0"/>
               <a:t>(</a:t>
             </a:r>
             <a:r>
-              <a:rPr lang="ko-KR" altLang="en-US" sz="1700" dirty="0" smtClean="0"/>
+              <a:rPr lang="ko-KR" altLang="en-US" sz="1700" dirty="0"/>
               <a:t>부호가 아닌 수치</a:t>
             </a:r>
             <a:r>
-              <a:rPr lang="en-US" altLang="ko-KR" sz="1700" dirty="0" smtClean="0"/>
+              <a:rPr lang="en-US" altLang="ko-KR" sz="1700" dirty="0"/>
               <a:t>)</a:t>
             </a:r>
             <a:r>
-              <a:rPr lang="ko-KR" altLang="en-US" sz="1700" dirty="0" smtClean="0"/>
+              <a:rPr lang="ko-KR" altLang="en-US" sz="1700" dirty="0"/>
               <a:t>에 영향을 받는다</a:t>
             </a:r>
             <a:r>
-              <a:rPr lang="en-US" altLang="ko-KR" sz="1700" dirty="0" smtClean="0"/>
+              <a:rPr lang="en-US" altLang="ko-KR" sz="1700" dirty="0"/>
               <a:t>. </a:t>
             </a:r>
           </a:p>
@@ -18836,31 +18686,31 @@
               <a:buChar char="•"/>
             </a:pPr>
             <a:r>
-              <a:rPr lang="en-US" altLang="ko-KR" sz="1700" dirty="0" smtClean="0"/>
+              <a:rPr lang="en-US" altLang="ko-KR" sz="1700" dirty="0"/>
               <a:t>-1</a:t>
             </a:r>
             <a:r>
-              <a:rPr lang="ko-KR" altLang="en-US" sz="1700" dirty="0" smtClean="0"/>
+              <a:rPr lang="ko-KR" altLang="en-US" sz="1700" dirty="0"/>
               <a:t>과 </a:t>
             </a:r>
             <a:r>
-              <a:rPr lang="en-US" altLang="ko-KR" sz="1700" dirty="0" smtClean="0"/>
+              <a:rPr lang="en-US" altLang="ko-KR" sz="1700" dirty="0"/>
               <a:t>1</a:t>
             </a:r>
             <a:r>
-              <a:rPr lang="ko-KR" altLang="en-US" sz="1700" dirty="0" smtClean="0"/>
+              <a:rPr lang="ko-KR" altLang="en-US" sz="1700" dirty="0"/>
               <a:t>에 가까워 질 수 록 서로 같은 방향으로 같이 움직이는 것을 뜻하고</a:t>
             </a:r>
             <a:r>
-              <a:rPr lang="en-US" altLang="ko-KR" sz="1700" dirty="0" smtClean="0"/>
+              <a:rPr lang="en-US" altLang="ko-KR" sz="1700" dirty="0"/>
               <a:t>,</a:t>
             </a:r>
             <a:r>
-              <a:rPr lang="ko-KR" altLang="en-US" sz="1700" dirty="0" smtClean="0"/>
+              <a:rPr lang="ko-KR" altLang="en-US" sz="1700" dirty="0"/>
               <a:t> 또 두 변수 사이에 관계가 크다라는 것을 의미한다</a:t>
             </a:r>
             <a:r>
-              <a:rPr lang="en-US" altLang="ko-KR" sz="1700" dirty="0" smtClean="0"/>
+              <a:rPr lang="en-US" altLang="ko-KR" sz="1700" dirty="0"/>
               <a:t>. </a:t>
             </a:r>
           </a:p>
@@ -18873,31 +18723,31 @@
               <a:buChar char="•"/>
             </a:pPr>
             <a:r>
-              <a:rPr lang="en-US" altLang="ko-KR" sz="1700" dirty="0" smtClean="0"/>
+              <a:rPr lang="en-US" altLang="ko-KR" sz="1700" dirty="0"/>
               <a:t>0 </a:t>
             </a:r>
             <a:r>
-              <a:rPr lang="ko-KR" altLang="en-US" sz="1700" dirty="0" smtClean="0"/>
+              <a:rPr lang="ko-KR" altLang="en-US" sz="1700" dirty="0"/>
               <a:t>에 가까울 수 록 두 변수의 관계가 작다 라는 것을 의미한다</a:t>
             </a:r>
             <a:r>
-              <a:rPr lang="en-US" altLang="ko-KR" sz="1700" dirty="0" smtClean="0"/>
+              <a:rPr lang="en-US" altLang="ko-KR" sz="1700" dirty="0"/>
               <a:t>. (</a:t>
             </a:r>
             <a:r>
-              <a:rPr lang="ko-KR" altLang="en-US" sz="1700" dirty="0" smtClean="0"/>
+              <a:rPr lang="ko-KR" altLang="en-US" sz="1700" dirty="0"/>
               <a:t>정규 분포일 경우에 상관계수가 </a:t>
             </a:r>
             <a:r>
-              <a:rPr lang="en-US" altLang="ko-KR" sz="1700" dirty="0" smtClean="0"/>
+              <a:rPr lang="en-US" altLang="ko-KR" sz="1700" dirty="0"/>
               <a:t>0</a:t>
             </a:r>
             <a:r>
-              <a:rPr lang="ko-KR" altLang="en-US" sz="1700" dirty="0" smtClean="0"/>
+              <a:rPr lang="ko-KR" altLang="en-US" sz="1700" dirty="0"/>
               <a:t>이면 두 변수가 서로 독립 임을 뜻한다</a:t>
             </a:r>
             <a:r>
-              <a:rPr lang="en-US" altLang="ko-KR" sz="1700" dirty="0" smtClean="0"/>
+              <a:rPr lang="en-US" altLang="ko-KR" sz="1700" dirty="0"/>
               <a:t>)</a:t>
             </a:r>
           </a:p>
@@ -18910,7 +18760,7 @@
               <a:buChar char="•"/>
             </a:pPr>
             <a:r>
-              <a:rPr lang="en-US" altLang="ko-KR" sz="1700" dirty="0" smtClean="0"/>
+              <a:rPr lang="en-US" altLang="ko-KR" sz="1700" dirty="0"/>
               <a:t> </a:t>
             </a:r>
           </a:p>
@@ -18989,13 +18839,6 @@
   <p:transition spd="med">
     <p:fade thruBlk="1"/>
   </p:transition>
-  <p:timing>
-    <p:tnLst>
-      <p:par>
-        <p:cTn id="1" dur="indefinite" restart="never" nodeType="tmRoot"/>
-      </p:par>
-    </p:tnLst>
-  </p:timing>
 </p:sld>
 </file>
 
@@ -19223,7 +19066,7 @@
           <a:lstStyle/>
           <a:p>
             <a:r>
-              <a:rPr lang="ko-KR" altLang="en-US" sz="2800" b="1" dirty="0" smtClean="0">
+              <a:rPr lang="ko-KR" altLang="en-US" sz="2800" b="1" dirty="0">
                 <a:solidFill>
                   <a:schemeClr val="dk1"/>
                 </a:solidFill>
@@ -19235,7 +19078,7 @@
               <a:t>확률 이론 </a:t>
             </a:r>
             <a:r>
-              <a:rPr lang="en-US" altLang="ko-KR" sz="2800" b="1" dirty="0" smtClean="0">
+              <a:rPr lang="en-US" altLang="ko-KR" sz="2800" b="1" dirty="0">
                 <a:solidFill>
                   <a:schemeClr val="dk1"/>
                 </a:solidFill>
@@ -19247,7 +19090,7 @@
               <a:t>– </a:t>
             </a:r>
             <a:r>
-              <a:rPr lang="ko-KR" altLang="en-US" sz="2800" b="1" dirty="0" err="1" smtClean="0">
+              <a:rPr lang="ko-KR" altLang="en-US" sz="2800" b="1" dirty="0" err="1">
                 <a:solidFill>
                   <a:schemeClr val="dk1"/>
                 </a:solidFill>
@@ -19259,7 +19102,7 @@
               <a:t>연속형</a:t>
             </a:r>
             <a:r>
-              <a:rPr lang="ko-KR" altLang="en-US" sz="2800" b="1" dirty="0" smtClean="0">
+              <a:rPr lang="ko-KR" altLang="en-US" sz="2800" b="1" dirty="0">
                 <a:solidFill>
                   <a:schemeClr val="dk1"/>
                 </a:solidFill>
@@ -19308,7 +19151,7 @@
           <a:lstStyle/>
           <a:p>
             <a:r>
-              <a:rPr lang="en-US" sz="2400" b="1" dirty="0" smtClean="0">
+              <a:rPr lang="en-US" sz="2400" b="1" dirty="0">
                 <a:solidFill>
                   <a:schemeClr val="lt1"/>
                 </a:solidFill>
@@ -19388,10 +19231,10 @@
               <a:buChar char="ü"/>
             </a:pPr>
             <a:r>
-              <a:rPr lang="ko-KR" altLang="en-US" sz="2000" b="1" dirty="0" smtClean="0"/>
+              <a:rPr lang="ko-KR" altLang="en-US" sz="2000" b="1" dirty="0"/>
               <a:t>정규분포</a:t>
             </a:r>
-            <a:endParaRPr lang="en-US" altLang="ko-KR" sz="2000" b="1" dirty="0" smtClean="0"/>
+            <a:endParaRPr lang="en-US" altLang="ko-KR" sz="2000" b="1" dirty="0"/>
           </a:p>
           <a:p>
             <a:pPr marL="742950" lvl="1" indent="-285750">
@@ -19406,7 +19249,7 @@
               <a:buChar char="•"/>
             </a:pPr>
             <a:r>
-              <a:rPr lang="en-US" altLang="ko-KR" sz="2000" b="1" dirty="0" smtClean="0"/>
+              <a:rPr lang="en-US" altLang="ko-KR" sz="2000" b="1" dirty="0"/>
               <a:t> </a:t>
             </a:r>
           </a:p>
@@ -19422,7 +19265,7 @@
               <a:buFont typeface="Wingdings" panose="05000000000000000000" pitchFamily="2" charset="2"/>
               <a:buChar char="ü"/>
             </a:pPr>
-            <a:endParaRPr lang="en-US" altLang="ko-KR" sz="2000" b="1" dirty="0" smtClean="0"/>
+            <a:endParaRPr lang="en-US" altLang="ko-KR" sz="2000" b="1" dirty="0"/>
           </a:p>
           <a:p>
             <a:pPr marL="285750" indent="-285750">
@@ -19436,7 +19279,7 @@
               <a:buFont typeface="Wingdings" panose="05000000000000000000" pitchFamily="2" charset="2"/>
               <a:buChar char="ü"/>
             </a:pPr>
-            <a:endParaRPr lang="en-US" altLang="ko-KR" sz="2000" b="1" dirty="0" smtClean="0"/>
+            <a:endParaRPr lang="en-US" altLang="ko-KR" sz="2000" b="1" dirty="0"/>
           </a:p>
           <a:p>
             <a:pPr marL="285750" indent="-285750">
@@ -19454,10 +19297,10 @@
               <a:buChar char="ü"/>
             </a:pPr>
             <a:r>
-              <a:rPr lang="ko-KR" altLang="en-US" sz="2000" b="1" dirty="0" smtClean="0"/>
+              <a:rPr lang="ko-KR" altLang="en-US" sz="2000" b="1" dirty="0"/>
               <a:t>표준정규분포</a:t>
             </a:r>
-            <a:endParaRPr lang="en-US" altLang="ko-KR" sz="2000" b="1" dirty="0" smtClean="0"/>
+            <a:endParaRPr lang="en-US" altLang="ko-KR" sz="2000" b="1" dirty="0"/>
           </a:p>
           <a:p>
             <a:pPr marL="742950" lvl="1" indent="-285750">
@@ -19468,26 +19311,26 @@
               <a:buChar char="•"/>
             </a:pPr>
             <a:r>
-              <a:rPr lang="ko-KR" altLang="en-US" dirty="0" smtClean="0"/>
+              <a:rPr lang="ko-KR" altLang="en-US" dirty="0"/>
               <a:t>평균이 </a:t>
             </a:r>
             <a:r>
-              <a:rPr lang="en-US" altLang="ko-KR" dirty="0" smtClean="0"/>
+              <a:rPr lang="en-US" altLang="ko-KR" dirty="0"/>
               <a:t>0, </a:t>
             </a:r>
             <a:r>
-              <a:rPr lang="ko-KR" altLang="en-US" dirty="0" smtClean="0"/>
+              <a:rPr lang="ko-KR" altLang="en-US" dirty="0"/>
               <a:t>분산이 </a:t>
             </a:r>
             <a:r>
-              <a:rPr lang="en-US" altLang="ko-KR" dirty="0" smtClean="0"/>
+              <a:rPr lang="en-US" altLang="ko-KR" dirty="0"/>
               <a:t>1</a:t>
             </a:r>
             <a:r>
-              <a:rPr lang="ko-KR" altLang="en-US" dirty="0" smtClean="0"/>
+              <a:rPr lang="ko-KR" altLang="en-US" dirty="0"/>
               <a:t>인 정규분포 </a:t>
             </a:r>
-            <a:endParaRPr lang="en-US" altLang="ko-KR" dirty="0" smtClean="0"/>
+            <a:endParaRPr lang="en-US" altLang="ko-KR" dirty="0"/>
           </a:p>
           <a:p>
             <a:endParaRPr lang="ko-KR" altLang="en-US" dirty="0"/>
@@ -19612,13 +19455,6 @@
   <p:transition spd="med">
     <p:fade thruBlk="1"/>
   </p:transition>
-  <p:timing>
-    <p:tnLst>
-      <p:par>
-        <p:cTn id="1" dur="indefinite" restart="never" nodeType="tmRoot"/>
-      </p:par>
-    </p:tnLst>
-  </p:timing>
 </p:sld>
 </file>
 
@@ -19846,7 +19682,7 @@
           <a:lstStyle/>
           <a:p>
             <a:r>
-              <a:rPr lang="ko-KR" altLang="en-US" sz="2800" b="1" dirty="0" smtClean="0">
+              <a:rPr lang="ko-KR" altLang="en-US" sz="2800" b="1" dirty="0">
                 <a:solidFill>
                   <a:schemeClr val="dk1"/>
                 </a:solidFill>
@@ -19858,7 +19694,7 @@
               <a:t>확률 이론 </a:t>
             </a:r>
             <a:r>
-              <a:rPr lang="en-US" altLang="ko-KR" sz="2800" b="1" dirty="0" smtClean="0">
+              <a:rPr lang="en-US" altLang="ko-KR" sz="2800" b="1" dirty="0">
                 <a:solidFill>
                   <a:schemeClr val="dk1"/>
                 </a:solidFill>
@@ -19870,7 +19706,7 @@
               <a:t>– </a:t>
             </a:r>
             <a:r>
-              <a:rPr lang="ko-KR" altLang="en-US" sz="2800" b="1" dirty="0" err="1" smtClean="0">
+              <a:rPr lang="ko-KR" altLang="en-US" sz="2800" b="1" dirty="0" err="1">
                 <a:solidFill>
                   <a:schemeClr val="dk1"/>
                 </a:solidFill>
@@ -19882,7 +19718,7 @@
               <a:t>연속형</a:t>
             </a:r>
             <a:r>
-              <a:rPr lang="ko-KR" altLang="en-US" sz="2800" b="1" dirty="0" smtClean="0">
+              <a:rPr lang="ko-KR" altLang="en-US" sz="2800" b="1" dirty="0">
                 <a:solidFill>
                   <a:schemeClr val="dk1"/>
                 </a:solidFill>
@@ -19931,7 +19767,7 @@
           <a:lstStyle/>
           <a:p>
             <a:r>
-              <a:rPr lang="en-US" sz="2400" b="1" dirty="0" smtClean="0">
+              <a:rPr lang="en-US" sz="2400" b="1" dirty="0">
                 <a:solidFill>
                   <a:schemeClr val="lt1"/>
                 </a:solidFill>
@@ -20028,15 +19864,15 @@
                 <a:buChar char="ü"/>
               </a:pPr>
               <a:r>
-                <a:rPr lang="ko-KR" altLang="en-US" dirty="0" err="1" smtClean="0"/>
+                <a:rPr lang="ko-KR" altLang="en-US" dirty="0" err="1"/>
                 <a:t>점추정</a:t>
               </a:r>
               <a:r>
-                <a:rPr lang="ko-KR" altLang="en-US" dirty="0" smtClean="0"/>
+                <a:rPr lang="ko-KR" altLang="en-US" dirty="0"/>
                 <a:t> </a:t>
               </a:r>
               <a:r>
-                <a:rPr lang="en-US" altLang="ko-KR" dirty="0" smtClean="0"/>
+                <a:rPr lang="en-US" altLang="ko-KR" dirty="0"/>
                 <a:t>(point estimation)</a:t>
               </a:r>
             </a:p>
@@ -20049,27 +19885,27 @@
                 <a:buChar char="•"/>
               </a:pPr>
               <a:r>
-                <a:rPr lang="ko-KR" altLang="en-US" dirty="0" smtClean="0"/>
+                <a:rPr lang="ko-KR" altLang="en-US" dirty="0"/>
                 <a:t>표본 평균과 표본 분산을 </a:t>
               </a:r>
               <a:r>
-                <a:rPr lang="ko-KR" altLang="en-US" dirty="0" err="1" smtClean="0"/>
+                <a:rPr lang="ko-KR" altLang="en-US" dirty="0" err="1"/>
                 <a:t>추정량으로</a:t>
               </a:r>
               <a:r>
-                <a:rPr lang="ko-KR" altLang="en-US" dirty="0" smtClean="0"/>
+                <a:rPr lang="ko-KR" altLang="en-US" dirty="0"/>
                 <a:t> 두고 </a:t>
               </a:r>
               <a:r>
-                <a:rPr lang="ko-KR" altLang="en-US" dirty="0" err="1" smtClean="0"/>
+                <a:rPr lang="ko-KR" altLang="en-US" dirty="0" err="1"/>
                 <a:t>모수를</a:t>
               </a:r>
               <a:r>
-                <a:rPr lang="ko-KR" altLang="en-US" dirty="0" smtClean="0"/>
+                <a:rPr lang="ko-KR" altLang="en-US" dirty="0"/>
                 <a:t> 추정한다</a:t>
               </a:r>
               <a:r>
-                <a:rPr lang="en-US" altLang="ko-KR" dirty="0" smtClean="0"/>
+                <a:rPr lang="en-US" altLang="ko-KR" dirty="0"/>
                 <a:t>.</a:t>
               </a:r>
             </a:p>
@@ -20082,13 +19918,13 @@
                 <a:buChar char="•"/>
               </a:pPr>
               <a:r>
-                <a:rPr lang="en-US" altLang="ko-KR" dirty="0" smtClean="0"/>
+                <a:rPr lang="en-US" altLang="ko-KR" dirty="0"/>
                 <a:t>         </a:t>
               </a:r>
             </a:p>
             <a:p>
               <a:pPr lvl="1"/>
-              <a:endParaRPr lang="en-US" altLang="ko-KR" dirty="0" smtClean="0"/>
+              <a:endParaRPr lang="en-US" altLang="ko-KR" dirty="0"/>
             </a:p>
             <a:p>
               <a:pPr marL="285750" indent="-285750">
@@ -20099,10 +19935,10 @@
                 <a:buChar char="ü"/>
               </a:pPr>
               <a:r>
-                <a:rPr lang="ko-KR" altLang="en-US" dirty="0" smtClean="0"/>
+                <a:rPr lang="ko-KR" altLang="en-US" dirty="0"/>
                 <a:t>구간 추정</a:t>
               </a:r>
-              <a:endParaRPr lang="en-US" altLang="ko-KR" dirty="0" smtClean="0"/>
+              <a:endParaRPr lang="en-US" altLang="ko-KR" dirty="0"/>
             </a:p>
             <a:p>
               <a:pPr marL="742950" lvl="1" indent="-285750">
@@ -20113,19 +19949,19 @@
                 <a:buChar char="•"/>
               </a:pPr>
               <a:r>
-                <a:rPr lang="ko-KR" altLang="en-US" dirty="0" err="1" smtClean="0"/>
+                <a:rPr lang="ko-KR" altLang="en-US" dirty="0" err="1"/>
                 <a:t>모수가</a:t>
               </a:r>
               <a:r>
-                <a:rPr lang="ko-KR" altLang="en-US" dirty="0" smtClean="0"/>
+                <a:rPr lang="ko-KR" altLang="en-US" dirty="0"/>
                 <a:t> 있을 일정 신뢰 수준을 정하고 </a:t>
               </a:r>
               <a:r>
-                <a:rPr lang="ko-KR" altLang="en-US" dirty="0" err="1" smtClean="0"/>
+                <a:rPr lang="ko-KR" altLang="en-US" dirty="0" err="1"/>
                 <a:t>모수가</a:t>
               </a:r>
               <a:r>
-                <a:rPr lang="ko-KR" altLang="en-US" dirty="0" smtClean="0"/>
+                <a:rPr lang="ko-KR" altLang="en-US" dirty="0"/>
                 <a:t> 실제 해당 구간에 있을 확률을 구한다</a:t>
               </a:r>
               <a:endParaRPr lang="en-US" altLang="ko-KR" dirty="0"/>
@@ -20139,26 +19975,18 @@
                 <a:buChar char="•"/>
               </a:pPr>
               <a:r>
-                <a:rPr lang="ko-KR" altLang="en-US" dirty="0" smtClean="0"/>
+                <a:rPr lang="ko-KR" altLang="en-US" dirty="0"/>
                 <a:t>신뢰 수준은 </a:t>
               </a:r>
               <a:r>
-                <a:rPr lang="en-US" altLang="ko-KR" dirty="0" smtClean="0"/>
-                <a:t>: </a:t>
-              </a:r>
-              <a:r>
                 <a:rPr lang="en-US" altLang="ko-KR" dirty="0"/>
-                <a:t>1</a:t>
-              </a:r>
-              <a:r>
-                <a:rPr lang="en-US" altLang="ko-KR" dirty="0" smtClean="0"/>
-                <a:t> - </a:t>
+                <a:t>: 1 - </a:t>
               </a:r>
               <a:r>
                 <a:rPr lang="el-GR" altLang="ko-KR" dirty="0"/>
                 <a:t>α</a:t>
               </a:r>
-              <a:endParaRPr lang="en-US" altLang="ko-KR" dirty="0" smtClean="0"/>
+              <a:endParaRPr lang="en-US" altLang="ko-KR" dirty="0"/>
             </a:p>
             <a:p>
               <a:pPr marL="742950" lvl="1" indent="-285750">
@@ -20387,10 +20215,9 @@
             <a:lstStyle/>
             <a:p>
               <a:r>
-                <a:rPr lang="ko-KR" altLang="en-US" dirty="0" smtClean="0"/>
+                <a:rPr lang="ko-KR" altLang="en-US" dirty="0"/>
                 <a:t>구간</a:t>
               </a:r>
-              <a:endParaRPr lang="ko-KR" altLang="en-US" dirty="0"/>
             </a:p>
           </p:txBody>
         </p:sp>
@@ -20450,14 +20277,14 @@
             <a:lstStyle/>
             <a:p>
               <a:r>
-                <a:rPr lang="el-GR" altLang="ko-KR" b="1" dirty="0" smtClean="0">
+                <a:rPr lang="el-GR" altLang="ko-KR" b="1" dirty="0">
                   <a:latin typeface="굴림" panose="020B0600000101010101" pitchFamily="50" charset="-127"/>
                   <a:ea typeface="굴림" panose="020B0600000101010101" pitchFamily="50" charset="-127"/>
                 </a:rPr>
                 <a:t>α</a:t>
               </a:r>
               <a:r>
-                <a:rPr lang="en-US" altLang="ko-KR" b="1" dirty="0" smtClean="0">
+                <a:rPr lang="en-US" altLang="ko-KR" b="1" dirty="0">
                   <a:latin typeface="굴림" panose="020B0600000101010101" pitchFamily="50" charset="-127"/>
                   <a:ea typeface="굴림" panose="020B0600000101010101" pitchFamily="50" charset="-127"/>
                 </a:rPr>
@@ -20490,14 +20317,14 @@
             <a:lstStyle/>
             <a:p>
               <a:r>
-                <a:rPr lang="el-GR" altLang="ko-KR" b="1" dirty="0" smtClean="0">
+                <a:rPr lang="el-GR" altLang="ko-KR" b="1" dirty="0">
                   <a:latin typeface="굴림" panose="020B0600000101010101" pitchFamily="50" charset="-127"/>
                   <a:ea typeface="굴림" panose="020B0600000101010101" pitchFamily="50" charset="-127"/>
                 </a:rPr>
                 <a:t>α</a:t>
               </a:r>
               <a:r>
-                <a:rPr lang="en-US" altLang="ko-KR" b="1" dirty="0" smtClean="0">
+                <a:rPr lang="en-US" altLang="ko-KR" b="1" dirty="0">
                   <a:latin typeface="굴림" panose="020B0600000101010101" pitchFamily="50" charset="-127"/>
                   <a:ea typeface="굴림" panose="020B0600000101010101" pitchFamily="50" charset="-127"/>
                 </a:rPr>
@@ -20554,13 +20381,6 @@
   <p:transition spd="med">
     <p:fade thruBlk="1"/>
   </p:transition>
-  <p:timing>
-    <p:tnLst>
-      <p:par>
-        <p:cTn id="1" dur="indefinite" restart="never" nodeType="tmRoot"/>
-      </p:par>
-    </p:tnLst>
-  </p:timing>
 </p:sld>
 </file>
 
@@ -20788,7 +20608,7 @@
           <a:lstStyle/>
           <a:p>
             <a:r>
-              <a:rPr lang="ko-KR" altLang="en-US" sz="2800" b="1" dirty="0" smtClean="0">
+              <a:rPr lang="ko-KR" altLang="en-US" sz="2800" b="1" dirty="0">
                 <a:solidFill>
                   <a:schemeClr val="dk1"/>
                 </a:solidFill>
@@ -20800,7 +20620,7 @@
               <a:t>연습문제 </a:t>
             </a:r>
             <a:r>
-              <a:rPr lang="en-US" altLang="ko-KR" sz="2800" b="1" dirty="0" smtClean="0">
+              <a:rPr lang="en-US" altLang="ko-KR" sz="2800" b="1" dirty="0">
                 <a:solidFill>
                   <a:schemeClr val="dk1"/>
                 </a:solidFill>
@@ -20812,7 +20632,7 @@
               <a:t>- </a:t>
             </a:r>
             <a:r>
-              <a:rPr lang="ko-KR" altLang="en-US" sz="2800" b="1" dirty="0" smtClean="0">
+              <a:rPr lang="ko-KR" altLang="en-US" sz="2800" b="1" dirty="0">
                 <a:solidFill>
                   <a:schemeClr val="dk1"/>
                 </a:solidFill>
@@ -20861,7 +20681,7 @@
           <a:lstStyle/>
           <a:p>
             <a:r>
-              <a:rPr lang="en-US" sz="2400" b="1" dirty="0" smtClean="0">
+              <a:rPr lang="en-US" sz="2400" b="1" dirty="0">
                 <a:solidFill>
                   <a:schemeClr val="lt1"/>
                 </a:solidFill>
@@ -20982,7 +20802,7 @@
                             </a:lnSpc>
                           </a:pPr>
                           <a:r>
-                            <a:rPr lang="en-US" altLang="ko-KR" i="1" dirty="0" smtClean="0"/>
+                            <a:rPr lang="en-US" altLang="ko-KR" i="1" dirty="0"/>
                             <a:t>X</a:t>
                           </a:r>
                           <a:endParaRPr lang="ko-KR" altLang="en-US" i="1" dirty="0"/>
@@ -21001,7 +20821,7 @@
                             </a:lnSpc>
                           </a:pPr>
                           <a:r>
-                            <a:rPr lang="en-US" altLang="ko-KR" dirty="0" smtClean="0"/>
+                            <a:rPr lang="en-US" altLang="ko-KR" dirty="0"/>
                             <a:t>1</a:t>
                           </a:r>
                           <a:endParaRPr lang="ko-KR" altLang="en-US" dirty="0"/>
@@ -21020,7 +20840,7 @@
                             </a:lnSpc>
                           </a:pPr>
                           <a:r>
-                            <a:rPr lang="en-US" altLang="ko-KR" dirty="0" smtClean="0"/>
+                            <a:rPr lang="en-US" altLang="ko-KR" dirty="0"/>
                             <a:t>2</a:t>
                           </a:r>
                           <a:endParaRPr lang="ko-KR" altLang="en-US" dirty="0"/>
@@ -21039,7 +20859,7 @@
                             </a:lnSpc>
                           </a:pPr>
                           <a:r>
-                            <a:rPr lang="en-US" altLang="ko-KR" dirty="0" smtClean="0"/>
+                            <a:rPr lang="en-US" altLang="ko-KR" dirty="0"/>
                             <a:t>3</a:t>
                           </a:r>
                           <a:endParaRPr lang="ko-KR" altLang="en-US" dirty="0"/>
@@ -21065,15 +20885,15 @@
                             </a:lnSpc>
                           </a:pPr>
                           <a:r>
-                            <a:rPr lang="en-US" altLang="ko-KR" dirty="0" smtClean="0"/>
+                            <a:rPr lang="en-US" altLang="ko-KR" dirty="0"/>
                             <a:t>P(</a:t>
                           </a:r>
                           <a:r>
-                            <a:rPr lang="en-US" altLang="ko-KR" i="1" dirty="0" smtClean="0"/>
+                            <a:rPr lang="en-US" altLang="ko-KR" i="1" dirty="0"/>
                             <a:t>X</a:t>
                           </a:r>
                           <a:r>
-                            <a:rPr lang="en-US" altLang="ko-KR" dirty="0" smtClean="0"/>
+                            <a:rPr lang="en-US" altLang="ko-KR" dirty="0"/>
                             <a:t> = xi)</a:t>
                           </a:r>
                           <a:endParaRPr lang="ko-KR" altLang="en-US" dirty="0"/>
@@ -21182,7 +21002,7 @@
                             </a:lnSpc>
                           </a:pPr>
                           <a:r>
-                            <a:rPr lang="en-US" altLang="ko-KR" dirty="0" smtClean="0"/>
+                            <a:rPr lang="en-US" altLang="ko-KR" dirty="0"/>
                             <a:t>a</a:t>
                           </a:r>
                           <a:endParaRPr lang="ko-KR" altLang="en-US" dirty="0"/>
@@ -21459,51 +21279,51 @@
               <a:buChar char="ü"/>
             </a:pPr>
             <a:r>
-              <a:rPr lang="ko-KR" altLang="en-US" dirty="0" smtClean="0"/>
+              <a:rPr lang="ko-KR" altLang="en-US" dirty="0"/>
               <a:t>확률 변수 </a:t>
             </a:r>
             <a:r>
-              <a:rPr lang="en-US" altLang="ko-KR" dirty="0" smtClean="0"/>
+              <a:rPr lang="en-US" altLang="ko-KR" dirty="0"/>
               <a:t>X</a:t>
             </a:r>
             <a:r>
-              <a:rPr lang="ko-KR" altLang="en-US" dirty="0" smtClean="0"/>
+              <a:rPr lang="ko-KR" altLang="en-US" dirty="0"/>
               <a:t>의 확률 분포가 다음 표와 같다</a:t>
             </a:r>
             <a:r>
-              <a:rPr lang="en-US" altLang="ko-KR" dirty="0" smtClean="0"/>
+              <a:rPr lang="en-US" altLang="ko-KR" dirty="0"/>
               <a:t>. </a:t>
             </a:r>
             <a:r>
-              <a:rPr lang="ko-KR" altLang="en-US" dirty="0" smtClean="0"/>
+              <a:rPr lang="ko-KR" altLang="en-US" dirty="0"/>
               <a:t>이 때 </a:t>
             </a:r>
             <a:r>
-              <a:rPr lang="en-US" altLang="ko-KR" dirty="0" smtClean="0"/>
+              <a:rPr lang="en-US" altLang="ko-KR" dirty="0"/>
               <a:t>a</a:t>
             </a:r>
             <a:r>
-              <a:rPr lang="ko-KR" altLang="en-US" dirty="0" smtClean="0"/>
+              <a:rPr lang="ko-KR" altLang="en-US" dirty="0"/>
               <a:t>의 값</a:t>
             </a:r>
             <a:r>
-              <a:rPr lang="en-US" altLang="ko-KR" dirty="0" smtClean="0"/>
+              <a:rPr lang="en-US" altLang="ko-KR" dirty="0"/>
               <a:t>, </a:t>
             </a:r>
             <a:r>
-              <a:rPr lang="ko-KR" altLang="en-US" dirty="0" smtClean="0"/>
+              <a:rPr lang="ko-KR" altLang="en-US" dirty="0"/>
               <a:t>평균</a:t>
             </a:r>
             <a:r>
-              <a:rPr lang="en-US" altLang="ko-KR" dirty="0" smtClean="0"/>
+              <a:rPr lang="en-US" altLang="ko-KR" dirty="0"/>
               <a:t>, </a:t>
             </a:r>
             <a:r>
-              <a:rPr lang="ko-KR" altLang="en-US" dirty="0" smtClean="0"/>
+              <a:rPr lang="ko-KR" altLang="en-US" dirty="0"/>
               <a:t>그리고 표준편차를 구해봅시다</a:t>
             </a:r>
             <a:r>
-              <a:rPr lang="en-US" altLang="ko-KR" dirty="0" smtClean="0"/>
+              <a:rPr lang="en-US" altLang="ko-KR" dirty="0"/>
               <a:t>. </a:t>
             </a:r>
             <a:endParaRPr lang="ko-KR" altLang="en-US" dirty="0"/>
@@ -21523,13 +21343,6 @@
   <p:transition spd="med">
     <p:fade thruBlk="1"/>
   </p:transition>
-  <p:timing>
-    <p:tnLst>
-      <p:par>
-        <p:cTn id="1" dur="indefinite" restart="never" nodeType="tmRoot"/>
-      </p:par>
-    </p:tnLst>
-  </p:timing>
 </p:sld>
 </file>
 
@@ -21757,7 +21570,7 @@
           <a:lstStyle/>
           <a:p>
             <a:r>
-              <a:rPr lang="ko-KR" altLang="en-US" sz="2800" b="1" dirty="0" smtClean="0">
+              <a:rPr lang="ko-KR" altLang="en-US" sz="2800" b="1" dirty="0">
                 <a:solidFill>
                   <a:schemeClr val="dk1"/>
                 </a:solidFill>
@@ -21769,7 +21582,7 @@
               <a:t>연습문제 </a:t>
             </a:r>
             <a:r>
-              <a:rPr lang="en-US" altLang="ko-KR" sz="2800" b="1" dirty="0" smtClean="0">
+              <a:rPr lang="en-US" altLang="ko-KR" sz="2800" b="1" dirty="0">
                 <a:solidFill>
                   <a:schemeClr val="dk1"/>
                 </a:solidFill>
@@ -21781,7 +21594,7 @@
               <a:t>- </a:t>
             </a:r>
             <a:r>
-              <a:rPr lang="ko-KR" altLang="en-US" sz="2800" b="1" dirty="0" smtClean="0">
+              <a:rPr lang="ko-KR" altLang="en-US" sz="2800" b="1" dirty="0">
                 <a:solidFill>
                   <a:schemeClr val="dk1"/>
                 </a:solidFill>
@@ -21793,7 +21606,7 @@
               <a:t>확률</a:t>
             </a:r>
             <a:r>
-              <a:rPr lang="en-US" altLang="ko-KR" sz="2800" b="1" dirty="0" smtClean="0">
+              <a:rPr lang="en-US" altLang="ko-KR" sz="2800" b="1" dirty="0">
                 <a:solidFill>
                   <a:schemeClr val="dk1"/>
                 </a:solidFill>
@@ -21842,7 +21655,7 @@
           <a:lstStyle/>
           <a:p>
             <a:r>
-              <a:rPr lang="en-US" sz="2400" b="1" dirty="0" smtClean="0">
+              <a:rPr lang="en-US" sz="2400" b="1" dirty="0">
                 <a:solidFill>
                   <a:schemeClr val="lt1"/>
                 </a:solidFill>
@@ -21922,47 +21735,51 @@
               <a:buChar char="ü"/>
             </a:pPr>
             <a:r>
-              <a:rPr lang="en-US" altLang="ko-KR" dirty="0" smtClean="0"/>
+              <a:rPr lang="en-US" altLang="ko-KR" dirty="0"/>
               <a:t>3</a:t>
             </a:r>
             <a:r>
-              <a:rPr lang="ko-KR" altLang="en-US" dirty="0" smtClean="0"/>
-              <a:t>개의 동적을 던져서 뒷면이 나오는 횟수를 </a:t>
-            </a:r>
-            <a:r>
-              <a:rPr lang="en-US" altLang="ko-KR" i="1" dirty="0" smtClean="0"/>
+              <a:rPr lang="ko-KR" altLang="en-US"/>
+              <a:t>개의 동전을 </a:t>
+            </a:r>
+            <a:r>
+              <a:rPr lang="ko-KR" altLang="en-US" dirty="0"/>
+              <a:t>던져서 뒷면이 나오는 횟수를 </a:t>
+            </a:r>
+            <a:r>
+              <a:rPr lang="en-US" altLang="ko-KR" i="1" dirty="0"/>
               <a:t>X </a:t>
             </a:r>
             <a:r>
-              <a:rPr lang="ko-KR" altLang="en-US" dirty="0" smtClean="0"/>
+              <a:rPr lang="ko-KR" altLang="en-US" dirty="0"/>
               <a:t>라 할 때 </a:t>
             </a:r>
             <a:r>
-              <a:rPr lang="en-US" altLang="ko-KR" dirty="0" smtClean="0"/>
+              <a:rPr lang="en-US" altLang="ko-KR" dirty="0"/>
               <a:t>3</a:t>
             </a:r>
             <a:r>
-              <a:rPr lang="en-US" altLang="ko-KR" i="1" dirty="0" smtClean="0"/>
+              <a:rPr lang="en-US" altLang="ko-KR" i="1" dirty="0"/>
               <a:t>X</a:t>
             </a:r>
             <a:r>
-              <a:rPr lang="en-US" altLang="ko-KR" dirty="0" smtClean="0"/>
+              <a:rPr lang="en-US" altLang="ko-KR" dirty="0"/>
               <a:t> + 5 </a:t>
             </a:r>
             <a:r>
-              <a:rPr lang="ko-KR" altLang="en-US" dirty="0" smtClean="0"/>
+              <a:rPr lang="ko-KR" altLang="en-US" dirty="0"/>
               <a:t>의</a:t>
             </a:r>
             <a:r>
-              <a:rPr lang="en-US" altLang="ko-KR" dirty="0" smtClean="0"/>
+              <a:rPr lang="en-US" altLang="ko-KR" dirty="0"/>
               <a:t> </a:t>
             </a:r>
             <a:r>
-              <a:rPr lang="ko-KR" altLang="en-US" dirty="0" smtClean="0"/>
+              <a:rPr lang="ko-KR" altLang="en-US" dirty="0"/>
               <a:t>평균과 분산을 구해봅시다</a:t>
             </a:r>
             <a:r>
-              <a:rPr lang="en-US" altLang="ko-KR" dirty="0" smtClean="0"/>
+              <a:rPr lang="en-US" altLang="ko-KR" dirty="0"/>
               <a:t>.</a:t>
             </a:r>
           </a:p>
@@ -21979,27 +21796,27 @@
               <a:buChar char="v"/>
             </a:pPr>
             <a:r>
-              <a:rPr lang="ko-KR" altLang="en-US" sz="1500" dirty="0" smtClean="0"/>
+              <a:rPr lang="ko-KR" altLang="en-US" sz="1500" dirty="0"/>
               <a:t>힌트 </a:t>
             </a:r>
             <a:r>
-              <a:rPr lang="en-US" altLang="ko-KR" sz="1500" dirty="0" smtClean="0"/>
+              <a:rPr lang="en-US" altLang="ko-KR" sz="1500" dirty="0"/>
               <a:t>: </a:t>
             </a:r>
             <a:r>
-              <a:rPr lang="ko-KR" altLang="en-US" sz="1500" dirty="0" smtClean="0"/>
+              <a:rPr lang="ko-KR" altLang="en-US" sz="1500" dirty="0"/>
               <a:t>동전 </a:t>
             </a:r>
             <a:r>
-              <a:rPr lang="en-US" altLang="ko-KR" sz="1500" dirty="0" smtClean="0"/>
+              <a:rPr lang="en-US" altLang="ko-KR" sz="1500" dirty="0"/>
               <a:t>3</a:t>
             </a:r>
             <a:r>
-              <a:rPr lang="ko-KR" altLang="en-US" sz="1500" dirty="0" smtClean="0"/>
+              <a:rPr lang="ko-KR" altLang="en-US" sz="1500" dirty="0"/>
               <a:t>개의 모든 면이 나오는 확률과 뒷면이 나오는 확률을 먼저 구하세요</a:t>
             </a:r>
             <a:r>
-              <a:rPr lang="en-US" altLang="ko-KR" sz="1500" dirty="0" smtClean="0"/>
+              <a:rPr lang="en-US" altLang="ko-KR" sz="1500" dirty="0"/>
               <a:t>. </a:t>
             </a:r>
             <a:endParaRPr lang="ko-KR" altLang="en-US" sz="1500" dirty="0"/>
@@ -22019,13 +21836,6 @@
   <p:transition spd="med">
     <p:fade thruBlk="1"/>
   </p:transition>
-  <p:timing>
-    <p:tnLst>
-      <p:par>
-        <p:cTn id="1" dur="indefinite" restart="never" nodeType="tmRoot"/>
-      </p:par>
-    </p:tnLst>
-  </p:timing>
 </p:sld>
 </file>
 
@@ -22274,7 +22084,7 @@
           <a:lstStyle/>
           <a:p>
             <a:r>
-              <a:rPr lang="en-US" sz="2400" b="1" dirty="0" smtClean="0">
+              <a:rPr lang="en-US" sz="2400" b="1" dirty="0">
                 <a:solidFill>
                   <a:srgbClr val="3F3F3F"/>
                 </a:solidFill>
@@ -22323,7 +22133,7 @@
           <a:lstStyle/>
           <a:p>
             <a:r>
-              <a:rPr lang="en-US" sz="2400" b="1" dirty="0" smtClean="0">
+              <a:rPr lang="en-US" sz="2400" b="1" dirty="0">
                 <a:solidFill>
                   <a:srgbClr val="3F3F3F"/>
                 </a:solidFill>
@@ -22425,7 +22235,7 @@
           <a:p>
             <a:pPr algn="ctr"/>
             <a:r>
-              <a:rPr lang="ko-KR" altLang="en-US" sz="2400" dirty="0" smtClean="0">
+              <a:rPr lang="ko-KR" altLang="en-US" sz="2400" dirty="0">
                 <a:solidFill>
                   <a:srgbClr val="262626"/>
                 </a:solidFill>
@@ -22436,7 +22246,7 @@
               </a:rPr>
               <a:t>통계</a:t>
             </a:r>
-            <a:endParaRPr lang="en-US" altLang="ko-KR" sz="2400" dirty="0" smtClean="0">
+            <a:endParaRPr lang="en-US" altLang="ko-KR" sz="2400" dirty="0">
               <a:solidFill>
                 <a:srgbClr val="262626"/>
               </a:solidFill>
@@ -22449,7 +22259,7 @@
           <a:p>
             <a:pPr algn="ctr"/>
             <a:r>
-              <a:rPr lang="ko-KR" altLang="en-US" sz="2400" dirty="0" smtClean="0">
+              <a:rPr lang="ko-KR" altLang="en-US" sz="2400" dirty="0">
                 <a:solidFill>
                   <a:srgbClr val="262626"/>
                 </a:solidFill>
@@ -22499,7 +22309,7 @@
           <a:p>
             <a:pPr algn="ctr"/>
             <a:r>
-              <a:rPr lang="ko-KR" altLang="en-US" sz="2400" dirty="0" smtClean="0">
+              <a:rPr lang="ko-KR" altLang="en-US" sz="2400" dirty="0">
                 <a:solidFill>
                   <a:srgbClr val="262626"/>
                 </a:solidFill>
@@ -22510,7 +22320,7 @@
               </a:rPr>
               <a:t>미분</a:t>
             </a:r>
-            <a:endParaRPr lang="en-US" altLang="ko-KR" sz="2400" dirty="0" smtClean="0">
+            <a:endParaRPr lang="en-US" altLang="ko-KR" sz="2400" dirty="0">
               <a:solidFill>
                 <a:srgbClr val="262626"/>
               </a:solidFill>
@@ -22523,7 +22333,7 @@
           <a:p>
             <a:pPr algn="ctr"/>
             <a:r>
-              <a:rPr lang="ko-KR" altLang="en-US" sz="2400" dirty="0" smtClean="0">
+              <a:rPr lang="ko-KR" altLang="en-US" sz="2400" dirty="0">
                 <a:solidFill>
                   <a:srgbClr val="262626"/>
                 </a:solidFill>
@@ -22573,7 +22383,7 @@
           <a:p>
             <a:pPr algn="ctr"/>
             <a:r>
-              <a:rPr lang="ko-KR" altLang="en-US" sz="2400" dirty="0" smtClean="0">
+              <a:rPr lang="ko-KR" altLang="en-US" sz="2400" dirty="0">
                 <a:solidFill>
                   <a:srgbClr val="262626"/>
                 </a:solidFill>
@@ -22584,7 +22394,7 @@
               </a:rPr>
               <a:t>선형</a:t>
             </a:r>
-            <a:endParaRPr lang="en-US" altLang="ko-KR" sz="2400" dirty="0" smtClean="0">
+            <a:endParaRPr lang="en-US" altLang="ko-KR" sz="2400" dirty="0">
               <a:solidFill>
                 <a:srgbClr val="262626"/>
               </a:solidFill>
@@ -22597,7 +22407,7 @@
           <a:p>
             <a:pPr algn="ctr"/>
             <a:r>
-              <a:rPr lang="ko-KR" altLang="en-US" sz="2400" dirty="0" smtClean="0">
+              <a:rPr lang="ko-KR" altLang="en-US" sz="2400" dirty="0">
                 <a:solidFill>
                   <a:srgbClr val="262626"/>
                 </a:solidFill>
@@ -22754,7 +22564,7 @@
           <a:lstStyle/>
           <a:p>
             <a:r>
-              <a:rPr lang="en-US" sz="2400" b="1" dirty="0" smtClean="0">
+              <a:rPr lang="en-US" sz="2400" b="1" dirty="0">
                 <a:solidFill>
                   <a:srgbClr val="3F3F3F"/>
                 </a:solidFill>
@@ -22830,7 +22640,7 @@
           <a:p>
             <a:pPr algn="ctr"/>
             <a:r>
-              <a:rPr lang="ko-KR" altLang="en-US" sz="2400" dirty="0" smtClean="0">
+              <a:rPr lang="ko-KR" altLang="en-US" sz="2400" dirty="0">
                 <a:solidFill>
                   <a:srgbClr val="262626"/>
                 </a:solidFill>
@@ -22841,7 +22651,7 @@
               </a:rPr>
               <a:t>확률</a:t>
             </a:r>
-            <a:endParaRPr lang="en-US" altLang="ko-KR" sz="2400" dirty="0" smtClean="0">
+            <a:endParaRPr lang="en-US" altLang="ko-KR" sz="2400" dirty="0">
               <a:solidFill>
                 <a:srgbClr val="262626"/>
               </a:solidFill>
@@ -22854,7 +22664,7 @@
           <a:p>
             <a:pPr algn="ctr"/>
             <a:r>
-              <a:rPr lang="ko-KR" altLang="en-US" sz="2400" dirty="0" smtClean="0">
+              <a:rPr lang="ko-KR" altLang="en-US" sz="2400" dirty="0">
                 <a:solidFill>
                   <a:srgbClr val="262626"/>
                 </a:solidFill>
@@ -22916,13 +22726,6 @@
   <p:transition spd="med">
     <p:fade thruBlk="1"/>
   </p:transition>
-  <p:timing>
-    <p:tnLst>
-      <p:par>
-        <p:cTn id="1" dur="indefinite" restart="never" nodeType="tmRoot"/>
-      </p:par>
-    </p:tnLst>
-  </p:timing>
 </p:sld>
 </file>
 
@@ -22995,7 +22798,7 @@
           <a:lstStyle/>
           <a:p>
             <a:r>
-              <a:rPr lang="ko-KR" altLang="en-US" sz="2800" dirty="0" smtClean="0">
+              <a:rPr lang="ko-KR" altLang="en-US" sz="2800" dirty="0">
                 <a:solidFill>
                   <a:schemeClr val="dk1"/>
                 </a:solidFill>
@@ -23155,13 +22958,6 @@
   <p:transition spd="med">
     <p:fade thruBlk="1"/>
   </p:transition>
-  <p:timing>
-    <p:tnLst>
-      <p:par>
-        <p:cTn id="1" dur="indefinite" restart="never" nodeType="tmRoot"/>
-      </p:par>
-    </p:tnLst>
-  </p:timing>
 </p:sld>
 </file>
 
@@ -23491,7 +23287,7 @@
           <a:lstStyle/>
           <a:p>
             <a:r>
-              <a:rPr lang="ko-KR" altLang="en-US" sz="2800" b="1" dirty="0" smtClean="0">
+              <a:rPr lang="ko-KR" altLang="en-US" sz="2800" b="1" dirty="0">
                 <a:solidFill>
                   <a:schemeClr val="dk1"/>
                 </a:solidFill>
@@ -23638,11 +23434,11 @@
           <a:lstStyle/>
           <a:p>
             <a:r>
-              <a:rPr lang="ko-KR" altLang="en-US" sz="2400" dirty="0" smtClean="0"/>
+              <a:rPr lang="ko-KR" altLang="en-US" sz="2400" dirty="0"/>
               <a:t>모집단 </a:t>
             </a:r>
             <a:r>
-              <a:rPr lang="en-US" altLang="ko-KR" sz="2400" dirty="0" smtClean="0"/>
+              <a:rPr lang="en-US" altLang="ko-KR" sz="2400" dirty="0"/>
               <a:t>(Population)</a:t>
             </a:r>
             <a:endParaRPr lang="ko-KR" altLang="en-US" sz="2400" dirty="0"/>
@@ -23679,15 +23475,15 @@
               <a:buChar char="•"/>
             </a:pPr>
             <a:r>
-              <a:rPr lang="ko-KR" altLang="en-US" dirty="0" err="1" smtClean="0"/>
+              <a:rPr lang="ko-KR" altLang="en-US" dirty="0" err="1"/>
               <a:t>모수</a:t>
             </a:r>
             <a:r>
-              <a:rPr lang="ko-KR" altLang="en-US" dirty="0" smtClean="0"/>
+              <a:rPr lang="ko-KR" altLang="en-US" dirty="0"/>
               <a:t> </a:t>
             </a:r>
             <a:r>
-              <a:rPr lang="en-US" altLang="ko-KR" dirty="0" smtClean="0"/>
+              <a:rPr lang="en-US" altLang="ko-KR" dirty="0"/>
               <a:t>(parameter)</a:t>
             </a:r>
           </a:p>
@@ -23698,14 +23494,14 @@
               </a:lnSpc>
             </a:pPr>
             <a:r>
-              <a:rPr lang="en-US" altLang="ko-KR" dirty="0" smtClean="0"/>
+              <a:rPr lang="en-US" altLang="ko-KR" dirty="0"/>
               <a:t>	: </a:t>
             </a:r>
             <a:r>
-              <a:rPr lang="ko-KR" altLang="en-US" dirty="0" smtClean="0"/>
+              <a:rPr lang="ko-KR" altLang="en-US" dirty="0"/>
               <a:t>모집단의 특성을 수치로 표현한 수 </a:t>
             </a:r>
-            <a:endParaRPr lang="en-US" altLang="ko-KR" dirty="0" smtClean="0"/>
+            <a:endParaRPr lang="en-US" altLang="ko-KR" dirty="0"/>
           </a:p>
           <a:p>
             <a:pPr>
@@ -23724,19 +23520,19 @@
               <a:buChar char="•"/>
             </a:pPr>
             <a:r>
-              <a:rPr lang="ko-KR" altLang="en-US" dirty="0" smtClean="0"/>
+              <a:rPr lang="ko-KR" altLang="en-US" dirty="0"/>
               <a:t>통계량</a:t>
             </a:r>
             <a:r>
-              <a:rPr lang="en-US" altLang="ko-KR" dirty="0" smtClean="0"/>
+              <a:rPr lang="en-US" altLang="ko-KR" dirty="0"/>
               <a:t>/ </a:t>
             </a:r>
             <a:r>
-              <a:rPr lang="ko-KR" altLang="en-US" dirty="0" err="1" smtClean="0"/>
+              <a:rPr lang="ko-KR" altLang="en-US" dirty="0" err="1"/>
               <a:t>추정량</a:t>
             </a:r>
             <a:r>
-              <a:rPr lang="en-US" altLang="ko-KR" dirty="0" smtClean="0"/>
+              <a:rPr lang="en-US" altLang="ko-KR" dirty="0"/>
               <a:t>(statistic)</a:t>
             </a:r>
           </a:p>
@@ -23747,15 +23543,15 @@
               </a:lnSpc>
             </a:pPr>
             <a:r>
-              <a:rPr lang="en-US" altLang="ko-KR" dirty="0" smtClean="0"/>
+              <a:rPr lang="en-US" altLang="ko-KR" dirty="0"/>
               <a:t>	: </a:t>
             </a:r>
             <a:r>
-              <a:rPr lang="ko-KR" altLang="en-US" dirty="0" smtClean="0"/>
+              <a:rPr lang="ko-KR" altLang="en-US" dirty="0"/>
               <a:t>표본을 통해서 계산되어진 양</a:t>
             </a:r>
             <a:r>
-              <a:rPr lang="en-US" altLang="ko-KR" dirty="0" smtClean="0"/>
+              <a:rPr lang="en-US" altLang="ko-KR" dirty="0"/>
               <a:t> </a:t>
             </a:r>
             <a:endParaRPr lang="ko-KR" altLang="en-US" dirty="0"/>
@@ -23938,7 +23734,7 @@
           <a:p>
             <a:pPr algn="ctr"/>
             <a:r>
-              <a:rPr lang="en-US" altLang="ko-KR" dirty="0" smtClean="0">
+              <a:rPr lang="en-US" altLang="ko-KR" dirty="0">
                 <a:solidFill>
                   <a:schemeClr val="accent1"/>
                 </a:solidFill>
@@ -24043,7 +23839,7 @@
             <a:lstStyle/>
             <a:p>
               <a:r>
-                <a:rPr lang="en-US" altLang="ko-KR" dirty="0" smtClean="0"/>
+                <a:rPr lang="en-US" altLang="ko-KR" dirty="0"/>
                 <a:t>statistic</a:t>
               </a:r>
               <a:endParaRPr lang="ko-KR" altLang="en-US" dirty="0"/>
@@ -24064,13 +23860,6 @@
   <p:transition spd="med">
     <p:fade thruBlk="1"/>
   </p:transition>
-  <p:timing>
-    <p:tnLst>
-      <p:par>
-        <p:cTn id="1" dur="indefinite" restart="never" nodeType="tmRoot"/>
-      </p:par>
-    </p:tnLst>
-  </p:timing>
 </p:sld>
 </file>
 
@@ -24298,7 +24087,7 @@
           <a:lstStyle/>
           <a:p>
             <a:r>
-              <a:rPr lang="ko-KR" altLang="en-US" sz="2800" b="1" dirty="0" smtClean="0">
+              <a:rPr lang="ko-KR" altLang="en-US" sz="2800" b="1" dirty="0">
                 <a:solidFill>
                   <a:schemeClr val="dk1"/>
                 </a:solidFill>
@@ -24310,7 +24099,7 @@
               <a:t>통계 이론 </a:t>
             </a:r>
             <a:r>
-              <a:rPr lang="en-US" altLang="ko-KR" sz="2800" b="1" dirty="0" smtClean="0">
+              <a:rPr lang="en-US" altLang="ko-KR" sz="2800" b="1" dirty="0">
                 <a:solidFill>
                   <a:schemeClr val="dk1"/>
                 </a:solidFill>
@@ -24322,7 +24111,7 @@
               <a:t>– </a:t>
             </a:r>
             <a:r>
-              <a:rPr lang="ko-KR" altLang="en-US" sz="2800" b="1" dirty="0" smtClean="0">
+              <a:rPr lang="ko-KR" altLang="en-US" sz="2800" b="1" dirty="0">
                 <a:solidFill>
                   <a:schemeClr val="dk1"/>
                 </a:solidFill>
@@ -24334,7 +24123,7 @@
               <a:t>산포도 측정 </a:t>
             </a:r>
             <a:r>
-              <a:rPr lang="en-US" altLang="ko-KR" sz="2800" b="1" dirty="0" smtClean="0">
+              <a:rPr lang="en-US" altLang="ko-KR" sz="2800" b="1" dirty="0">
                 <a:solidFill>
                   <a:schemeClr val="dk1"/>
                 </a:solidFill>
@@ -24346,7 +24135,7 @@
               <a:t>(</a:t>
             </a:r>
             <a:r>
-              <a:rPr lang="ko-KR" altLang="en-US" sz="2800" b="1" dirty="0" smtClean="0">
+              <a:rPr lang="ko-KR" altLang="en-US" sz="2800" b="1" dirty="0">
                 <a:solidFill>
                   <a:schemeClr val="dk1"/>
                 </a:solidFill>
@@ -24358,7 +24147,7 @@
               <a:t>범위</a:t>
             </a:r>
             <a:r>
-              <a:rPr lang="en-US" altLang="ko-KR" sz="2800" b="1" dirty="0" smtClean="0">
+              <a:rPr lang="en-US" altLang="ko-KR" sz="2800" b="1" dirty="0">
                 <a:solidFill>
                   <a:schemeClr val="dk1"/>
                 </a:solidFill>
@@ -24370,7 +24159,7 @@
               <a:t>, </a:t>
             </a:r>
             <a:r>
-              <a:rPr lang="ko-KR" altLang="en-US" sz="2800" b="1" dirty="0" smtClean="0">
+              <a:rPr lang="ko-KR" altLang="en-US" sz="2800" b="1" dirty="0">
                 <a:solidFill>
                   <a:schemeClr val="dk1"/>
                 </a:solidFill>
@@ -24382,7 +24171,7 @@
               <a:t>분산</a:t>
             </a:r>
             <a:r>
-              <a:rPr lang="en-US" altLang="ko-KR" sz="2800" b="1" dirty="0" smtClean="0">
+              <a:rPr lang="en-US" altLang="ko-KR" sz="2800" b="1" dirty="0">
                 <a:solidFill>
                   <a:schemeClr val="dk1"/>
                 </a:solidFill>
@@ -24394,7 +24183,7 @@
               <a:t>, </a:t>
             </a:r>
             <a:r>
-              <a:rPr lang="ko-KR" altLang="en-US" sz="2800" b="1" dirty="0" smtClean="0">
+              <a:rPr lang="ko-KR" altLang="en-US" sz="2800" b="1" dirty="0">
                 <a:solidFill>
                   <a:schemeClr val="dk1"/>
                 </a:solidFill>
@@ -24406,7 +24195,7 @@
               <a:t>표준편차</a:t>
             </a:r>
             <a:r>
-              <a:rPr lang="en-US" altLang="ko-KR" sz="2800" b="1" dirty="0" smtClean="0">
+              <a:rPr lang="en-US" altLang="ko-KR" sz="2800" b="1" dirty="0">
                 <a:solidFill>
                   <a:schemeClr val="dk1"/>
                 </a:solidFill>
@@ -24582,43 +24371,35 @@
                 <a:buChar char="ü"/>
               </a:pPr>
               <a:r>
-                <a:rPr lang="ko-KR" altLang="en-US" sz="1700" b="1" dirty="0" smtClean="0"/>
+                <a:rPr lang="ko-KR" altLang="en-US" sz="1700" b="1" dirty="0"/>
                 <a:t>표준편차</a:t>
               </a:r>
               <a:r>
                 <a:rPr lang="en-US" altLang="ko-KR" sz="1700" b="1" dirty="0"/>
-                <a:t> </a:t>
+                <a:t> (Standard Deviation) : </a:t>
               </a:r>
               <a:r>
-                <a:rPr lang="en-US" altLang="ko-KR" sz="1700" b="1" dirty="0" smtClean="0"/>
-                <a:t>(Standard Deviation) : </a:t>
-              </a:r>
-              <a:r>
-                <a:rPr lang="ko-KR" altLang="en-US" sz="1700" dirty="0" smtClean="0"/>
+                <a:rPr lang="ko-KR" altLang="en-US" sz="1700" dirty="0"/>
                 <a:t>데이터의 산포도를 나타내는 값이다</a:t>
               </a:r>
               <a:r>
-                <a:rPr lang="en-US" altLang="ko-KR" sz="1500" dirty="0" smtClean="0"/>
+                <a:rPr lang="en-US" altLang="ko-KR" sz="1500" dirty="0"/>
                 <a:t>.  (</a:t>
               </a:r>
               <a:r>
-                <a:rPr lang="el-GR" altLang="ko-KR" sz="1500" b="1" dirty="0" smtClean="0"/>
+                <a:rPr lang="el-GR" altLang="ko-KR" sz="1500" b="1" dirty="0"/>
                 <a:t>σ</a:t>
               </a:r>
               <a:r>
                 <a:rPr lang="en-US" altLang="ko-KR" sz="1500" dirty="0"/>
-                <a:t> </a:t>
+                <a:t> : </a:t>
               </a:r>
               <a:r>
-                <a:rPr lang="en-US" altLang="ko-KR" sz="1500" dirty="0" smtClean="0"/>
-                <a:t>: </a:t>
-              </a:r>
-              <a:r>
-                <a:rPr lang="ko-KR" altLang="en-US" sz="1500" dirty="0" smtClean="0"/>
+                <a:rPr lang="ko-KR" altLang="en-US" sz="1500" dirty="0"/>
                 <a:t>시그마</a:t>
               </a:r>
               <a:r>
-                <a:rPr lang="en-US" altLang="ko-KR" sz="1500" dirty="0" smtClean="0"/>
+                <a:rPr lang="en-US" altLang="ko-KR" sz="1500" dirty="0"/>
                 <a:t>)</a:t>
               </a:r>
             </a:p>
@@ -24653,11 +24434,11 @@
                 <a:buChar char="•"/>
               </a:pPr>
               <a:r>
-                <a:rPr lang="ko-KR" altLang="en-US" sz="1700" dirty="0" smtClean="0"/>
+                <a:rPr lang="ko-KR" altLang="en-US" sz="1700" dirty="0"/>
                 <a:t>데이터가 밀집되지 않고 넓게 분포되어지면 표준편차의 값은 커진다</a:t>
               </a:r>
               <a:r>
-                <a:rPr lang="en-US" altLang="ko-KR" sz="1700" dirty="0" smtClean="0"/>
+                <a:rPr lang="en-US" altLang="ko-KR" sz="1700" dirty="0"/>
                 <a:t>. </a:t>
               </a:r>
             </a:p>
@@ -24670,10 +24451,10 @@
                 <a:buChar char="ü"/>
               </a:pPr>
               <a:r>
-                <a:rPr lang="ko-KR" altLang="en-US" sz="1700" b="1" dirty="0" smtClean="0"/>
+                <a:rPr lang="ko-KR" altLang="en-US" sz="1700" b="1" dirty="0"/>
                 <a:t>평균으로부터 거리를 계산하는 방법</a:t>
               </a:r>
-              <a:endParaRPr lang="en-US" altLang="ko-KR" sz="1700" b="1" dirty="0" smtClean="0"/>
+              <a:endParaRPr lang="en-US" altLang="ko-KR" sz="1700" b="1" dirty="0"/>
             </a:p>
             <a:p>
               <a:pPr lvl="1">
@@ -24682,15 +24463,15 @@
                 </a:lnSpc>
               </a:pPr>
               <a:r>
-                <a:rPr lang="en-US" altLang="ko-KR" sz="1500" dirty="0" smtClean="0"/>
+                <a:rPr lang="en-US" altLang="ko-KR" sz="1500" dirty="0"/>
                 <a:t>1. </a:t>
               </a:r>
               <a:r>
-                <a:rPr lang="ko-KR" altLang="en-US" sz="1500" dirty="0" smtClean="0"/>
+                <a:rPr lang="ko-KR" altLang="en-US" sz="1500" dirty="0"/>
                 <a:t>범위 계산하기 </a:t>
               </a:r>
               <a:r>
-                <a:rPr lang="en-US" altLang="ko-KR" sz="1500" dirty="0" smtClean="0"/>
+                <a:rPr lang="en-US" altLang="ko-KR" sz="1500" dirty="0"/>
                 <a:t>(Range)</a:t>
               </a:r>
             </a:p>
@@ -24703,7 +24484,7 @@
                 <a:buChar char="•"/>
               </a:pPr>
               <a:r>
-                <a:rPr lang="ko-KR" altLang="en-US" sz="1500" dirty="0" smtClean="0"/>
+                <a:rPr lang="ko-KR" altLang="en-US" sz="1500" dirty="0"/>
                 <a:t>가장</a:t>
               </a:r>
               <a:r>
@@ -24711,18 +24492,18 @@
                 <a:t> </a:t>
               </a:r>
               <a:r>
-                <a:rPr lang="ko-KR" altLang="en-US" sz="1500" dirty="0" smtClean="0"/>
+                <a:rPr lang="ko-KR" altLang="en-US" sz="1500" dirty="0"/>
                 <a:t>큰 수 </a:t>
               </a:r>
               <a:r>
-                <a:rPr lang="en-US" altLang="ko-KR" sz="1500" dirty="0" smtClean="0"/>
+                <a:rPr lang="en-US" altLang="ko-KR" sz="1500" dirty="0"/>
                 <a:t>– </a:t>
               </a:r>
               <a:r>
-                <a:rPr lang="ko-KR" altLang="en-US" sz="1500" dirty="0" smtClean="0"/>
+                <a:rPr lang="ko-KR" altLang="en-US" sz="1500" dirty="0"/>
                 <a:t>가장 작은 수</a:t>
               </a:r>
-              <a:endParaRPr lang="en-US" altLang="ko-KR" sz="1500" dirty="0" smtClean="0"/>
+              <a:endParaRPr lang="en-US" altLang="ko-KR" sz="1500" dirty="0"/>
             </a:p>
             <a:p>
               <a:pPr lvl="1">
@@ -24730,7 +24511,7 @@
                   <a:spcPct val="150000"/>
                 </a:lnSpc>
               </a:pPr>
-              <a:endParaRPr lang="en-US" altLang="ko-KR" sz="1700" dirty="0" smtClean="0"/>
+              <a:endParaRPr lang="en-US" altLang="ko-KR" sz="1700" dirty="0"/>
             </a:p>
             <a:p>
               <a:pPr lvl="1">
@@ -24739,15 +24520,15 @@
                 </a:lnSpc>
               </a:pPr>
               <a:r>
-                <a:rPr lang="en-US" altLang="ko-KR" sz="1500" b="1" dirty="0" smtClean="0"/>
+                <a:rPr lang="en-US" altLang="ko-KR" sz="1500" b="1" dirty="0"/>
                 <a:t>2. </a:t>
               </a:r>
               <a:r>
-                <a:rPr lang="ko-KR" altLang="en-US" sz="1500" b="1" dirty="0" smtClean="0"/>
+                <a:rPr lang="ko-KR" altLang="en-US" sz="1500" b="1" dirty="0"/>
                 <a:t>분산 구하기 </a:t>
               </a:r>
               <a:r>
-                <a:rPr lang="en-US" altLang="ko-KR" sz="1500" b="1" dirty="0" smtClean="0"/>
+                <a:rPr lang="en-US" altLang="ko-KR" sz="1500" b="1" dirty="0"/>
                 <a:t>(Variance) </a:t>
               </a:r>
             </a:p>
@@ -24760,26 +24541,26 @@
                 <a:buChar char="•"/>
               </a:pPr>
               <a:r>
-                <a:rPr lang="ko-KR" altLang="en-US" sz="1700" dirty="0" smtClean="0"/>
+                <a:rPr lang="ko-KR" altLang="en-US" sz="1700" dirty="0"/>
                 <a:t>각 숫자들의 </a:t>
               </a:r>
               <a:r>
-                <a:rPr lang="ko-KR" altLang="en-US" sz="1700" dirty="0" err="1" smtClean="0"/>
+                <a:rPr lang="ko-KR" altLang="en-US" sz="1700" dirty="0" err="1"/>
                 <a:t>평균으로부터의</a:t>
               </a:r>
               <a:r>
-                <a:rPr lang="ko-KR" altLang="en-US" sz="1700" dirty="0" smtClean="0"/>
+                <a:rPr lang="ko-KR" altLang="en-US" sz="1700" dirty="0"/>
                 <a:t> 거리 편차를 제곱한 값의 평균이다</a:t>
               </a:r>
               <a:r>
-                <a:rPr lang="en-US" altLang="ko-KR" sz="1700" dirty="0" smtClean="0"/>
+                <a:rPr lang="en-US" altLang="ko-KR" sz="1700" dirty="0"/>
                 <a:t>. =&gt; </a:t>
               </a:r>
               <a:r>
-                <a:rPr lang="ko-KR" altLang="en-US" sz="1700" b="1" dirty="0" smtClean="0"/>
+                <a:rPr lang="ko-KR" altLang="en-US" sz="1700" b="1" dirty="0"/>
                 <a:t>편차의 제곱의 평균</a:t>
               </a:r>
-              <a:endParaRPr lang="en-US" altLang="ko-KR" sz="1700" b="1" dirty="0" smtClean="0"/>
+              <a:endParaRPr lang="en-US" altLang="ko-KR" sz="1700" b="1" dirty="0"/>
             </a:p>
             <a:p>
               <a:pPr lvl="1">
@@ -24788,7 +24569,7 @@
                 </a:lnSpc>
               </a:pPr>
               <a:r>
-                <a:rPr lang="en-US" altLang="ko-KR" sz="1700" b="1" dirty="0" smtClean="0"/>
+                <a:rPr lang="en-US" altLang="ko-KR" sz="1700" b="1" dirty="0"/>
                 <a:t> </a:t>
               </a:r>
             </a:p>
@@ -24894,10 +24675,9 @@
             <a:lstStyle/>
             <a:p>
               <a:r>
-                <a:rPr lang="ko-KR" altLang="en-US" sz="1000" dirty="0" smtClean="0"/>
+                <a:rPr lang="ko-KR" altLang="en-US" sz="1000" dirty="0"/>
                 <a:t>모집단 개체 수</a:t>
               </a:r>
-              <a:endParaRPr lang="ko-KR" altLang="en-US" sz="1000" dirty="0"/>
             </a:p>
           </p:txBody>
         </p:sp>
@@ -24990,10 +24770,9 @@
             <a:lstStyle/>
             <a:p>
               <a:r>
-                <a:rPr lang="ko-KR" altLang="en-US" sz="1000" dirty="0" smtClean="0"/>
+                <a:rPr lang="ko-KR" altLang="en-US" sz="1000" dirty="0"/>
                 <a:t>모집단 개체</a:t>
               </a:r>
-              <a:endParaRPr lang="ko-KR" altLang="en-US" sz="1000" dirty="0"/>
             </a:p>
           </p:txBody>
         </p:sp>
@@ -25020,10 +24799,9 @@
             <a:lstStyle/>
             <a:p>
               <a:r>
-                <a:rPr lang="ko-KR" altLang="en-US" sz="1000" dirty="0" smtClean="0"/>
+                <a:rPr lang="ko-KR" altLang="en-US" sz="1000" dirty="0"/>
                 <a:t>모집단 평균</a:t>
               </a:r>
-              <a:endParaRPr lang="ko-KR" altLang="en-US" sz="1000" dirty="0"/>
             </a:p>
           </p:txBody>
         </p:sp>
@@ -25116,13 +24894,6 @@
   <p:transition spd="med">
     <p:fade thruBlk="1"/>
   </p:transition>
-  <p:timing>
-    <p:tnLst>
-      <p:par>
-        <p:cTn id="1" dur="indefinite" restart="never" nodeType="tmRoot"/>
-      </p:par>
-    </p:tnLst>
-  </p:timing>
 </p:sld>
 </file>
 
@@ -25350,7 +25121,7 @@
           <a:lstStyle/>
           <a:p>
             <a:r>
-              <a:rPr lang="ko-KR" altLang="en-US" sz="2800" b="1" dirty="0" smtClean="0">
+              <a:rPr lang="ko-KR" altLang="en-US" sz="2800" b="1" dirty="0">
                 <a:solidFill>
                   <a:schemeClr val="dk1"/>
                 </a:solidFill>
@@ -25362,7 +25133,7 @@
               <a:t>통계 이론 </a:t>
             </a:r>
             <a:r>
-              <a:rPr lang="en-US" altLang="ko-KR" sz="2800" b="1" dirty="0" smtClean="0">
+              <a:rPr lang="en-US" altLang="ko-KR" sz="2800" b="1" dirty="0">
                 <a:solidFill>
                   <a:schemeClr val="dk1"/>
                 </a:solidFill>
@@ -25374,7 +25145,7 @@
               <a:t>–</a:t>
             </a:r>
             <a:r>
-              <a:rPr lang="ko-KR" altLang="en-US" sz="2800" b="1" dirty="0" err="1" smtClean="0">
+              <a:rPr lang="ko-KR" altLang="en-US" sz="2800" b="1" dirty="0" err="1">
                 <a:solidFill>
                   <a:schemeClr val="dk1"/>
                 </a:solidFill>
@@ -25386,7 +25157,7 @@
               <a:t>표본평균</a:t>
             </a:r>
             <a:r>
-              <a:rPr lang="en-US" altLang="ko-KR" sz="2800" b="1" dirty="0" smtClean="0">
+              <a:rPr lang="en-US" altLang="ko-KR" sz="2800" b="1" dirty="0">
                 <a:solidFill>
                   <a:schemeClr val="dk1"/>
                 </a:solidFill>
@@ -25398,7 +25169,7 @@
               <a:t>, </a:t>
             </a:r>
             <a:r>
-              <a:rPr lang="ko-KR" altLang="en-US" sz="2800" b="1" dirty="0" err="1" smtClean="0">
+              <a:rPr lang="ko-KR" altLang="en-US" sz="2800" b="1" dirty="0" err="1">
                 <a:solidFill>
                   <a:schemeClr val="dk1"/>
                 </a:solidFill>
@@ -25544,45 +25315,45 @@
                 <a:buChar char="ü"/>
               </a:pPr>
               <a:r>
-                <a:rPr lang="ko-KR" altLang="en-US" dirty="0" smtClean="0"/>
+                <a:rPr lang="ko-KR" altLang="en-US" dirty="0"/>
                 <a:t>통계량</a:t>
               </a:r>
               <a:r>
-                <a:rPr lang="en-US" altLang="ko-KR" dirty="0" smtClean="0"/>
+                <a:rPr lang="en-US" altLang="ko-KR" dirty="0"/>
                 <a:t>(</a:t>
               </a:r>
               <a:r>
-                <a:rPr lang="ko-KR" altLang="en-US" dirty="0" err="1" smtClean="0"/>
+                <a:rPr lang="ko-KR" altLang="en-US" dirty="0" err="1"/>
                 <a:t>추정량</a:t>
               </a:r>
               <a:r>
-                <a:rPr lang="en-US" altLang="ko-KR" dirty="0" smtClean="0"/>
+                <a:rPr lang="en-US" altLang="ko-KR" dirty="0"/>
                 <a:t>)</a:t>
               </a:r>
               <a:r>
-                <a:rPr lang="ko-KR" altLang="en-US" dirty="0" smtClean="0"/>
+                <a:rPr lang="ko-KR" altLang="en-US" dirty="0"/>
                 <a:t>의 종류 </a:t>
               </a:r>
               <a:r>
-                <a:rPr lang="en-US" altLang="ko-KR" dirty="0" smtClean="0"/>
+                <a:rPr lang="en-US" altLang="ko-KR" dirty="0"/>
                 <a:t>(</a:t>
               </a:r>
               <a:r>
-                <a:rPr lang="ko-KR" altLang="en-US" dirty="0" smtClean="0"/>
+                <a:rPr lang="ko-KR" altLang="en-US" dirty="0"/>
                 <a:t>표본 관측치의 개수 </a:t>
               </a:r>
               <a:r>
-                <a:rPr lang="en-US" altLang="ko-KR" dirty="0" smtClean="0"/>
+                <a:rPr lang="en-US" altLang="ko-KR" dirty="0"/>
                 <a:t>: </a:t>
               </a:r>
               <a:r>
-                <a:rPr lang="en-US" altLang="ko-KR" dirty="0" smtClean="0">
+                <a:rPr lang="en-US" altLang="ko-KR" dirty="0">
                   <a:latin typeface="Lucida Calligraphy" panose="03010101010101010101" pitchFamily="66" charset="0"/>
                 </a:rPr>
                 <a:t>n</a:t>
               </a:r>
               <a:r>
-                <a:rPr lang="en-US" altLang="ko-KR" dirty="0" smtClean="0"/>
+                <a:rPr lang="en-US" altLang="ko-KR" dirty="0"/>
                 <a:t>)</a:t>
               </a:r>
             </a:p>
@@ -25593,30 +25364,30 @@
                 </a:lnSpc>
               </a:pPr>
               <a:r>
-                <a:rPr lang="en-US" altLang="ko-KR" dirty="0" smtClean="0"/>
+                <a:rPr lang="en-US" altLang="ko-KR" dirty="0"/>
                 <a:t>1.</a:t>
               </a:r>
               <a:r>
-                <a:rPr lang="en-US" altLang="ko-KR" b="1" dirty="0" smtClean="0"/>
+                <a:rPr lang="en-US" altLang="ko-KR" b="1" dirty="0"/>
                 <a:t> </a:t>
               </a:r>
               <a:r>
-                <a:rPr lang="ko-KR" altLang="en-US" b="1" dirty="0" err="1" smtClean="0"/>
+                <a:rPr lang="ko-KR" altLang="en-US" b="1" dirty="0" err="1"/>
                 <a:t>표본평균</a:t>
               </a:r>
               <a:r>
-                <a:rPr lang="ko-KR" altLang="en-US" b="1" dirty="0" smtClean="0"/>
+                <a:rPr lang="ko-KR" altLang="en-US" b="1" dirty="0"/>
                 <a:t> </a:t>
               </a:r>
               <a:r>
-                <a:rPr lang="en-US" altLang="ko-KR" dirty="0" smtClean="0"/>
+                <a:rPr lang="en-US" altLang="ko-KR" dirty="0"/>
                 <a:t>: </a:t>
               </a:r>
               <a:r>
-                <a:rPr lang="ko-KR" altLang="en-US" dirty="0" smtClean="0"/>
+                <a:rPr lang="ko-KR" altLang="en-US" dirty="0"/>
                 <a:t>표본의 평균</a:t>
               </a:r>
-              <a:endParaRPr lang="en-US" altLang="ko-KR" dirty="0" smtClean="0"/>
+              <a:endParaRPr lang="en-US" altLang="ko-KR" dirty="0"/>
             </a:p>
             <a:p>
               <a:pPr marL="800100" lvl="1" indent="-342900">
@@ -25636,7 +25407,7 @@
                 <a:buFont typeface="+mj-lt"/>
                 <a:buAutoNum type="arabicPeriod"/>
               </a:pPr>
-              <a:endParaRPr lang="en-US" altLang="ko-KR" dirty="0" smtClean="0"/>
+              <a:endParaRPr lang="en-US" altLang="ko-KR" dirty="0"/>
             </a:p>
             <a:p>
               <a:pPr lvl="1">
@@ -25645,22 +25416,22 @@
                 </a:lnSpc>
               </a:pPr>
               <a:r>
-                <a:rPr lang="en-US" altLang="ko-KR" dirty="0" smtClean="0"/>
+                <a:rPr lang="en-US" altLang="ko-KR" dirty="0"/>
                 <a:t>2. </a:t>
               </a:r>
               <a:r>
-                <a:rPr lang="ko-KR" altLang="en-US" b="1" dirty="0" err="1" smtClean="0"/>
+                <a:rPr lang="ko-KR" altLang="en-US" b="1" dirty="0" err="1"/>
                 <a:t>표본분산</a:t>
               </a:r>
               <a:r>
-                <a:rPr lang="en-US" altLang="ko-KR" dirty="0" smtClean="0"/>
+                <a:rPr lang="en-US" altLang="ko-KR" dirty="0"/>
                 <a:t> : </a:t>
               </a:r>
               <a:r>
-                <a:rPr lang="ko-KR" altLang="en-US" dirty="0" smtClean="0"/>
+                <a:rPr lang="ko-KR" altLang="en-US" dirty="0"/>
                 <a:t>표본의 분산</a:t>
               </a:r>
-              <a:endParaRPr lang="en-US" altLang="ko-KR" dirty="0" smtClean="0"/>
+              <a:endParaRPr lang="en-US" altLang="ko-KR" dirty="0"/>
             </a:p>
           </p:txBody>
         </p:sp>
@@ -25739,7 +25510,7 @@
         </p:nvGraphicFramePr>
         <p:xfrm>
           <a:off x="8384821" y="5167293"/>
-          <a:ext cx="3321162" cy="1243048"/>
+          <a:ext cx="3321162" cy="1210365"/>
         </p:xfrm>
         <a:graphic>
           <a:graphicData uri="http://schemas.openxmlformats.org/drawingml/2006/table">
@@ -25775,10 +25546,9 @@
                         </a:lnSpc>
                       </a:pPr>
                       <a:r>
-                        <a:rPr lang="ko-KR" altLang="en-US" sz="1500" dirty="0" smtClean="0"/>
+                        <a:rPr lang="ko-KR" altLang="en-US" sz="1500" dirty="0"/>
                         <a:t>모집단</a:t>
                       </a:r>
-                      <a:endParaRPr lang="ko-KR" altLang="en-US" sz="1500" dirty="0"/>
                     </a:p>
                   </a:txBody>
                   <a:tcPr/>
@@ -25794,19 +25564,19 @@
                         </a:lnSpc>
                       </a:pPr>
                       <a:r>
-                        <a:rPr lang="ko-KR" altLang="en-US" sz="1500" dirty="0" smtClean="0"/>
+                        <a:rPr lang="ko-KR" altLang="en-US" sz="1500" dirty="0"/>
                         <a:t>통계량</a:t>
                       </a:r>
                       <a:r>
-                        <a:rPr lang="en-US" altLang="ko-KR" sz="1500" dirty="0" smtClean="0"/>
+                        <a:rPr lang="en-US" altLang="ko-KR" sz="1500" dirty="0"/>
                         <a:t>(</a:t>
                       </a:r>
                       <a:r>
-                        <a:rPr lang="ko-KR" altLang="en-US" sz="1500" dirty="0" err="1" smtClean="0"/>
+                        <a:rPr lang="ko-KR" altLang="en-US" sz="1500" dirty="0" err="1"/>
                         <a:t>추정량</a:t>
                       </a:r>
                       <a:r>
-                        <a:rPr lang="en-US" altLang="ko-KR" sz="1500" dirty="0" smtClean="0"/>
+                        <a:rPr lang="en-US" altLang="ko-KR" sz="1500" dirty="0"/>
                         <a:t>)</a:t>
                       </a:r>
                       <a:endParaRPr lang="ko-KR" altLang="en-US" sz="1500" dirty="0"/>
@@ -25924,13 +25694,6 @@
   <p:transition spd="med">
     <p:fade thruBlk="1"/>
   </p:transition>
-  <p:timing>
-    <p:tnLst>
-      <p:par>
-        <p:cTn id="1" dur="indefinite" restart="never" nodeType="tmRoot"/>
-      </p:par>
-    </p:tnLst>
-  </p:timing>
 </p:sld>
 </file>
 
@@ -26003,7 +25766,7 @@
           <a:lstStyle/>
           <a:p>
             <a:r>
-              <a:rPr lang="ko-KR" altLang="en-US" sz="2800" dirty="0" smtClean="0">
+              <a:rPr lang="ko-KR" altLang="en-US" sz="2800" dirty="0">
                 <a:solidFill>
                   <a:schemeClr val="dk1"/>
                 </a:solidFill>
@@ -26097,7 +25860,7 @@
               </a:lnSpc>
             </a:pPr>
             <a:r>
-              <a:rPr lang="en-US" sz="2400" b="1" dirty="0" smtClean="0">
+              <a:rPr lang="en-US" sz="2400" b="1" dirty="0">
                 <a:solidFill>
                   <a:schemeClr val="lt1"/>
                 </a:solidFill>
@@ -26163,13 +25926,6 @@
   <p:transition spd="med">
     <p:fade thruBlk="1"/>
   </p:transition>
-  <p:timing>
-    <p:tnLst>
-      <p:par>
-        <p:cTn id="1" dur="indefinite" restart="never" nodeType="tmRoot"/>
-      </p:par>
-    </p:tnLst>
-  </p:timing>
 </p:sld>
 </file>
 
@@ -26397,7 +26153,7 @@
           <a:lstStyle/>
           <a:p>
             <a:r>
-              <a:rPr lang="ko-KR" altLang="en-US" sz="2800" b="1" dirty="0" smtClean="0">
+              <a:rPr lang="ko-KR" altLang="en-US" sz="2800" b="1" dirty="0">
                 <a:solidFill>
                   <a:schemeClr val="dk1"/>
                 </a:solidFill>
@@ -26409,7 +26165,7 @@
               <a:t>확률 이론 </a:t>
             </a:r>
             <a:r>
-              <a:rPr lang="en-US" altLang="ko-KR" sz="2800" b="1" dirty="0" smtClean="0">
+              <a:rPr lang="en-US" altLang="ko-KR" sz="2800" b="1" dirty="0">
                 <a:solidFill>
                   <a:schemeClr val="dk1"/>
                 </a:solidFill>
@@ -26421,7 +26177,7 @@
               <a:t>- </a:t>
             </a:r>
             <a:r>
-              <a:rPr lang="ko-KR" altLang="en-US" sz="2800" b="1" dirty="0" smtClean="0">
+              <a:rPr lang="ko-KR" altLang="en-US" sz="2800" b="1" dirty="0">
                 <a:solidFill>
                   <a:schemeClr val="dk1"/>
                 </a:solidFill>
@@ -26433,7 +26189,7 @@
               <a:t>용어정리 </a:t>
             </a:r>
             <a:r>
-              <a:rPr lang="en-US" altLang="ko-KR" sz="2800" b="1" dirty="0" smtClean="0">
+              <a:rPr lang="en-US" altLang="ko-KR" sz="2800" b="1" dirty="0">
                 <a:solidFill>
                   <a:schemeClr val="dk1"/>
                 </a:solidFill>
@@ -26482,7 +26238,7 @@
           <a:lstStyle/>
           <a:p>
             <a:r>
-              <a:rPr lang="en-US" sz="2400" b="1" dirty="0" smtClean="0">
+              <a:rPr lang="en-US" sz="2400" b="1" dirty="0">
                 <a:solidFill>
                   <a:schemeClr val="lt1"/>
                 </a:solidFill>
@@ -26565,38 +26321,38 @@
               <a:buChar char="ü"/>
             </a:pPr>
             <a:r>
-              <a:rPr lang="ko-KR" altLang="en-US" sz="2100" b="1" dirty="0" smtClean="0"/>
+              <a:rPr lang="ko-KR" altLang="en-US" sz="2100" b="1" dirty="0"/>
               <a:t>확률 실험 </a:t>
             </a:r>
             <a:r>
-              <a:rPr lang="en-US" altLang="ko-KR" sz="2100" b="1" dirty="0" smtClean="0"/>
+              <a:rPr lang="en-US" altLang="ko-KR" sz="2100" b="1" dirty="0"/>
               <a:t>/</a:t>
             </a:r>
             <a:r>
-              <a:rPr lang="ko-KR" altLang="en-US" sz="2100" b="1" dirty="0" smtClean="0"/>
+              <a:rPr lang="ko-KR" altLang="en-US" sz="2100" b="1" dirty="0"/>
               <a:t>확률 시행 </a:t>
             </a:r>
             <a:r>
-              <a:rPr lang="en-US" altLang="ko-KR" sz="2100" b="1" dirty="0" smtClean="0"/>
+              <a:rPr lang="en-US" altLang="ko-KR" sz="2100" b="1" dirty="0"/>
               <a:t>(Random Experiment) </a:t>
             </a:r>
             <a:r>
-              <a:rPr lang="en-US" altLang="ko-KR" sz="2100" dirty="0" smtClean="0"/>
+              <a:rPr lang="en-US" altLang="ko-KR" sz="2100" dirty="0"/>
               <a:t>: </a:t>
             </a:r>
             <a:r>
-              <a:rPr lang="ko-KR" altLang="en-US" sz="2100" dirty="0" smtClean="0"/>
+              <a:rPr lang="ko-KR" altLang="en-US" sz="2100" dirty="0"/>
               <a:t>이론적으로 동일한 조건에서 여러 번 반복할 수 있고</a:t>
             </a:r>
             <a:r>
-              <a:rPr lang="en-US" altLang="ko-KR" sz="2100" dirty="0" smtClean="0"/>
+              <a:rPr lang="en-US" altLang="ko-KR" sz="2100" dirty="0"/>
               <a:t>,</a:t>
             </a:r>
             <a:r>
-              <a:rPr lang="ko-KR" altLang="en-US" sz="2100" dirty="0" smtClean="0"/>
+              <a:rPr lang="ko-KR" altLang="en-US" sz="2100" dirty="0"/>
               <a:t> 그 결과는 우연에 의해서 결정되는 실험</a:t>
             </a:r>
-            <a:endParaRPr lang="en-US" altLang="ko-KR" sz="2100" dirty="0" smtClean="0"/>
+            <a:endParaRPr lang="en-US" altLang="ko-KR" sz="2100" dirty="0"/>
           </a:p>
           <a:p>
             <a:pPr marL="285750" indent="-285750">
@@ -26607,26 +26363,26 @@
               <a:buChar char="ü"/>
             </a:pPr>
             <a:r>
-              <a:rPr lang="ko-KR" altLang="en-US" sz="2100" b="1" dirty="0" smtClean="0"/>
+              <a:rPr lang="ko-KR" altLang="en-US" sz="2100" b="1" dirty="0"/>
               <a:t>표본 공간 </a:t>
             </a:r>
             <a:r>
-              <a:rPr lang="en-US" altLang="ko-KR" sz="2100" b="1" dirty="0" smtClean="0"/>
+              <a:rPr lang="en-US" altLang="ko-KR" sz="2100" b="1" dirty="0"/>
               <a:t>(Sample space) : </a:t>
             </a:r>
             <a:r>
-              <a:rPr lang="ko-KR" altLang="en-US" sz="2100" dirty="0" smtClean="0"/>
+              <a:rPr lang="ko-KR" altLang="en-US" sz="2100" dirty="0"/>
               <a:t>나올 수 있는 모든 경우의 결과들의 모임</a:t>
             </a:r>
             <a:r>
-              <a:rPr lang="en-US" altLang="ko-KR" sz="2100" dirty="0" smtClean="0"/>
+              <a:rPr lang="en-US" altLang="ko-KR" sz="2100" dirty="0"/>
               <a:t>, </a:t>
             </a:r>
             <a:r>
-              <a:rPr lang="ko-KR" altLang="en-US" sz="2100" dirty="0" smtClean="0"/>
+              <a:rPr lang="ko-KR" altLang="en-US" sz="2100" dirty="0"/>
               <a:t>시행의 결과들의 집합</a:t>
             </a:r>
-            <a:endParaRPr lang="en-US" altLang="ko-KR" sz="2100" dirty="0" smtClean="0"/>
+            <a:endParaRPr lang="en-US" altLang="ko-KR" sz="2100" dirty="0"/>
           </a:p>
           <a:p>
             <a:pPr marL="285750" indent="-285750">
@@ -26637,27 +26393,27 @@
               <a:buChar char="ü"/>
             </a:pPr>
             <a:r>
-              <a:rPr lang="ko-KR" altLang="en-US" sz="2100" b="1" dirty="0" smtClean="0"/>
+              <a:rPr lang="ko-KR" altLang="en-US" sz="2100" b="1" dirty="0"/>
               <a:t>근원 사건 </a:t>
             </a:r>
             <a:r>
-              <a:rPr lang="en-US" altLang="ko-KR" sz="2100" b="1" dirty="0" smtClean="0"/>
+              <a:rPr lang="en-US" altLang="ko-KR" sz="2100" b="1" dirty="0"/>
               <a:t>(Sample outcome) : </a:t>
             </a:r>
             <a:r>
-              <a:rPr lang="ko-KR" altLang="en-US" sz="2100" dirty="0" smtClean="0"/>
+              <a:rPr lang="ko-KR" altLang="en-US" sz="2100" dirty="0"/>
               <a:t>표본 공간의 원소 </a:t>
             </a:r>
             <a:r>
-              <a:rPr lang="en-US" altLang="ko-KR" sz="2100" dirty="0" smtClean="0"/>
+              <a:rPr lang="en-US" altLang="ko-KR" sz="2100" dirty="0"/>
               <a:t>(</a:t>
             </a:r>
             <a:r>
-              <a:rPr lang="ko-KR" altLang="en-US" sz="2100" dirty="0" smtClean="0"/>
+              <a:rPr lang="ko-KR" altLang="en-US" sz="2100" dirty="0"/>
               <a:t>원소의 개수가 한 개인 사건</a:t>
             </a:r>
             <a:r>
-              <a:rPr lang="en-US" altLang="ko-KR" sz="2100" dirty="0" smtClean="0"/>
+              <a:rPr lang="en-US" altLang="ko-KR" sz="2100" dirty="0"/>
               <a:t>)</a:t>
             </a:r>
           </a:p>
@@ -26670,18 +26426,18 @@
               <a:buChar char="ü"/>
             </a:pPr>
             <a:r>
-              <a:rPr lang="ko-KR" altLang="en-US" sz="2100" b="1" dirty="0" smtClean="0"/>
+              <a:rPr lang="ko-KR" altLang="en-US" sz="2100" b="1" dirty="0"/>
               <a:t>사건 </a:t>
             </a:r>
             <a:r>
-              <a:rPr lang="en-US" altLang="ko-KR" sz="2100" b="1" dirty="0" smtClean="0"/>
+              <a:rPr lang="en-US" altLang="ko-KR" sz="2100" b="1" dirty="0"/>
               <a:t>(Event) : </a:t>
             </a:r>
             <a:r>
-              <a:rPr lang="ko-KR" altLang="en-US" sz="2100" dirty="0" smtClean="0"/>
+              <a:rPr lang="ko-KR" altLang="en-US" sz="2100" dirty="0"/>
               <a:t>표본 공간의 부분집합이자 근원 사건의 집합</a:t>
             </a:r>
-            <a:endParaRPr lang="en-US" altLang="ko-KR" sz="2100" dirty="0" smtClean="0"/>
+            <a:endParaRPr lang="en-US" altLang="ko-KR" sz="2100" dirty="0"/>
           </a:p>
           <a:p>
             <a:pPr marL="285750" indent="-285750">
@@ -26692,18 +26448,18 @@
               <a:buChar char="ü"/>
             </a:pPr>
             <a:r>
-              <a:rPr lang="ko-KR" altLang="en-US" sz="2100" b="1" dirty="0" smtClean="0"/>
+              <a:rPr lang="ko-KR" altLang="en-US" sz="2100" b="1" dirty="0"/>
               <a:t>곱 사건 </a:t>
             </a:r>
             <a:r>
-              <a:rPr lang="en-US" altLang="ko-KR" sz="2100" b="1" dirty="0" smtClean="0"/>
+              <a:rPr lang="en-US" altLang="ko-KR" sz="2100" b="1" dirty="0"/>
               <a:t>: </a:t>
             </a:r>
             <a:r>
-              <a:rPr lang="ko-KR" altLang="en-US" sz="2100" dirty="0" smtClean="0"/>
+              <a:rPr lang="ko-KR" altLang="en-US" sz="2100" dirty="0"/>
               <a:t>두 사건의 교집합으로 표현</a:t>
             </a:r>
-            <a:endParaRPr lang="en-US" altLang="ko-KR" sz="2100" dirty="0" smtClean="0"/>
+            <a:endParaRPr lang="en-US" altLang="ko-KR" sz="2100" dirty="0"/>
           </a:p>
           <a:p>
             <a:pPr marL="285750" indent="-285750">
@@ -26714,18 +26470,17 @@
               <a:buChar char="ü"/>
             </a:pPr>
             <a:r>
-              <a:rPr lang="ko-KR" altLang="en-US" sz="2100" b="1" dirty="0" smtClean="0"/>
+              <a:rPr lang="ko-KR" altLang="en-US" sz="2100" b="1" dirty="0"/>
               <a:t>배반 사건 </a:t>
             </a:r>
             <a:r>
-              <a:rPr lang="en-US" altLang="ko-KR" sz="2100" b="1" dirty="0" smtClean="0"/>
+              <a:rPr lang="en-US" altLang="ko-KR" sz="2100" b="1" dirty="0"/>
               <a:t>: </a:t>
             </a:r>
             <a:r>
-              <a:rPr lang="ko-KR" altLang="en-US" sz="2100" dirty="0" smtClean="0"/>
+              <a:rPr lang="ko-KR" altLang="en-US" sz="2100" dirty="0"/>
               <a:t>두 집합의 교집합이 공집합인 사건</a:t>
             </a:r>
-            <a:endParaRPr lang="ko-KR" altLang="en-US" sz="2100" dirty="0"/>
           </a:p>
         </p:txBody>
       </p:sp>
@@ -26742,13 +26497,6 @@
   <p:transition spd="med">
     <p:fade thruBlk="1"/>
   </p:transition>
-  <p:timing>
-    <p:tnLst>
-      <p:par>
-        <p:cTn id="1" dur="indefinite" restart="never" nodeType="tmRoot"/>
-      </p:par>
-    </p:tnLst>
-  </p:timing>
 </p:sld>
 </file>
 
@@ -26976,7 +26724,7 @@
           <a:lstStyle/>
           <a:p>
             <a:r>
-              <a:rPr lang="ko-KR" altLang="en-US" sz="2800" b="1" dirty="0" smtClean="0">
+              <a:rPr lang="ko-KR" altLang="en-US" sz="2800" b="1" dirty="0">
                 <a:solidFill>
                   <a:schemeClr val="dk1"/>
                 </a:solidFill>
@@ -26988,7 +26736,7 @@
               <a:t>확률 이론 </a:t>
             </a:r>
             <a:r>
-              <a:rPr lang="en-US" altLang="ko-KR" sz="2800" b="1" dirty="0" smtClean="0">
+              <a:rPr lang="en-US" altLang="ko-KR" sz="2800" b="1" dirty="0">
                 <a:solidFill>
                   <a:schemeClr val="dk1"/>
                 </a:solidFill>
@@ -27000,7 +26748,7 @@
               <a:t>– </a:t>
             </a:r>
             <a:r>
-              <a:rPr lang="ko-KR" altLang="en-US" sz="2800" b="1" dirty="0" smtClean="0">
+              <a:rPr lang="ko-KR" altLang="en-US" sz="2800" b="1" dirty="0">
                 <a:solidFill>
                   <a:schemeClr val="dk1"/>
                 </a:solidFill>
@@ -27012,7 +26760,7 @@
               <a:t>수학적 확률 </a:t>
             </a:r>
             <a:r>
-              <a:rPr lang="en-US" altLang="ko-KR" sz="2800" b="1" dirty="0" smtClean="0">
+              <a:rPr lang="en-US" altLang="ko-KR" sz="2800" b="1" dirty="0">
                 <a:solidFill>
                   <a:schemeClr val="dk1"/>
                 </a:solidFill>
@@ -27061,7 +26809,7 @@
           <a:lstStyle/>
           <a:p>
             <a:r>
-              <a:rPr lang="en-US" sz="2400" b="1" dirty="0" smtClean="0">
+              <a:rPr lang="en-US" sz="2400" b="1" dirty="0">
                 <a:solidFill>
                   <a:schemeClr val="lt1"/>
                 </a:solidFill>
@@ -27144,19 +26892,19 @@
               <a:buChar char="ü"/>
             </a:pPr>
             <a:r>
-              <a:rPr lang="ko-KR" altLang="en-US" sz="1900" b="1" dirty="0" smtClean="0"/>
+              <a:rPr lang="ko-KR" altLang="en-US" sz="1900" b="1" dirty="0"/>
               <a:t>수학적 확률은 각 근원 사건이 일어날 가능성이 모두 같을 때</a:t>
             </a:r>
             <a:r>
-              <a:rPr lang="en-US" altLang="ko-KR" sz="1900" b="1" dirty="0" smtClean="0"/>
+              <a:rPr lang="en-US" altLang="ko-KR" sz="1900" b="1" dirty="0"/>
               <a:t> </a:t>
             </a:r>
             <a:r>
-              <a:rPr lang="ko-KR" altLang="en-US" sz="1900" b="1" dirty="0" smtClean="0"/>
+              <a:rPr lang="ko-KR" altLang="en-US" sz="1900" b="1" dirty="0"/>
               <a:t>계산할 수 있다</a:t>
             </a:r>
             <a:r>
-              <a:rPr lang="en-US" altLang="ko-KR" sz="1900" dirty="0" smtClean="0"/>
+              <a:rPr lang="en-US" altLang="ko-KR" sz="1900" dirty="0"/>
               <a:t>. </a:t>
             </a:r>
           </a:p>
@@ -27169,18 +26917,18 @@
               <a:buChar char="•"/>
             </a:pPr>
             <a:r>
-              <a:rPr lang="ko-KR" altLang="en-US" sz="1700" dirty="0" smtClean="0"/>
+              <a:rPr lang="ko-KR" altLang="en-US" sz="1700" dirty="0"/>
               <a:t>예</a:t>
             </a:r>
             <a:r>
-              <a:rPr lang="en-US" altLang="ko-KR" sz="1700" dirty="0" smtClean="0"/>
+              <a:rPr lang="en-US" altLang="ko-KR" sz="1700" dirty="0"/>
               <a:t>) </a:t>
             </a:r>
             <a:r>
-              <a:rPr lang="ko-KR" altLang="en-US" sz="1700" dirty="0" smtClean="0"/>
+              <a:rPr lang="ko-KR" altLang="en-US" sz="1700" dirty="0"/>
               <a:t>주사위에서 어떠한 사건이 일어난 가능성은 모두 같다</a:t>
             </a:r>
-            <a:endParaRPr lang="en-US" altLang="ko-KR" sz="1700" dirty="0" smtClean="0"/>
+            <a:endParaRPr lang="en-US" altLang="ko-KR" sz="1700" dirty="0"/>
           </a:p>
           <a:p>
             <a:pPr marL="800100" lvl="1" indent="-342900">
@@ -27191,14 +26939,14 @@
               <a:buChar char="•"/>
             </a:pPr>
             <a:r>
-              <a:rPr lang="en-US" altLang="ko-KR" sz="1700" dirty="0" smtClean="0"/>
+              <a:rPr lang="en-US" altLang="ko-KR" sz="1700" dirty="0"/>
               <a:t>P(A) : A </a:t>
             </a:r>
             <a:r>
-              <a:rPr lang="ko-KR" altLang="en-US" sz="1700" dirty="0" smtClean="0"/>
+              <a:rPr lang="ko-KR" altLang="en-US" sz="1700" dirty="0"/>
               <a:t>라는 사건이 발생할 확률 </a:t>
             </a:r>
-            <a:endParaRPr lang="en-US" altLang="ko-KR" sz="1700" dirty="0" smtClean="0"/>
+            <a:endParaRPr lang="en-US" altLang="ko-KR" sz="1700" dirty="0"/>
           </a:p>
           <a:p>
             <a:pPr marL="800100" lvl="1" indent="-342900">
@@ -27208,7 +26956,7 @@
               <a:buFont typeface="Arial" panose="020B0604020202020204" pitchFamily="34" charset="0"/>
               <a:buChar char="•"/>
             </a:pPr>
-            <a:endParaRPr lang="en-US" altLang="ko-KR" sz="2000" dirty="0" smtClean="0"/>
+            <a:endParaRPr lang="en-US" altLang="ko-KR" sz="2000" dirty="0"/>
           </a:p>
           <a:p>
             <a:pPr marL="742950" lvl="1" indent="-285750">
@@ -27218,7 +26966,7 @@
               <a:buFont typeface="Wingdings" panose="05000000000000000000" pitchFamily="2" charset="2"/>
               <a:buChar char="ü"/>
             </a:pPr>
-            <a:endParaRPr lang="en-US" altLang="ko-KR" dirty="0" smtClean="0"/>
+            <a:endParaRPr lang="en-US" altLang="ko-KR" dirty="0"/>
           </a:p>
           <a:p>
             <a:pPr marL="1657350" lvl="3" indent="-285750">
@@ -27229,15 +26977,15 @@
               <a:buChar char="Ø"/>
             </a:pPr>
             <a:r>
-              <a:rPr lang="ko-KR" altLang="en-US" sz="1500" dirty="0" err="1" smtClean="0"/>
+              <a:rPr lang="ko-KR" altLang="en-US" sz="1500" dirty="0" err="1"/>
               <a:t>표본공간</a:t>
             </a:r>
             <a:r>
-              <a:rPr lang="ko-KR" altLang="en-US" sz="1500" dirty="0" smtClean="0"/>
+              <a:rPr lang="ko-KR" altLang="en-US" sz="1500" dirty="0"/>
               <a:t> </a:t>
             </a:r>
             <a:r>
-              <a:rPr lang="en-US" altLang="ko-KR" sz="1500" dirty="0" smtClean="0"/>
+              <a:rPr lang="en-US" altLang="ko-KR" sz="1500" dirty="0"/>
               <a:t>: S = {1,2,3,4,5,6}</a:t>
             </a:r>
           </a:p>
@@ -27250,15 +26998,15 @@
               <a:buChar char="Ø"/>
             </a:pPr>
             <a:r>
-              <a:rPr lang="ko-KR" altLang="en-US" sz="1500" dirty="0" err="1" smtClean="0"/>
+              <a:rPr lang="ko-KR" altLang="en-US" sz="1500" dirty="0" err="1"/>
               <a:t>근원사건</a:t>
             </a:r>
             <a:r>
-              <a:rPr lang="ko-KR" altLang="en-US" sz="1500" dirty="0" smtClean="0"/>
+              <a:rPr lang="ko-KR" altLang="en-US" sz="1500" dirty="0"/>
               <a:t> </a:t>
             </a:r>
             <a:r>
-              <a:rPr lang="en-US" altLang="ko-KR" sz="1500" dirty="0" smtClean="0"/>
+              <a:rPr lang="en-US" altLang="ko-KR" sz="1500" dirty="0"/>
               <a:t>: 1,2,3,4,5,6</a:t>
             </a:r>
           </a:p>
@@ -27271,19 +27019,19 @@
               <a:buChar char="Ø"/>
             </a:pPr>
             <a:r>
-              <a:rPr lang="ko-KR" altLang="en-US" sz="1500" dirty="0" smtClean="0"/>
+              <a:rPr lang="ko-KR" altLang="en-US" sz="1500" dirty="0"/>
               <a:t>사건 </a:t>
             </a:r>
             <a:r>
-              <a:rPr lang="en-US" altLang="ko-KR" sz="1500" dirty="0" smtClean="0"/>
+              <a:rPr lang="en-US" altLang="ko-KR" sz="1500" dirty="0"/>
               <a:t>: 3,4</a:t>
             </a:r>
             <a:r>
-              <a:rPr lang="ko-KR" altLang="en-US" sz="1500" dirty="0" smtClean="0"/>
+              <a:rPr lang="ko-KR" altLang="en-US" sz="1500" dirty="0"/>
               <a:t>가 나오는 사건 </a:t>
             </a:r>
             <a:r>
-              <a:rPr lang="en-US" altLang="ko-KR" sz="1500" dirty="0" smtClean="0"/>
+              <a:rPr lang="en-US" altLang="ko-KR" sz="1500" dirty="0"/>
               <a:t>A = {3,4}</a:t>
             </a:r>
           </a:p>
@@ -27295,7 +27043,7 @@
               <a:buFont typeface="Wingdings" panose="05000000000000000000" pitchFamily="2" charset="2"/>
               <a:buChar char="Ø"/>
             </a:pPr>
-            <a:endParaRPr lang="en-US" altLang="ko-KR" sz="1500" dirty="0" smtClean="0"/>
+            <a:endParaRPr lang="en-US" altLang="ko-KR" sz="1500" dirty="0"/>
           </a:p>
           <a:p>
             <a:pPr marL="742950" lvl="1" indent="-285750">
@@ -27306,35 +27054,35 @@
               <a:buChar char="•"/>
             </a:pPr>
             <a:r>
-              <a:rPr lang="en-US" altLang="ko-KR" dirty="0" smtClean="0"/>
+              <a:rPr lang="en-US" altLang="ko-KR" dirty="0"/>
               <a:t>n(A) = ø </a:t>
             </a:r>
             <a:r>
-              <a:rPr lang="ko-KR" altLang="en-US" dirty="0" smtClean="0"/>
+              <a:rPr lang="ko-KR" altLang="en-US" dirty="0"/>
               <a:t>일 때</a:t>
             </a:r>
             <a:r>
-              <a:rPr lang="en-US" altLang="ko-KR" dirty="0" smtClean="0"/>
+              <a:rPr lang="en-US" altLang="ko-KR" dirty="0"/>
               <a:t>, P(A) = 0 </a:t>
             </a:r>
             <a:r>
-              <a:rPr lang="ko-KR" altLang="en-US" dirty="0" smtClean="0"/>
+              <a:rPr lang="ko-KR" altLang="en-US" dirty="0"/>
               <a:t>은</a:t>
             </a:r>
             <a:r>
-              <a:rPr lang="en-US" altLang="ko-KR" dirty="0" smtClean="0"/>
+              <a:rPr lang="en-US" altLang="ko-KR" dirty="0"/>
               <a:t> </a:t>
             </a:r>
             <a:r>
-              <a:rPr lang="ko-KR" altLang="en-US" dirty="0" err="1" smtClean="0"/>
+              <a:rPr lang="ko-KR" altLang="en-US" dirty="0" err="1"/>
               <a:t>공사건</a:t>
             </a:r>
             <a:r>
-              <a:rPr lang="ko-KR" altLang="en-US" dirty="0" smtClean="0"/>
+              <a:rPr lang="ko-KR" altLang="en-US" dirty="0"/>
               <a:t> 이다</a:t>
             </a:r>
             <a:r>
-              <a:rPr lang="en-US" altLang="ko-KR" dirty="0" smtClean="0"/>
+              <a:rPr lang="en-US" altLang="ko-KR" dirty="0"/>
               <a:t>. </a:t>
             </a:r>
           </a:p>
@@ -27347,31 +27095,31 @@
               <a:buChar char="•"/>
             </a:pPr>
             <a:r>
-              <a:rPr lang="en-US" altLang="ko-KR" dirty="0" smtClean="0"/>
+              <a:rPr lang="en-US" altLang="ko-KR" dirty="0"/>
               <a:t>n(A) = S </a:t>
             </a:r>
             <a:r>
-              <a:rPr lang="ko-KR" altLang="en-US" dirty="0" smtClean="0"/>
+              <a:rPr lang="ko-KR" altLang="en-US" dirty="0"/>
               <a:t>일 때</a:t>
             </a:r>
             <a:r>
-              <a:rPr lang="en-US" altLang="ko-KR" dirty="0" smtClean="0"/>
+              <a:rPr lang="en-US" altLang="ko-KR" dirty="0"/>
               <a:t>, P(A) = 1 </a:t>
             </a:r>
             <a:r>
-              <a:rPr lang="ko-KR" altLang="en-US" dirty="0" smtClean="0"/>
+              <a:rPr lang="ko-KR" altLang="en-US" dirty="0"/>
               <a:t>은 </a:t>
             </a:r>
             <a:r>
-              <a:rPr lang="ko-KR" altLang="en-US" dirty="0" err="1" smtClean="0"/>
+              <a:rPr lang="ko-KR" altLang="en-US" dirty="0" err="1"/>
               <a:t>전사건</a:t>
             </a:r>
             <a:r>
-              <a:rPr lang="ko-KR" altLang="en-US" dirty="0" smtClean="0"/>
+              <a:rPr lang="ko-KR" altLang="en-US" dirty="0"/>
               <a:t> 이다</a:t>
             </a:r>
             <a:r>
-              <a:rPr lang="en-US" altLang="ko-KR" dirty="0" smtClean="0"/>
+              <a:rPr lang="en-US" altLang="ko-KR" dirty="0"/>
               <a:t>.</a:t>
             </a:r>
           </a:p>
@@ -27381,7 +27129,7 @@
                 <a:spcPct val="150000"/>
               </a:lnSpc>
             </a:pPr>
-            <a:endParaRPr lang="en-US" altLang="ko-KR" dirty="0" smtClean="0"/>
+            <a:endParaRPr lang="en-US" altLang="ko-KR" dirty="0"/>
           </a:p>
           <a:p>
             <a:pPr marL="742950" lvl="1" indent="-285750">
@@ -27392,30 +27140,17 @@
               <a:buChar char="ü"/>
             </a:pPr>
             <a:r>
-              <a:rPr lang="ko-KR" altLang="en-US" b="1" dirty="0" smtClean="0"/>
+              <a:rPr lang="ko-KR" altLang="en-US" b="1" dirty="0"/>
               <a:t>확률의 성질</a:t>
             </a:r>
-            <a:endParaRPr lang="en-US" altLang="ko-KR" b="1" dirty="0" smtClean="0"/>
+            <a:endParaRPr lang="en-US" altLang="ko-KR" b="1" dirty="0"/>
           </a:p>
           <a:p>
             <a:pPr lvl="1"/>
             <a:r>
               <a:rPr lang="en-US" altLang="ko-KR" dirty="0"/>
-              <a:t>	0 ≤ </a:t>
-            </a:r>
-            <a:r>
-              <a:rPr lang="en-US" altLang="ko-KR" dirty="0" smtClean="0"/>
-              <a:t>P(A</a:t>
-            </a:r>
-            <a:r>
-              <a:rPr lang="en-US" altLang="ko-KR" dirty="0"/>
-              <a:t>) ≤ </a:t>
-            </a:r>
-            <a:r>
-              <a:rPr lang="en-US" altLang="ko-KR" dirty="0" smtClean="0"/>
-              <a:t>1</a:t>
-            </a:r>
-            <a:endParaRPr lang="en-US" altLang="ko-KR" dirty="0"/>
+              <a:t>	0 ≤ P(A) ≤ 1</a:t>
+            </a:r>
           </a:p>
         </p:txBody>
       </p:sp>
@@ -27441,7 +27176,7 @@
         </p:blipFill>
         <p:spPr>
           <a:xfrm>
-            <a:off x="4180606" y="2093920"/>
+            <a:off x="4320632" y="2264059"/>
             <a:ext cx="2162175" cy="962025"/>
           </a:xfrm>
           <a:prstGeom prst="rect">
@@ -27548,7 +27283,7 @@
               <a:lstStyle/>
               <a:p>
                 <a:r>
-                  <a:rPr lang="en-US" altLang="ko-KR" sz="3000" b="1" dirty="0" smtClean="0">
+                  <a:rPr lang="en-US" altLang="ko-KR" sz="3000" b="1" dirty="0">
                     <a:solidFill>
                       <a:schemeClr val="accent6">
                         <a:lumMod val="50000"/>
@@ -27651,7 +27386,7 @@
               <a:lstStyle/>
               <a:p>
                 <a:r>
-                  <a:rPr lang="en-US" altLang="ko-KR" sz="3000" b="1" dirty="0" smtClean="0">
+                  <a:rPr lang="en-US" altLang="ko-KR" sz="3000" b="1" dirty="0">
                     <a:solidFill>
                       <a:schemeClr val="accent5"/>
                     </a:solidFill>
@@ -27691,7 +27426,7 @@
           <a:lstStyle/>
           <a:p>
             <a:r>
-              <a:rPr lang="en-US" altLang="ko-KR" sz="2000" dirty="0" smtClean="0"/>
+              <a:rPr lang="en-US" altLang="ko-KR" sz="2000" dirty="0"/>
               <a:t>1</a:t>
             </a:r>
             <a:endParaRPr lang="ko-KR" altLang="en-US" sz="2000" dirty="0"/>
@@ -27721,7 +27456,7 @@
           <a:lstStyle/>
           <a:p>
             <a:r>
-              <a:rPr lang="en-US" altLang="ko-KR" sz="2000" dirty="0" smtClean="0"/>
+              <a:rPr lang="en-US" altLang="ko-KR" sz="2000" dirty="0"/>
               <a:t>2</a:t>
             </a:r>
             <a:endParaRPr lang="ko-KR" altLang="en-US" sz="2000" dirty="0"/>
@@ -27751,7 +27486,7 @@
           <a:lstStyle/>
           <a:p>
             <a:r>
-              <a:rPr lang="en-US" altLang="ko-KR" sz="2000" dirty="0" smtClean="0"/>
+              <a:rPr lang="en-US" altLang="ko-KR" sz="2000" dirty="0"/>
               <a:t>6</a:t>
             </a:r>
             <a:endParaRPr lang="ko-KR" altLang="en-US" sz="2000" dirty="0"/>
@@ -27781,7 +27516,7 @@
           <a:lstStyle/>
           <a:p>
             <a:r>
-              <a:rPr lang="en-US" altLang="ko-KR" sz="2000" dirty="0" smtClean="0"/>
+              <a:rPr lang="en-US" altLang="ko-KR" sz="2000" dirty="0"/>
               <a:t>5</a:t>
             </a:r>
             <a:endParaRPr lang="ko-KR" altLang="en-US" sz="2000" dirty="0"/>
@@ -27811,7 +27546,7 @@
           <a:lstStyle/>
           <a:p>
             <a:r>
-              <a:rPr lang="en-US" altLang="ko-KR" sz="2000" dirty="0" smtClean="0"/>
+              <a:rPr lang="en-US" altLang="ko-KR" sz="2000" dirty="0"/>
               <a:t>4</a:t>
             </a:r>
             <a:endParaRPr lang="ko-KR" altLang="en-US" sz="2000" dirty="0"/>
@@ -27841,7 +27576,7 @@
           <a:lstStyle/>
           <a:p>
             <a:r>
-              <a:rPr lang="en-US" altLang="ko-KR" sz="2000" dirty="0" smtClean="0"/>
+              <a:rPr lang="en-US" altLang="ko-KR" sz="2000" dirty="0"/>
               <a:t>3</a:t>
             </a:r>
             <a:endParaRPr lang="ko-KR" altLang="en-US" sz="2000" dirty="0"/>
@@ -27861,13 +27596,6 @@
   <p:transition spd="med">
     <p:fade thruBlk="1"/>
   </p:transition>
-  <p:timing>
-    <p:tnLst>
-      <p:par>
-        <p:cTn id="1" dur="indefinite" restart="never" nodeType="tmRoot"/>
-      </p:par>
-    </p:tnLst>
-  </p:timing>
 </p:sld>
 </file>
 
